--- a/tutorials/presentations/Lecture7.pptx
+++ b/tutorials/presentations/Lecture7.pptx
@@ -11,7 +11,14 @@
     <p:sldId id="265" r:id="rId5"/>
     <p:sldId id="267" r:id="rId6"/>
     <p:sldId id="266" r:id="rId7"/>
-    <p:sldId id="268" r:id="rId8"/>
+    <p:sldId id="275" r:id="rId8"/>
+    <p:sldId id="276" r:id="rId9"/>
+    <p:sldId id="278" r:id="rId10"/>
+    <p:sldId id="277" r:id="rId11"/>
+    <p:sldId id="279" r:id="rId12"/>
+    <p:sldId id="280" r:id="rId13"/>
+    <p:sldId id="282" r:id="rId14"/>
+    <p:sldId id="283" r:id="rId15"/>
   </p:sldIdLst>
   <p:sldSz cx="12192000" cy="6858000"/>
   <p:notesSz cx="6858000" cy="9144000"/>
@@ -121,16 +128,265 @@
 <file path=ppt/revisionInfo.xml><?xml version="1.0" encoding="utf-8"?>
 <p1510:revInfo xmlns:a="http://schemas.openxmlformats.org/drawingml/2006/main" xmlns:r="http://schemas.openxmlformats.org/officeDocument/2006/relationships" xmlns:p1510="http://schemas.microsoft.com/office/powerpoint/2015/10/main">
   <p1510:revLst>
-    <p1510:client id="{2A4F3FF4-B48F-4BF2-8996-C16EAC4E46EE}" v="11" dt="2025-06-10T11:18:53.831"/>
-    <p1510:client id="{2BCC0636-15D0-4E0E-95A4-C98A11126E44}" v="11" dt="2025-06-10T12:29:34.580"/>
-    <p1510:client id="{78C1D944-C5E2-4D33-BE3A-5C243E175D98}" v="22" dt="2025-06-10T10:39:16.928"/>
-    <p1510:client id="{B204C6DB-D499-4973-8E04-3A79F73ABFFA}" v="8" dt="2025-06-10T12:01:26.867"/>
+    <p1510:client id="{FA2A3DCA-51EC-4091-BA4C-ABFDDC5DF777}" v="12" dt="2025-06-11T13:14:17.065"/>
   </p1510:revLst>
 </p1510:revInfo>
 </file>
 
 <file path=ppt/changesInfos/changesInfo1.xml><?xml version="1.0" encoding="utf-8"?>
 <pc:chgInfo xmlns:a="http://schemas.openxmlformats.org/drawingml/2006/main" xmlns:r="http://schemas.openxmlformats.org/officeDocument/2006/relationships" xmlns:ac="http://schemas.microsoft.com/office/drawing/2013/main/command" xmlns:pc="http://schemas.microsoft.com/office/powerpoint/2013/main/command">
+  <pc:docChgLst>
+    <pc:chgData name="Ben Jones (Ben Jones)" userId="e6e8a0f3-34fe-4d14-b7ab-3a9f1769fff2" providerId="ADAL" clId="{FA2A3DCA-51EC-4091-BA4C-ABFDDC5DF777}"/>
+    <pc:docChg chg="custSel addSld delSld modSld">
+      <pc:chgData name="Ben Jones (Ben Jones)" userId="e6e8a0f3-34fe-4d14-b7ab-3a9f1769fff2" providerId="ADAL" clId="{FA2A3DCA-51EC-4091-BA4C-ABFDDC5DF777}" dt="2025-06-11T13:14:38.818" v="461" actId="20577"/>
+      <pc:docMkLst>
+        <pc:docMk/>
+      </pc:docMkLst>
+      <pc:sldChg chg="modSp mod">
+        <pc:chgData name="Ben Jones (Ben Jones)" userId="e6e8a0f3-34fe-4d14-b7ab-3a9f1769fff2" providerId="ADAL" clId="{FA2A3DCA-51EC-4091-BA4C-ABFDDC5DF777}" dt="2025-06-11T12:55:26.497" v="226" actId="20577"/>
+        <pc:sldMkLst>
+          <pc:docMk/>
+          <pc:sldMk cId="3635014069" sldId="258"/>
+        </pc:sldMkLst>
+        <pc:spChg chg="mod">
+          <ac:chgData name="Ben Jones (Ben Jones)" userId="e6e8a0f3-34fe-4d14-b7ab-3a9f1769fff2" providerId="ADAL" clId="{FA2A3DCA-51EC-4091-BA4C-ABFDDC5DF777}" dt="2025-06-11T12:55:26.497" v="226" actId="20577"/>
+          <ac:spMkLst>
+            <pc:docMk/>
+            <pc:sldMk cId="3635014069" sldId="258"/>
+            <ac:spMk id="6" creationId="{1E0B453A-CD21-CEA9-19F5-A9097CDD28B8}"/>
+          </ac:spMkLst>
+        </pc:spChg>
+      </pc:sldChg>
+      <pc:sldChg chg="addSp">
+        <pc:chgData name="Ben Jones (Ben Jones)" userId="e6e8a0f3-34fe-4d14-b7ab-3a9f1769fff2" providerId="ADAL" clId="{FA2A3DCA-51EC-4091-BA4C-ABFDDC5DF777}" dt="2025-06-11T12:39:33.609" v="0"/>
+        <pc:sldMkLst>
+          <pc:docMk/>
+          <pc:sldMk cId="2628338777" sldId="266"/>
+        </pc:sldMkLst>
+        <pc:picChg chg="add">
+          <ac:chgData name="Ben Jones (Ben Jones)" userId="e6e8a0f3-34fe-4d14-b7ab-3a9f1769fff2" providerId="ADAL" clId="{FA2A3DCA-51EC-4091-BA4C-ABFDDC5DF777}" dt="2025-06-11T12:39:33.609" v="0"/>
+          <ac:picMkLst>
+            <pc:docMk/>
+            <pc:sldMk cId="2628338777" sldId="266"/>
+            <ac:picMk id="3" creationId="{BD3AFA1B-3E29-8BFC-A27A-B4A61C29DEC4}"/>
+          </ac:picMkLst>
+        </pc:picChg>
+      </pc:sldChg>
+      <pc:sldChg chg="del">
+        <pc:chgData name="Ben Jones (Ben Jones)" userId="e6e8a0f3-34fe-4d14-b7ab-3a9f1769fff2" providerId="ADAL" clId="{FA2A3DCA-51EC-4091-BA4C-ABFDDC5DF777}" dt="2025-06-11T12:39:47.374" v="2" actId="2696"/>
+        <pc:sldMkLst>
+          <pc:docMk/>
+          <pc:sldMk cId="859535218" sldId="268"/>
+        </pc:sldMkLst>
+      </pc:sldChg>
+      <pc:sldChg chg="modSp add mod">
+        <pc:chgData name="Ben Jones (Ben Jones)" userId="e6e8a0f3-34fe-4d14-b7ab-3a9f1769fff2" providerId="ADAL" clId="{FA2A3DCA-51EC-4091-BA4C-ABFDDC5DF777}" dt="2025-06-11T13:14:38.818" v="461" actId="20577"/>
+        <pc:sldMkLst>
+          <pc:docMk/>
+          <pc:sldMk cId="1196129529" sldId="275"/>
+        </pc:sldMkLst>
+        <pc:spChg chg="mod">
+          <ac:chgData name="Ben Jones (Ben Jones)" userId="e6e8a0f3-34fe-4d14-b7ab-3a9f1769fff2" providerId="ADAL" clId="{FA2A3DCA-51EC-4091-BA4C-ABFDDC5DF777}" dt="2025-06-11T13:14:38.818" v="461" actId="20577"/>
+          <ac:spMkLst>
+            <pc:docMk/>
+            <pc:sldMk cId="1196129529" sldId="275"/>
+            <ac:spMk id="2" creationId="{2FD74C20-41B1-1779-C7E1-743DB0FDE34C}"/>
+          </ac:spMkLst>
+        </pc:spChg>
+        <pc:spChg chg="mod">
+          <ac:chgData name="Ben Jones (Ben Jones)" userId="e6e8a0f3-34fe-4d14-b7ab-3a9f1769fff2" providerId="ADAL" clId="{FA2A3DCA-51EC-4091-BA4C-ABFDDC5DF777}" dt="2025-06-11T13:09:50.294" v="371" actId="948"/>
+          <ac:spMkLst>
+            <pc:docMk/>
+            <pc:sldMk cId="1196129529" sldId="275"/>
+            <ac:spMk id="3" creationId="{F17B0C28-707C-22FC-8646-0D0488285642}"/>
+          </ac:spMkLst>
+        </pc:spChg>
+      </pc:sldChg>
+      <pc:sldChg chg="modSp new mod">
+        <pc:chgData name="Ben Jones (Ben Jones)" userId="e6e8a0f3-34fe-4d14-b7ab-3a9f1769fff2" providerId="ADAL" clId="{FA2A3DCA-51EC-4091-BA4C-ABFDDC5DF777}" dt="2025-06-11T13:09:58.758" v="372" actId="948"/>
+        <pc:sldMkLst>
+          <pc:docMk/>
+          <pc:sldMk cId="966833666" sldId="276"/>
+        </pc:sldMkLst>
+        <pc:spChg chg="mod">
+          <ac:chgData name="Ben Jones (Ben Jones)" userId="e6e8a0f3-34fe-4d14-b7ab-3a9f1769fff2" providerId="ADAL" clId="{FA2A3DCA-51EC-4091-BA4C-ABFDDC5DF777}" dt="2025-06-11T12:47:12.378" v="86" actId="20577"/>
+          <ac:spMkLst>
+            <pc:docMk/>
+            <pc:sldMk cId="966833666" sldId="276"/>
+            <ac:spMk id="2" creationId="{88D919F8-F584-D23E-4016-4D13E9B0D505}"/>
+          </ac:spMkLst>
+        </pc:spChg>
+        <pc:spChg chg="mod">
+          <ac:chgData name="Ben Jones (Ben Jones)" userId="e6e8a0f3-34fe-4d14-b7ab-3a9f1769fff2" providerId="ADAL" clId="{FA2A3DCA-51EC-4091-BA4C-ABFDDC5DF777}" dt="2025-06-11T13:09:58.758" v="372" actId="948"/>
+          <ac:spMkLst>
+            <pc:docMk/>
+            <pc:sldMk cId="966833666" sldId="276"/>
+            <ac:spMk id="3" creationId="{19B341AA-469A-5A56-C61A-BB70D3AD57D6}"/>
+          </ac:spMkLst>
+        </pc:spChg>
+      </pc:sldChg>
+      <pc:sldChg chg="modSp add mod">
+        <pc:chgData name="Ben Jones (Ben Jones)" userId="e6e8a0f3-34fe-4d14-b7ab-3a9f1769fff2" providerId="ADAL" clId="{FA2A3DCA-51EC-4091-BA4C-ABFDDC5DF777}" dt="2025-06-11T13:14:13.775" v="450"/>
+        <pc:sldMkLst>
+          <pc:docMk/>
+          <pc:sldMk cId="3161078323" sldId="277"/>
+        </pc:sldMkLst>
+        <pc:spChg chg="mod">
+          <ac:chgData name="Ben Jones (Ben Jones)" userId="e6e8a0f3-34fe-4d14-b7ab-3a9f1769fff2" providerId="ADAL" clId="{FA2A3DCA-51EC-4091-BA4C-ABFDDC5DF777}" dt="2025-06-11T13:14:13.775" v="450"/>
+          <ac:spMkLst>
+            <pc:docMk/>
+            <pc:sldMk cId="3161078323" sldId="277"/>
+            <ac:spMk id="2" creationId="{59C91038-6773-7B41-EF5A-366C8E9B45D0}"/>
+          </ac:spMkLst>
+        </pc:spChg>
+        <pc:spChg chg="mod">
+          <ac:chgData name="Ben Jones (Ben Jones)" userId="e6e8a0f3-34fe-4d14-b7ab-3a9f1769fff2" providerId="ADAL" clId="{FA2A3DCA-51EC-4091-BA4C-ABFDDC5DF777}" dt="2025-06-11T13:11:14.074" v="396" actId="948"/>
+          <ac:spMkLst>
+            <pc:docMk/>
+            <pc:sldMk cId="3161078323" sldId="277"/>
+            <ac:spMk id="3" creationId="{7BD7914A-7779-1ED2-75EC-D85C0A40581C}"/>
+          </ac:spMkLst>
+        </pc:spChg>
+      </pc:sldChg>
+      <pc:sldChg chg="modSp add mod">
+        <pc:chgData name="Ben Jones (Ben Jones)" userId="e6e8a0f3-34fe-4d14-b7ab-3a9f1769fff2" providerId="ADAL" clId="{FA2A3DCA-51EC-4091-BA4C-ABFDDC5DF777}" dt="2025-06-11T13:14:17.065" v="451"/>
+        <pc:sldMkLst>
+          <pc:docMk/>
+          <pc:sldMk cId="2197609774" sldId="278"/>
+        </pc:sldMkLst>
+        <pc:spChg chg="mod">
+          <ac:chgData name="Ben Jones (Ben Jones)" userId="e6e8a0f3-34fe-4d14-b7ab-3a9f1769fff2" providerId="ADAL" clId="{FA2A3DCA-51EC-4091-BA4C-ABFDDC5DF777}" dt="2025-06-11T13:14:17.065" v="451"/>
+          <ac:spMkLst>
+            <pc:docMk/>
+            <pc:sldMk cId="2197609774" sldId="278"/>
+            <ac:spMk id="2" creationId="{F3B30141-1EAA-FFA5-51E5-1ED2CB0A0A6E}"/>
+          </ac:spMkLst>
+        </pc:spChg>
+        <pc:spChg chg="mod">
+          <ac:chgData name="Ben Jones (Ben Jones)" userId="e6e8a0f3-34fe-4d14-b7ab-3a9f1769fff2" providerId="ADAL" clId="{FA2A3DCA-51EC-4091-BA4C-ABFDDC5DF777}" dt="2025-06-11T13:10:43.814" v="374" actId="20577"/>
+          <ac:spMkLst>
+            <pc:docMk/>
+            <pc:sldMk cId="2197609774" sldId="278"/>
+            <ac:spMk id="3" creationId="{18D51C41-196E-E8CA-E1C5-0F03225BAC58}"/>
+          </ac:spMkLst>
+        </pc:spChg>
+      </pc:sldChg>
+      <pc:sldChg chg="modSp add mod">
+        <pc:chgData name="Ben Jones (Ben Jones)" userId="e6e8a0f3-34fe-4d14-b7ab-3a9f1769fff2" providerId="ADAL" clId="{FA2A3DCA-51EC-4091-BA4C-ABFDDC5DF777}" dt="2025-06-11T13:14:10.468" v="449"/>
+        <pc:sldMkLst>
+          <pc:docMk/>
+          <pc:sldMk cId="3108459171" sldId="279"/>
+        </pc:sldMkLst>
+        <pc:spChg chg="mod">
+          <ac:chgData name="Ben Jones (Ben Jones)" userId="e6e8a0f3-34fe-4d14-b7ab-3a9f1769fff2" providerId="ADAL" clId="{FA2A3DCA-51EC-4091-BA4C-ABFDDC5DF777}" dt="2025-06-11T13:14:10.468" v="449"/>
+          <ac:spMkLst>
+            <pc:docMk/>
+            <pc:sldMk cId="3108459171" sldId="279"/>
+            <ac:spMk id="2" creationId="{988DDE7B-4D28-57B4-5F03-4434E4AD19A4}"/>
+          </ac:spMkLst>
+        </pc:spChg>
+        <pc:spChg chg="mod">
+          <ac:chgData name="Ben Jones (Ben Jones)" userId="e6e8a0f3-34fe-4d14-b7ab-3a9f1769fff2" providerId="ADAL" clId="{FA2A3DCA-51EC-4091-BA4C-ABFDDC5DF777}" dt="2025-06-11T13:11:44.192" v="398" actId="948"/>
+          <ac:spMkLst>
+            <pc:docMk/>
+            <pc:sldMk cId="3108459171" sldId="279"/>
+            <ac:spMk id="3" creationId="{1D178B02-324F-D823-76E5-AFFB068F606D}"/>
+          </ac:spMkLst>
+        </pc:spChg>
+      </pc:sldChg>
+      <pc:sldChg chg="modSp add mod">
+        <pc:chgData name="Ben Jones (Ben Jones)" userId="e6e8a0f3-34fe-4d14-b7ab-3a9f1769fff2" providerId="ADAL" clId="{FA2A3DCA-51EC-4091-BA4C-ABFDDC5DF777}" dt="2025-06-11T13:14:05.824" v="448"/>
+        <pc:sldMkLst>
+          <pc:docMk/>
+          <pc:sldMk cId="582451183" sldId="280"/>
+        </pc:sldMkLst>
+        <pc:spChg chg="mod">
+          <ac:chgData name="Ben Jones (Ben Jones)" userId="e6e8a0f3-34fe-4d14-b7ab-3a9f1769fff2" providerId="ADAL" clId="{FA2A3DCA-51EC-4091-BA4C-ABFDDC5DF777}" dt="2025-06-11T13:14:05.824" v="448"/>
+          <ac:spMkLst>
+            <pc:docMk/>
+            <pc:sldMk cId="582451183" sldId="280"/>
+            <ac:spMk id="2" creationId="{DF0F19E2-EDFF-FFD6-A278-995581CD2511}"/>
+          </ac:spMkLst>
+        </pc:spChg>
+        <pc:spChg chg="mod">
+          <ac:chgData name="Ben Jones (Ben Jones)" userId="e6e8a0f3-34fe-4d14-b7ab-3a9f1769fff2" providerId="ADAL" clId="{FA2A3DCA-51EC-4091-BA4C-ABFDDC5DF777}" dt="2025-06-11T13:12:57.595" v="413" actId="948"/>
+          <ac:spMkLst>
+            <pc:docMk/>
+            <pc:sldMk cId="582451183" sldId="280"/>
+            <ac:spMk id="3" creationId="{36C1F542-2810-58B5-768B-5901074B7D93}"/>
+          </ac:spMkLst>
+        </pc:spChg>
+      </pc:sldChg>
+      <pc:sldChg chg="modSp new del mod">
+        <pc:chgData name="Ben Jones (Ben Jones)" userId="e6e8a0f3-34fe-4d14-b7ab-3a9f1769fff2" providerId="ADAL" clId="{FA2A3DCA-51EC-4091-BA4C-ABFDDC5DF777}" dt="2025-06-11T13:13:09.763" v="414" actId="2696"/>
+        <pc:sldMkLst>
+          <pc:docMk/>
+          <pc:sldMk cId="3815040001" sldId="281"/>
+        </pc:sldMkLst>
+        <pc:spChg chg="mod">
+          <ac:chgData name="Ben Jones (Ben Jones)" userId="e6e8a0f3-34fe-4d14-b7ab-3a9f1769fff2" providerId="ADAL" clId="{FA2A3DCA-51EC-4091-BA4C-ABFDDC5DF777}" dt="2025-06-11T12:56:05.141" v="259" actId="20577"/>
+          <ac:spMkLst>
+            <pc:docMk/>
+            <pc:sldMk cId="3815040001" sldId="281"/>
+            <ac:spMk id="2" creationId="{D9DD854F-CD4B-5AAF-D916-9896F360FA76}"/>
+          </ac:spMkLst>
+        </pc:spChg>
+        <pc:spChg chg="mod">
+          <ac:chgData name="Ben Jones (Ben Jones)" userId="e6e8a0f3-34fe-4d14-b7ab-3a9f1769fff2" providerId="ADAL" clId="{FA2A3DCA-51EC-4091-BA4C-ABFDDC5DF777}" dt="2025-06-11T12:56:12.843" v="261" actId="27636"/>
+          <ac:spMkLst>
+            <pc:docMk/>
+            <pc:sldMk cId="3815040001" sldId="281"/>
+            <ac:spMk id="3" creationId="{F8001336-214C-8FC8-6E3F-753FC0D8394F}"/>
+          </ac:spMkLst>
+        </pc:spChg>
+      </pc:sldChg>
+      <pc:sldChg chg="modSp add mod">
+        <pc:chgData name="Ben Jones (Ben Jones)" userId="e6e8a0f3-34fe-4d14-b7ab-3a9f1769fff2" providerId="ADAL" clId="{FA2A3DCA-51EC-4091-BA4C-ABFDDC5DF777}" dt="2025-06-11T13:13:33.210" v="417" actId="255"/>
+        <pc:sldMkLst>
+          <pc:docMk/>
+          <pc:sldMk cId="2681861969" sldId="282"/>
+        </pc:sldMkLst>
+        <pc:spChg chg="mod">
+          <ac:chgData name="Ben Jones (Ben Jones)" userId="e6e8a0f3-34fe-4d14-b7ab-3a9f1769fff2" providerId="ADAL" clId="{FA2A3DCA-51EC-4091-BA4C-ABFDDC5DF777}" dt="2025-06-11T13:13:33.210" v="417" actId="255"/>
+          <ac:spMkLst>
+            <pc:docMk/>
+            <pc:sldMk cId="2681861969" sldId="282"/>
+            <ac:spMk id="3" creationId="{DE529CD0-3070-A32D-EF7E-8C28C4CB42E1}"/>
+          </ac:spMkLst>
+        </pc:spChg>
+      </pc:sldChg>
+      <pc:sldChg chg="modSp add mod">
+        <pc:chgData name="Ben Jones (Ben Jones)" userId="e6e8a0f3-34fe-4d14-b7ab-3a9f1769fff2" providerId="ADAL" clId="{FA2A3DCA-51EC-4091-BA4C-ABFDDC5DF777}" dt="2025-06-11T13:13:56.035" v="434" actId="20577"/>
+        <pc:sldMkLst>
+          <pc:docMk/>
+          <pc:sldMk cId="3429084832" sldId="283"/>
+        </pc:sldMkLst>
+        <pc:spChg chg="mod">
+          <ac:chgData name="Ben Jones (Ben Jones)" userId="e6e8a0f3-34fe-4d14-b7ab-3a9f1769fff2" providerId="ADAL" clId="{FA2A3DCA-51EC-4091-BA4C-ABFDDC5DF777}" dt="2025-06-11T13:13:56.035" v="434" actId="20577"/>
+          <ac:spMkLst>
+            <pc:docMk/>
+            <pc:sldMk cId="3429084832" sldId="283"/>
+            <ac:spMk id="2" creationId="{8755BC55-8A49-7CF4-5066-BA010A1857A5}"/>
+          </ac:spMkLst>
+        </pc:spChg>
+        <pc:spChg chg="mod">
+          <ac:chgData name="Ben Jones (Ben Jones)" userId="e6e8a0f3-34fe-4d14-b7ab-3a9f1769fff2" providerId="ADAL" clId="{FA2A3DCA-51EC-4091-BA4C-ABFDDC5DF777}" dt="2025-06-11T13:13:38.996" v="418" actId="255"/>
+          <ac:spMkLst>
+            <pc:docMk/>
+            <pc:sldMk cId="3429084832" sldId="283"/>
+            <ac:spMk id="3" creationId="{2A5CDAAC-D36F-904C-1743-2BF0DB1A4B08}"/>
+          </ac:spMkLst>
+        </pc:spChg>
+      </pc:sldChg>
+      <pc:sldChg chg="new del">
+        <pc:chgData name="Ben Jones (Ben Jones)" userId="e6e8a0f3-34fe-4d14-b7ab-3a9f1769fff2" providerId="ADAL" clId="{FA2A3DCA-51EC-4091-BA4C-ABFDDC5DF777}" dt="2025-06-11T12:57:55.647" v="329" actId="2696"/>
+        <pc:sldMkLst>
+          <pc:docMk/>
+          <pc:sldMk cId="3795417325" sldId="283"/>
+        </pc:sldMkLst>
+      </pc:sldChg>
+    </pc:docChg>
+  </pc:docChgLst>
   <pc:docChgLst>
     <pc:chgData name="Ben Jones (Ben Jones)" userId="e6e8a0f3-34fe-4d14-b7ab-3a9f1769fff2" providerId="ADAL" clId="{2A4F3FF4-B48F-4BF2-8996-C16EAC4E46EE}"/>
     <pc:docChg chg="undo custSel addSld delSld modSld">
@@ -1384,7 +1640,7 @@
           <a:p>
             <a:fld id="{1D30A4DD-26E1-4754-8784-A5449317D6AC}" type="datetimeFigureOut">
               <a:rPr lang="en-AU" smtClean="0"/>
-              <a:t>10/06/2025</a:t>
+              <a:t>11/06/2025</a:t>
             </a:fld>
             <a:endParaRPr lang="en-AU"/>
           </a:p>
@@ -1584,7 +1840,7 @@
           <a:p>
             <a:fld id="{1D30A4DD-26E1-4754-8784-A5449317D6AC}" type="datetimeFigureOut">
               <a:rPr lang="en-AU" smtClean="0"/>
-              <a:t>10/06/2025</a:t>
+              <a:t>11/06/2025</a:t>
             </a:fld>
             <a:endParaRPr lang="en-AU"/>
           </a:p>
@@ -1794,7 +2050,7 @@
           <a:p>
             <a:fld id="{1D30A4DD-26E1-4754-8784-A5449317D6AC}" type="datetimeFigureOut">
               <a:rPr lang="en-AU" smtClean="0"/>
-              <a:t>10/06/2025</a:t>
+              <a:t>11/06/2025</a:t>
             </a:fld>
             <a:endParaRPr lang="en-AU"/>
           </a:p>
@@ -1994,7 +2250,7 @@
           <a:p>
             <a:fld id="{1D30A4DD-26E1-4754-8784-A5449317D6AC}" type="datetimeFigureOut">
               <a:rPr lang="en-AU" smtClean="0"/>
-              <a:t>10/06/2025</a:t>
+              <a:t>11/06/2025</a:t>
             </a:fld>
             <a:endParaRPr lang="en-AU"/>
           </a:p>
@@ -2270,7 +2526,7 @@
           <a:p>
             <a:fld id="{1D30A4DD-26E1-4754-8784-A5449317D6AC}" type="datetimeFigureOut">
               <a:rPr lang="en-AU" smtClean="0"/>
-              <a:t>10/06/2025</a:t>
+              <a:t>11/06/2025</a:t>
             </a:fld>
             <a:endParaRPr lang="en-AU"/>
           </a:p>
@@ -2538,7 +2794,7 @@
           <a:p>
             <a:fld id="{1D30A4DD-26E1-4754-8784-A5449317D6AC}" type="datetimeFigureOut">
               <a:rPr lang="en-AU" smtClean="0"/>
-              <a:t>10/06/2025</a:t>
+              <a:t>11/06/2025</a:t>
             </a:fld>
             <a:endParaRPr lang="en-AU"/>
           </a:p>
@@ -2953,7 +3209,7 @@
           <a:p>
             <a:fld id="{1D30A4DD-26E1-4754-8784-A5449317D6AC}" type="datetimeFigureOut">
               <a:rPr lang="en-AU" smtClean="0"/>
-              <a:t>10/06/2025</a:t>
+              <a:t>11/06/2025</a:t>
             </a:fld>
             <a:endParaRPr lang="en-AU"/>
           </a:p>
@@ -3095,7 +3351,7 @@
           <a:p>
             <a:fld id="{1D30A4DD-26E1-4754-8784-A5449317D6AC}" type="datetimeFigureOut">
               <a:rPr lang="en-AU" smtClean="0"/>
-              <a:t>10/06/2025</a:t>
+              <a:t>11/06/2025</a:t>
             </a:fld>
             <a:endParaRPr lang="en-AU"/>
           </a:p>
@@ -3208,7 +3464,7 @@
           <a:p>
             <a:fld id="{1D30A4DD-26E1-4754-8784-A5449317D6AC}" type="datetimeFigureOut">
               <a:rPr lang="en-AU" smtClean="0"/>
-              <a:t>10/06/2025</a:t>
+              <a:t>11/06/2025</a:t>
             </a:fld>
             <a:endParaRPr lang="en-AU"/>
           </a:p>
@@ -3521,7 +3777,7 @@
           <a:p>
             <a:fld id="{1D30A4DD-26E1-4754-8784-A5449317D6AC}" type="datetimeFigureOut">
               <a:rPr lang="en-AU" smtClean="0"/>
-              <a:t>10/06/2025</a:t>
+              <a:t>11/06/2025</a:t>
             </a:fld>
             <a:endParaRPr lang="en-AU"/>
           </a:p>
@@ -3810,7 +4066,7 @@
           <a:p>
             <a:fld id="{1D30A4DD-26E1-4754-8784-A5449317D6AC}" type="datetimeFigureOut">
               <a:rPr lang="en-AU" smtClean="0"/>
-              <a:t>10/06/2025</a:t>
+              <a:t>11/06/2025</a:t>
             </a:fld>
             <a:endParaRPr lang="en-AU"/>
           </a:p>
@@ -4053,7 +4309,7 @@
           <a:p>
             <a:fld id="{1D30A4DD-26E1-4754-8784-A5449317D6AC}" type="datetimeFigureOut">
               <a:rPr lang="en-AU" smtClean="0"/>
-              <a:t>10/06/2025</a:t>
+              <a:t>11/06/2025</a:t>
             </a:fld>
             <a:endParaRPr lang="en-AU"/>
           </a:p>
@@ -4551,6 +4807,1819 @@
 </p:sld>
 </file>
 
+<file path=ppt/slides/slide10.xml><?xml version="1.0" encoding="utf-8"?>
+<p:sld xmlns:a="http://schemas.openxmlformats.org/drawingml/2006/main" xmlns:r="http://schemas.openxmlformats.org/officeDocument/2006/relationships" xmlns:p="http://schemas.openxmlformats.org/presentationml/2006/main">
+  <p:cSld>
+    <p:spTree>
+      <p:nvGrpSpPr>
+        <p:cNvPr id="1" name="">
+          <a:extLst>
+            <a:ext uri="{FF2B5EF4-FFF2-40B4-BE49-F238E27FC236}">
+              <a16:creationId xmlns:a16="http://schemas.microsoft.com/office/drawing/2014/main" id="{5FF062C8-2134-9D3E-798E-07161E8D442C}"/>
+            </a:ext>
+          </a:extLst>
+        </p:cNvPr>
+        <p:cNvGrpSpPr/>
+        <p:nvPr/>
+      </p:nvGrpSpPr>
+      <p:grpSpPr>
+        <a:xfrm>
+          <a:off x="0" y="0"/>
+          <a:ext cx="0" cy="0"/>
+          <a:chOff x="0" y="0"/>
+          <a:chExt cx="0" cy="0"/>
+        </a:xfrm>
+      </p:grpSpPr>
+      <p:sp>
+        <p:nvSpPr>
+          <p:cNvPr id="2" name="Title 1">
+            <a:extLst>
+              <a:ext uri="{FF2B5EF4-FFF2-40B4-BE49-F238E27FC236}">
+                <a16:creationId xmlns:a16="http://schemas.microsoft.com/office/drawing/2014/main" id="{59C91038-6773-7B41-EF5A-366C8E9B45D0}"/>
+              </a:ext>
+            </a:extLst>
+          </p:cNvPr>
+          <p:cNvSpPr>
+            <a:spLocks noGrp="1"/>
+          </p:cNvSpPr>
+          <p:nvPr>
+            <p:ph type="title"/>
+          </p:nvPr>
+        </p:nvSpPr>
+        <p:spPr/>
+        <p:txBody>
+          <a:bodyPr/>
+          <a:lstStyle/>
+          <a:p>
+            <a:r>
+              <a:rPr lang="en-AU" dirty="0"/>
+              <a:t>State Machine , (</a:t>
+            </a:r>
+            <a:r>
+              <a:rPr lang="en-AU" dirty="0" err="1"/>
+              <a:t>cont</a:t>
+            </a:r>
+            <a:r>
+              <a:rPr lang="en-AU" dirty="0"/>
+              <a:t>)</a:t>
+            </a:r>
+          </a:p>
+        </p:txBody>
+      </p:sp>
+      <p:sp>
+        <p:nvSpPr>
+          <p:cNvPr id="3" name="Content Placeholder 2">
+            <a:extLst>
+              <a:ext uri="{FF2B5EF4-FFF2-40B4-BE49-F238E27FC236}">
+                <a16:creationId xmlns:a16="http://schemas.microsoft.com/office/drawing/2014/main" id="{7BD7914A-7779-1ED2-75EC-D85C0A40581C}"/>
+              </a:ext>
+            </a:extLst>
+          </p:cNvPr>
+          <p:cNvSpPr>
+            <a:spLocks noGrp="1"/>
+          </p:cNvSpPr>
+          <p:nvPr>
+            <p:ph idx="1"/>
+          </p:nvPr>
+        </p:nvSpPr>
+        <p:spPr/>
+        <p:txBody>
+          <a:bodyPr>
+            <a:normAutofit/>
+          </a:bodyPr>
+          <a:lstStyle/>
+          <a:p>
+            <a:pPr marL="0" indent="0">
+              <a:lnSpc>
+                <a:spcPct val="100000"/>
+              </a:lnSpc>
+              <a:spcBef>
+                <a:spcPts val="0"/>
+              </a:spcBef>
+              <a:buNone/>
+            </a:pPr>
+            <a:r>
+              <a:rPr lang="en-AU" sz="2200" dirty="0">
+                <a:latin typeface="Consolas" panose="020B0609020204030204" pitchFamily="49" charset="0"/>
+              </a:rPr>
+              <a:t>def update(self):</a:t>
+            </a:r>
+          </a:p>
+          <a:p>
+            <a:pPr marL="457200" lvl="1" indent="0">
+              <a:lnSpc>
+                <a:spcPct val="100000"/>
+              </a:lnSpc>
+              <a:spcBef>
+                <a:spcPts val="0"/>
+              </a:spcBef>
+              <a:buNone/>
+            </a:pPr>
+            <a:r>
+              <a:rPr lang="en-AU" sz="2200" dirty="0">
+                <a:latin typeface="Consolas" panose="020B0609020204030204" pitchFamily="49" charset="0"/>
+              </a:rPr>
+              <a:t>…</a:t>
+            </a:r>
+          </a:p>
+          <a:p>
+            <a:pPr marL="457200" lvl="1" indent="0">
+              <a:lnSpc>
+                <a:spcPct val="100000"/>
+              </a:lnSpc>
+              <a:spcBef>
+                <a:spcPts val="0"/>
+              </a:spcBef>
+              <a:buNone/>
+            </a:pPr>
+            <a:r>
+              <a:rPr lang="en-AU" sz="2200" dirty="0" err="1">
+                <a:latin typeface="Consolas" panose="020B0609020204030204" pitchFamily="49" charset="0"/>
+              </a:rPr>
+              <a:t>elif</a:t>
+            </a:r>
+            <a:r>
+              <a:rPr lang="en-AU" sz="2200" dirty="0">
+                <a:latin typeface="Consolas" panose="020B0609020204030204" pitchFamily="49" charset="0"/>
+              </a:rPr>
+              <a:t> </a:t>
+            </a:r>
+            <a:r>
+              <a:rPr lang="en-AU" sz="2200" dirty="0" err="1">
+                <a:latin typeface="Consolas" panose="020B0609020204030204" pitchFamily="49" charset="0"/>
+              </a:rPr>
+              <a:t>self.state</a:t>
+            </a:r>
+            <a:r>
+              <a:rPr lang="en-AU" sz="2200" dirty="0">
+                <a:latin typeface="Consolas" panose="020B0609020204030204" pitchFamily="49" charset="0"/>
+              </a:rPr>
+              <a:t> == "WALK":</a:t>
+            </a:r>
+          </a:p>
+          <a:p>
+            <a:pPr marL="457200" lvl="1" indent="0">
+              <a:lnSpc>
+                <a:spcPct val="100000"/>
+              </a:lnSpc>
+              <a:spcBef>
+                <a:spcPts val="0"/>
+              </a:spcBef>
+              <a:buNone/>
+            </a:pPr>
+            <a:r>
+              <a:rPr lang="en-AU" sz="2200" dirty="0">
+                <a:latin typeface="Consolas" panose="020B0609020204030204" pitchFamily="49" charset="0"/>
+              </a:rPr>
+              <a:t># Walk signal for 5 seconds</a:t>
+            </a:r>
+          </a:p>
+          <a:p>
+            <a:pPr marL="914400" lvl="2" indent="0">
+              <a:lnSpc>
+                <a:spcPct val="100000"/>
+              </a:lnSpc>
+              <a:spcBef>
+                <a:spcPts val="0"/>
+              </a:spcBef>
+              <a:buNone/>
+            </a:pPr>
+            <a:r>
+              <a:rPr lang="en-AU" sz="2200" dirty="0" err="1">
+                <a:latin typeface="Consolas" panose="020B0609020204030204" pitchFamily="49" charset="0"/>
+              </a:rPr>
+              <a:t>self.walk</a:t>
+            </a:r>
+            <a:r>
+              <a:rPr lang="en-AU" sz="2200" dirty="0">
+                <a:latin typeface="Consolas" panose="020B0609020204030204" pitchFamily="49" charset="0"/>
+              </a:rPr>
+              <a:t>()</a:t>
+            </a:r>
+          </a:p>
+          <a:p>
+            <a:pPr marL="914400" lvl="2" indent="0">
+              <a:lnSpc>
+                <a:spcPct val="100000"/>
+              </a:lnSpc>
+              <a:spcBef>
+                <a:spcPts val="0"/>
+              </a:spcBef>
+              <a:buNone/>
+            </a:pPr>
+            <a:r>
+              <a:rPr lang="en-AU" sz="2200" dirty="0">
+                <a:latin typeface="Consolas" panose="020B0609020204030204" pitchFamily="49" charset="0"/>
+              </a:rPr>
+              <a:t>if time() - </a:t>
+            </a:r>
+            <a:r>
+              <a:rPr lang="en-AU" sz="2200" dirty="0" err="1">
+                <a:latin typeface="Consolas" panose="020B0609020204030204" pitchFamily="49" charset="0"/>
+              </a:rPr>
+              <a:t>self.last_state_change</a:t>
+            </a:r>
+            <a:r>
+              <a:rPr lang="en-AU" sz="2200" dirty="0">
+                <a:latin typeface="Consolas" panose="020B0609020204030204" pitchFamily="49" charset="0"/>
+              </a:rPr>
+              <a:t> &gt; 5:</a:t>
+            </a:r>
+          </a:p>
+          <a:p>
+            <a:pPr marL="1371600" lvl="3" indent="0">
+              <a:lnSpc>
+                <a:spcPct val="100000"/>
+              </a:lnSpc>
+              <a:spcBef>
+                <a:spcPts val="0"/>
+              </a:spcBef>
+              <a:buNone/>
+            </a:pPr>
+            <a:r>
+              <a:rPr lang="en-AU" sz="2200" dirty="0">
+                <a:latin typeface="Consolas" panose="020B0609020204030204" pitchFamily="49" charset="0"/>
+              </a:rPr>
+              <a:t>if </a:t>
+            </a:r>
+            <a:r>
+              <a:rPr lang="en-AU" sz="2200" dirty="0" err="1">
+                <a:latin typeface="Consolas" panose="020B0609020204030204" pitchFamily="49" charset="0"/>
+              </a:rPr>
+              <a:t>self.__debug</a:t>
+            </a:r>
+            <a:r>
+              <a:rPr lang="en-AU" sz="2200" dirty="0">
+                <a:latin typeface="Consolas" panose="020B0609020204030204" pitchFamily="49" charset="0"/>
+              </a:rPr>
+              <a:t>:</a:t>
+            </a:r>
+          </a:p>
+          <a:p>
+            <a:pPr marL="1371600" lvl="3" indent="0">
+              <a:lnSpc>
+                <a:spcPct val="100000"/>
+              </a:lnSpc>
+              <a:spcBef>
+                <a:spcPts val="0"/>
+              </a:spcBef>
+              <a:buNone/>
+            </a:pPr>
+            <a:r>
+              <a:rPr lang="en-AU" sz="2200" dirty="0">
+                <a:latin typeface="Consolas" panose="020B0609020204030204" pitchFamily="49" charset="0"/>
+              </a:rPr>
+              <a:t>print("Switching to WALK WARNING")</a:t>
+            </a:r>
+          </a:p>
+          <a:p>
+            <a:pPr marL="1371600" lvl="3" indent="0">
+              <a:lnSpc>
+                <a:spcPct val="100000"/>
+              </a:lnSpc>
+              <a:spcBef>
+                <a:spcPts val="0"/>
+              </a:spcBef>
+              <a:buNone/>
+            </a:pPr>
+            <a:r>
+              <a:rPr lang="en-AU" sz="2200" dirty="0" err="1">
+                <a:latin typeface="Consolas" panose="020B0609020204030204" pitchFamily="49" charset="0"/>
+              </a:rPr>
+              <a:t>self.state</a:t>
+            </a:r>
+            <a:r>
+              <a:rPr lang="en-AU" sz="2200" dirty="0">
+                <a:latin typeface="Consolas" panose="020B0609020204030204" pitchFamily="49" charset="0"/>
+              </a:rPr>
+              <a:t> = "WALK_WARNING"</a:t>
+            </a:r>
+          </a:p>
+          <a:p>
+            <a:pPr marL="1371600" lvl="3" indent="0">
+              <a:lnSpc>
+                <a:spcPct val="100000"/>
+              </a:lnSpc>
+              <a:spcBef>
+                <a:spcPts val="0"/>
+              </a:spcBef>
+              <a:buNone/>
+            </a:pPr>
+            <a:r>
+              <a:rPr lang="en-AU" sz="2200" dirty="0" err="1">
+                <a:latin typeface="Consolas" panose="020B0609020204030204" pitchFamily="49" charset="0"/>
+              </a:rPr>
+              <a:t>self.last_state_change</a:t>
+            </a:r>
+            <a:r>
+              <a:rPr lang="en-AU" sz="2200" dirty="0">
+                <a:latin typeface="Consolas" panose="020B0609020204030204" pitchFamily="49" charset="0"/>
+              </a:rPr>
+              <a:t> = time()</a:t>
+            </a:r>
+          </a:p>
+          <a:p>
+            <a:pPr marL="1371600" lvl="3" indent="0">
+              <a:lnSpc>
+                <a:spcPct val="100000"/>
+              </a:lnSpc>
+              <a:spcBef>
+                <a:spcPts val="0"/>
+              </a:spcBef>
+              <a:buNone/>
+            </a:pPr>
+            <a:r>
+              <a:rPr lang="en-AU" sz="2200" dirty="0" err="1">
+                <a:latin typeface="Consolas" panose="020B0609020204030204" pitchFamily="49" charset="0"/>
+              </a:rPr>
+              <a:t>self.walk_warning</a:t>
+            </a:r>
+            <a:r>
+              <a:rPr lang="en-AU" sz="2200" dirty="0">
+                <a:latin typeface="Consolas" panose="020B0609020204030204" pitchFamily="49" charset="0"/>
+              </a:rPr>
+              <a:t>()</a:t>
+            </a:r>
+          </a:p>
+          <a:p>
+            <a:pPr marL="0" indent="0">
+              <a:buNone/>
+            </a:pPr>
+            <a:endParaRPr lang="en-AU" dirty="0"/>
+          </a:p>
+        </p:txBody>
+      </p:sp>
+    </p:spTree>
+    <p:extLst>
+      <p:ext uri="{BB962C8B-B14F-4D97-AF65-F5344CB8AC3E}">
+        <p14:creationId xmlns:p14="http://schemas.microsoft.com/office/powerpoint/2010/main" val="3161078323"/>
+      </p:ext>
+    </p:extLst>
+  </p:cSld>
+  <p:clrMapOvr>
+    <a:masterClrMapping/>
+  </p:clrMapOvr>
+</p:sld>
+</file>
+
+<file path=ppt/slides/slide11.xml><?xml version="1.0" encoding="utf-8"?>
+<p:sld xmlns:a="http://schemas.openxmlformats.org/drawingml/2006/main" xmlns:r="http://schemas.openxmlformats.org/officeDocument/2006/relationships" xmlns:p="http://schemas.openxmlformats.org/presentationml/2006/main">
+  <p:cSld>
+    <p:spTree>
+      <p:nvGrpSpPr>
+        <p:cNvPr id="1" name="">
+          <a:extLst>
+            <a:ext uri="{FF2B5EF4-FFF2-40B4-BE49-F238E27FC236}">
+              <a16:creationId xmlns:a16="http://schemas.microsoft.com/office/drawing/2014/main" id="{84A77B6A-FD3E-08A0-3BAA-801BEF619EDC}"/>
+            </a:ext>
+          </a:extLst>
+        </p:cNvPr>
+        <p:cNvGrpSpPr/>
+        <p:nvPr/>
+      </p:nvGrpSpPr>
+      <p:grpSpPr>
+        <a:xfrm>
+          <a:off x="0" y="0"/>
+          <a:ext cx="0" cy="0"/>
+          <a:chOff x="0" y="0"/>
+          <a:chExt cx="0" cy="0"/>
+        </a:xfrm>
+      </p:grpSpPr>
+      <p:sp>
+        <p:nvSpPr>
+          <p:cNvPr id="2" name="Title 1">
+            <a:extLst>
+              <a:ext uri="{FF2B5EF4-FFF2-40B4-BE49-F238E27FC236}">
+                <a16:creationId xmlns:a16="http://schemas.microsoft.com/office/drawing/2014/main" id="{988DDE7B-4D28-57B4-5F03-4434E4AD19A4}"/>
+              </a:ext>
+            </a:extLst>
+          </p:cNvPr>
+          <p:cNvSpPr>
+            <a:spLocks noGrp="1"/>
+          </p:cNvSpPr>
+          <p:nvPr>
+            <p:ph type="title"/>
+          </p:nvPr>
+        </p:nvSpPr>
+        <p:spPr/>
+        <p:txBody>
+          <a:bodyPr/>
+          <a:lstStyle/>
+          <a:p>
+            <a:r>
+              <a:rPr lang="en-AU" dirty="0"/>
+              <a:t>State Machine , (</a:t>
+            </a:r>
+            <a:r>
+              <a:rPr lang="en-AU" dirty="0" err="1"/>
+              <a:t>cont</a:t>
+            </a:r>
+            <a:r>
+              <a:rPr lang="en-AU" dirty="0"/>
+              <a:t>)</a:t>
+            </a:r>
+          </a:p>
+        </p:txBody>
+      </p:sp>
+      <p:sp>
+        <p:nvSpPr>
+          <p:cNvPr id="3" name="Content Placeholder 2">
+            <a:extLst>
+              <a:ext uri="{FF2B5EF4-FFF2-40B4-BE49-F238E27FC236}">
+                <a16:creationId xmlns:a16="http://schemas.microsoft.com/office/drawing/2014/main" id="{1D178B02-324F-D823-76E5-AFFB068F606D}"/>
+              </a:ext>
+            </a:extLst>
+          </p:cNvPr>
+          <p:cNvSpPr>
+            <a:spLocks noGrp="1"/>
+          </p:cNvSpPr>
+          <p:nvPr>
+            <p:ph idx="1"/>
+          </p:nvPr>
+        </p:nvSpPr>
+        <p:spPr/>
+        <p:txBody>
+          <a:bodyPr>
+            <a:normAutofit lnSpcReduction="10000"/>
+          </a:bodyPr>
+          <a:lstStyle/>
+          <a:p>
+            <a:pPr marL="0" indent="0">
+              <a:lnSpc>
+                <a:spcPct val="110000"/>
+              </a:lnSpc>
+              <a:spcBef>
+                <a:spcPts val="0"/>
+              </a:spcBef>
+              <a:buNone/>
+            </a:pPr>
+            <a:r>
+              <a:rPr lang="en-AU" sz="2200" dirty="0">
+                <a:latin typeface="Consolas" panose="020B0609020204030204" pitchFamily="49" charset="0"/>
+              </a:rPr>
+              <a:t>def update(self):</a:t>
+            </a:r>
+          </a:p>
+          <a:p>
+            <a:pPr marL="457200" lvl="1" indent="0">
+              <a:lnSpc>
+                <a:spcPct val="110000"/>
+              </a:lnSpc>
+              <a:spcBef>
+                <a:spcPts val="0"/>
+              </a:spcBef>
+              <a:buNone/>
+            </a:pPr>
+            <a:r>
+              <a:rPr lang="en-AU" sz="2200" dirty="0">
+                <a:latin typeface="Consolas" panose="020B0609020204030204" pitchFamily="49" charset="0"/>
+              </a:rPr>
+              <a:t>…</a:t>
+            </a:r>
+          </a:p>
+          <a:p>
+            <a:pPr marL="457200" lvl="1" indent="0">
+              <a:lnSpc>
+                <a:spcPct val="110000"/>
+              </a:lnSpc>
+              <a:spcBef>
+                <a:spcPts val="0"/>
+              </a:spcBef>
+              <a:buNone/>
+            </a:pPr>
+            <a:r>
+              <a:rPr lang="en-AU" sz="2200" dirty="0" err="1">
+                <a:latin typeface="Consolas" panose="020B0609020204030204" pitchFamily="49" charset="0"/>
+              </a:rPr>
+              <a:t>elif</a:t>
+            </a:r>
+            <a:r>
+              <a:rPr lang="en-AU" sz="2200" dirty="0">
+                <a:latin typeface="Consolas" panose="020B0609020204030204" pitchFamily="49" charset="0"/>
+              </a:rPr>
+              <a:t> </a:t>
+            </a:r>
+            <a:r>
+              <a:rPr lang="en-AU" sz="2200" dirty="0" err="1">
+                <a:latin typeface="Consolas" panose="020B0609020204030204" pitchFamily="49" charset="0"/>
+              </a:rPr>
+              <a:t>self.state</a:t>
+            </a:r>
+            <a:r>
+              <a:rPr lang="en-AU" sz="2200" dirty="0">
+                <a:latin typeface="Consolas" panose="020B0609020204030204" pitchFamily="49" charset="0"/>
+              </a:rPr>
+              <a:t> == "WALK_WARNING":</a:t>
+            </a:r>
+          </a:p>
+          <a:p>
+            <a:pPr marL="457200" lvl="1" indent="0">
+              <a:lnSpc>
+                <a:spcPct val="110000"/>
+              </a:lnSpc>
+              <a:spcBef>
+                <a:spcPts val="0"/>
+              </a:spcBef>
+              <a:buNone/>
+            </a:pPr>
+            <a:r>
+              <a:rPr lang="en-AU" sz="2200" dirty="0">
+                <a:latin typeface="Consolas" panose="020B0609020204030204" pitchFamily="49" charset="0"/>
+              </a:rPr>
+              <a:t># Walk signal for 5 seconds</a:t>
+            </a:r>
+          </a:p>
+          <a:p>
+            <a:pPr marL="914400" lvl="2" indent="0">
+              <a:lnSpc>
+                <a:spcPct val="110000"/>
+              </a:lnSpc>
+              <a:spcBef>
+                <a:spcPts val="0"/>
+              </a:spcBef>
+              <a:buNone/>
+            </a:pPr>
+            <a:r>
+              <a:rPr lang="en-AU" sz="2200" dirty="0" err="1">
+                <a:latin typeface="Consolas" panose="020B0609020204030204" pitchFamily="49" charset="0"/>
+              </a:rPr>
+              <a:t>self.walk_warning</a:t>
+            </a:r>
+            <a:r>
+              <a:rPr lang="en-AU" sz="2200" dirty="0">
+                <a:latin typeface="Consolas" panose="020B0609020204030204" pitchFamily="49" charset="0"/>
+              </a:rPr>
+              <a:t>()</a:t>
+            </a:r>
+          </a:p>
+          <a:p>
+            <a:pPr marL="914400" lvl="2" indent="0">
+              <a:lnSpc>
+                <a:spcPct val="110000"/>
+              </a:lnSpc>
+              <a:spcBef>
+                <a:spcPts val="0"/>
+              </a:spcBef>
+              <a:buNone/>
+            </a:pPr>
+            <a:r>
+              <a:rPr lang="en-AU" sz="2200" dirty="0">
+                <a:latin typeface="Consolas" panose="020B0609020204030204" pitchFamily="49" charset="0"/>
+              </a:rPr>
+              <a:t>if time() - </a:t>
+            </a:r>
+            <a:r>
+              <a:rPr lang="en-AU" sz="2200" dirty="0" err="1">
+                <a:latin typeface="Consolas" panose="020B0609020204030204" pitchFamily="49" charset="0"/>
+              </a:rPr>
+              <a:t>self.last_state_change</a:t>
+            </a:r>
+            <a:r>
+              <a:rPr lang="en-AU" sz="2200" dirty="0">
+                <a:latin typeface="Consolas" panose="020B0609020204030204" pitchFamily="49" charset="0"/>
+              </a:rPr>
+              <a:t> &gt; 5:</a:t>
+            </a:r>
+          </a:p>
+          <a:p>
+            <a:pPr marL="1371600" lvl="3" indent="0">
+              <a:lnSpc>
+                <a:spcPct val="110000"/>
+              </a:lnSpc>
+              <a:spcBef>
+                <a:spcPts val="0"/>
+              </a:spcBef>
+              <a:buNone/>
+            </a:pPr>
+            <a:r>
+              <a:rPr lang="en-AU" sz="2200" dirty="0">
+                <a:latin typeface="Consolas" panose="020B0609020204030204" pitchFamily="49" charset="0"/>
+              </a:rPr>
+              <a:t>if </a:t>
+            </a:r>
+            <a:r>
+              <a:rPr lang="en-AU" sz="2200" dirty="0" err="1">
+                <a:latin typeface="Consolas" panose="020B0609020204030204" pitchFamily="49" charset="0"/>
+              </a:rPr>
+              <a:t>self.__debug</a:t>
+            </a:r>
+            <a:r>
+              <a:rPr lang="en-AU" sz="2200" dirty="0">
+                <a:latin typeface="Consolas" panose="020B0609020204030204" pitchFamily="49" charset="0"/>
+              </a:rPr>
+              <a:t>:</a:t>
+            </a:r>
+          </a:p>
+          <a:p>
+            <a:pPr marL="1828800" lvl="4" indent="0">
+              <a:lnSpc>
+                <a:spcPct val="110000"/>
+              </a:lnSpc>
+              <a:spcBef>
+                <a:spcPts val="0"/>
+              </a:spcBef>
+              <a:buNone/>
+            </a:pPr>
+            <a:r>
+              <a:rPr lang="en-AU" sz="2200" dirty="0">
+                <a:latin typeface="Consolas" panose="020B0609020204030204" pitchFamily="49" charset="0"/>
+              </a:rPr>
+              <a:t>print("Returning to IDLE")</a:t>
+            </a:r>
+          </a:p>
+          <a:p>
+            <a:pPr marL="1371600" lvl="3" indent="0">
+              <a:lnSpc>
+                <a:spcPct val="110000"/>
+              </a:lnSpc>
+              <a:spcBef>
+                <a:spcPts val="0"/>
+              </a:spcBef>
+              <a:buNone/>
+            </a:pPr>
+            <a:r>
+              <a:rPr lang="en-AU" sz="2200" dirty="0" err="1">
+                <a:latin typeface="Consolas" panose="020B0609020204030204" pitchFamily="49" charset="0"/>
+              </a:rPr>
+              <a:t>self.state</a:t>
+            </a:r>
+            <a:r>
+              <a:rPr lang="en-AU" sz="2200" dirty="0">
+                <a:latin typeface="Consolas" panose="020B0609020204030204" pitchFamily="49" charset="0"/>
+              </a:rPr>
+              <a:t> = "IDLE"</a:t>
+            </a:r>
+          </a:p>
+          <a:p>
+            <a:pPr marL="1371600" lvl="3" indent="0">
+              <a:lnSpc>
+                <a:spcPct val="110000"/>
+              </a:lnSpc>
+              <a:spcBef>
+                <a:spcPts val="0"/>
+              </a:spcBef>
+              <a:buNone/>
+            </a:pPr>
+            <a:r>
+              <a:rPr lang="en-AU" sz="2200" dirty="0" err="1">
+                <a:latin typeface="Consolas" panose="020B0609020204030204" pitchFamily="49" charset="0"/>
+              </a:rPr>
+              <a:t>self.last_state_change</a:t>
+            </a:r>
+            <a:r>
+              <a:rPr lang="en-AU" sz="2200" dirty="0">
+                <a:latin typeface="Consolas" panose="020B0609020204030204" pitchFamily="49" charset="0"/>
+              </a:rPr>
+              <a:t> = time()</a:t>
+            </a:r>
+          </a:p>
+          <a:p>
+            <a:pPr marL="1371600" lvl="3" indent="0">
+              <a:lnSpc>
+                <a:spcPct val="110000"/>
+              </a:lnSpc>
+              <a:spcBef>
+                <a:spcPts val="0"/>
+              </a:spcBef>
+              <a:buNone/>
+            </a:pPr>
+            <a:r>
+              <a:rPr lang="en-AU" sz="2200" dirty="0" err="1">
+                <a:latin typeface="Consolas" panose="020B0609020204030204" pitchFamily="49" charset="0"/>
+              </a:rPr>
+              <a:t>self.walk_off</a:t>
+            </a:r>
+            <a:r>
+              <a:rPr lang="en-AU" sz="2200" dirty="0">
+                <a:latin typeface="Consolas" panose="020B0609020204030204" pitchFamily="49" charset="0"/>
+              </a:rPr>
+              <a:t>()</a:t>
+            </a:r>
+          </a:p>
+          <a:p>
+            <a:pPr marL="1371600" lvl="3" indent="0">
+              <a:lnSpc>
+                <a:spcPct val="110000"/>
+              </a:lnSpc>
+              <a:spcBef>
+                <a:spcPts val="0"/>
+              </a:spcBef>
+              <a:buNone/>
+            </a:pPr>
+            <a:r>
+              <a:rPr lang="en-AU" sz="2200" dirty="0">
+                <a:latin typeface="Consolas" panose="020B0609020204030204" pitchFamily="49" charset="0"/>
+              </a:rPr>
+              <a:t>self.__</a:t>
+            </a:r>
+            <a:r>
+              <a:rPr lang="en-AU" sz="2200" dirty="0" err="1">
+                <a:latin typeface="Consolas" panose="020B0609020204030204" pitchFamily="49" charset="0"/>
+              </a:rPr>
+              <a:t>Button.button_state</a:t>
+            </a:r>
+            <a:r>
+              <a:rPr lang="en-AU" sz="2200" dirty="0">
+                <a:latin typeface="Consolas" panose="020B0609020204030204" pitchFamily="49" charset="0"/>
+              </a:rPr>
+              <a:t> = False</a:t>
+            </a:r>
+          </a:p>
+          <a:p>
+            <a:pPr marL="0" indent="0">
+              <a:buNone/>
+            </a:pPr>
+            <a:endParaRPr lang="en-AU" dirty="0"/>
+          </a:p>
+        </p:txBody>
+      </p:sp>
+    </p:spTree>
+    <p:extLst>
+      <p:ext uri="{BB962C8B-B14F-4D97-AF65-F5344CB8AC3E}">
+        <p14:creationId xmlns:p14="http://schemas.microsoft.com/office/powerpoint/2010/main" val="3108459171"/>
+      </p:ext>
+    </p:extLst>
+  </p:cSld>
+  <p:clrMapOvr>
+    <a:masterClrMapping/>
+  </p:clrMapOvr>
+</p:sld>
+</file>
+
+<file path=ppt/slides/slide12.xml><?xml version="1.0" encoding="utf-8"?>
+<p:sld xmlns:a="http://schemas.openxmlformats.org/drawingml/2006/main" xmlns:r="http://schemas.openxmlformats.org/officeDocument/2006/relationships" xmlns:p="http://schemas.openxmlformats.org/presentationml/2006/main">
+  <p:cSld>
+    <p:spTree>
+      <p:nvGrpSpPr>
+        <p:cNvPr id="1" name="">
+          <a:extLst>
+            <a:ext uri="{FF2B5EF4-FFF2-40B4-BE49-F238E27FC236}">
+              <a16:creationId xmlns:a16="http://schemas.microsoft.com/office/drawing/2014/main" id="{6623A509-29FC-BCF5-17C2-50EA9186408A}"/>
+            </a:ext>
+          </a:extLst>
+        </p:cNvPr>
+        <p:cNvGrpSpPr/>
+        <p:nvPr/>
+      </p:nvGrpSpPr>
+      <p:grpSpPr>
+        <a:xfrm>
+          <a:off x="0" y="0"/>
+          <a:ext cx="0" cy="0"/>
+          <a:chOff x="0" y="0"/>
+          <a:chExt cx="0" cy="0"/>
+        </a:xfrm>
+      </p:grpSpPr>
+      <p:sp>
+        <p:nvSpPr>
+          <p:cNvPr id="2" name="Title 1">
+            <a:extLst>
+              <a:ext uri="{FF2B5EF4-FFF2-40B4-BE49-F238E27FC236}">
+                <a16:creationId xmlns:a16="http://schemas.microsoft.com/office/drawing/2014/main" id="{DF0F19E2-EDFF-FFD6-A278-995581CD2511}"/>
+              </a:ext>
+            </a:extLst>
+          </p:cNvPr>
+          <p:cNvSpPr>
+            <a:spLocks noGrp="1"/>
+          </p:cNvSpPr>
+          <p:nvPr>
+            <p:ph type="title"/>
+          </p:nvPr>
+        </p:nvSpPr>
+        <p:spPr/>
+        <p:txBody>
+          <a:bodyPr/>
+          <a:lstStyle/>
+          <a:p>
+            <a:r>
+              <a:rPr lang="en-AU" dirty="0"/>
+              <a:t>State Machine , (</a:t>
+            </a:r>
+            <a:r>
+              <a:rPr lang="en-AU" dirty="0" err="1"/>
+              <a:t>cont</a:t>
+            </a:r>
+            <a:r>
+              <a:rPr lang="en-AU" dirty="0"/>
+              <a:t>)</a:t>
+            </a:r>
+          </a:p>
+        </p:txBody>
+      </p:sp>
+      <p:sp>
+        <p:nvSpPr>
+          <p:cNvPr id="3" name="Content Placeholder 2">
+            <a:extLst>
+              <a:ext uri="{FF2B5EF4-FFF2-40B4-BE49-F238E27FC236}">
+                <a16:creationId xmlns:a16="http://schemas.microsoft.com/office/drawing/2014/main" id="{36C1F542-2810-58B5-768B-5901074B7D93}"/>
+              </a:ext>
+            </a:extLst>
+          </p:cNvPr>
+          <p:cNvSpPr>
+            <a:spLocks noGrp="1"/>
+          </p:cNvSpPr>
+          <p:nvPr>
+            <p:ph idx="1"/>
+          </p:nvPr>
+        </p:nvSpPr>
+        <p:spPr/>
+        <p:txBody>
+          <a:bodyPr>
+            <a:normAutofit/>
+          </a:bodyPr>
+          <a:lstStyle/>
+          <a:p>
+            <a:pPr marL="0" indent="0">
+              <a:lnSpc>
+                <a:spcPct val="100000"/>
+              </a:lnSpc>
+              <a:spcBef>
+                <a:spcPts val="0"/>
+              </a:spcBef>
+              <a:buNone/>
+            </a:pPr>
+            <a:r>
+              <a:rPr lang="en-AU" sz="2200" dirty="0">
+                <a:latin typeface="Consolas" panose="020B0609020204030204" pitchFamily="49" charset="0"/>
+              </a:rPr>
+              <a:t>def update(self):</a:t>
+            </a:r>
+          </a:p>
+          <a:p>
+            <a:pPr marL="457200" lvl="1" indent="0">
+              <a:lnSpc>
+                <a:spcPct val="100000"/>
+              </a:lnSpc>
+              <a:spcBef>
+                <a:spcPts val="0"/>
+              </a:spcBef>
+              <a:buNone/>
+            </a:pPr>
+            <a:r>
+              <a:rPr lang="en-AU" sz="2200" dirty="0">
+                <a:latin typeface="Consolas" panose="020B0609020204030204" pitchFamily="49" charset="0"/>
+              </a:rPr>
+              <a:t>…</a:t>
+            </a:r>
+          </a:p>
+          <a:p>
+            <a:pPr marL="457200" lvl="1" indent="0">
+              <a:lnSpc>
+                <a:spcPct val="100000"/>
+              </a:lnSpc>
+              <a:spcBef>
+                <a:spcPts val="0"/>
+              </a:spcBef>
+              <a:buNone/>
+            </a:pPr>
+            <a:r>
+              <a:rPr lang="en-AU" sz="2200" dirty="0">
+                <a:latin typeface="Consolas" panose="020B0609020204030204" pitchFamily="49" charset="0"/>
+              </a:rPr>
+              <a:t>else:  # error</a:t>
+            </a:r>
+          </a:p>
+          <a:p>
+            <a:pPr marL="914400" lvl="2" indent="0">
+              <a:lnSpc>
+                <a:spcPct val="100000"/>
+              </a:lnSpc>
+              <a:spcBef>
+                <a:spcPts val="0"/>
+              </a:spcBef>
+              <a:buNone/>
+            </a:pPr>
+            <a:r>
+              <a:rPr lang="en-AU" sz="2200" dirty="0">
+                <a:latin typeface="Consolas" panose="020B0609020204030204" pitchFamily="49" charset="0"/>
+              </a:rPr>
+              <a:t>self.__</a:t>
+            </a:r>
+            <a:r>
+              <a:rPr lang="en-AU" sz="2200" dirty="0" err="1">
+                <a:latin typeface="Consolas" panose="020B0609020204030204" pitchFamily="49" charset="0"/>
+              </a:rPr>
+              <a:t>Ped_Red.on</a:t>
+            </a:r>
+            <a:r>
+              <a:rPr lang="en-AU" sz="2200" dirty="0">
+                <a:latin typeface="Consolas" panose="020B0609020204030204" pitchFamily="49" charset="0"/>
+              </a:rPr>
+              <a:t>()</a:t>
+            </a:r>
+          </a:p>
+          <a:p>
+            <a:pPr marL="914400" lvl="2" indent="0">
+              <a:lnSpc>
+                <a:spcPct val="100000"/>
+              </a:lnSpc>
+              <a:spcBef>
+                <a:spcPts val="0"/>
+              </a:spcBef>
+              <a:buNone/>
+            </a:pPr>
+            <a:r>
+              <a:rPr lang="en-AU" sz="2200" dirty="0">
+                <a:latin typeface="Consolas" panose="020B0609020204030204" pitchFamily="49" charset="0"/>
+              </a:rPr>
+              <a:t>self.__</a:t>
+            </a:r>
+            <a:r>
+              <a:rPr lang="en-AU" sz="2200" dirty="0" err="1">
+                <a:latin typeface="Consolas" panose="020B0609020204030204" pitchFamily="49" charset="0"/>
+              </a:rPr>
+              <a:t>Ped_Green.off</a:t>
+            </a:r>
+            <a:r>
+              <a:rPr lang="en-AU" sz="2200" dirty="0">
+                <a:latin typeface="Consolas" panose="020B0609020204030204" pitchFamily="49" charset="0"/>
+              </a:rPr>
+              <a:t>()</a:t>
+            </a:r>
+          </a:p>
+          <a:p>
+            <a:pPr marL="914400" lvl="2" indent="0">
+              <a:lnSpc>
+                <a:spcPct val="100000"/>
+              </a:lnSpc>
+              <a:spcBef>
+                <a:spcPts val="0"/>
+              </a:spcBef>
+              <a:buNone/>
+            </a:pPr>
+            <a:r>
+              <a:rPr lang="en-AU" sz="2200" dirty="0">
+                <a:latin typeface="Consolas" panose="020B0609020204030204" pitchFamily="49" charset="0"/>
+              </a:rPr>
+              <a:t>self.__</a:t>
+            </a:r>
+            <a:r>
+              <a:rPr lang="en-AU" sz="2200" dirty="0" err="1">
+                <a:latin typeface="Consolas" panose="020B0609020204030204" pitchFamily="49" charset="0"/>
+              </a:rPr>
+              <a:t>Car_Green.off</a:t>
+            </a:r>
+            <a:r>
+              <a:rPr lang="en-AU" sz="2200" dirty="0">
+                <a:latin typeface="Consolas" panose="020B0609020204030204" pitchFamily="49" charset="0"/>
+              </a:rPr>
+              <a:t>()</a:t>
+            </a:r>
+          </a:p>
+          <a:p>
+            <a:pPr marL="914400" lvl="2" indent="0">
+              <a:lnSpc>
+                <a:spcPct val="100000"/>
+              </a:lnSpc>
+              <a:spcBef>
+                <a:spcPts val="0"/>
+              </a:spcBef>
+              <a:buNone/>
+            </a:pPr>
+            <a:r>
+              <a:rPr lang="en-AU" sz="2200" dirty="0">
+                <a:latin typeface="Consolas" panose="020B0609020204030204" pitchFamily="49" charset="0"/>
+              </a:rPr>
+              <a:t>self.__</a:t>
+            </a:r>
+            <a:r>
+              <a:rPr lang="en-AU" sz="2200" dirty="0" err="1">
+                <a:latin typeface="Consolas" panose="020B0609020204030204" pitchFamily="49" charset="0"/>
+              </a:rPr>
+              <a:t>Car_Amber.toggle</a:t>
+            </a:r>
+            <a:r>
+              <a:rPr lang="en-AU" sz="2200" dirty="0">
+                <a:latin typeface="Consolas" panose="020B0609020204030204" pitchFamily="49" charset="0"/>
+              </a:rPr>
+              <a:t>()</a:t>
+            </a:r>
+          </a:p>
+          <a:p>
+            <a:pPr marL="914400" lvl="2" indent="0">
+              <a:lnSpc>
+                <a:spcPct val="100000"/>
+              </a:lnSpc>
+              <a:spcBef>
+                <a:spcPts val="0"/>
+              </a:spcBef>
+              <a:buNone/>
+            </a:pPr>
+            <a:r>
+              <a:rPr lang="en-AU" sz="2200" dirty="0">
+                <a:latin typeface="Consolas" panose="020B0609020204030204" pitchFamily="49" charset="0"/>
+              </a:rPr>
+              <a:t>self.__</a:t>
+            </a:r>
+            <a:r>
+              <a:rPr lang="en-AU" sz="2200" dirty="0" err="1">
+                <a:latin typeface="Consolas" panose="020B0609020204030204" pitchFamily="49" charset="0"/>
+              </a:rPr>
+              <a:t>Car_Red.off</a:t>
+            </a:r>
+            <a:r>
+              <a:rPr lang="en-AU" sz="2200" dirty="0">
+                <a:latin typeface="Consolas" panose="020B0609020204030204" pitchFamily="49" charset="0"/>
+              </a:rPr>
+              <a:t>()</a:t>
+            </a:r>
+          </a:p>
+          <a:p>
+            <a:pPr marL="914400" lvl="2" indent="0">
+              <a:lnSpc>
+                <a:spcPct val="100000"/>
+              </a:lnSpc>
+              <a:spcBef>
+                <a:spcPts val="0"/>
+              </a:spcBef>
+              <a:buNone/>
+            </a:pPr>
+            <a:r>
+              <a:rPr lang="en-AU" sz="2200" dirty="0">
+                <a:latin typeface="Consolas" panose="020B0609020204030204" pitchFamily="49" charset="0"/>
+              </a:rPr>
+              <a:t>self.__</a:t>
+            </a:r>
+            <a:r>
+              <a:rPr lang="en-AU" sz="2200" dirty="0" err="1">
+                <a:latin typeface="Consolas" panose="020B0609020204030204" pitchFamily="49" charset="0"/>
+              </a:rPr>
+              <a:t>Ped_Green.off</a:t>
+            </a:r>
+            <a:r>
+              <a:rPr lang="en-AU" sz="2200" dirty="0">
+                <a:latin typeface="Consolas" panose="020B0609020204030204" pitchFamily="49" charset="0"/>
+              </a:rPr>
+              <a:t>()</a:t>
+            </a:r>
+          </a:p>
+          <a:p>
+            <a:pPr marL="914400" lvl="2" indent="0">
+              <a:lnSpc>
+                <a:spcPct val="100000"/>
+              </a:lnSpc>
+              <a:spcBef>
+                <a:spcPts val="0"/>
+              </a:spcBef>
+              <a:buNone/>
+            </a:pPr>
+            <a:r>
+              <a:rPr lang="en-AU" sz="2200" dirty="0">
+                <a:latin typeface="Consolas" panose="020B0609020204030204" pitchFamily="49" charset="0"/>
+              </a:rPr>
+              <a:t>sleep(1)</a:t>
+            </a:r>
+          </a:p>
+          <a:p>
+            <a:pPr marL="0" indent="0">
+              <a:buNone/>
+            </a:pPr>
+            <a:endParaRPr lang="en-AU" dirty="0"/>
+          </a:p>
+        </p:txBody>
+      </p:sp>
+    </p:spTree>
+    <p:extLst>
+      <p:ext uri="{BB962C8B-B14F-4D97-AF65-F5344CB8AC3E}">
+        <p14:creationId xmlns:p14="http://schemas.microsoft.com/office/powerpoint/2010/main" val="582451183"/>
+      </p:ext>
+    </p:extLst>
+  </p:cSld>
+  <p:clrMapOvr>
+    <a:masterClrMapping/>
+  </p:clrMapOvr>
+</p:sld>
+</file>
+
+<file path=ppt/slides/slide13.xml><?xml version="1.0" encoding="utf-8"?>
+<p:sld xmlns:a="http://schemas.openxmlformats.org/drawingml/2006/main" xmlns:r="http://schemas.openxmlformats.org/officeDocument/2006/relationships" xmlns:p="http://schemas.openxmlformats.org/presentationml/2006/main">
+  <p:cSld>
+    <p:spTree>
+      <p:nvGrpSpPr>
+        <p:cNvPr id="1" name="">
+          <a:extLst>
+            <a:ext uri="{FF2B5EF4-FFF2-40B4-BE49-F238E27FC236}">
+              <a16:creationId xmlns:a16="http://schemas.microsoft.com/office/drawing/2014/main" id="{7F4C7F8C-E3BB-6612-511E-05296EB56711}"/>
+            </a:ext>
+          </a:extLst>
+        </p:cNvPr>
+        <p:cNvGrpSpPr/>
+        <p:nvPr/>
+      </p:nvGrpSpPr>
+      <p:grpSpPr>
+        <a:xfrm>
+          <a:off x="0" y="0"/>
+          <a:ext cx="0" cy="0"/>
+          <a:chOff x="0" y="0"/>
+          <a:chExt cx="0" cy="0"/>
+        </a:xfrm>
+      </p:grpSpPr>
+      <p:sp>
+        <p:nvSpPr>
+          <p:cNvPr id="2" name="Title 1">
+            <a:extLst>
+              <a:ext uri="{FF2B5EF4-FFF2-40B4-BE49-F238E27FC236}">
+                <a16:creationId xmlns:a16="http://schemas.microsoft.com/office/drawing/2014/main" id="{1C3DA820-A8CC-B038-67D2-E69214BCC59F}"/>
+              </a:ext>
+            </a:extLst>
+          </p:cNvPr>
+          <p:cNvSpPr>
+            <a:spLocks noGrp="1"/>
+          </p:cNvSpPr>
+          <p:nvPr>
+            <p:ph type="title"/>
+          </p:nvPr>
+        </p:nvSpPr>
+        <p:spPr/>
+        <p:txBody>
+          <a:bodyPr/>
+          <a:lstStyle/>
+          <a:p>
+            <a:r>
+              <a:rPr lang="en-AU" dirty="0"/>
+              <a:t>Implement the class &amp; system test</a:t>
+            </a:r>
+          </a:p>
+        </p:txBody>
+      </p:sp>
+      <p:sp>
+        <p:nvSpPr>
+          <p:cNvPr id="3" name="Content Placeholder 2">
+            <a:extLst>
+              <a:ext uri="{FF2B5EF4-FFF2-40B4-BE49-F238E27FC236}">
+                <a16:creationId xmlns:a16="http://schemas.microsoft.com/office/drawing/2014/main" id="{DE529CD0-3070-A32D-EF7E-8C28C4CB42E1}"/>
+              </a:ext>
+            </a:extLst>
+          </p:cNvPr>
+          <p:cNvSpPr>
+            <a:spLocks noGrp="1"/>
+          </p:cNvSpPr>
+          <p:nvPr>
+            <p:ph idx="1"/>
+          </p:nvPr>
+        </p:nvSpPr>
+        <p:spPr/>
+        <p:txBody>
+          <a:bodyPr>
+            <a:noAutofit/>
+          </a:bodyPr>
+          <a:lstStyle/>
+          <a:p>
+            <a:pPr marL="0" indent="0">
+              <a:lnSpc>
+                <a:spcPct val="100000"/>
+              </a:lnSpc>
+              <a:spcBef>
+                <a:spcPts val="0"/>
+              </a:spcBef>
+              <a:buNone/>
+            </a:pPr>
+            <a:r>
+              <a:rPr lang="en-AU" sz="2200" dirty="0">
+                <a:latin typeface="Consolas" panose="020B0609020204030204" pitchFamily="49" charset="0"/>
+              </a:rPr>
+              <a:t>from </a:t>
+            </a:r>
+            <a:r>
+              <a:rPr lang="en-AU" sz="2200" dirty="0" err="1">
+                <a:latin typeface="Consolas" panose="020B0609020204030204" pitchFamily="49" charset="0"/>
+              </a:rPr>
+              <a:t>project.py_scripts.LL_unit_Test</a:t>
+            </a:r>
+            <a:r>
+              <a:rPr lang="en-AU" sz="2200" dirty="0">
+                <a:latin typeface="Consolas" panose="020B0609020204030204" pitchFamily="49" charset="0"/>
+              </a:rPr>
+              <a:t> import </a:t>
+            </a:r>
+            <a:r>
+              <a:rPr lang="en-AU" sz="2200" dirty="0" err="1">
+                <a:latin typeface="Consolas" panose="020B0609020204030204" pitchFamily="49" charset="0"/>
+              </a:rPr>
+              <a:t>Led_Light</a:t>
+            </a:r>
+            <a:endParaRPr lang="en-AU" sz="2200" dirty="0">
+              <a:latin typeface="Consolas" panose="020B0609020204030204" pitchFamily="49" charset="0"/>
+            </a:endParaRPr>
+          </a:p>
+          <a:p>
+            <a:pPr marL="0" indent="0">
+              <a:lnSpc>
+                <a:spcPct val="100000"/>
+              </a:lnSpc>
+              <a:spcBef>
+                <a:spcPts val="0"/>
+              </a:spcBef>
+              <a:buNone/>
+            </a:pPr>
+            <a:r>
+              <a:rPr lang="en-AU" sz="2200" dirty="0">
+                <a:latin typeface="Consolas" panose="020B0609020204030204" pitchFamily="49" charset="0"/>
+              </a:rPr>
+              <a:t>from </a:t>
+            </a:r>
+            <a:r>
+              <a:rPr lang="en-AU" sz="2200" dirty="0" err="1">
+                <a:latin typeface="Consolas" panose="020B0609020204030204" pitchFamily="49" charset="0"/>
+              </a:rPr>
+              <a:t>pedestrian_button</a:t>
+            </a:r>
+            <a:r>
+              <a:rPr lang="en-AU" sz="2200" dirty="0">
+                <a:latin typeface="Consolas" panose="020B0609020204030204" pitchFamily="49" charset="0"/>
+              </a:rPr>
+              <a:t> import </a:t>
+            </a:r>
+            <a:r>
+              <a:rPr lang="en-AU" sz="2200" dirty="0" err="1">
+                <a:latin typeface="Consolas" panose="020B0609020204030204" pitchFamily="49" charset="0"/>
+              </a:rPr>
+              <a:t>Pedestrian_Button</a:t>
+            </a:r>
+            <a:endParaRPr lang="en-AU" sz="2200" dirty="0">
+              <a:latin typeface="Consolas" panose="020B0609020204030204" pitchFamily="49" charset="0"/>
+            </a:endParaRPr>
+          </a:p>
+          <a:p>
+            <a:pPr marL="0" indent="0">
+              <a:lnSpc>
+                <a:spcPct val="100000"/>
+              </a:lnSpc>
+              <a:spcBef>
+                <a:spcPts val="0"/>
+              </a:spcBef>
+              <a:buNone/>
+            </a:pPr>
+            <a:r>
+              <a:rPr lang="en-AU" sz="2200" dirty="0">
+                <a:latin typeface="Consolas" panose="020B0609020204030204" pitchFamily="49" charset="0"/>
+              </a:rPr>
+              <a:t>from </a:t>
+            </a:r>
+            <a:r>
+              <a:rPr lang="en-AU" sz="2200" dirty="0" err="1">
+                <a:latin typeface="Consolas" panose="020B0609020204030204" pitchFamily="49" charset="0"/>
+              </a:rPr>
+              <a:t>audio_notification</a:t>
+            </a:r>
+            <a:r>
+              <a:rPr lang="en-AU" sz="2200" dirty="0">
+                <a:latin typeface="Consolas" panose="020B0609020204030204" pitchFamily="49" charset="0"/>
+              </a:rPr>
+              <a:t> import </a:t>
+            </a:r>
+            <a:r>
+              <a:rPr lang="en-AU" sz="2200" dirty="0" err="1">
+                <a:latin typeface="Consolas" panose="020B0609020204030204" pitchFamily="49" charset="0"/>
+              </a:rPr>
+              <a:t>Audio_Notification</a:t>
+            </a:r>
+            <a:endParaRPr lang="en-AU" sz="2200" dirty="0">
+              <a:latin typeface="Consolas" panose="020B0609020204030204" pitchFamily="49" charset="0"/>
+            </a:endParaRPr>
+          </a:p>
+          <a:p>
+            <a:pPr marL="0" indent="0">
+              <a:lnSpc>
+                <a:spcPct val="100000"/>
+              </a:lnSpc>
+              <a:spcBef>
+                <a:spcPts val="0"/>
+              </a:spcBef>
+              <a:buNone/>
+            </a:pPr>
+            <a:r>
+              <a:rPr lang="en-AU" sz="2200" dirty="0">
+                <a:latin typeface="Consolas" panose="020B0609020204030204" pitchFamily="49" charset="0"/>
+              </a:rPr>
+              <a:t>from controller import Controller</a:t>
+            </a:r>
+          </a:p>
+          <a:p>
+            <a:pPr marL="0" indent="0">
+              <a:lnSpc>
+                <a:spcPct val="100000"/>
+              </a:lnSpc>
+              <a:spcBef>
+                <a:spcPts val="0"/>
+              </a:spcBef>
+              <a:buNone/>
+            </a:pPr>
+            <a:r>
+              <a:rPr lang="en-AU" sz="2200" dirty="0">
+                <a:latin typeface="Consolas" panose="020B0609020204030204" pitchFamily="49" charset="0"/>
+              </a:rPr>
+              <a:t>from time import sleep, time</a:t>
+            </a:r>
+          </a:p>
+          <a:p>
+            <a:pPr marL="0" indent="0">
+              <a:lnSpc>
+                <a:spcPct val="100000"/>
+              </a:lnSpc>
+              <a:spcBef>
+                <a:spcPts val="0"/>
+              </a:spcBef>
+              <a:buNone/>
+            </a:pPr>
+            <a:br>
+              <a:rPr lang="en-AU" sz="2200" dirty="0">
+                <a:latin typeface="Consolas" panose="020B0609020204030204" pitchFamily="49" charset="0"/>
+              </a:rPr>
+            </a:br>
+            <a:r>
+              <a:rPr lang="en-AU" sz="2200" dirty="0" err="1">
+                <a:latin typeface="Consolas" panose="020B0609020204030204" pitchFamily="49" charset="0"/>
+              </a:rPr>
+              <a:t>led_pedestrian_red</a:t>
+            </a:r>
+            <a:r>
+              <a:rPr lang="en-AU" sz="2200" dirty="0">
+                <a:latin typeface="Consolas" panose="020B0609020204030204" pitchFamily="49" charset="0"/>
+              </a:rPr>
+              <a:t> = </a:t>
+            </a:r>
+            <a:r>
+              <a:rPr lang="en-AU" sz="2200" dirty="0" err="1">
+                <a:latin typeface="Consolas" panose="020B0609020204030204" pitchFamily="49" charset="0"/>
+              </a:rPr>
+              <a:t>Led_Light</a:t>
+            </a:r>
+            <a:r>
+              <a:rPr lang="en-AU" sz="2200" dirty="0">
+                <a:latin typeface="Consolas" panose="020B0609020204030204" pitchFamily="49" charset="0"/>
+              </a:rPr>
+              <a:t>(19, True, False)</a:t>
+            </a:r>
+          </a:p>
+          <a:p>
+            <a:pPr marL="0" indent="0">
+              <a:lnSpc>
+                <a:spcPct val="100000"/>
+              </a:lnSpc>
+              <a:spcBef>
+                <a:spcPts val="0"/>
+              </a:spcBef>
+              <a:buNone/>
+            </a:pPr>
+            <a:r>
+              <a:rPr lang="en-AU" sz="2200" dirty="0" err="1">
+                <a:latin typeface="Consolas" panose="020B0609020204030204" pitchFamily="49" charset="0"/>
+              </a:rPr>
+              <a:t>led_pedestrian_green</a:t>
+            </a:r>
+            <a:r>
+              <a:rPr lang="en-AU" sz="2200" dirty="0">
+                <a:latin typeface="Consolas" panose="020B0609020204030204" pitchFamily="49" charset="0"/>
+              </a:rPr>
+              <a:t> = </a:t>
+            </a:r>
+            <a:r>
+              <a:rPr lang="en-AU" sz="2200" dirty="0" err="1">
+                <a:latin typeface="Consolas" panose="020B0609020204030204" pitchFamily="49" charset="0"/>
+              </a:rPr>
+              <a:t>Led_Light</a:t>
+            </a:r>
+            <a:r>
+              <a:rPr lang="en-AU" sz="2200" dirty="0">
+                <a:latin typeface="Consolas" panose="020B0609020204030204" pitchFamily="49" charset="0"/>
+              </a:rPr>
+              <a:t>(17, False, False)</a:t>
+            </a:r>
+          </a:p>
+          <a:p>
+            <a:pPr marL="0" indent="0">
+              <a:lnSpc>
+                <a:spcPct val="100000"/>
+              </a:lnSpc>
+              <a:spcBef>
+                <a:spcPts val="0"/>
+              </a:spcBef>
+              <a:buNone/>
+            </a:pPr>
+            <a:r>
+              <a:rPr lang="en-AU" sz="2200" dirty="0" err="1">
+                <a:latin typeface="Consolas" panose="020B0609020204030204" pitchFamily="49" charset="0"/>
+              </a:rPr>
+              <a:t>led_car_red</a:t>
+            </a:r>
+            <a:r>
+              <a:rPr lang="en-AU" sz="2200" dirty="0">
+                <a:latin typeface="Consolas" panose="020B0609020204030204" pitchFamily="49" charset="0"/>
+              </a:rPr>
+              <a:t> = </a:t>
+            </a:r>
+            <a:r>
+              <a:rPr lang="en-AU" sz="2200" dirty="0" err="1">
+                <a:latin typeface="Consolas" panose="020B0609020204030204" pitchFamily="49" charset="0"/>
+              </a:rPr>
+              <a:t>Led_Light</a:t>
+            </a:r>
+            <a:r>
+              <a:rPr lang="en-AU" sz="2200" dirty="0">
+                <a:latin typeface="Consolas" panose="020B0609020204030204" pitchFamily="49" charset="0"/>
+              </a:rPr>
+              <a:t>(3, False, False)</a:t>
+            </a:r>
+          </a:p>
+          <a:p>
+            <a:pPr marL="0" indent="0">
+              <a:lnSpc>
+                <a:spcPct val="100000"/>
+              </a:lnSpc>
+              <a:spcBef>
+                <a:spcPts val="0"/>
+              </a:spcBef>
+              <a:buNone/>
+            </a:pPr>
+            <a:r>
+              <a:rPr lang="en-AU" sz="2200" dirty="0" err="1">
+                <a:latin typeface="Consolas" panose="020B0609020204030204" pitchFamily="49" charset="0"/>
+              </a:rPr>
+              <a:t>led_car_orange</a:t>
+            </a:r>
+            <a:r>
+              <a:rPr lang="en-AU" sz="2200" dirty="0">
+                <a:latin typeface="Consolas" panose="020B0609020204030204" pitchFamily="49" charset="0"/>
+              </a:rPr>
+              <a:t> = </a:t>
+            </a:r>
+            <a:r>
+              <a:rPr lang="en-AU" sz="2200" dirty="0" err="1">
+                <a:latin typeface="Consolas" panose="020B0609020204030204" pitchFamily="49" charset="0"/>
+              </a:rPr>
+              <a:t>Led_Light</a:t>
+            </a:r>
+            <a:r>
+              <a:rPr lang="en-AU" sz="2200" dirty="0">
+                <a:latin typeface="Consolas" panose="020B0609020204030204" pitchFamily="49" charset="0"/>
+              </a:rPr>
+              <a:t>(5, False, False)</a:t>
+            </a:r>
+          </a:p>
+          <a:p>
+            <a:pPr marL="0" indent="0">
+              <a:lnSpc>
+                <a:spcPct val="100000"/>
+              </a:lnSpc>
+              <a:spcBef>
+                <a:spcPts val="0"/>
+              </a:spcBef>
+              <a:buNone/>
+            </a:pPr>
+            <a:r>
+              <a:rPr lang="en-AU" sz="2200" dirty="0" err="1">
+                <a:latin typeface="Consolas" panose="020B0609020204030204" pitchFamily="49" charset="0"/>
+              </a:rPr>
+              <a:t>led_car_green</a:t>
+            </a:r>
+            <a:r>
+              <a:rPr lang="en-AU" sz="2200" dirty="0">
+                <a:latin typeface="Consolas" panose="020B0609020204030204" pitchFamily="49" charset="0"/>
+              </a:rPr>
+              <a:t> = </a:t>
+            </a:r>
+            <a:r>
+              <a:rPr lang="en-AU" sz="2200" dirty="0" err="1">
+                <a:latin typeface="Consolas" panose="020B0609020204030204" pitchFamily="49" charset="0"/>
+              </a:rPr>
+              <a:t>Led_Light</a:t>
+            </a:r>
+            <a:r>
+              <a:rPr lang="en-AU" sz="2200" dirty="0">
+                <a:latin typeface="Consolas" panose="020B0609020204030204" pitchFamily="49" charset="0"/>
+              </a:rPr>
+              <a:t>(6, False, False)</a:t>
+            </a:r>
+            <a:br>
+              <a:rPr lang="en-AU" sz="2200" dirty="0">
+                <a:latin typeface="Consolas" panose="020B0609020204030204" pitchFamily="49" charset="0"/>
+              </a:rPr>
+            </a:br>
+            <a:r>
+              <a:rPr lang="en-AU" sz="2200" dirty="0" err="1">
+                <a:latin typeface="Consolas" panose="020B0609020204030204" pitchFamily="49" charset="0"/>
+              </a:rPr>
+              <a:t>pedestrian_button</a:t>
+            </a:r>
+            <a:r>
+              <a:rPr lang="en-AU" sz="2200" dirty="0">
+                <a:latin typeface="Consolas" panose="020B0609020204030204" pitchFamily="49" charset="0"/>
+              </a:rPr>
+              <a:t> = </a:t>
+            </a:r>
+            <a:r>
+              <a:rPr lang="en-AU" sz="2200" dirty="0" err="1">
+                <a:latin typeface="Consolas" panose="020B0609020204030204" pitchFamily="49" charset="0"/>
+              </a:rPr>
+              <a:t>Pedestrian_Button</a:t>
+            </a:r>
+            <a:r>
+              <a:rPr lang="en-AU" sz="2200" dirty="0">
+                <a:latin typeface="Consolas" panose="020B0609020204030204" pitchFamily="49" charset="0"/>
+              </a:rPr>
+              <a:t>(22, False)</a:t>
+            </a:r>
+            <a:br>
+              <a:rPr lang="en-AU" sz="2200" dirty="0">
+                <a:latin typeface="Consolas" panose="020B0609020204030204" pitchFamily="49" charset="0"/>
+              </a:rPr>
+            </a:br>
+            <a:r>
+              <a:rPr lang="en-AU" sz="2200" dirty="0">
+                <a:latin typeface="Consolas" panose="020B0609020204030204" pitchFamily="49" charset="0"/>
+              </a:rPr>
+              <a:t>buzzer = </a:t>
+            </a:r>
+            <a:r>
+              <a:rPr lang="en-AU" sz="2200" dirty="0" err="1">
+                <a:latin typeface="Consolas" panose="020B0609020204030204" pitchFamily="49" charset="0"/>
+              </a:rPr>
+              <a:t>Audio_Notification</a:t>
+            </a:r>
+            <a:r>
+              <a:rPr lang="en-AU" sz="2200" dirty="0">
+                <a:latin typeface="Consolas" panose="020B0609020204030204" pitchFamily="49" charset="0"/>
+              </a:rPr>
+              <a:t>(27, False)</a:t>
+            </a:r>
+          </a:p>
+        </p:txBody>
+      </p:sp>
+    </p:spTree>
+    <p:extLst>
+      <p:ext uri="{BB962C8B-B14F-4D97-AF65-F5344CB8AC3E}">
+        <p14:creationId xmlns:p14="http://schemas.microsoft.com/office/powerpoint/2010/main" val="2681861969"/>
+      </p:ext>
+    </p:extLst>
+  </p:cSld>
+  <p:clrMapOvr>
+    <a:masterClrMapping/>
+  </p:clrMapOvr>
+</p:sld>
+</file>
+
+<file path=ppt/slides/slide14.xml><?xml version="1.0" encoding="utf-8"?>
+<p:sld xmlns:a="http://schemas.openxmlformats.org/drawingml/2006/main" xmlns:r="http://schemas.openxmlformats.org/officeDocument/2006/relationships" xmlns:p="http://schemas.openxmlformats.org/presentationml/2006/main">
+  <p:cSld>
+    <p:spTree>
+      <p:nvGrpSpPr>
+        <p:cNvPr id="1" name="">
+          <a:extLst>
+            <a:ext uri="{FF2B5EF4-FFF2-40B4-BE49-F238E27FC236}">
+              <a16:creationId xmlns:a16="http://schemas.microsoft.com/office/drawing/2014/main" id="{E465C9CE-F371-321B-45BC-DD780A460F3B}"/>
+            </a:ext>
+          </a:extLst>
+        </p:cNvPr>
+        <p:cNvGrpSpPr/>
+        <p:nvPr/>
+      </p:nvGrpSpPr>
+      <p:grpSpPr>
+        <a:xfrm>
+          <a:off x="0" y="0"/>
+          <a:ext cx="0" cy="0"/>
+          <a:chOff x="0" y="0"/>
+          <a:chExt cx="0" cy="0"/>
+        </a:xfrm>
+      </p:grpSpPr>
+      <p:sp>
+        <p:nvSpPr>
+          <p:cNvPr id="2" name="Title 1">
+            <a:extLst>
+              <a:ext uri="{FF2B5EF4-FFF2-40B4-BE49-F238E27FC236}">
+                <a16:creationId xmlns:a16="http://schemas.microsoft.com/office/drawing/2014/main" id="{8755BC55-8A49-7CF4-5066-BA010A1857A5}"/>
+              </a:ext>
+            </a:extLst>
+          </p:cNvPr>
+          <p:cNvSpPr>
+            <a:spLocks noGrp="1"/>
+          </p:cNvSpPr>
+          <p:nvPr>
+            <p:ph type="title"/>
+          </p:nvPr>
+        </p:nvSpPr>
+        <p:spPr/>
+        <p:txBody>
+          <a:bodyPr/>
+          <a:lstStyle/>
+          <a:p>
+            <a:r>
+              <a:rPr lang="en-AU" dirty="0"/>
+              <a:t>Implement the class &amp; system test, (</a:t>
+            </a:r>
+            <a:r>
+              <a:rPr lang="en-AU" dirty="0" err="1"/>
+              <a:t>cont</a:t>
+            </a:r>
+            <a:r>
+              <a:rPr lang="en-AU" dirty="0"/>
+              <a:t>)</a:t>
+            </a:r>
+          </a:p>
+        </p:txBody>
+      </p:sp>
+      <p:sp>
+        <p:nvSpPr>
+          <p:cNvPr id="3" name="Content Placeholder 2">
+            <a:extLst>
+              <a:ext uri="{FF2B5EF4-FFF2-40B4-BE49-F238E27FC236}">
+                <a16:creationId xmlns:a16="http://schemas.microsoft.com/office/drawing/2014/main" id="{2A5CDAAC-D36F-904C-1743-2BF0DB1A4B08}"/>
+              </a:ext>
+            </a:extLst>
+          </p:cNvPr>
+          <p:cNvSpPr>
+            <a:spLocks noGrp="1"/>
+          </p:cNvSpPr>
+          <p:nvPr>
+            <p:ph idx="1"/>
+          </p:nvPr>
+        </p:nvSpPr>
+        <p:spPr/>
+        <p:txBody>
+          <a:bodyPr>
+            <a:noAutofit/>
+          </a:bodyPr>
+          <a:lstStyle/>
+          <a:p>
+            <a:pPr marL="0" indent="0">
+              <a:lnSpc>
+                <a:spcPct val="100000"/>
+              </a:lnSpc>
+              <a:spcBef>
+                <a:spcPts val="0"/>
+              </a:spcBef>
+              <a:buNone/>
+            </a:pPr>
+            <a:r>
+              <a:rPr lang="en-US" sz="2200" dirty="0">
+                <a:latin typeface="Consolas" panose="020B0609020204030204" pitchFamily="49" charset="0"/>
+              </a:rPr>
+              <a:t>controller = Controller( </a:t>
+            </a:r>
+            <a:r>
+              <a:rPr lang="en-US" sz="2200" dirty="0" err="1">
+                <a:latin typeface="Consolas" panose="020B0609020204030204" pitchFamily="49" charset="0"/>
+              </a:rPr>
+              <a:t>led_pedestrian_red</a:t>
+            </a:r>
+            <a:r>
+              <a:rPr lang="en-US" sz="2200" dirty="0">
+                <a:latin typeface="Consolas" panose="020B0609020204030204" pitchFamily="49" charset="0"/>
+              </a:rPr>
+              <a:t>, </a:t>
+            </a:r>
+            <a:r>
+              <a:rPr lang="en-US" sz="2200" dirty="0" err="1">
+                <a:latin typeface="Consolas" panose="020B0609020204030204" pitchFamily="49" charset="0"/>
+              </a:rPr>
+              <a:t>led_pedestrian_green</a:t>
+            </a:r>
+            <a:r>
+              <a:rPr lang="en-US" sz="2200" dirty="0">
+                <a:latin typeface="Consolas" panose="020B0609020204030204" pitchFamily="49" charset="0"/>
+              </a:rPr>
+              <a:t>, </a:t>
+            </a:r>
+            <a:r>
+              <a:rPr lang="en-US" sz="2200" dirty="0" err="1">
+                <a:latin typeface="Consolas" panose="020B0609020204030204" pitchFamily="49" charset="0"/>
+              </a:rPr>
+              <a:t>led_car_red</a:t>
+            </a:r>
+            <a:r>
+              <a:rPr lang="en-US" sz="2200" dirty="0">
+                <a:latin typeface="Consolas" panose="020B0609020204030204" pitchFamily="49" charset="0"/>
+              </a:rPr>
+              <a:t>, </a:t>
+            </a:r>
+            <a:r>
+              <a:rPr lang="en-US" sz="2200" dirty="0" err="1">
+                <a:latin typeface="Consolas" panose="020B0609020204030204" pitchFamily="49" charset="0"/>
+              </a:rPr>
+              <a:t>led_car_orange</a:t>
+            </a:r>
+            <a:r>
+              <a:rPr lang="en-US" sz="2200" dirty="0">
+                <a:latin typeface="Consolas" panose="020B0609020204030204" pitchFamily="49" charset="0"/>
+              </a:rPr>
+              <a:t>, </a:t>
+            </a:r>
+            <a:r>
+              <a:rPr lang="en-US" sz="2200" dirty="0" err="1">
+                <a:latin typeface="Consolas" panose="020B0609020204030204" pitchFamily="49" charset="0"/>
+              </a:rPr>
+              <a:t>led_car_green</a:t>
+            </a:r>
+            <a:r>
+              <a:rPr lang="en-US" sz="2200" dirty="0">
+                <a:latin typeface="Consolas" panose="020B0609020204030204" pitchFamily="49" charset="0"/>
+              </a:rPr>
+              <a:t>, </a:t>
+            </a:r>
+            <a:r>
+              <a:rPr lang="en-US" sz="2200" dirty="0" err="1">
+                <a:latin typeface="Consolas" panose="020B0609020204030204" pitchFamily="49" charset="0"/>
+              </a:rPr>
+              <a:t>pedestrian_button</a:t>
+            </a:r>
+            <a:r>
+              <a:rPr lang="en-US" sz="2200" dirty="0">
+                <a:latin typeface="Consolas" panose="020B0609020204030204" pitchFamily="49" charset="0"/>
+              </a:rPr>
+              <a:t>, buzzer, True )</a:t>
+            </a:r>
+          </a:p>
+          <a:p>
+            <a:pPr marL="0" indent="0">
+              <a:lnSpc>
+                <a:spcPct val="100000"/>
+              </a:lnSpc>
+              <a:spcBef>
+                <a:spcPts val="0"/>
+              </a:spcBef>
+              <a:buNone/>
+            </a:pPr>
+            <a:endParaRPr lang="en-US" sz="2200" dirty="0">
+              <a:latin typeface="Consolas" panose="020B0609020204030204" pitchFamily="49" charset="0"/>
+            </a:endParaRPr>
+          </a:p>
+          <a:p>
+            <a:pPr marL="0" indent="0">
+              <a:lnSpc>
+                <a:spcPct val="100000"/>
+              </a:lnSpc>
+              <a:spcBef>
+                <a:spcPts val="0"/>
+              </a:spcBef>
+              <a:buNone/>
+            </a:pPr>
+            <a:r>
+              <a:rPr lang="en-US" sz="2200" dirty="0">
+                <a:latin typeface="Consolas" panose="020B0609020204030204" pitchFamily="49" charset="0"/>
+              </a:rPr>
+              <a:t>while True:</a:t>
+            </a:r>
+          </a:p>
+          <a:p>
+            <a:pPr marL="0" indent="0">
+              <a:lnSpc>
+                <a:spcPct val="100000"/>
+              </a:lnSpc>
+              <a:spcBef>
+                <a:spcPts val="0"/>
+              </a:spcBef>
+              <a:buNone/>
+            </a:pPr>
+            <a:r>
+              <a:rPr lang="en-US" sz="2200" dirty="0">
+                <a:latin typeface="Consolas" panose="020B0609020204030204" pitchFamily="49" charset="0"/>
+              </a:rPr>
+              <a:t>    </a:t>
+            </a:r>
+            <a:r>
+              <a:rPr lang="en-US" sz="2200" dirty="0" err="1">
+                <a:latin typeface="Consolas" panose="020B0609020204030204" pitchFamily="49" charset="0"/>
+              </a:rPr>
+              <a:t>controller.update</a:t>
+            </a:r>
+            <a:r>
+              <a:rPr lang="en-US" sz="2200" dirty="0">
+                <a:latin typeface="Consolas" panose="020B0609020204030204" pitchFamily="49" charset="0"/>
+              </a:rPr>
+              <a:t>()</a:t>
+            </a:r>
+          </a:p>
+          <a:p>
+            <a:pPr marL="0" indent="0">
+              <a:lnSpc>
+                <a:spcPct val="100000"/>
+              </a:lnSpc>
+              <a:spcBef>
+                <a:spcPts val="0"/>
+              </a:spcBef>
+              <a:buNone/>
+            </a:pPr>
+            <a:r>
+              <a:rPr lang="en-US" sz="2200" dirty="0">
+                <a:latin typeface="Consolas" panose="020B0609020204030204" pitchFamily="49" charset="0"/>
+              </a:rPr>
+              <a:t>    sleep(0.1)</a:t>
+            </a:r>
+          </a:p>
+        </p:txBody>
+      </p:sp>
+    </p:spTree>
+    <p:extLst>
+      <p:ext uri="{BB962C8B-B14F-4D97-AF65-F5344CB8AC3E}">
+        <p14:creationId xmlns:p14="http://schemas.microsoft.com/office/powerpoint/2010/main" val="3429084832"/>
+      </p:ext>
+    </p:extLst>
+  </p:cSld>
+  <p:clrMapOvr>
+    <a:masterClrMapping/>
+  </p:clrMapOvr>
+</p:sld>
+</file>
+
 <file path=ppt/slides/slide2.xml><?xml version="1.0" encoding="utf-8"?>
 <p:sld xmlns:a="http://schemas.openxmlformats.org/drawingml/2006/main" xmlns:r="http://schemas.openxmlformats.org/officeDocument/2006/relationships" xmlns:p="http://schemas.openxmlformats.org/presentationml/2006/main">
   <p:cSld>
@@ -4955,6 +7024,12 @@
               <a:t>Implement an Open Loop State Machine</a:t>
             </a:r>
           </a:p>
+          <a:p>
+            <a:r>
+              <a:rPr lang="en-US" dirty="0"/>
+              <a:t>System Test</a:t>
+            </a:r>
+          </a:p>
         </p:txBody>
       </p:sp>
     </p:spTree>
@@ -5442,6 +7517,340 @@
   <p:cSld>
     <p:spTree>
       <p:nvGrpSpPr>
+        <p:cNvPr id="1" name="">
+          <a:extLst>
+            <a:ext uri="{FF2B5EF4-FFF2-40B4-BE49-F238E27FC236}">
+              <a16:creationId xmlns:a16="http://schemas.microsoft.com/office/drawing/2014/main" id="{213D23FF-5B07-7487-361B-81DEF1E7F00B}"/>
+            </a:ext>
+          </a:extLst>
+        </p:cNvPr>
+        <p:cNvGrpSpPr/>
+        <p:nvPr/>
+      </p:nvGrpSpPr>
+      <p:grpSpPr>
+        <a:xfrm>
+          <a:off x="0" y="0"/>
+          <a:ext cx="0" cy="0"/>
+          <a:chOff x="0" y="0"/>
+          <a:chExt cx="0" cy="0"/>
+        </a:xfrm>
+      </p:grpSpPr>
+      <p:sp>
+        <p:nvSpPr>
+          <p:cNvPr id="2" name="Title 1">
+            <a:extLst>
+              <a:ext uri="{FF2B5EF4-FFF2-40B4-BE49-F238E27FC236}">
+                <a16:creationId xmlns:a16="http://schemas.microsoft.com/office/drawing/2014/main" id="{2FD74C20-41B1-1779-C7E1-743DB0FDE34C}"/>
+              </a:ext>
+            </a:extLst>
+          </p:cNvPr>
+          <p:cNvSpPr>
+            <a:spLocks noGrp="1"/>
+          </p:cNvSpPr>
+          <p:nvPr>
+            <p:ph type="title"/>
+          </p:nvPr>
+        </p:nvSpPr>
+        <p:spPr/>
+        <p:txBody>
+          <a:bodyPr/>
+          <a:lstStyle/>
+          <a:p>
+            <a:r>
+              <a:rPr lang="en-AU" dirty="0"/>
+              <a:t>Add Controller Class Attributes</a:t>
+            </a:r>
+          </a:p>
+        </p:txBody>
+      </p:sp>
+      <p:sp>
+        <p:nvSpPr>
+          <p:cNvPr id="3" name="Content Placeholder 2">
+            <a:extLst>
+              <a:ext uri="{FF2B5EF4-FFF2-40B4-BE49-F238E27FC236}">
+                <a16:creationId xmlns:a16="http://schemas.microsoft.com/office/drawing/2014/main" id="{F17B0C28-707C-22FC-8646-0D0488285642}"/>
+              </a:ext>
+            </a:extLst>
+          </p:cNvPr>
+          <p:cNvSpPr>
+            <a:spLocks noGrp="1"/>
+          </p:cNvSpPr>
+          <p:nvPr>
+            <p:ph idx="1"/>
+          </p:nvPr>
+        </p:nvSpPr>
+        <p:spPr/>
+        <p:txBody>
+          <a:bodyPr>
+            <a:noAutofit/>
+          </a:bodyPr>
+          <a:lstStyle/>
+          <a:p>
+            <a:pPr marL="0" indent="0">
+              <a:lnSpc>
+                <a:spcPct val="100000"/>
+              </a:lnSpc>
+              <a:spcBef>
+                <a:spcPts val="0"/>
+              </a:spcBef>
+              <a:buNone/>
+            </a:pPr>
+            <a:r>
+              <a:rPr lang="en-AU" sz="2400" dirty="0">
+                <a:latin typeface="Consolas" panose="020B0609020204030204" pitchFamily="49" charset="0"/>
+                <a:ea typeface="Cascadia Mono SemiLight" panose="020B0609020000020004" pitchFamily="49" charset="0"/>
+                <a:cs typeface="Cascadia Mono SemiLight" panose="020B0609020000020004" pitchFamily="49" charset="0"/>
+              </a:rPr>
+              <a:t>class Controller:</a:t>
+            </a:r>
+          </a:p>
+          <a:p>
+            <a:pPr marL="457200" lvl="1" indent="0">
+              <a:lnSpc>
+                <a:spcPct val="100000"/>
+              </a:lnSpc>
+              <a:spcBef>
+                <a:spcPts val="0"/>
+              </a:spcBef>
+              <a:buNone/>
+            </a:pPr>
+            <a:r>
+              <a:rPr lang="en-AU" dirty="0">
+                <a:latin typeface="Consolas" panose="020B0609020204030204" pitchFamily="49" charset="0"/>
+                <a:ea typeface="Cascadia Mono SemiLight" panose="020B0609020000020004" pitchFamily="49" charset="0"/>
+                <a:cs typeface="Cascadia Mono SemiLight" panose="020B0609020000020004" pitchFamily="49" charset="0"/>
+              </a:rPr>
+              <a:t>def __</a:t>
+            </a:r>
+            <a:r>
+              <a:rPr lang="en-AU" dirty="0" err="1">
+                <a:latin typeface="Consolas" panose="020B0609020204030204" pitchFamily="49" charset="0"/>
+                <a:ea typeface="Cascadia Mono SemiLight" panose="020B0609020000020004" pitchFamily="49" charset="0"/>
+                <a:cs typeface="Cascadia Mono SemiLight" panose="020B0609020000020004" pitchFamily="49" charset="0"/>
+              </a:rPr>
+              <a:t>init</a:t>
+            </a:r>
+            <a:r>
+              <a:rPr lang="en-AU" dirty="0">
+                <a:latin typeface="Consolas" panose="020B0609020204030204" pitchFamily="49" charset="0"/>
+                <a:ea typeface="Cascadia Mono SemiLight" panose="020B0609020000020004" pitchFamily="49" charset="0"/>
+                <a:cs typeface="Cascadia Mono SemiLight" panose="020B0609020000020004" pitchFamily="49" charset="0"/>
+              </a:rPr>
+              <a:t>__(</a:t>
+            </a:r>
+          </a:p>
+          <a:p>
+            <a:pPr marL="457200" lvl="1" indent="0">
+              <a:lnSpc>
+                <a:spcPct val="100000"/>
+              </a:lnSpc>
+              <a:spcBef>
+                <a:spcPts val="0"/>
+              </a:spcBef>
+              <a:buNone/>
+            </a:pPr>
+            <a:r>
+              <a:rPr lang="en-AU" dirty="0">
+                <a:latin typeface="Consolas" panose="020B0609020204030204" pitchFamily="49" charset="0"/>
+                <a:ea typeface="Cascadia Mono SemiLight" panose="020B0609020000020004" pitchFamily="49" charset="0"/>
+                <a:cs typeface="Cascadia Mono SemiLight" panose="020B0609020000020004" pitchFamily="49" charset="0"/>
+              </a:rPr>
+              <a:t>self, </a:t>
+            </a:r>
+            <a:r>
+              <a:rPr lang="en-AU" dirty="0" err="1">
+                <a:latin typeface="Consolas" panose="020B0609020204030204" pitchFamily="49" charset="0"/>
+                <a:ea typeface="Cascadia Mono SemiLight" panose="020B0609020000020004" pitchFamily="49" charset="0"/>
+                <a:cs typeface="Cascadia Mono SemiLight" panose="020B0609020000020004" pitchFamily="49" charset="0"/>
+              </a:rPr>
+              <a:t>ped_red</a:t>
+            </a:r>
+            <a:r>
+              <a:rPr lang="en-AU" dirty="0">
+                <a:latin typeface="Consolas" panose="020B0609020204030204" pitchFamily="49" charset="0"/>
+                <a:ea typeface="Cascadia Mono SemiLight" panose="020B0609020000020004" pitchFamily="49" charset="0"/>
+                <a:cs typeface="Cascadia Mono SemiLight" panose="020B0609020000020004" pitchFamily="49" charset="0"/>
+              </a:rPr>
+              <a:t>, </a:t>
+            </a:r>
+            <a:r>
+              <a:rPr lang="en-AU" dirty="0" err="1">
+                <a:latin typeface="Consolas" panose="020B0609020204030204" pitchFamily="49" charset="0"/>
+                <a:ea typeface="Cascadia Mono SemiLight" panose="020B0609020000020004" pitchFamily="49" charset="0"/>
+                <a:cs typeface="Cascadia Mono SemiLight" panose="020B0609020000020004" pitchFamily="49" charset="0"/>
+              </a:rPr>
+              <a:t>ped_green</a:t>
+            </a:r>
+            <a:r>
+              <a:rPr lang="en-AU" dirty="0">
+                <a:latin typeface="Consolas" panose="020B0609020204030204" pitchFamily="49" charset="0"/>
+                <a:ea typeface="Cascadia Mono SemiLight" panose="020B0609020000020004" pitchFamily="49" charset="0"/>
+                <a:cs typeface="Cascadia Mono SemiLight" panose="020B0609020000020004" pitchFamily="49" charset="0"/>
+              </a:rPr>
+              <a:t>, </a:t>
+            </a:r>
+            <a:r>
+              <a:rPr lang="en-AU" dirty="0" err="1">
+                <a:latin typeface="Consolas" panose="020B0609020204030204" pitchFamily="49" charset="0"/>
+                <a:ea typeface="Cascadia Mono SemiLight" panose="020B0609020000020004" pitchFamily="49" charset="0"/>
+                <a:cs typeface="Cascadia Mono SemiLight" panose="020B0609020000020004" pitchFamily="49" charset="0"/>
+              </a:rPr>
+              <a:t>car_red</a:t>
+            </a:r>
+            <a:r>
+              <a:rPr lang="en-AU" dirty="0">
+                <a:latin typeface="Consolas" panose="020B0609020204030204" pitchFamily="49" charset="0"/>
+                <a:ea typeface="Cascadia Mono SemiLight" panose="020B0609020000020004" pitchFamily="49" charset="0"/>
+                <a:cs typeface="Cascadia Mono SemiLight" panose="020B0609020000020004" pitchFamily="49" charset="0"/>
+              </a:rPr>
+              <a:t>, </a:t>
+            </a:r>
+            <a:r>
+              <a:rPr lang="en-AU" dirty="0" err="1">
+                <a:latin typeface="Consolas" panose="020B0609020204030204" pitchFamily="49" charset="0"/>
+                <a:ea typeface="Cascadia Mono SemiLight" panose="020B0609020000020004" pitchFamily="49" charset="0"/>
+                <a:cs typeface="Cascadia Mono SemiLight" panose="020B0609020000020004" pitchFamily="49" charset="0"/>
+              </a:rPr>
+              <a:t>car_amber</a:t>
+            </a:r>
+            <a:r>
+              <a:rPr lang="en-AU" dirty="0">
+                <a:latin typeface="Consolas" panose="020B0609020204030204" pitchFamily="49" charset="0"/>
+                <a:ea typeface="Cascadia Mono SemiLight" panose="020B0609020000020004" pitchFamily="49" charset="0"/>
+                <a:cs typeface="Cascadia Mono SemiLight" panose="020B0609020000020004" pitchFamily="49" charset="0"/>
+              </a:rPr>
+              <a:t>, </a:t>
+            </a:r>
+            <a:r>
+              <a:rPr lang="en-AU" dirty="0" err="1">
+                <a:latin typeface="Consolas" panose="020B0609020204030204" pitchFamily="49" charset="0"/>
+                <a:ea typeface="Cascadia Mono SemiLight" panose="020B0609020000020004" pitchFamily="49" charset="0"/>
+                <a:cs typeface="Cascadia Mono SemiLight" panose="020B0609020000020004" pitchFamily="49" charset="0"/>
+              </a:rPr>
+              <a:t>car_green</a:t>
+            </a:r>
+            <a:r>
+              <a:rPr lang="en-AU" dirty="0">
+                <a:latin typeface="Consolas" panose="020B0609020204030204" pitchFamily="49" charset="0"/>
+                <a:ea typeface="Cascadia Mono SemiLight" panose="020B0609020000020004" pitchFamily="49" charset="0"/>
+                <a:cs typeface="Cascadia Mono SemiLight" panose="020B0609020000020004" pitchFamily="49" charset="0"/>
+              </a:rPr>
+              <a:t>, button, buzzer, debug):</a:t>
+            </a:r>
+          </a:p>
+          <a:p>
+            <a:pPr marL="914400" lvl="2" indent="0">
+              <a:lnSpc>
+                <a:spcPct val="100000"/>
+              </a:lnSpc>
+              <a:spcBef>
+                <a:spcPts val="0"/>
+              </a:spcBef>
+              <a:buNone/>
+            </a:pPr>
+            <a:r>
+              <a:rPr lang="en-AU" sz="2400" dirty="0">
+                <a:latin typeface="Consolas" panose="020B0609020204030204" pitchFamily="49" charset="0"/>
+                <a:ea typeface="Cascadia Mono SemiLight" panose="020B0609020000020004" pitchFamily="49" charset="0"/>
+                <a:cs typeface="Cascadia Mono SemiLight" panose="020B0609020000020004" pitchFamily="49" charset="0"/>
+              </a:rPr>
+              <a:t>…</a:t>
+            </a:r>
+          </a:p>
+          <a:p>
+            <a:pPr marL="914400" lvl="2" indent="0">
+              <a:lnSpc>
+                <a:spcPct val="100000"/>
+              </a:lnSpc>
+              <a:spcBef>
+                <a:spcPts val="0"/>
+              </a:spcBef>
+              <a:buNone/>
+            </a:pPr>
+            <a:r>
+              <a:rPr lang="en-US" sz="2400" dirty="0" err="1">
+                <a:solidFill>
+                  <a:srgbClr val="FF0000"/>
+                </a:solidFill>
+                <a:latin typeface="Consolas" panose="020B0609020204030204" pitchFamily="49" charset="0"/>
+                <a:ea typeface="Cascadia Mono SemiLight" panose="020B0609020000020004" pitchFamily="49" charset="0"/>
+                <a:cs typeface="Cascadia Mono SemiLight" panose="020B0609020000020004" pitchFamily="49" charset="0"/>
+              </a:rPr>
+              <a:t>self.state</a:t>
+            </a:r>
+            <a:r>
+              <a:rPr lang="en-US" sz="2400" dirty="0">
+                <a:solidFill>
+                  <a:srgbClr val="FF0000"/>
+                </a:solidFill>
+                <a:latin typeface="Consolas" panose="020B0609020204030204" pitchFamily="49" charset="0"/>
+                <a:ea typeface="Cascadia Mono SemiLight" panose="020B0609020000020004" pitchFamily="49" charset="0"/>
+                <a:cs typeface="Cascadia Mono SemiLight" panose="020B0609020000020004" pitchFamily="49" charset="0"/>
+              </a:rPr>
+              <a:t> = "IDLE"</a:t>
+            </a:r>
+          </a:p>
+          <a:p>
+            <a:pPr marL="914400" lvl="2" indent="0">
+              <a:lnSpc>
+                <a:spcPct val="100000"/>
+              </a:lnSpc>
+              <a:spcBef>
+                <a:spcPts val="0"/>
+              </a:spcBef>
+              <a:buNone/>
+            </a:pPr>
+            <a:r>
+              <a:rPr lang="en-US" sz="2400" dirty="0" err="1">
+                <a:solidFill>
+                  <a:srgbClr val="FF0000"/>
+                </a:solidFill>
+                <a:latin typeface="Consolas" panose="020B0609020204030204" pitchFamily="49" charset="0"/>
+                <a:ea typeface="Cascadia Mono SemiLight" panose="020B0609020000020004" pitchFamily="49" charset="0"/>
+                <a:cs typeface="Cascadia Mono SemiLight" panose="020B0609020000020004" pitchFamily="49" charset="0"/>
+              </a:rPr>
+              <a:t>self.last_state_change</a:t>
+            </a:r>
+            <a:r>
+              <a:rPr lang="en-US" sz="2400" dirty="0">
+                <a:solidFill>
+                  <a:srgbClr val="FF0000"/>
+                </a:solidFill>
+                <a:latin typeface="Consolas" panose="020B0609020204030204" pitchFamily="49" charset="0"/>
+                <a:ea typeface="Cascadia Mono SemiLight" panose="020B0609020000020004" pitchFamily="49" charset="0"/>
+                <a:cs typeface="Cascadia Mono SemiLight" panose="020B0609020000020004" pitchFamily="49" charset="0"/>
+              </a:rPr>
+              <a:t> = time()</a:t>
+            </a:r>
+            <a:endParaRPr lang="en-AU" sz="2400" dirty="0">
+              <a:solidFill>
+                <a:srgbClr val="FF0000"/>
+              </a:solidFill>
+              <a:latin typeface="Consolas" panose="020B0609020204030204" pitchFamily="49" charset="0"/>
+              <a:ea typeface="Cascadia Mono SemiLight" panose="020B0609020000020004" pitchFamily="49" charset="0"/>
+              <a:cs typeface="Cascadia Mono SemiLight" panose="020B0609020000020004" pitchFamily="49" charset="0"/>
+            </a:endParaRPr>
+          </a:p>
+        </p:txBody>
+      </p:sp>
+    </p:spTree>
+    <p:extLst>
+      <p:ext uri="{BB962C8B-B14F-4D97-AF65-F5344CB8AC3E}">
+        <p14:creationId xmlns:p14="http://schemas.microsoft.com/office/powerpoint/2010/main" val="1196129529"/>
+      </p:ext>
+    </p:extLst>
+  </p:cSld>
+  <p:clrMapOvr>
+    <a:masterClrMapping/>
+  </p:clrMapOvr>
+</p:sld>
+</file>
+
+<file path=ppt/slides/slide8.xml><?xml version="1.0" encoding="utf-8"?>
+<p:sld xmlns:a="http://schemas.openxmlformats.org/drawingml/2006/main" xmlns:r="http://schemas.openxmlformats.org/officeDocument/2006/relationships" xmlns:p="http://schemas.openxmlformats.org/presentationml/2006/main">
+  <p:cSld>
+    <p:spTree>
+      <p:nvGrpSpPr>
         <p:cNvPr id="1" name=""/>
         <p:cNvGrpSpPr/>
         <p:nvPr/>
@@ -5459,7 +7868,7 @@
           <p:cNvPr id="2" name="Title 1">
             <a:extLst>
               <a:ext uri="{FF2B5EF4-FFF2-40B4-BE49-F238E27FC236}">
-                <a16:creationId xmlns:a16="http://schemas.microsoft.com/office/drawing/2014/main" id="{EF02CDCE-575B-0951-8EF2-A4477A27E824}"/>
+                <a16:creationId xmlns:a16="http://schemas.microsoft.com/office/drawing/2014/main" id="{88D919F8-F584-D23E-4016-4D13E9B0D505}"/>
               </a:ext>
             </a:extLst>
           </p:cNvPr>
@@ -5476,10 +7885,9 @@
           <a:lstStyle/>
           <a:p>
             <a:r>
-              <a:rPr lang="en-US" dirty="0"/>
-              <a:t>Implement a Open Loop State Machine</a:t>
-            </a:r>
-            <a:endParaRPr lang="en-AU" dirty="0"/>
+              <a:rPr lang="en-AU" dirty="0"/>
+              <a:t>State Machine</a:t>
+            </a:r>
           </a:p>
         </p:txBody>
       </p:sp>
@@ -5488,7 +7896,7 @@
           <p:cNvPr id="3" name="Content Placeholder 2">
             <a:extLst>
               <a:ext uri="{FF2B5EF4-FFF2-40B4-BE49-F238E27FC236}">
-                <a16:creationId xmlns:a16="http://schemas.microsoft.com/office/drawing/2014/main" id="{9E4B693D-DFA2-A791-3F94-842830AE610C}"/>
+                <a16:creationId xmlns:a16="http://schemas.microsoft.com/office/drawing/2014/main" id="{19B341AA-469A-5A56-C61A-BB70D3AD57D6}"/>
               </a:ext>
             </a:extLst>
           </p:cNvPr>
@@ -5501,33 +7909,258 @@
         </p:nvSpPr>
         <p:spPr/>
         <p:txBody>
-          <a:bodyPr/>
+          <a:bodyPr>
+            <a:noAutofit/>
+          </a:bodyPr>
           <a:lstStyle/>
           <a:p>
             <a:pPr marL="0" indent="0">
-              <a:buNone/>
-            </a:pPr>
-            <a:r>
-              <a:rPr lang="en-AU" dirty="0">
-                <a:hlinkClick r:id="rId2"/>
-              </a:rPr>
-              <a:t>https://github.com/TempeHS/MicroPython_OOP_Pi_Pico_Mini_Project_Source/blob/main/tutorials/Lecture6.md#implement-a-open-loop-state-machine</a:t>
-            </a:r>
-            <a:endParaRPr lang="en-AU" dirty="0"/>
-          </a:p>
-          <a:p>
-            <a:pPr marL="0" indent="0">
-              <a:buNone/>
-            </a:pPr>
-            <a:endParaRPr lang="en-AU" dirty="0"/>
-          </a:p>
-          <a:p>
-            <a:pPr marL="0" indent="0">
-              <a:buNone/>
-            </a:pPr>
-            <a:r>
-              <a:rPr lang="en-AU" b="1" dirty="0"/>
-              <a:t>Run v99.py</a:t>
+              <a:lnSpc>
+                <a:spcPct val="100000"/>
+              </a:lnSpc>
+              <a:spcBef>
+                <a:spcPts val="0"/>
+              </a:spcBef>
+              <a:buNone/>
+            </a:pPr>
+            <a:r>
+              <a:rPr lang="en-AU" sz="2200" dirty="0">
+                <a:latin typeface="Consolas" panose="020B0609020204030204" pitchFamily="49" charset="0"/>
+              </a:rPr>
+              <a:t>def update(self):</a:t>
+            </a:r>
+          </a:p>
+          <a:p>
+            <a:pPr marL="457200" lvl="1" indent="0">
+              <a:lnSpc>
+                <a:spcPct val="100000"/>
+              </a:lnSpc>
+              <a:spcBef>
+                <a:spcPts val="0"/>
+              </a:spcBef>
+              <a:buNone/>
+            </a:pPr>
+            <a:r>
+              <a:rPr lang="en-AU" sz="2200" dirty="0">
+                <a:latin typeface="Consolas" panose="020B0609020204030204" pitchFamily="49" charset="0"/>
+              </a:rPr>
+              <a:t># State machine logic</a:t>
+            </a:r>
+          </a:p>
+          <a:p>
+            <a:pPr marL="457200" lvl="1" indent="0">
+              <a:lnSpc>
+                <a:spcPct val="100000"/>
+              </a:lnSpc>
+              <a:spcBef>
+                <a:spcPts val="0"/>
+              </a:spcBef>
+              <a:buNone/>
+            </a:pPr>
+            <a:r>
+              <a:rPr lang="en-AU" sz="2200" dirty="0">
+                <a:latin typeface="Consolas" panose="020B0609020204030204" pitchFamily="49" charset="0"/>
+              </a:rPr>
+              <a:t>if </a:t>
+            </a:r>
+            <a:r>
+              <a:rPr lang="en-AU" sz="2200" dirty="0" err="1">
+                <a:latin typeface="Consolas" panose="020B0609020204030204" pitchFamily="49" charset="0"/>
+              </a:rPr>
+              <a:t>self.state</a:t>
+            </a:r>
+            <a:r>
+              <a:rPr lang="en-AU" sz="2200" dirty="0">
+                <a:latin typeface="Consolas" panose="020B0609020204030204" pitchFamily="49" charset="0"/>
+              </a:rPr>
+              <a:t> == "IDLE":</a:t>
+            </a:r>
+          </a:p>
+          <a:p>
+            <a:pPr marL="914400" lvl="2" indent="0">
+              <a:lnSpc>
+                <a:spcPct val="100000"/>
+              </a:lnSpc>
+              <a:spcBef>
+                <a:spcPts val="0"/>
+              </a:spcBef>
+              <a:buNone/>
+            </a:pPr>
+            <a:r>
+              <a:rPr lang="en-AU" sz="2200" dirty="0">
+                <a:latin typeface="Consolas" panose="020B0609020204030204" pitchFamily="49" charset="0"/>
+              </a:rPr>
+              <a:t>if self.__</a:t>
+            </a:r>
+            <a:r>
+              <a:rPr lang="en-AU" sz="2200" dirty="0" err="1">
+                <a:latin typeface="Consolas" panose="020B0609020204030204" pitchFamily="49" charset="0"/>
+              </a:rPr>
+              <a:t>Button.button_state</a:t>
+            </a:r>
+            <a:r>
+              <a:rPr lang="en-AU" sz="2200" dirty="0">
+                <a:latin typeface="Consolas" panose="020B0609020204030204" pitchFamily="49" charset="0"/>
+              </a:rPr>
+              <a:t>:</a:t>
+            </a:r>
+          </a:p>
+          <a:p>
+            <a:pPr marL="1371600" lvl="3" indent="0">
+              <a:lnSpc>
+                <a:spcPct val="100000"/>
+              </a:lnSpc>
+              <a:spcBef>
+                <a:spcPts val="0"/>
+              </a:spcBef>
+              <a:buNone/>
+            </a:pPr>
+            <a:r>
+              <a:rPr lang="en-US" sz="2200" dirty="0">
+                <a:latin typeface="Consolas" panose="020B0609020204030204" pitchFamily="49" charset="0"/>
+              </a:rPr>
+              <a:t>if </a:t>
+            </a:r>
+            <a:r>
+              <a:rPr lang="en-US" sz="2200" dirty="0" err="1">
+                <a:latin typeface="Consolas" panose="020B0609020204030204" pitchFamily="49" charset="0"/>
+              </a:rPr>
+              <a:t>self.__debug</a:t>
+            </a:r>
+            <a:r>
+              <a:rPr lang="en-US" sz="2200" dirty="0">
+                <a:latin typeface="Consolas" panose="020B0609020204030204" pitchFamily="49" charset="0"/>
+              </a:rPr>
+              <a:t>:</a:t>
+            </a:r>
+          </a:p>
+          <a:p>
+            <a:pPr marL="1828800" lvl="4" indent="0">
+              <a:lnSpc>
+                <a:spcPct val="100000"/>
+              </a:lnSpc>
+              <a:spcBef>
+                <a:spcPts val="0"/>
+              </a:spcBef>
+              <a:buNone/>
+            </a:pPr>
+            <a:r>
+              <a:rPr lang="en-US" sz="2200" dirty="0">
+                <a:latin typeface="Consolas" panose="020B0609020204030204" pitchFamily="49" charset="0"/>
+              </a:rPr>
+              <a:t>print("Pedestrian waiting detected, switching to CHANGE")</a:t>
+            </a:r>
+            <a:endParaRPr lang="en-AU" sz="2200" dirty="0">
+              <a:latin typeface="Consolas" panose="020B0609020204030204" pitchFamily="49" charset="0"/>
+            </a:endParaRPr>
+          </a:p>
+          <a:p>
+            <a:pPr marL="1371600" lvl="3" indent="0">
+              <a:lnSpc>
+                <a:spcPct val="100000"/>
+              </a:lnSpc>
+              <a:spcBef>
+                <a:spcPts val="0"/>
+              </a:spcBef>
+              <a:buNone/>
+            </a:pPr>
+            <a:r>
+              <a:rPr lang="en-AU" sz="2200" dirty="0" err="1">
+                <a:latin typeface="Consolas" panose="020B0609020204030204" pitchFamily="49" charset="0"/>
+              </a:rPr>
+              <a:t>self.state</a:t>
+            </a:r>
+            <a:r>
+              <a:rPr lang="en-AU" sz="2200" dirty="0">
+                <a:latin typeface="Consolas" panose="020B0609020204030204" pitchFamily="49" charset="0"/>
+              </a:rPr>
+              <a:t> = "CHANGE"</a:t>
+            </a:r>
+          </a:p>
+          <a:p>
+            <a:pPr marL="1371600" lvl="3" indent="0">
+              <a:lnSpc>
+                <a:spcPct val="100000"/>
+              </a:lnSpc>
+              <a:spcBef>
+                <a:spcPts val="0"/>
+              </a:spcBef>
+              <a:buNone/>
+            </a:pPr>
+            <a:r>
+              <a:rPr lang="en-AU" sz="2200" dirty="0" err="1">
+                <a:latin typeface="Consolas" panose="020B0609020204030204" pitchFamily="49" charset="0"/>
+              </a:rPr>
+              <a:t>self.last_state_change</a:t>
+            </a:r>
+            <a:r>
+              <a:rPr lang="en-AU" sz="2200" dirty="0">
+                <a:latin typeface="Consolas" panose="020B0609020204030204" pitchFamily="49" charset="0"/>
+              </a:rPr>
+              <a:t> = time()</a:t>
+            </a:r>
+          </a:p>
+          <a:p>
+            <a:pPr marL="1371600" lvl="3" indent="0">
+              <a:lnSpc>
+                <a:spcPct val="100000"/>
+              </a:lnSpc>
+              <a:spcBef>
+                <a:spcPts val="0"/>
+              </a:spcBef>
+              <a:buNone/>
+            </a:pPr>
+            <a:r>
+              <a:rPr lang="en-AU" sz="2200" dirty="0" err="1">
+                <a:latin typeface="Consolas" panose="020B0609020204030204" pitchFamily="49" charset="0"/>
+              </a:rPr>
+              <a:t>self.change</a:t>
+            </a:r>
+            <a:r>
+              <a:rPr lang="en-AU" sz="2200" dirty="0">
+                <a:latin typeface="Consolas" panose="020B0609020204030204" pitchFamily="49" charset="0"/>
+              </a:rPr>
+              <a:t>()</a:t>
+            </a:r>
+          </a:p>
+          <a:p>
+            <a:pPr marL="914400" lvl="2" indent="0">
+              <a:lnSpc>
+                <a:spcPct val="100000"/>
+              </a:lnSpc>
+              <a:spcBef>
+                <a:spcPts val="0"/>
+              </a:spcBef>
+              <a:buNone/>
+            </a:pPr>
+            <a:r>
+              <a:rPr lang="en-AU" sz="2200" dirty="0">
+                <a:latin typeface="Consolas" panose="020B0609020204030204" pitchFamily="49" charset="0"/>
+              </a:rPr>
+              <a:t>else:</a:t>
+            </a:r>
+          </a:p>
+          <a:p>
+            <a:pPr marL="914400" lvl="2" indent="0">
+              <a:lnSpc>
+                <a:spcPct val="100000"/>
+              </a:lnSpc>
+              <a:spcBef>
+                <a:spcPts val="0"/>
+              </a:spcBef>
+              <a:buNone/>
+            </a:pPr>
+            <a:r>
+              <a:rPr lang="en-AU" sz="2200" dirty="0" err="1">
+                <a:latin typeface="Consolas" panose="020B0609020204030204" pitchFamily="49" charset="0"/>
+              </a:rPr>
+              <a:t>self.idle</a:t>
+            </a:r>
+            <a:r>
+              <a:rPr lang="en-AU" sz="2200" dirty="0">
+                <a:latin typeface="Consolas" panose="020B0609020204030204" pitchFamily="49" charset="0"/>
+              </a:rPr>
+              <a:t>()</a:t>
             </a:r>
           </a:p>
         </p:txBody>
@@ -5535,7 +8168,310 @@
     </p:spTree>
     <p:extLst>
       <p:ext uri="{BB962C8B-B14F-4D97-AF65-F5344CB8AC3E}">
-        <p14:creationId xmlns:p14="http://schemas.microsoft.com/office/powerpoint/2010/main" val="859535218"/>
+        <p14:creationId xmlns:p14="http://schemas.microsoft.com/office/powerpoint/2010/main" val="966833666"/>
+      </p:ext>
+    </p:extLst>
+  </p:cSld>
+  <p:clrMapOvr>
+    <a:masterClrMapping/>
+  </p:clrMapOvr>
+</p:sld>
+</file>
+
+<file path=ppt/slides/slide9.xml><?xml version="1.0" encoding="utf-8"?>
+<p:sld xmlns:a="http://schemas.openxmlformats.org/drawingml/2006/main" xmlns:r="http://schemas.openxmlformats.org/officeDocument/2006/relationships" xmlns:p="http://schemas.openxmlformats.org/presentationml/2006/main">
+  <p:cSld>
+    <p:spTree>
+      <p:nvGrpSpPr>
+        <p:cNvPr id="1" name="">
+          <a:extLst>
+            <a:ext uri="{FF2B5EF4-FFF2-40B4-BE49-F238E27FC236}">
+              <a16:creationId xmlns:a16="http://schemas.microsoft.com/office/drawing/2014/main" id="{CB4B1729-A609-AE78-4871-F5E176EF88A0}"/>
+            </a:ext>
+          </a:extLst>
+        </p:cNvPr>
+        <p:cNvGrpSpPr/>
+        <p:nvPr/>
+      </p:nvGrpSpPr>
+      <p:grpSpPr>
+        <a:xfrm>
+          <a:off x="0" y="0"/>
+          <a:ext cx="0" cy="0"/>
+          <a:chOff x="0" y="0"/>
+          <a:chExt cx="0" cy="0"/>
+        </a:xfrm>
+      </p:grpSpPr>
+      <p:sp>
+        <p:nvSpPr>
+          <p:cNvPr id="2" name="Title 1">
+            <a:extLst>
+              <a:ext uri="{FF2B5EF4-FFF2-40B4-BE49-F238E27FC236}">
+                <a16:creationId xmlns:a16="http://schemas.microsoft.com/office/drawing/2014/main" id="{F3B30141-1EAA-FFA5-51E5-1ED2CB0A0A6E}"/>
+              </a:ext>
+            </a:extLst>
+          </p:cNvPr>
+          <p:cNvSpPr>
+            <a:spLocks noGrp="1"/>
+          </p:cNvSpPr>
+          <p:nvPr>
+            <p:ph type="title"/>
+          </p:nvPr>
+        </p:nvSpPr>
+        <p:spPr/>
+        <p:txBody>
+          <a:bodyPr/>
+          <a:lstStyle/>
+          <a:p>
+            <a:r>
+              <a:rPr lang="en-AU" dirty="0"/>
+              <a:t>State Machine , (</a:t>
+            </a:r>
+            <a:r>
+              <a:rPr lang="en-AU" dirty="0" err="1"/>
+              <a:t>cont</a:t>
+            </a:r>
+            <a:r>
+              <a:rPr lang="en-AU" dirty="0"/>
+              <a:t>)</a:t>
+            </a:r>
+          </a:p>
+        </p:txBody>
+      </p:sp>
+      <p:sp>
+        <p:nvSpPr>
+          <p:cNvPr id="3" name="Content Placeholder 2">
+            <a:extLst>
+              <a:ext uri="{FF2B5EF4-FFF2-40B4-BE49-F238E27FC236}">
+                <a16:creationId xmlns:a16="http://schemas.microsoft.com/office/drawing/2014/main" id="{18D51C41-196E-E8CA-E1C5-0F03225BAC58}"/>
+              </a:ext>
+            </a:extLst>
+          </p:cNvPr>
+          <p:cNvSpPr>
+            <a:spLocks noGrp="1"/>
+          </p:cNvSpPr>
+          <p:nvPr>
+            <p:ph idx="1"/>
+          </p:nvPr>
+        </p:nvSpPr>
+        <p:spPr/>
+        <p:txBody>
+          <a:bodyPr>
+            <a:normAutofit/>
+          </a:bodyPr>
+          <a:lstStyle/>
+          <a:p>
+            <a:pPr marL="0" indent="0">
+              <a:lnSpc>
+                <a:spcPct val="100000"/>
+              </a:lnSpc>
+              <a:spcBef>
+                <a:spcPts val="0"/>
+              </a:spcBef>
+              <a:buNone/>
+            </a:pPr>
+            <a:r>
+              <a:rPr lang="en-AU" sz="2200" dirty="0">
+                <a:latin typeface="Consolas" panose="020B0609020204030204" pitchFamily="49" charset="0"/>
+              </a:rPr>
+              <a:t>def update(self):</a:t>
+            </a:r>
+          </a:p>
+          <a:p>
+            <a:pPr marL="457200" lvl="1" indent="0">
+              <a:lnSpc>
+                <a:spcPct val="100000"/>
+              </a:lnSpc>
+              <a:spcBef>
+                <a:spcPts val="0"/>
+              </a:spcBef>
+              <a:buNone/>
+            </a:pPr>
+            <a:r>
+              <a:rPr lang="en-AU" sz="2200" dirty="0">
+                <a:latin typeface="Consolas" panose="020B0609020204030204" pitchFamily="49" charset="0"/>
+              </a:rPr>
+              <a:t>…</a:t>
+            </a:r>
+          </a:p>
+          <a:p>
+            <a:pPr marL="457200" lvl="1" indent="0">
+              <a:lnSpc>
+                <a:spcPct val="100000"/>
+              </a:lnSpc>
+              <a:spcBef>
+                <a:spcPts val="0"/>
+              </a:spcBef>
+              <a:buNone/>
+            </a:pPr>
+            <a:r>
+              <a:rPr lang="en-AU" sz="2200" dirty="0" err="1">
+                <a:latin typeface="Consolas" panose="020B0609020204030204" pitchFamily="49" charset="0"/>
+              </a:rPr>
+              <a:t>elif</a:t>
+            </a:r>
+            <a:r>
+              <a:rPr lang="en-AU" sz="2200" dirty="0">
+                <a:latin typeface="Consolas" panose="020B0609020204030204" pitchFamily="49" charset="0"/>
+              </a:rPr>
+              <a:t> </a:t>
+            </a:r>
+            <a:r>
+              <a:rPr lang="en-AU" sz="2200" dirty="0" err="1">
+                <a:latin typeface="Consolas" panose="020B0609020204030204" pitchFamily="49" charset="0"/>
+              </a:rPr>
+              <a:t>self.state</a:t>
+            </a:r>
+            <a:r>
+              <a:rPr lang="en-AU" sz="2200" dirty="0">
+                <a:latin typeface="Consolas" panose="020B0609020204030204" pitchFamily="49" charset="0"/>
+              </a:rPr>
+              <a:t> == "CHANGE":</a:t>
+            </a:r>
+          </a:p>
+          <a:p>
+            <a:pPr marL="457200" lvl="1" indent="0">
+              <a:lnSpc>
+                <a:spcPct val="100000"/>
+              </a:lnSpc>
+              <a:spcBef>
+                <a:spcPts val="0"/>
+              </a:spcBef>
+              <a:buNone/>
+            </a:pPr>
+            <a:r>
+              <a:rPr lang="en-AU" sz="2200" dirty="0">
+                <a:latin typeface="Consolas" panose="020B0609020204030204" pitchFamily="49" charset="0"/>
+              </a:rPr>
+              <a:t># Wait 10 seconds before allowing walk</a:t>
+            </a:r>
+          </a:p>
+          <a:p>
+            <a:pPr marL="914400" lvl="2" indent="0">
+              <a:lnSpc>
+                <a:spcPct val="100000"/>
+              </a:lnSpc>
+              <a:spcBef>
+                <a:spcPts val="0"/>
+              </a:spcBef>
+              <a:buNone/>
+            </a:pPr>
+            <a:r>
+              <a:rPr lang="en-AU" sz="2200" dirty="0" err="1">
+                <a:latin typeface="Consolas" panose="020B0609020204030204" pitchFamily="49" charset="0"/>
+              </a:rPr>
+              <a:t>self.change</a:t>
+            </a:r>
+            <a:r>
+              <a:rPr lang="en-AU" sz="2200" dirty="0">
+                <a:latin typeface="Consolas" panose="020B0609020204030204" pitchFamily="49" charset="0"/>
+              </a:rPr>
+              <a:t>()</a:t>
+            </a:r>
+          </a:p>
+          <a:p>
+            <a:pPr marL="914400" lvl="2" indent="0">
+              <a:lnSpc>
+                <a:spcPct val="100000"/>
+              </a:lnSpc>
+              <a:spcBef>
+                <a:spcPts val="0"/>
+              </a:spcBef>
+              <a:buNone/>
+            </a:pPr>
+            <a:r>
+              <a:rPr lang="en-AU" sz="2200" dirty="0">
+                <a:latin typeface="Consolas" panose="020B0609020204030204" pitchFamily="49" charset="0"/>
+              </a:rPr>
+              <a:t>if time() - </a:t>
+            </a:r>
+            <a:r>
+              <a:rPr lang="en-AU" sz="2200" dirty="0" err="1">
+                <a:latin typeface="Consolas" panose="020B0609020204030204" pitchFamily="49" charset="0"/>
+              </a:rPr>
+              <a:t>self.last_state_change</a:t>
+            </a:r>
+            <a:r>
+              <a:rPr lang="en-AU" sz="2200" dirty="0">
+                <a:latin typeface="Consolas" panose="020B0609020204030204" pitchFamily="49" charset="0"/>
+              </a:rPr>
+              <a:t> &gt; 5:</a:t>
+            </a:r>
+          </a:p>
+          <a:p>
+            <a:pPr marL="1371600" lvl="3" indent="0">
+              <a:lnSpc>
+                <a:spcPct val="100000"/>
+              </a:lnSpc>
+              <a:spcBef>
+                <a:spcPts val="0"/>
+              </a:spcBef>
+              <a:buNone/>
+            </a:pPr>
+            <a:r>
+              <a:rPr lang="en-AU" sz="2200" dirty="0" err="1">
+                <a:latin typeface="Consolas" panose="020B0609020204030204" pitchFamily="49" charset="0"/>
+              </a:rPr>
+              <a:t>self.state</a:t>
+            </a:r>
+            <a:r>
+              <a:rPr lang="en-AU" sz="2200" dirty="0">
+                <a:latin typeface="Consolas" panose="020B0609020204030204" pitchFamily="49" charset="0"/>
+              </a:rPr>
+              <a:t> = "WALK"</a:t>
+            </a:r>
+          </a:p>
+          <a:p>
+            <a:pPr marL="1371600" lvl="3" indent="0">
+              <a:lnSpc>
+                <a:spcPct val="100000"/>
+              </a:lnSpc>
+              <a:spcBef>
+                <a:spcPts val="0"/>
+              </a:spcBef>
+              <a:buNone/>
+            </a:pPr>
+            <a:r>
+              <a:rPr lang="en-AU" sz="2200" dirty="0" err="1">
+                <a:latin typeface="Consolas" panose="020B0609020204030204" pitchFamily="49" charset="0"/>
+              </a:rPr>
+              <a:t>self.last_state_change</a:t>
+            </a:r>
+            <a:r>
+              <a:rPr lang="en-AU" sz="2200" dirty="0">
+                <a:latin typeface="Consolas" panose="020B0609020204030204" pitchFamily="49" charset="0"/>
+              </a:rPr>
+              <a:t> = time()</a:t>
+            </a:r>
+          </a:p>
+          <a:p>
+            <a:pPr marL="457200" lvl="1" indent="0">
+              <a:lnSpc>
+                <a:spcPct val="100000"/>
+              </a:lnSpc>
+              <a:spcBef>
+                <a:spcPts val="0"/>
+              </a:spcBef>
+              <a:buNone/>
+            </a:pPr>
+            <a:r>
+              <a:rPr lang="en-AU" sz="2200" dirty="0" err="1">
+                <a:latin typeface="Consolas" panose="020B0609020204030204" pitchFamily="49" charset="0"/>
+              </a:rPr>
+              <a:t>self.walk</a:t>
+            </a:r>
+            <a:r>
+              <a:rPr lang="en-AU" sz="2200" dirty="0">
+                <a:latin typeface="Consolas" panose="020B0609020204030204" pitchFamily="49" charset="0"/>
+              </a:rPr>
+              <a:t>()</a:t>
+            </a:r>
+          </a:p>
+        </p:txBody>
+      </p:sp>
+    </p:spTree>
+    <p:extLst>
+      <p:ext uri="{BB962C8B-B14F-4D97-AF65-F5344CB8AC3E}">
+        <p14:creationId xmlns:p14="http://schemas.microsoft.com/office/powerpoint/2010/main" val="2197609774"/>
       </p:ext>
     </p:extLst>
   </p:cSld>

--- a/tutorials/presentations/Lecture7.pptx
+++ b/tutorials/presentations/Lecture7.pptx
@@ -128,7 +128,7 @@
 <file path=ppt/revisionInfo.xml><?xml version="1.0" encoding="utf-8"?>
 <p1510:revInfo xmlns:a="http://schemas.openxmlformats.org/drawingml/2006/main" xmlns:r="http://schemas.openxmlformats.org/officeDocument/2006/relationships" xmlns:p1510="http://schemas.microsoft.com/office/powerpoint/2015/10/main">
   <p1510:revLst>
-    <p1510:client id="{FA2A3DCA-51EC-4091-BA4C-ABFDDC5DF777}" v="12" dt="2025-06-11T13:14:17.065"/>
+    <p1510:client id="{FA2A3DCA-51EC-4091-BA4C-ABFDDC5DF777}" v="19" dt="2025-06-14T07:47:43.579"/>
   </p1510:revLst>
 </p1510:revInfo>
 </file>
@@ -138,10 +138,97 @@
   <pc:docChgLst>
     <pc:chgData name="Ben Jones (Ben Jones)" userId="e6e8a0f3-34fe-4d14-b7ab-3a9f1769fff2" providerId="ADAL" clId="{FA2A3DCA-51EC-4091-BA4C-ABFDDC5DF777}"/>
     <pc:docChg chg="custSel addSld delSld modSld">
-      <pc:chgData name="Ben Jones (Ben Jones)" userId="e6e8a0f3-34fe-4d14-b7ab-3a9f1769fff2" providerId="ADAL" clId="{FA2A3DCA-51EC-4091-BA4C-ABFDDC5DF777}" dt="2025-06-11T13:14:38.818" v="461" actId="20577"/>
+      <pc:chgData name="Ben Jones (Ben Jones)" userId="e6e8a0f3-34fe-4d14-b7ab-3a9f1769fff2" providerId="ADAL" clId="{FA2A3DCA-51EC-4091-BA4C-ABFDDC5DF777}" dt="2025-06-14T07:47:43.579" v="471"/>
       <pc:docMkLst>
         <pc:docMk/>
       </pc:docMkLst>
+      <pc:sldChg chg="addSp delSp modSp mod">
+        <pc:chgData name="Ben Jones (Ben Jones)" userId="e6e8a0f3-34fe-4d14-b7ab-3a9f1769fff2" providerId="ADAL" clId="{FA2A3DCA-51EC-4091-BA4C-ABFDDC5DF777}" dt="2025-06-13T10:58:34.239" v="465" actId="20577"/>
+        <pc:sldMkLst>
+          <pc:docMk/>
+          <pc:sldMk cId="4046351447" sldId="256"/>
+        </pc:sldMkLst>
+        <pc:spChg chg="del">
+          <ac:chgData name="Ben Jones (Ben Jones)" userId="e6e8a0f3-34fe-4d14-b7ab-3a9f1769fff2" providerId="ADAL" clId="{FA2A3DCA-51EC-4091-BA4C-ABFDDC5DF777}" dt="2025-06-13T10:58:30.279" v="462" actId="478"/>
+          <ac:spMkLst>
+            <pc:docMk/>
+            <pc:sldMk cId="4046351447" sldId="256"/>
+            <ac:spMk id="2" creationId="{6C98E736-9C14-8B47-35EB-BD2CF5EF91B8}"/>
+          </ac:spMkLst>
+        </pc:spChg>
+        <pc:spChg chg="del">
+          <ac:chgData name="Ben Jones (Ben Jones)" userId="e6e8a0f3-34fe-4d14-b7ab-3a9f1769fff2" providerId="ADAL" clId="{FA2A3DCA-51EC-4091-BA4C-ABFDDC5DF777}" dt="2025-06-13T10:58:30.279" v="462" actId="478"/>
+          <ac:spMkLst>
+            <pc:docMk/>
+            <pc:sldMk cId="4046351447" sldId="256"/>
+            <ac:spMk id="3" creationId="{2007677D-E31B-D163-E787-0648982398C7}"/>
+          </ac:spMkLst>
+        </pc:spChg>
+        <pc:spChg chg="add mod">
+          <ac:chgData name="Ben Jones (Ben Jones)" userId="e6e8a0f3-34fe-4d14-b7ab-3a9f1769fff2" providerId="ADAL" clId="{FA2A3DCA-51EC-4091-BA4C-ABFDDC5DF777}" dt="2025-06-13T10:58:30.279" v="462" actId="478"/>
+          <ac:spMkLst>
+            <pc:docMk/>
+            <pc:sldMk cId="4046351447" sldId="256"/>
+            <ac:spMk id="5" creationId="{66C141EB-F126-DDE8-5732-9C18C5659658}"/>
+          </ac:spMkLst>
+        </pc:spChg>
+        <pc:spChg chg="add mod">
+          <ac:chgData name="Ben Jones (Ben Jones)" userId="e6e8a0f3-34fe-4d14-b7ab-3a9f1769fff2" providerId="ADAL" clId="{FA2A3DCA-51EC-4091-BA4C-ABFDDC5DF777}" dt="2025-06-13T10:58:30.279" v="462" actId="478"/>
+          <ac:spMkLst>
+            <pc:docMk/>
+            <pc:sldMk cId="4046351447" sldId="256"/>
+            <ac:spMk id="7" creationId="{B8AD1096-F3EE-C024-2CF7-E5AD8CE4C1A1}"/>
+          </ac:spMkLst>
+        </pc:spChg>
+        <pc:spChg chg="add mod">
+          <ac:chgData name="Ben Jones (Ben Jones)" userId="e6e8a0f3-34fe-4d14-b7ab-3a9f1769fff2" providerId="ADAL" clId="{FA2A3DCA-51EC-4091-BA4C-ABFDDC5DF777}" dt="2025-06-13T10:58:30.998" v="463"/>
+          <ac:spMkLst>
+            <pc:docMk/>
+            <pc:sldMk cId="4046351447" sldId="256"/>
+            <ac:spMk id="8" creationId="{A7384E35-3350-E775-D54C-196E5E557B05}"/>
+          </ac:spMkLst>
+        </pc:spChg>
+        <pc:spChg chg="add mod">
+          <ac:chgData name="Ben Jones (Ben Jones)" userId="e6e8a0f3-34fe-4d14-b7ab-3a9f1769fff2" providerId="ADAL" clId="{FA2A3DCA-51EC-4091-BA4C-ABFDDC5DF777}" dt="2025-06-13T10:58:30.998" v="463"/>
+          <ac:spMkLst>
+            <pc:docMk/>
+            <pc:sldMk cId="4046351447" sldId="256"/>
+            <ac:spMk id="10" creationId="{9E06C29B-C825-E71B-693A-503E0BB1E5BD}"/>
+          </ac:spMkLst>
+        </pc:spChg>
+        <pc:spChg chg="add mod">
+          <ac:chgData name="Ben Jones (Ben Jones)" userId="e6e8a0f3-34fe-4d14-b7ab-3a9f1769fff2" providerId="ADAL" clId="{FA2A3DCA-51EC-4091-BA4C-ABFDDC5DF777}" dt="2025-06-13T10:58:30.998" v="463"/>
+          <ac:spMkLst>
+            <pc:docMk/>
+            <pc:sldMk cId="4046351447" sldId="256"/>
+            <ac:spMk id="11" creationId="{0334BC93-825A-52D9-8391-99C98C0B5255}"/>
+          </ac:spMkLst>
+        </pc:spChg>
+        <pc:spChg chg="add mod">
+          <ac:chgData name="Ben Jones (Ben Jones)" userId="e6e8a0f3-34fe-4d14-b7ab-3a9f1769fff2" providerId="ADAL" clId="{FA2A3DCA-51EC-4091-BA4C-ABFDDC5DF777}" dt="2025-06-13T10:58:34.239" v="465" actId="20577"/>
+          <ac:spMkLst>
+            <pc:docMk/>
+            <pc:sldMk cId="4046351447" sldId="256"/>
+            <ac:spMk id="12" creationId="{8BE294C9-D70C-91BC-7392-98B70923B201}"/>
+          </ac:spMkLst>
+        </pc:spChg>
+        <pc:picChg chg="add mod">
+          <ac:chgData name="Ben Jones (Ben Jones)" userId="e6e8a0f3-34fe-4d14-b7ab-3a9f1769fff2" providerId="ADAL" clId="{FA2A3DCA-51EC-4091-BA4C-ABFDDC5DF777}" dt="2025-06-13T10:58:30.998" v="463"/>
+          <ac:picMkLst>
+            <pc:docMk/>
+            <pc:sldMk cId="4046351447" sldId="256"/>
+            <ac:picMk id="9" creationId="{59E150E3-5AB3-F964-440A-F66585354AAA}"/>
+          </ac:picMkLst>
+        </pc:picChg>
+        <pc:picChg chg="add mod">
+          <ac:chgData name="Ben Jones (Ben Jones)" userId="e6e8a0f3-34fe-4d14-b7ab-3a9f1769fff2" providerId="ADAL" clId="{FA2A3DCA-51EC-4091-BA4C-ABFDDC5DF777}" dt="2025-06-13T10:58:30.998" v="463"/>
+          <ac:picMkLst>
+            <pc:docMk/>
+            <pc:sldMk cId="4046351447" sldId="256"/>
+            <ac:picMk id="13" creationId="{93191C5E-8B7A-5EE6-50B0-A6F6981F521F}"/>
+          </ac:picMkLst>
+        </pc:picChg>
+      </pc:sldChg>
       <pc:sldChg chg="modSp mod">
         <pc:chgData name="Ben Jones (Ben Jones)" userId="e6e8a0f3-34fe-4d14-b7ab-3a9f1769fff2" providerId="ADAL" clId="{FA2A3DCA-51EC-4091-BA4C-ABFDDC5DF777}" dt="2025-06-11T12:55:26.497" v="226" actId="20577"/>
         <pc:sldMkLst>
@@ -163,14 +250,6 @@
           <pc:docMk/>
           <pc:sldMk cId="2628338777" sldId="266"/>
         </pc:sldMkLst>
-        <pc:picChg chg="add">
-          <ac:chgData name="Ben Jones (Ben Jones)" userId="e6e8a0f3-34fe-4d14-b7ab-3a9f1769fff2" providerId="ADAL" clId="{FA2A3DCA-51EC-4091-BA4C-ABFDDC5DF777}" dt="2025-06-11T12:39:33.609" v="0"/>
-          <ac:picMkLst>
-            <pc:docMk/>
-            <pc:sldMk cId="2628338777" sldId="266"/>
-            <ac:picMk id="3" creationId="{BD3AFA1B-3E29-8BFC-A27A-B4A61C29DEC4}"/>
-          </ac:picMkLst>
-        </pc:picChg>
       </pc:sldChg>
       <pc:sldChg chg="del">
         <pc:chgData name="Ben Jones (Ben Jones)" userId="e6e8a0f3-34fe-4d14-b7ab-3a9f1769fff2" providerId="ADAL" clId="{FA2A3DCA-51EC-4091-BA4C-ABFDDC5DF777}" dt="2025-06-11T12:39:47.374" v="2" actId="2696"/>
@@ -179,8 +258,8 @@
           <pc:sldMk cId="859535218" sldId="268"/>
         </pc:sldMkLst>
       </pc:sldChg>
-      <pc:sldChg chg="modSp add mod">
-        <pc:chgData name="Ben Jones (Ben Jones)" userId="e6e8a0f3-34fe-4d14-b7ab-3a9f1769fff2" providerId="ADAL" clId="{FA2A3DCA-51EC-4091-BA4C-ABFDDC5DF777}" dt="2025-06-11T13:14:38.818" v="461" actId="20577"/>
+      <pc:sldChg chg="addSp modSp add mod modAnim">
+        <pc:chgData name="Ben Jones (Ben Jones)" userId="e6e8a0f3-34fe-4d14-b7ab-3a9f1769fff2" providerId="ADAL" clId="{FA2A3DCA-51EC-4091-BA4C-ABFDDC5DF777}" dt="2025-06-14T07:47:24.045" v="466"/>
         <pc:sldMkLst>
           <pc:docMk/>
           <pc:sldMk cId="1196129529" sldId="275"/>
@@ -201,9 +280,17 @@
             <ac:spMk id="3" creationId="{F17B0C28-707C-22FC-8646-0D0488285642}"/>
           </ac:spMkLst>
         </pc:spChg>
+        <pc:picChg chg="add mod">
+          <ac:chgData name="Ben Jones (Ben Jones)" userId="e6e8a0f3-34fe-4d14-b7ab-3a9f1769fff2" providerId="ADAL" clId="{FA2A3DCA-51EC-4091-BA4C-ABFDDC5DF777}" dt="2025-06-14T07:47:24.045" v="466"/>
+          <ac:picMkLst>
+            <pc:docMk/>
+            <pc:sldMk cId="1196129529" sldId="275"/>
+            <ac:picMk id="4" creationId="{BA665B37-CD8C-DE1F-DAB8-ECE86970775C}"/>
+          </ac:picMkLst>
+        </pc:picChg>
       </pc:sldChg>
-      <pc:sldChg chg="modSp new mod">
-        <pc:chgData name="Ben Jones (Ben Jones)" userId="e6e8a0f3-34fe-4d14-b7ab-3a9f1769fff2" providerId="ADAL" clId="{FA2A3DCA-51EC-4091-BA4C-ABFDDC5DF777}" dt="2025-06-11T13:09:58.758" v="372" actId="948"/>
+      <pc:sldChg chg="addSp modSp new mod modAnim">
+        <pc:chgData name="Ben Jones (Ben Jones)" userId="e6e8a0f3-34fe-4d14-b7ab-3a9f1769fff2" providerId="ADAL" clId="{FA2A3DCA-51EC-4091-BA4C-ABFDDC5DF777}" dt="2025-06-14T07:47:26.403" v="467"/>
         <pc:sldMkLst>
           <pc:docMk/>
           <pc:sldMk cId="966833666" sldId="276"/>
@@ -224,9 +311,17 @@
             <ac:spMk id="3" creationId="{19B341AA-469A-5A56-C61A-BB70D3AD57D6}"/>
           </ac:spMkLst>
         </pc:spChg>
+        <pc:picChg chg="add mod">
+          <ac:chgData name="Ben Jones (Ben Jones)" userId="e6e8a0f3-34fe-4d14-b7ab-3a9f1769fff2" providerId="ADAL" clId="{FA2A3DCA-51EC-4091-BA4C-ABFDDC5DF777}" dt="2025-06-14T07:47:26.403" v="467"/>
+          <ac:picMkLst>
+            <pc:docMk/>
+            <pc:sldMk cId="966833666" sldId="276"/>
+            <ac:picMk id="4" creationId="{BD7EC64D-2AE7-46C3-5992-080B5C610E83}"/>
+          </ac:picMkLst>
+        </pc:picChg>
       </pc:sldChg>
-      <pc:sldChg chg="modSp add mod">
-        <pc:chgData name="Ben Jones (Ben Jones)" userId="e6e8a0f3-34fe-4d14-b7ab-3a9f1769fff2" providerId="ADAL" clId="{FA2A3DCA-51EC-4091-BA4C-ABFDDC5DF777}" dt="2025-06-11T13:14:13.775" v="450"/>
+      <pc:sldChg chg="addSp modSp add mod modAnim">
+        <pc:chgData name="Ben Jones (Ben Jones)" userId="e6e8a0f3-34fe-4d14-b7ab-3a9f1769fff2" providerId="ADAL" clId="{FA2A3DCA-51EC-4091-BA4C-ABFDDC5DF777}" dt="2025-06-14T07:47:33.705" v="469"/>
         <pc:sldMkLst>
           <pc:docMk/>
           <pc:sldMk cId="3161078323" sldId="277"/>
@@ -247,9 +342,17 @@
             <ac:spMk id="3" creationId="{7BD7914A-7779-1ED2-75EC-D85C0A40581C}"/>
           </ac:spMkLst>
         </pc:spChg>
+        <pc:picChg chg="add mod">
+          <ac:chgData name="Ben Jones (Ben Jones)" userId="e6e8a0f3-34fe-4d14-b7ab-3a9f1769fff2" providerId="ADAL" clId="{FA2A3DCA-51EC-4091-BA4C-ABFDDC5DF777}" dt="2025-06-14T07:47:33.705" v="469"/>
+          <ac:picMkLst>
+            <pc:docMk/>
+            <pc:sldMk cId="3161078323" sldId="277"/>
+            <ac:picMk id="4" creationId="{C1E9AE87-D853-8BC6-7A76-886F2D396608}"/>
+          </ac:picMkLst>
+        </pc:picChg>
       </pc:sldChg>
-      <pc:sldChg chg="modSp add mod">
-        <pc:chgData name="Ben Jones (Ben Jones)" userId="e6e8a0f3-34fe-4d14-b7ab-3a9f1769fff2" providerId="ADAL" clId="{FA2A3DCA-51EC-4091-BA4C-ABFDDC5DF777}" dt="2025-06-11T13:14:17.065" v="451"/>
+      <pc:sldChg chg="addSp modSp add mod modAnim">
+        <pc:chgData name="Ben Jones (Ben Jones)" userId="e6e8a0f3-34fe-4d14-b7ab-3a9f1769fff2" providerId="ADAL" clId="{FA2A3DCA-51EC-4091-BA4C-ABFDDC5DF777}" dt="2025-06-14T07:47:31.348" v="468"/>
         <pc:sldMkLst>
           <pc:docMk/>
           <pc:sldMk cId="2197609774" sldId="278"/>
@@ -270,9 +373,17 @@
             <ac:spMk id="3" creationId="{18D51C41-196E-E8CA-E1C5-0F03225BAC58}"/>
           </ac:spMkLst>
         </pc:spChg>
+        <pc:picChg chg="add mod">
+          <ac:chgData name="Ben Jones (Ben Jones)" userId="e6e8a0f3-34fe-4d14-b7ab-3a9f1769fff2" providerId="ADAL" clId="{FA2A3DCA-51EC-4091-BA4C-ABFDDC5DF777}" dt="2025-06-14T07:47:31.348" v="468"/>
+          <ac:picMkLst>
+            <pc:docMk/>
+            <pc:sldMk cId="2197609774" sldId="278"/>
+            <ac:picMk id="4" creationId="{50B5C821-28FC-722D-1E07-ACF154C03FF4}"/>
+          </ac:picMkLst>
+        </pc:picChg>
       </pc:sldChg>
-      <pc:sldChg chg="modSp add mod">
-        <pc:chgData name="Ben Jones (Ben Jones)" userId="e6e8a0f3-34fe-4d14-b7ab-3a9f1769fff2" providerId="ADAL" clId="{FA2A3DCA-51EC-4091-BA4C-ABFDDC5DF777}" dt="2025-06-11T13:14:10.468" v="449"/>
+      <pc:sldChg chg="addSp modSp add mod modAnim">
+        <pc:chgData name="Ben Jones (Ben Jones)" userId="e6e8a0f3-34fe-4d14-b7ab-3a9f1769fff2" providerId="ADAL" clId="{FA2A3DCA-51EC-4091-BA4C-ABFDDC5DF777}" dt="2025-06-14T07:47:38.764" v="470"/>
         <pc:sldMkLst>
           <pc:docMk/>
           <pc:sldMk cId="3108459171" sldId="279"/>
@@ -293,9 +404,17 @@
             <ac:spMk id="3" creationId="{1D178B02-324F-D823-76E5-AFFB068F606D}"/>
           </ac:spMkLst>
         </pc:spChg>
+        <pc:picChg chg="add mod">
+          <ac:chgData name="Ben Jones (Ben Jones)" userId="e6e8a0f3-34fe-4d14-b7ab-3a9f1769fff2" providerId="ADAL" clId="{FA2A3DCA-51EC-4091-BA4C-ABFDDC5DF777}" dt="2025-06-14T07:47:38.764" v="470"/>
+          <ac:picMkLst>
+            <pc:docMk/>
+            <pc:sldMk cId="3108459171" sldId="279"/>
+            <ac:picMk id="4" creationId="{68FB994D-AF23-E68A-5613-5215232D0BC7}"/>
+          </ac:picMkLst>
+        </pc:picChg>
       </pc:sldChg>
-      <pc:sldChg chg="modSp add mod">
-        <pc:chgData name="Ben Jones (Ben Jones)" userId="e6e8a0f3-34fe-4d14-b7ab-3a9f1769fff2" providerId="ADAL" clId="{FA2A3DCA-51EC-4091-BA4C-ABFDDC5DF777}" dt="2025-06-11T13:14:05.824" v="448"/>
+      <pc:sldChg chg="addSp modSp add mod modAnim">
+        <pc:chgData name="Ben Jones (Ben Jones)" userId="e6e8a0f3-34fe-4d14-b7ab-3a9f1769fff2" providerId="ADAL" clId="{FA2A3DCA-51EC-4091-BA4C-ABFDDC5DF777}" dt="2025-06-14T07:47:43.579" v="471"/>
         <pc:sldMkLst>
           <pc:docMk/>
           <pc:sldMk cId="582451183" sldId="280"/>
@@ -316,6 +435,14 @@
             <ac:spMk id="3" creationId="{36C1F542-2810-58B5-768B-5901074B7D93}"/>
           </ac:spMkLst>
         </pc:spChg>
+        <pc:picChg chg="add mod">
+          <ac:chgData name="Ben Jones (Ben Jones)" userId="e6e8a0f3-34fe-4d14-b7ab-3a9f1769fff2" providerId="ADAL" clId="{FA2A3DCA-51EC-4091-BA4C-ABFDDC5DF777}" dt="2025-06-14T07:47:43.579" v="471"/>
+          <ac:picMkLst>
+            <pc:docMk/>
+            <pc:sldMk cId="582451183" sldId="280"/>
+            <ac:picMk id="4" creationId="{B9223BB9-9D97-CAB8-8F9D-55C9B409B26F}"/>
+          </ac:picMkLst>
+        </pc:picChg>
       </pc:sldChg>
       <pc:sldChg chg="modSp new del mod">
         <pc:chgData name="Ben Jones (Ben Jones)" userId="e6e8a0f3-34fe-4d14-b7ab-3a9f1769fff2" providerId="ADAL" clId="{FA2A3DCA-51EC-4091-BA4C-ABFDDC5DF777}" dt="2025-06-11T13:13:09.763" v="414" actId="2696"/>
@@ -323,22 +450,6 @@
           <pc:docMk/>
           <pc:sldMk cId="3815040001" sldId="281"/>
         </pc:sldMkLst>
-        <pc:spChg chg="mod">
-          <ac:chgData name="Ben Jones (Ben Jones)" userId="e6e8a0f3-34fe-4d14-b7ab-3a9f1769fff2" providerId="ADAL" clId="{FA2A3DCA-51EC-4091-BA4C-ABFDDC5DF777}" dt="2025-06-11T12:56:05.141" v="259" actId="20577"/>
-          <ac:spMkLst>
-            <pc:docMk/>
-            <pc:sldMk cId="3815040001" sldId="281"/>
-            <ac:spMk id="2" creationId="{D9DD854F-CD4B-5AAF-D916-9896F360FA76}"/>
-          </ac:spMkLst>
-        </pc:spChg>
-        <pc:spChg chg="mod">
-          <ac:chgData name="Ben Jones (Ben Jones)" userId="e6e8a0f3-34fe-4d14-b7ab-3a9f1769fff2" providerId="ADAL" clId="{FA2A3DCA-51EC-4091-BA4C-ABFDDC5DF777}" dt="2025-06-11T12:56:12.843" v="261" actId="27636"/>
-          <ac:spMkLst>
-            <pc:docMk/>
-            <pc:sldMk cId="3815040001" sldId="281"/>
-            <ac:spMk id="3" creationId="{F8001336-214C-8FC8-6E3F-753FC0D8394F}"/>
-          </ac:spMkLst>
-        </pc:spChg>
       </pc:sldChg>
       <pc:sldChg chg="modSp add mod">
         <pc:chgData name="Ben Jones (Ben Jones)" userId="e6e8a0f3-34fe-4d14-b7ab-3a9f1769fff2" providerId="ADAL" clId="{FA2A3DCA-51EC-4091-BA4C-ABFDDC5DF777}" dt="2025-06-11T13:13:33.210" v="417" actId="255"/>
@@ -400,14 +511,6 @@
           <pc:docMk/>
           <pc:sldMk cId="4046351447" sldId="256"/>
         </pc:sldMkLst>
-        <pc:spChg chg="mod">
-          <ac:chgData name="Ben Jones (Ben Jones)" userId="e6e8a0f3-34fe-4d14-b7ab-3a9f1769fff2" providerId="ADAL" clId="{2A4F3FF4-B48F-4BF2-8996-C16EAC4E46EE}" dt="2025-06-10T10:43:28.350" v="1" actId="20577"/>
-          <ac:spMkLst>
-            <pc:docMk/>
-            <pc:sldMk cId="4046351447" sldId="256"/>
-            <ac:spMk id="3" creationId="{2007677D-E31B-D163-E787-0648982398C7}"/>
-          </ac:spMkLst>
-        </pc:spChg>
       </pc:sldChg>
       <pc:sldChg chg="modSp mod">
         <pc:chgData name="Ben Jones (Ben Jones)" userId="e6e8a0f3-34fe-4d14-b7ab-3a9f1769fff2" providerId="ADAL" clId="{2A4F3FF4-B48F-4BF2-8996-C16EAC4E46EE}" dt="2025-06-10T10:43:40.432" v="3" actId="20577"/>
@@ -459,46 +562,6 @@
           <pc:docMk/>
           <pc:sldMk cId="3539071505" sldId="261"/>
         </pc:sldMkLst>
-        <pc:spChg chg="mod ord">
-          <ac:chgData name="Ben Jones (Ben Jones)" userId="e6e8a0f3-34fe-4d14-b7ab-3a9f1769fff2" providerId="ADAL" clId="{2A4F3FF4-B48F-4BF2-8996-C16EAC4E46EE}" dt="2025-06-10T10:45:25.763" v="29" actId="700"/>
-          <ac:spMkLst>
-            <pc:docMk/>
-            <pc:sldMk cId="3539071505" sldId="261"/>
-            <ac:spMk id="5" creationId="{D486937B-AE08-CEA9-288B-A7E12B6EEC9E}"/>
-          </ac:spMkLst>
-        </pc:spChg>
-        <pc:spChg chg="del mod ord">
-          <ac:chgData name="Ben Jones (Ben Jones)" userId="e6e8a0f3-34fe-4d14-b7ab-3a9f1769fff2" providerId="ADAL" clId="{2A4F3FF4-B48F-4BF2-8996-C16EAC4E46EE}" dt="2025-06-10T10:45:29.037" v="31" actId="478"/>
-          <ac:spMkLst>
-            <pc:docMk/>
-            <pc:sldMk cId="3539071505" sldId="261"/>
-            <ac:spMk id="7" creationId="{EFEA9320-0444-71FB-F85F-FBA13C9156C9}"/>
-          </ac:spMkLst>
-        </pc:spChg>
-        <pc:spChg chg="mod ord">
-          <ac:chgData name="Ben Jones (Ben Jones)" userId="e6e8a0f3-34fe-4d14-b7ab-3a9f1769fff2" providerId="ADAL" clId="{2A4F3FF4-B48F-4BF2-8996-C16EAC4E46EE}" dt="2025-06-10T11:17:22.097" v="361" actId="20577"/>
-          <ac:spMkLst>
-            <pc:docMk/>
-            <pc:sldMk cId="3539071505" sldId="261"/>
-            <ac:spMk id="8" creationId="{359FE974-4D1E-3967-5B90-8562E74CE499}"/>
-          </ac:spMkLst>
-        </pc:spChg>
-        <pc:spChg chg="del mod ord">
-          <ac:chgData name="Ben Jones (Ben Jones)" userId="e6e8a0f3-34fe-4d14-b7ab-3a9f1769fff2" providerId="ADAL" clId="{2A4F3FF4-B48F-4BF2-8996-C16EAC4E46EE}" dt="2025-06-10T10:45:30.785" v="32" actId="478"/>
-          <ac:spMkLst>
-            <pc:docMk/>
-            <pc:sldMk cId="3539071505" sldId="261"/>
-            <ac:spMk id="9" creationId="{D6523559-2C61-8EBE-6F77-9D95DA6B8E76}"/>
-          </ac:spMkLst>
-        </pc:spChg>
-        <pc:spChg chg="del mod">
-          <ac:chgData name="Ben Jones (Ben Jones)" userId="e6e8a0f3-34fe-4d14-b7ab-3a9f1769fff2" providerId="ADAL" clId="{2A4F3FF4-B48F-4BF2-8996-C16EAC4E46EE}" dt="2025-06-10T10:45:25.763" v="29" actId="700"/>
-          <ac:spMkLst>
-            <pc:docMk/>
-            <pc:sldMk cId="3539071505" sldId="261"/>
-            <ac:spMk id="10" creationId="{84DCB01C-1983-9701-C36D-97E70AE72B48}"/>
-          </ac:spMkLst>
-        </pc:spChg>
       </pc:sldChg>
       <pc:sldChg chg="del">
         <pc:chgData name="Ben Jones (Ben Jones)" userId="e6e8a0f3-34fe-4d14-b7ab-3a9f1769fff2" providerId="ADAL" clId="{2A4F3FF4-B48F-4BF2-8996-C16EAC4E46EE}" dt="2025-06-10T10:44:13.831" v="6" actId="47"/>
@@ -513,22 +576,6 @@
           <pc:docMk/>
           <pc:sldMk cId="1175822862" sldId="263"/>
         </pc:sldMkLst>
-        <pc:spChg chg="mod">
-          <ac:chgData name="Ben Jones (Ben Jones)" userId="e6e8a0f3-34fe-4d14-b7ab-3a9f1769fff2" providerId="ADAL" clId="{2A4F3FF4-B48F-4BF2-8996-C16EAC4E46EE}" dt="2025-06-10T11:17:51.505" v="363"/>
-          <ac:spMkLst>
-            <pc:docMk/>
-            <pc:sldMk cId="1175822862" sldId="263"/>
-            <ac:spMk id="7" creationId="{56C6F239-F5E8-6417-880B-0B56CE59D207}"/>
-          </ac:spMkLst>
-        </pc:spChg>
-        <pc:spChg chg="mod">
-          <ac:chgData name="Ben Jones (Ben Jones)" userId="e6e8a0f3-34fe-4d14-b7ab-3a9f1769fff2" providerId="ADAL" clId="{2A4F3FF4-B48F-4BF2-8996-C16EAC4E46EE}" dt="2025-06-10T11:19:20.088" v="383" actId="20577"/>
-          <ac:spMkLst>
-            <pc:docMk/>
-            <pc:sldMk cId="1175822862" sldId="263"/>
-            <ac:spMk id="8" creationId="{A8D1847C-4AD3-1D2C-43B8-828394D9FF0E}"/>
-          </ac:spMkLst>
-        </pc:spChg>
       </pc:sldChg>
       <pc:sldChg chg="del">
         <pc:chgData name="Ben Jones (Ben Jones)" userId="e6e8a0f3-34fe-4d14-b7ab-3a9f1769fff2" providerId="ADAL" clId="{2A4F3FF4-B48F-4BF2-8996-C16EAC4E46EE}" dt="2025-06-10T11:19:25.002" v="384" actId="2696"/>
@@ -551,38 +598,6 @@
             <ac:spMk id="2" creationId="{698432A2-2D2E-3F70-F830-5A67ED205318}"/>
           </ac:spMkLst>
         </pc:spChg>
-        <pc:spChg chg="del mod ord">
-          <ac:chgData name="Ben Jones (Ben Jones)" userId="e6e8a0f3-34fe-4d14-b7ab-3a9f1769fff2" providerId="ADAL" clId="{2A4F3FF4-B48F-4BF2-8996-C16EAC4E46EE}" dt="2025-06-10T11:11:28.733" v="37" actId="700"/>
-          <ac:spMkLst>
-            <pc:docMk/>
-            <pc:sldMk cId="2546578239" sldId="265"/>
-            <ac:spMk id="3" creationId="{9B60F964-28BA-D26A-38DB-B6D58D727FF9}"/>
-          </ac:spMkLst>
-        </pc:spChg>
-        <pc:spChg chg="add del mod ord">
-          <ac:chgData name="Ben Jones (Ben Jones)" userId="e6e8a0f3-34fe-4d14-b7ab-3a9f1769fff2" providerId="ADAL" clId="{2A4F3FF4-B48F-4BF2-8996-C16EAC4E46EE}" dt="2025-06-10T11:11:31.226" v="38" actId="22"/>
-          <ac:spMkLst>
-            <pc:docMk/>
-            <pc:sldMk cId="2546578239" sldId="265"/>
-            <ac:spMk id="4" creationId="{A899754A-4534-E79A-73FA-E04C4234E204}"/>
-          </ac:spMkLst>
-        </pc:spChg>
-        <pc:spChg chg="add mod ord">
-          <ac:chgData name="Ben Jones (Ben Jones)" userId="e6e8a0f3-34fe-4d14-b7ab-3a9f1769fff2" providerId="ADAL" clId="{2A4F3FF4-B48F-4BF2-8996-C16EAC4E46EE}" dt="2025-06-10T11:12:14.588" v="58" actId="113"/>
-          <ac:spMkLst>
-            <pc:docMk/>
-            <pc:sldMk cId="2546578239" sldId="265"/>
-            <ac:spMk id="5" creationId="{24677B90-A9AF-EC0B-A47C-BB671119F84D}"/>
-          </ac:spMkLst>
-        </pc:spChg>
-        <pc:picChg chg="add mod ord">
-          <ac:chgData name="Ben Jones (Ben Jones)" userId="e6e8a0f3-34fe-4d14-b7ab-3a9f1769fff2" providerId="ADAL" clId="{2A4F3FF4-B48F-4BF2-8996-C16EAC4E46EE}" dt="2025-06-10T11:11:37.996" v="40" actId="1076"/>
-          <ac:picMkLst>
-            <pc:docMk/>
-            <pc:sldMk cId="2546578239" sldId="265"/>
-            <ac:picMk id="7" creationId="{DA9346F2-BD5F-D909-036A-067426C4A237}"/>
-          </ac:picMkLst>
-        </pc:picChg>
       </pc:sldChg>
       <pc:sldChg chg="addSp delSp modSp new mod modClrScheme chgLayout">
         <pc:chgData name="Ben Jones (Ben Jones)" userId="e6e8a0f3-34fe-4d14-b7ab-3a9f1769fff2" providerId="ADAL" clId="{2A4F3FF4-B48F-4BF2-8996-C16EAC4E46EE}" dt="2025-06-10T11:14:57.891" v="96" actId="20577"/>
@@ -590,44 +605,12 @@
           <pc:docMk/>
           <pc:sldMk cId="2628338777" sldId="266"/>
         </pc:sldMkLst>
-        <pc:spChg chg="del mod ord">
-          <ac:chgData name="Ben Jones (Ben Jones)" userId="e6e8a0f3-34fe-4d14-b7ab-3a9f1769fff2" providerId="ADAL" clId="{2A4F3FF4-B48F-4BF2-8996-C16EAC4E46EE}" dt="2025-06-10T11:14:02.105" v="60" actId="700"/>
-          <ac:spMkLst>
-            <pc:docMk/>
-            <pc:sldMk cId="2628338777" sldId="266"/>
-            <ac:spMk id="2" creationId="{1CBD55B7-D0D6-FD4A-21EC-882E0FE8BF20}"/>
-          </ac:spMkLst>
-        </pc:spChg>
-        <pc:spChg chg="del mod ord">
-          <ac:chgData name="Ben Jones (Ben Jones)" userId="e6e8a0f3-34fe-4d14-b7ab-3a9f1769fff2" providerId="ADAL" clId="{2A4F3FF4-B48F-4BF2-8996-C16EAC4E46EE}" dt="2025-06-10T11:14:02.105" v="60" actId="700"/>
-          <ac:spMkLst>
-            <pc:docMk/>
-            <pc:sldMk cId="2628338777" sldId="266"/>
-            <ac:spMk id="3" creationId="{E0EF99E6-E35A-9306-6B59-A5517523FDCF}"/>
-          </ac:spMkLst>
-        </pc:spChg>
-        <pc:spChg chg="del">
-          <ac:chgData name="Ben Jones (Ben Jones)" userId="e6e8a0f3-34fe-4d14-b7ab-3a9f1769fff2" providerId="ADAL" clId="{2A4F3FF4-B48F-4BF2-8996-C16EAC4E46EE}" dt="2025-06-10T11:14:02.105" v="60" actId="700"/>
-          <ac:spMkLst>
-            <pc:docMk/>
-            <pc:sldMk cId="2628338777" sldId="266"/>
-            <ac:spMk id="4" creationId="{801A868C-7E78-3328-F82B-ED6E73D509D2}"/>
-          </ac:spMkLst>
-        </pc:spChg>
         <pc:spChg chg="add mod ord">
           <ac:chgData name="Ben Jones (Ben Jones)" userId="e6e8a0f3-34fe-4d14-b7ab-3a9f1769fff2" providerId="ADAL" clId="{2A4F3FF4-B48F-4BF2-8996-C16EAC4E46EE}" dt="2025-06-10T11:14:12.444" v="83" actId="20577"/>
           <ac:spMkLst>
             <pc:docMk/>
             <pc:sldMk cId="2628338777" sldId="266"/>
             <ac:spMk id="5" creationId="{96EBD5BC-A418-B3D5-F3BE-15BADC7685D9}"/>
-          </ac:spMkLst>
-        </pc:spChg>
-        <pc:spChg chg="add mod ord">
-          <ac:chgData name="Ben Jones (Ben Jones)" userId="e6e8a0f3-34fe-4d14-b7ab-3a9f1769fff2" providerId="ADAL" clId="{2A4F3FF4-B48F-4BF2-8996-C16EAC4E46EE}" dt="2025-06-10T11:14:57.891" v="96" actId="20577"/>
-          <ac:spMkLst>
-            <pc:docMk/>
-            <pc:sldMk cId="2628338777" sldId="266"/>
-            <ac:spMk id="6" creationId="{95A9DC49-463E-4EFF-BD3E-E4AEF9DAF757}"/>
           </ac:spMkLst>
         </pc:spChg>
       </pc:sldChg>
@@ -706,14 +689,6 @@
             <ac:spMk id="2" creationId="{E599052C-7C96-2D60-4290-07372E0237BD}"/>
           </ac:spMkLst>
         </pc:spChg>
-        <pc:spChg chg="del mod">
-          <ac:chgData name="Ben Jones (Ben Jones)" userId="e6e8a0f3-34fe-4d14-b7ab-3a9f1769fff2" providerId="ADAL" clId="{2BCC0636-15D0-4E0E-95A4-C98A11126E44}" dt="2025-06-10T12:27:23.172" v="84" actId="478"/>
-          <ac:spMkLst>
-            <pc:docMk/>
-            <pc:sldMk cId="2628338777" sldId="266"/>
-            <ac:spMk id="3" creationId="{D558FCB4-463D-4004-1C16-76D08CA2C42E}"/>
-          </ac:spMkLst>
-        </pc:spChg>
         <pc:spChg chg="mod ord">
           <ac:chgData name="Ben Jones (Ben Jones)" userId="e6e8a0f3-34fe-4d14-b7ab-3a9f1769fff2" providerId="ADAL" clId="{2BCC0636-15D0-4E0E-95A4-C98A11126E44}" dt="2025-06-10T12:27:25.886" v="85" actId="700"/>
           <ac:spMkLst>
@@ -752,14 +727,6 @@
             <ac:spMk id="3" creationId="{B35E8C49-046D-24F3-4150-F75B677DB14D}"/>
           </ac:spMkLst>
         </pc:spChg>
-        <pc:spChg chg="del mod">
-          <ac:chgData name="Ben Jones (Ben Jones)" userId="e6e8a0f3-34fe-4d14-b7ab-3a9f1769fff2" providerId="ADAL" clId="{2BCC0636-15D0-4E0E-95A4-C98A11126E44}" dt="2025-06-10T12:26:44.068" v="75" actId="478"/>
-          <ac:spMkLst>
-            <pc:docMk/>
-            <pc:sldMk cId="3317005285" sldId="267"/>
-            <ac:spMk id="4" creationId="{72485A8B-8898-D80D-A9BD-0E3AE9F3F393}"/>
-          </ac:spMkLst>
-        </pc:spChg>
       </pc:sldChg>
       <pc:sldChg chg="modSp new mod">
         <pc:chgData name="Ben Jones (Ben Jones)" userId="e6e8a0f3-34fe-4d14-b7ab-3a9f1769fff2" providerId="ADAL" clId="{2BCC0636-15D0-4E0E-95A4-C98A11126E44}" dt="2025-06-10T12:28:57.495" v="122" actId="113"/>
@@ -767,22 +734,6 @@
           <pc:docMk/>
           <pc:sldMk cId="859535218" sldId="268"/>
         </pc:sldMkLst>
-        <pc:spChg chg="mod">
-          <ac:chgData name="Ben Jones (Ben Jones)" userId="e6e8a0f3-34fe-4d14-b7ab-3a9f1769fff2" providerId="ADAL" clId="{2BCC0636-15D0-4E0E-95A4-C98A11126E44}" dt="2025-06-10T12:28:10.863" v="98"/>
-          <ac:spMkLst>
-            <pc:docMk/>
-            <pc:sldMk cId="859535218" sldId="268"/>
-            <ac:spMk id="2" creationId="{EF02CDCE-575B-0951-8EF2-A4477A27E824}"/>
-          </ac:spMkLst>
-        </pc:spChg>
-        <pc:spChg chg="mod">
-          <ac:chgData name="Ben Jones (Ben Jones)" userId="e6e8a0f3-34fe-4d14-b7ab-3a9f1769fff2" providerId="ADAL" clId="{2BCC0636-15D0-4E0E-95A4-C98A11126E44}" dt="2025-06-10T12:28:57.495" v="122" actId="113"/>
-          <ac:spMkLst>
-            <pc:docMk/>
-            <pc:sldMk cId="859535218" sldId="268"/>
-            <ac:spMk id="3" creationId="{9E4B693D-DFA2-A791-3F94-842830AE610C}"/>
-          </ac:spMkLst>
-        </pc:spChg>
       </pc:sldChg>
     </pc:docChg>
   </pc:docChgLst>
@@ -799,30 +750,6 @@
           <pc:docMk/>
           <pc:sldMk cId="3635014069" sldId="258"/>
         </pc:sldMkLst>
-        <pc:spChg chg="del mod ord">
-          <ac:chgData name="Ben Jones (Ben Jones)" userId="e6e8a0f3-34fe-4d14-b7ab-3a9f1769fff2" providerId="ADAL" clId="{78C1D944-C5E2-4D33-BE3A-5C243E175D98}" dt="2025-06-10T10:18:22.469" v="1" actId="700"/>
-          <ac:spMkLst>
-            <pc:docMk/>
-            <pc:sldMk cId="3635014069" sldId="258"/>
-            <ac:spMk id="2" creationId="{433DCE4A-741B-0840-AB3D-6BCC0CF7A4DF}"/>
-          </ac:spMkLst>
-        </pc:spChg>
-        <pc:spChg chg="del mod ord">
-          <ac:chgData name="Ben Jones (Ben Jones)" userId="e6e8a0f3-34fe-4d14-b7ab-3a9f1769fff2" providerId="ADAL" clId="{78C1D944-C5E2-4D33-BE3A-5C243E175D98}" dt="2025-06-10T10:18:22.469" v="1" actId="700"/>
-          <ac:spMkLst>
-            <pc:docMk/>
-            <pc:sldMk cId="3635014069" sldId="258"/>
-            <ac:spMk id="3" creationId="{899E9525-4288-EB9D-AE0B-7E1D12803FCB}"/>
-          </ac:spMkLst>
-        </pc:spChg>
-        <pc:spChg chg="del">
-          <ac:chgData name="Ben Jones (Ben Jones)" userId="e6e8a0f3-34fe-4d14-b7ab-3a9f1769fff2" providerId="ADAL" clId="{78C1D944-C5E2-4D33-BE3A-5C243E175D98}" dt="2025-06-10T10:18:22.469" v="1" actId="700"/>
-          <ac:spMkLst>
-            <pc:docMk/>
-            <pc:sldMk cId="3635014069" sldId="258"/>
-            <ac:spMk id="4" creationId="{B4FF68E1-671A-D9B2-D9B2-431B35F8ED63}"/>
-          </ac:spMkLst>
-        </pc:spChg>
         <pc:spChg chg="add mod ord">
           <ac:chgData name="Ben Jones (Ben Jones)" userId="e6e8a0f3-34fe-4d14-b7ab-3a9f1769fff2" providerId="ADAL" clId="{78C1D944-C5E2-4D33-BE3A-5C243E175D98}" dt="2025-06-10T10:18:24.928" v="6" actId="20577"/>
           <ac:spMkLst>
@@ -846,54 +773,6 @@
           <pc:docMk/>
           <pc:sldMk cId="3761732179" sldId="259"/>
         </pc:sldMkLst>
-        <pc:spChg chg="del mod ord">
-          <ac:chgData name="Ben Jones (Ben Jones)" userId="e6e8a0f3-34fe-4d14-b7ab-3a9f1769fff2" providerId="ADAL" clId="{78C1D944-C5E2-4D33-BE3A-5C243E175D98}" dt="2025-06-10T10:20:37.666" v="11" actId="700"/>
-          <ac:spMkLst>
-            <pc:docMk/>
-            <pc:sldMk cId="3761732179" sldId="259"/>
-            <ac:spMk id="2" creationId="{6BC6F18A-50A0-5F01-FEAB-4F35D8C359A0}"/>
-          </ac:spMkLst>
-        </pc:spChg>
-        <pc:spChg chg="del mod ord">
-          <ac:chgData name="Ben Jones (Ben Jones)" userId="e6e8a0f3-34fe-4d14-b7ab-3a9f1769fff2" providerId="ADAL" clId="{78C1D944-C5E2-4D33-BE3A-5C243E175D98}" dt="2025-06-10T10:20:37.666" v="11" actId="700"/>
-          <ac:spMkLst>
-            <pc:docMk/>
-            <pc:sldMk cId="3761732179" sldId="259"/>
-            <ac:spMk id="3" creationId="{54CB68D8-3828-8D9F-5BA1-F26475E17F10}"/>
-          </ac:spMkLst>
-        </pc:spChg>
-        <pc:spChg chg="add mod ord">
-          <ac:chgData name="Ben Jones (Ben Jones)" userId="e6e8a0f3-34fe-4d14-b7ab-3a9f1769fff2" providerId="ADAL" clId="{78C1D944-C5E2-4D33-BE3A-5C243E175D98}" dt="2025-06-10T10:20:44.568" v="33" actId="20577"/>
-          <ac:spMkLst>
-            <pc:docMk/>
-            <pc:sldMk cId="3761732179" sldId="259"/>
-            <ac:spMk id="4" creationId="{34E858F3-6574-26AD-D895-9F4874EC3BF2}"/>
-          </ac:spMkLst>
-        </pc:spChg>
-        <pc:spChg chg="add del mod ord">
-          <ac:chgData name="Ben Jones (Ben Jones)" userId="e6e8a0f3-34fe-4d14-b7ab-3a9f1769fff2" providerId="ADAL" clId="{78C1D944-C5E2-4D33-BE3A-5C243E175D98}" dt="2025-06-10T10:22:49.706" v="130"/>
-          <ac:spMkLst>
-            <pc:docMk/>
-            <pc:sldMk cId="3761732179" sldId="259"/>
-            <ac:spMk id="5" creationId="{77DCFBFC-F0A8-F3A5-427B-4F924F194E43}"/>
-          </ac:spMkLst>
-        </pc:spChg>
-        <pc:spChg chg="add mod ord">
-          <ac:chgData name="Ben Jones (Ben Jones)" userId="e6e8a0f3-34fe-4d14-b7ab-3a9f1769fff2" providerId="ADAL" clId="{78C1D944-C5E2-4D33-BE3A-5C243E175D98}" dt="2025-06-10T10:26:42.249" v="156" actId="27636"/>
-          <ac:spMkLst>
-            <pc:docMk/>
-            <pc:sldMk cId="3761732179" sldId="259"/>
-            <ac:spMk id="6" creationId="{6922DC9A-D773-BD11-9F06-5446190100C7}"/>
-          </ac:spMkLst>
-        </pc:spChg>
-        <pc:picChg chg="add mod">
-          <ac:chgData name="Ben Jones (Ben Jones)" userId="e6e8a0f3-34fe-4d14-b7ab-3a9f1769fff2" providerId="ADAL" clId="{78C1D944-C5E2-4D33-BE3A-5C243E175D98}" dt="2025-06-10T10:22:53.604" v="131" actId="27614"/>
-          <ac:picMkLst>
-            <pc:docMk/>
-            <pc:sldMk cId="3761732179" sldId="259"/>
-            <ac:picMk id="8" creationId="{5026CB8D-2FD0-2434-C269-76F083701408}"/>
-          </ac:picMkLst>
-        </pc:picChg>
       </pc:sldChg>
       <pc:sldChg chg="addSp delSp modSp new mod modClrScheme chgLayout">
         <pc:chgData name="Ben Jones (Ben Jones)" userId="e6e8a0f3-34fe-4d14-b7ab-3a9f1769fff2" providerId="ADAL" clId="{78C1D944-C5E2-4D33-BE3A-5C243E175D98}" dt="2025-06-10T10:27:03.572" v="160"/>
@@ -901,78 +780,6 @@
           <pc:docMk/>
           <pc:sldMk cId="119910343" sldId="260"/>
         </pc:sldMkLst>
-        <pc:spChg chg="del mod ord">
-          <ac:chgData name="Ben Jones (Ben Jones)" userId="e6e8a0f3-34fe-4d14-b7ab-3a9f1769fff2" providerId="ADAL" clId="{78C1D944-C5E2-4D33-BE3A-5C243E175D98}" dt="2025-06-10T10:23:19.243" v="133" actId="700"/>
-          <ac:spMkLst>
-            <pc:docMk/>
-            <pc:sldMk cId="119910343" sldId="260"/>
-            <ac:spMk id="2" creationId="{7122FAA5-E19E-8A80-B4F2-16AE3A80892A}"/>
-          </ac:spMkLst>
-        </pc:spChg>
-        <pc:spChg chg="del mod ord">
-          <ac:chgData name="Ben Jones (Ben Jones)" userId="e6e8a0f3-34fe-4d14-b7ab-3a9f1769fff2" providerId="ADAL" clId="{78C1D944-C5E2-4D33-BE3A-5C243E175D98}" dt="2025-06-10T10:23:19.243" v="133" actId="700"/>
-          <ac:spMkLst>
-            <pc:docMk/>
-            <pc:sldMk cId="119910343" sldId="260"/>
-            <ac:spMk id="3" creationId="{576FB2C6-21C8-42FA-A68C-6805E5690CB3}"/>
-          </ac:spMkLst>
-        </pc:spChg>
-        <pc:spChg chg="del">
-          <ac:chgData name="Ben Jones (Ben Jones)" userId="e6e8a0f3-34fe-4d14-b7ab-3a9f1769fff2" providerId="ADAL" clId="{78C1D944-C5E2-4D33-BE3A-5C243E175D98}" dt="2025-06-10T10:23:19.243" v="133" actId="700"/>
-          <ac:spMkLst>
-            <pc:docMk/>
-            <pc:sldMk cId="119910343" sldId="260"/>
-            <ac:spMk id="4" creationId="{62C5E1C9-7BC1-3469-AFB1-1B216CBD00A6}"/>
-          </ac:spMkLst>
-        </pc:spChg>
-        <pc:spChg chg="add mod ord">
-          <ac:chgData name="Ben Jones (Ben Jones)" userId="e6e8a0f3-34fe-4d14-b7ab-3a9f1769fff2" providerId="ADAL" clId="{78C1D944-C5E2-4D33-BE3A-5C243E175D98}" dt="2025-06-10T10:26:03.616" v="152" actId="700"/>
-          <ac:spMkLst>
-            <pc:docMk/>
-            <pc:sldMk cId="119910343" sldId="260"/>
-            <ac:spMk id="5" creationId="{CAB6EDA1-5368-156C-E10E-309A274C4DC9}"/>
-          </ac:spMkLst>
-        </pc:spChg>
-        <pc:spChg chg="add del mod ord">
-          <ac:chgData name="Ben Jones (Ben Jones)" userId="e6e8a0f3-34fe-4d14-b7ab-3a9f1769fff2" providerId="ADAL" clId="{78C1D944-C5E2-4D33-BE3A-5C243E175D98}" dt="2025-06-10T10:26:03.616" v="152" actId="700"/>
-          <ac:spMkLst>
-            <pc:docMk/>
-            <pc:sldMk cId="119910343" sldId="260"/>
-            <ac:spMk id="6" creationId="{35749206-A58C-CBE0-6FC6-523123E0EF5C}"/>
-          </ac:spMkLst>
-        </pc:spChg>
-        <pc:spChg chg="add del mod ord">
-          <ac:chgData name="Ben Jones (Ben Jones)" userId="e6e8a0f3-34fe-4d14-b7ab-3a9f1769fff2" providerId="ADAL" clId="{78C1D944-C5E2-4D33-BE3A-5C243E175D98}" dt="2025-06-10T10:26:05.585" v="153" actId="22"/>
-          <ac:spMkLst>
-            <pc:docMk/>
-            <pc:sldMk cId="119910343" sldId="260"/>
-            <ac:spMk id="7" creationId="{E91E7BE5-7F9D-90B3-B90F-D80E25928A9A}"/>
-          </ac:spMkLst>
-        </pc:spChg>
-        <pc:spChg chg="add del mod ord">
-          <ac:chgData name="Ben Jones (Ben Jones)" userId="e6e8a0f3-34fe-4d14-b7ab-3a9f1769fff2" providerId="ADAL" clId="{78C1D944-C5E2-4D33-BE3A-5C243E175D98}" dt="2025-06-10T10:27:03.572" v="160"/>
-          <ac:spMkLst>
-            <pc:docMk/>
-            <pc:sldMk cId="119910343" sldId="260"/>
-            <ac:spMk id="8" creationId="{8B0B4C97-2535-9EAF-2C7C-8F0CAA91079E}"/>
-          </ac:spMkLst>
-        </pc:spChg>
-        <pc:spChg chg="add mod">
-          <ac:chgData name="Ben Jones (Ben Jones)" userId="e6e8a0f3-34fe-4d14-b7ab-3a9f1769fff2" providerId="ADAL" clId="{78C1D944-C5E2-4D33-BE3A-5C243E175D98}" dt="2025-06-10T10:27:01.151" v="158"/>
-          <ac:spMkLst>
-            <pc:docMk/>
-            <pc:sldMk cId="119910343" sldId="260"/>
-            <ac:spMk id="11" creationId="{6D037062-8BE8-F21E-33DA-F932ACA60810}"/>
-          </ac:spMkLst>
-        </pc:spChg>
-        <pc:picChg chg="add mod ord">
-          <ac:chgData name="Ben Jones (Ben Jones)" userId="e6e8a0f3-34fe-4d14-b7ab-3a9f1769fff2" providerId="ADAL" clId="{78C1D944-C5E2-4D33-BE3A-5C243E175D98}" dt="2025-06-10T10:26:05.585" v="153" actId="22"/>
-          <ac:picMkLst>
-            <pc:docMk/>
-            <pc:sldMk cId="119910343" sldId="260"/>
-            <ac:picMk id="10" creationId="{D2AF5855-D741-F058-7B7E-5BCEDAF86853}"/>
-          </ac:picMkLst>
-        </pc:picChg>
       </pc:sldChg>
       <pc:sldChg chg="addSp delSp modSp new mod modClrScheme chgLayout">
         <pc:chgData name="Ben Jones (Ben Jones)" userId="e6e8a0f3-34fe-4d14-b7ab-3a9f1769fff2" providerId="ADAL" clId="{78C1D944-C5E2-4D33-BE3A-5C243E175D98}" dt="2025-06-10T10:36:06.225" v="793" actId="20577"/>
@@ -980,78 +787,6 @@
           <pc:docMk/>
           <pc:sldMk cId="3539071505" sldId="261"/>
         </pc:sldMkLst>
-        <pc:spChg chg="del mod ord">
-          <ac:chgData name="Ben Jones (Ben Jones)" userId="e6e8a0f3-34fe-4d14-b7ab-3a9f1769fff2" providerId="ADAL" clId="{78C1D944-C5E2-4D33-BE3A-5C243E175D98}" dt="2025-06-10T10:33:39.344" v="739" actId="700"/>
-          <ac:spMkLst>
-            <pc:docMk/>
-            <pc:sldMk cId="3539071505" sldId="261"/>
-            <ac:spMk id="2" creationId="{552FCBC4-955F-8AE1-F8E4-1F21413CC949}"/>
-          </ac:spMkLst>
-        </pc:spChg>
-        <pc:spChg chg="del mod ord">
-          <ac:chgData name="Ben Jones (Ben Jones)" userId="e6e8a0f3-34fe-4d14-b7ab-3a9f1769fff2" providerId="ADAL" clId="{78C1D944-C5E2-4D33-BE3A-5C243E175D98}" dt="2025-06-10T10:33:39.344" v="739" actId="700"/>
-          <ac:spMkLst>
-            <pc:docMk/>
-            <pc:sldMk cId="3539071505" sldId="261"/>
-            <ac:spMk id="3" creationId="{7A0048FB-635A-D09C-3384-BF483F124939}"/>
-          </ac:spMkLst>
-        </pc:spChg>
-        <pc:spChg chg="del">
-          <ac:chgData name="Ben Jones (Ben Jones)" userId="e6e8a0f3-34fe-4d14-b7ab-3a9f1769fff2" providerId="ADAL" clId="{78C1D944-C5E2-4D33-BE3A-5C243E175D98}" dt="2025-06-10T10:33:39.344" v="739" actId="700"/>
-          <ac:spMkLst>
-            <pc:docMk/>
-            <pc:sldMk cId="3539071505" sldId="261"/>
-            <ac:spMk id="4" creationId="{1960A6A1-305E-85AC-9DCE-424B0FD3AD65}"/>
-          </ac:spMkLst>
-        </pc:spChg>
-        <pc:spChg chg="add mod ord">
-          <ac:chgData name="Ben Jones (Ben Jones)" userId="e6e8a0f3-34fe-4d14-b7ab-3a9f1769fff2" providerId="ADAL" clId="{78C1D944-C5E2-4D33-BE3A-5C243E175D98}" dt="2025-06-10T10:36:06.225" v="793" actId="20577"/>
-          <ac:spMkLst>
-            <pc:docMk/>
-            <pc:sldMk cId="3539071505" sldId="261"/>
-            <ac:spMk id="5" creationId="{D486937B-AE08-CEA9-288B-A7E12B6EEC9E}"/>
-          </ac:spMkLst>
-        </pc:spChg>
-        <pc:spChg chg="add del mod ord">
-          <ac:chgData name="Ben Jones (Ben Jones)" userId="e6e8a0f3-34fe-4d14-b7ab-3a9f1769fff2" providerId="ADAL" clId="{78C1D944-C5E2-4D33-BE3A-5C243E175D98}" dt="2025-06-10T10:34:10.174" v="769" actId="700"/>
-          <ac:spMkLst>
-            <pc:docMk/>
-            <pc:sldMk cId="3539071505" sldId="261"/>
-            <ac:spMk id="6" creationId="{51C6FAEF-D681-780C-98A5-7C89D373BDDF}"/>
-          </ac:spMkLst>
-        </pc:spChg>
-        <pc:spChg chg="add mod ord">
-          <ac:chgData name="Ben Jones (Ben Jones)" userId="e6e8a0f3-34fe-4d14-b7ab-3a9f1769fff2" providerId="ADAL" clId="{78C1D944-C5E2-4D33-BE3A-5C243E175D98}" dt="2025-06-10T10:35:42.310" v="780" actId="368"/>
-          <ac:spMkLst>
-            <pc:docMk/>
-            <pc:sldMk cId="3539071505" sldId="261"/>
-            <ac:spMk id="7" creationId="{EFEA9320-0444-71FB-F85F-FBA13C9156C9}"/>
-          </ac:spMkLst>
-        </pc:spChg>
-        <pc:spChg chg="add mod ord">
-          <ac:chgData name="Ben Jones (Ben Jones)" userId="e6e8a0f3-34fe-4d14-b7ab-3a9f1769fff2" providerId="ADAL" clId="{78C1D944-C5E2-4D33-BE3A-5C243E175D98}" dt="2025-06-10T10:34:19.461" v="774" actId="5793"/>
-          <ac:spMkLst>
-            <pc:docMk/>
-            <pc:sldMk cId="3539071505" sldId="261"/>
-            <ac:spMk id="8" creationId="{359FE974-4D1E-3967-5B90-8562E74CE499}"/>
-          </ac:spMkLst>
-        </pc:spChg>
-        <pc:spChg chg="add mod ord">
-          <ac:chgData name="Ben Jones (Ben Jones)" userId="e6e8a0f3-34fe-4d14-b7ab-3a9f1769fff2" providerId="ADAL" clId="{78C1D944-C5E2-4D33-BE3A-5C243E175D98}" dt="2025-06-10T10:34:35.839" v="777" actId="20577"/>
-          <ac:spMkLst>
-            <pc:docMk/>
-            <pc:sldMk cId="3539071505" sldId="261"/>
-            <ac:spMk id="9" creationId="{D6523559-2C61-8EBE-6F77-9D95DA6B8E76}"/>
-          </ac:spMkLst>
-        </pc:spChg>
-        <pc:spChg chg="add mod ord">
-          <ac:chgData name="Ben Jones (Ben Jones)" userId="e6e8a0f3-34fe-4d14-b7ab-3a9f1769fff2" providerId="ADAL" clId="{78C1D944-C5E2-4D33-BE3A-5C243E175D98}" dt="2025-06-10T10:34:38.996" v="779" actId="5793"/>
-          <ac:spMkLst>
-            <pc:docMk/>
-            <pc:sldMk cId="3539071505" sldId="261"/>
-            <ac:spMk id="10" creationId="{84DCB01C-1983-9701-C36D-97E70AE72B48}"/>
-          </ac:spMkLst>
-        </pc:spChg>
       </pc:sldChg>
       <pc:sldChg chg="modSp add mod">
         <pc:chgData name="Ben Jones (Ben Jones)" userId="e6e8a0f3-34fe-4d14-b7ab-3a9f1769fff2" providerId="ADAL" clId="{78C1D944-C5E2-4D33-BE3A-5C243E175D98}" dt="2025-06-10T10:32:56.914" v="738" actId="20577"/>
@@ -1059,22 +794,6 @@
           <pc:docMk/>
           <pc:sldMk cId="3768076261" sldId="262"/>
         </pc:sldMkLst>
-        <pc:spChg chg="mod">
-          <ac:chgData name="Ben Jones (Ben Jones)" userId="e6e8a0f3-34fe-4d14-b7ab-3a9f1769fff2" providerId="ADAL" clId="{78C1D944-C5E2-4D33-BE3A-5C243E175D98}" dt="2025-06-10T10:27:55.180" v="180" actId="20577"/>
-          <ac:spMkLst>
-            <pc:docMk/>
-            <pc:sldMk cId="3768076261" sldId="262"/>
-            <ac:spMk id="5" creationId="{CB87B387-E9FE-C7F6-2747-83EEAC469951}"/>
-          </ac:spMkLst>
-        </pc:spChg>
-        <pc:spChg chg="mod">
-          <ac:chgData name="Ben Jones (Ben Jones)" userId="e6e8a0f3-34fe-4d14-b7ab-3a9f1769fff2" providerId="ADAL" clId="{78C1D944-C5E2-4D33-BE3A-5C243E175D98}" dt="2025-06-10T10:32:56.914" v="738" actId="20577"/>
-          <ac:spMkLst>
-            <pc:docMk/>
-            <pc:sldMk cId="3768076261" sldId="262"/>
-            <ac:spMk id="8" creationId="{7D7A5026-098C-E06D-AE74-C3BF1B1C95AA}"/>
-          </ac:spMkLst>
-        </pc:spChg>
       </pc:sldChg>
       <pc:sldChg chg="addSp delSp modSp new mod modClrScheme chgLayout">
         <pc:chgData name="Ben Jones (Ben Jones)" userId="e6e8a0f3-34fe-4d14-b7ab-3a9f1769fff2" providerId="ADAL" clId="{78C1D944-C5E2-4D33-BE3A-5C243E175D98}" dt="2025-06-10T10:39:35.454" v="845" actId="20577"/>
@@ -1082,62 +801,6 @@
           <pc:docMk/>
           <pc:sldMk cId="1175822862" sldId="263"/>
         </pc:sldMkLst>
-        <pc:spChg chg="del mod ord">
-          <ac:chgData name="Ben Jones (Ben Jones)" userId="e6e8a0f3-34fe-4d14-b7ab-3a9f1769fff2" providerId="ADAL" clId="{78C1D944-C5E2-4D33-BE3A-5C243E175D98}" dt="2025-06-10T10:36:28.714" v="796" actId="700"/>
-          <ac:spMkLst>
-            <pc:docMk/>
-            <pc:sldMk cId="1175822862" sldId="263"/>
-            <ac:spMk id="2" creationId="{B36F7922-3FD2-5254-D6C9-A29D3EC83AA0}"/>
-          </ac:spMkLst>
-        </pc:spChg>
-        <pc:spChg chg="del">
-          <ac:chgData name="Ben Jones (Ben Jones)" userId="e6e8a0f3-34fe-4d14-b7ab-3a9f1769fff2" providerId="ADAL" clId="{78C1D944-C5E2-4D33-BE3A-5C243E175D98}" dt="2025-06-10T10:36:28.714" v="796" actId="700"/>
-          <ac:spMkLst>
-            <pc:docMk/>
-            <pc:sldMk cId="1175822862" sldId="263"/>
-            <ac:spMk id="3" creationId="{76FAADD7-01A6-BF9D-8973-7FC361281E9A}"/>
-          </ac:spMkLst>
-        </pc:spChg>
-        <pc:spChg chg="del mod ord">
-          <ac:chgData name="Ben Jones (Ben Jones)" userId="e6e8a0f3-34fe-4d14-b7ab-3a9f1769fff2" providerId="ADAL" clId="{78C1D944-C5E2-4D33-BE3A-5C243E175D98}" dt="2025-06-10T10:36:28.714" v="796" actId="700"/>
-          <ac:spMkLst>
-            <pc:docMk/>
-            <pc:sldMk cId="1175822862" sldId="263"/>
-            <ac:spMk id="4" creationId="{469B33A5-F61D-55B1-29EF-64A0B9EC6CEA}"/>
-          </ac:spMkLst>
-        </pc:spChg>
-        <pc:spChg chg="del">
-          <ac:chgData name="Ben Jones (Ben Jones)" userId="e6e8a0f3-34fe-4d14-b7ab-3a9f1769fff2" providerId="ADAL" clId="{78C1D944-C5E2-4D33-BE3A-5C243E175D98}" dt="2025-06-10T10:36:28.714" v="796" actId="700"/>
-          <ac:spMkLst>
-            <pc:docMk/>
-            <pc:sldMk cId="1175822862" sldId="263"/>
-            <ac:spMk id="5" creationId="{8E616ABA-FB50-2BEE-2BA7-350C3EEF918E}"/>
-          </ac:spMkLst>
-        </pc:spChg>
-        <pc:spChg chg="del">
-          <ac:chgData name="Ben Jones (Ben Jones)" userId="e6e8a0f3-34fe-4d14-b7ab-3a9f1769fff2" providerId="ADAL" clId="{78C1D944-C5E2-4D33-BE3A-5C243E175D98}" dt="2025-06-10T10:36:28.714" v="796" actId="700"/>
-          <ac:spMkLst>
-            <pc:docMk/>
-            <pc:sldMk cId="1175822862" sldId="263"/>
-            <ac:spMk id="6" creationId="{EE2C01EF-8D67-4170-14B9-59272CE770C8}"/>
-          </ac:spMkLst>
-        </pc:spChg>
-        <pc:spChg chg="add mod ord">
-          <ac:chgData name="Ben Jones (Ben Jones)" userId="e6e8a0f3-34fe-4d14-b7ab-3a9f1769fff2" providerId="ADAL" clId="{78C1D944-C5E2-4D33-BE3A-5C243E175D98}" dt="2025-06-10T10:36:36.547" v="798" actId="20577"/>
-          <ac:spMkLst>
-            <pc:docMk/>
-            <pc:sldMk cId="1175822862" sldId="263"/>
-            <ac:spMk id="7" creationId="{56C6F239-F5E8-6417-880B-0B56CE59D207}"/>
-          </ac:spMkLst>
-        </pc:spChg>
-        <pc:spChg chg="add mod ord">
-          <ac:chgData name="Ben Jones (Ben Jones)" userId="e6e8a0f3-34fe-4d14-b7ab-3a9f1769fff2" providerId="ADAL" clId="{78C1D944-C5E2-4D33-BE3A-5C243E175D98}" dt="2025-06-10T10:39:35.454" v="845" actId="20577"/>
-          <ac:spMkLst>
-            <pc:docMk/>
-            <pc:sldMk cId="1175822862" sldId="263"/>
-            <ac:spMk id="8" creationId="{A8D1847C-4AD3-1D2C-43B8-828394D9FF0E}"/>
-          </ac:spMkLst>
-        </pc:spChg>
       </pc:sldChg>
       <pc:sldChg chg="addSp delSp modSp new mod modClrScheme chgLayout">
         <pc:chgData name="Ben Jones (Ben Jones)" userId="e6e8a0f3-34fe-4d14-b7ab-3a9f1769fff2" providerId="ADAL" clId="{78C1D944-C5E2-4D33-BE3A-5C243E175D98}" dt="2025-06-10T10:39:40.222" v="850" actId="20577"/>
@@ -1145,94 +808,6 @@
           <pc:docMk/>
           <pc:sldMk cId="549990195" sldId="264"/>
         </pc:sldMkLst>
-        <pc:spChg chg="del mod ord">
-          <ac:chgData name="Ben Jones (Ben Jones)" userId="e6e8a0f3-34fe-4d14-b7ab-3a9f1769fff2" providerId="ADAL" clId="{78C1D944-C5E2-4D33-BE3A-5C243E175D98}" dt="2025-06-10T10:37:18.750" v="805" actId="700"/>
-          <ac:spMkLst>
-            <pc:docMk/>
-            <pc:sldMk cId="549990195" sldId="264"/>
-            <ac:spMk id="2" creationId="{A57EB72A-FAC9-5FF8-E6A3-8E830C23359A}"/>
-          </ac:spMkLst>
-        </pc:spChg>
-        <pc:spChg chg="del">
-          <ac:chgData name="Ben Jones (Ben Jones)" userId="e6e8a0f3-34fe-4d14-b7ab-3a9f1769fff2" providerId="ADAL" clId="{78C1D944-C5E2-4D33-BE3A-5C243E175D98}" dt="2025-06-10T10:37:18.750" v="805" actId="700"/>
-          <ac:spMkLst>
-            <pc:docMk/>
-            <pc:sldMk cId="549990195" sldId="264"/>
-            <ac:spMk id="3" creationId="{4B459B9A-A121-9FB8-3533-C68A5F13F534}"/>
-          </ac:spMkLst>
-        </pc:spChg>
-        <pc:spChg chg="del mod ord">
-          <ac:chgData name="Ben Jones (Ben Jones)" userId="e6e8a0f3-34fe-4d14-b7ab-3a9f1769fff2" providerId="ADAL" clId="{78C1D944-C5E2-4D33-BE3A-5C243E175D98}" dt="2025-06-10T10:37:18.750" v="805" actId="700"/>
-          <ac:spMkLst>
-            <pc:docMk/>
-            <pc:sldMk cId="549990195" sldId="264"/>
-            <ac:spMk id="4" creationId="{A399DAE5-01B5-FB06-16F1-C5755F25B1DD}"/>
-          </ac:spMkLst>
-        </pc:spChg>
-        <pc:spChg chg="del">
-          <ac:chgData name="Ben Jones (Ben Jones)" userId="e6e8a0f3-34fe-4d14-b7ab-3a9f1769fff2" providerId="ADAL" clId="{78C1D944-C5E2-4D33-BE3A-5C243E175D98}" dt="2025-06-10T10:37:18.750" v="805" actId="700"/>
-          <ac:spMkLst>
-            <pc:docMk/>
-            <pc:sldMk cId="549990195" sldId="264"/>
-            <ac:spMk id="5" creationId="{8F0B9F06-AFBD-49F7-9BE1-7B56FE216A71}"/>
-          </ac:spMkLst>
-        </pc:spChg>
-        <pc:spChg chg="del">
-          <ac:chgData name="Ben Jones (Ben Jones)" userId="e6e8a0f3-34fe-4d14-b7ab-3a9f1769fff2" providerId="ADAL" clId="{78C1D944-C5E2-4D33-BE3A-5C243E175D98}" dt="2025-06-10T10:37:18.750" v="805" actId="700"/>
-          <ac:spMkLst>
-            <pc:docMk/>
-            <pc:sldMk cId="549990195" sldId="264"/>
-            <ac:spMk id="6" creationId="{4DEE1672-B77F-9592-4653-CB3C8E0634AB}"/>
-          </ac:spMkLst>
-        </pc:spChg>
-        <pc:spChg chg="add mod ord">
-          <ac:chgData name="Ben Jones (Ben Jones)" userId="e6e8a0f3-34fe-4d14-b7ab-3a9f1769fff2" providerId="ADAL" clId="{78C1D944-C5E2-4D33-BE3A-5C243E175D98}" dt="2025-06-10T10:38:58.284" v="832" actId="700"/>
-          <ac:spMkLst>
-            <pc:docMk/>
-            <pc:sldMk cId="549990195" sldId="264"/>
-            <ac:spMk id="7" creationId="{A5E19FFB-3D8F-DB03-B38B-27FE43EC06C8}"/>
-          </ac:spMkLst>
-        </pc:spChg>
-        <pc:spChg chg="add del mod ord">
-          <ac:chgData name="Ben Jones (Ben Jones)" userId="e6e8a0f3-34fe-4d14-b7ab-3a9f1769fff2" providerId="ADAL" clId="{78C1D944-C5E2-4D33-BE3A-5C243E175D98}" dt="2025-06-10T10:39:13.668" v="837" actId="478"/>
-          <ac:spMkLst>
-            <pc:docMk/>
-            <pc:sldMk cId="549990195" sldId="264"/>
-            <ac:spMk id="8" creationId="{52A00011-1D95-177D-779A-39FDCBB8629F}"/>
-          </ac:spMkLst>
-        </pc:spChg>
-        <pc:spChg chg="add mod">
-          <ac:chgData name="Ben Jones (Ben Jones)" userId="e6e8a0f3-34fe-4d14-b7ab-3a9f1769fff2" providerId="ADAL" clId="{78C1D944-C5E2-4D33-BE3A-5C243E175D98}" dt="2025-06-10T10:37:21.829" v="808"/>
-          <ac:spMkLst>
-            <pc:docMk/>
-            <pc:sldMk cId="549990195" sldId="264"/>
-            <ac:spMk id="9" creationId="{80F65A99-08C1-A978-A12B-8BB44A1B9690}"/>
-          </ac:spMkLst>
-        </pc:spChg>
-        <pc:spChg chg="add mod ord">
-          <ac:chgData name="Ben Jones (Ben Jones)" userId="e6e8a0f3-34fe-4d14-b7ab-3a9f1769fff2" providerId="ADAL" clId="{78C1D944-C5E2-4D33-BE3A-5C243E175D98}" dt="2025-06-10T10:39:40.222" v="850" actId="20577"/>
-          <ac:spMkLst>
-            <pc:docMk/>
-            <pc:sldMk cId="549990195" sldId="264"/>
-            <ac:spMk id="10" creationId="{400FA594-97CE-8BD3-D0B0-58075BCDEA2F}"/>
-          </ac:spMkLst>
-        </pc:spChg>
-        <pc:spChg chg="add del mod">
-          <ac:chgData name="Ben Jones (Ben Jones)" userId="e6e8a0f3-34fe-4d14-b7ab-3a9f1769fff2" providerId="ADAL" clId="{78C1D944-C5E2-4D33-BE3A-5C243E175D98}" dt="2025-06-10T10:39:16.928" v="838"/>
-          <ac:spMkLst>
-            <pc:docMk/>
-            <pc:sldMk cId="549990195" sldId="264"/>
-            <ac:spMk id="12" creationId="{03DC8AE5-72E6-4166-0772-D20D28E06A87}"/>
-          </ac:spMkLst>
-        </pc:spChg>
-        <pc:picChg chg="add mod">
-          <ac:chgData name="Ben Jones (Ben Jones)" userId="e6e8a0f3-34fe-4d14-b7ab-3a9f1769fff2" providerId="ADAL" clId="{78C1D944-C5E2-4D33-BE3A-5C243E175D98}" dt="2025-06-10T10:39:16.928" v="838"/>
-          <ac:picMkLst>
-            <pc:docMk/>
-            <pc:sldMk cId="549990195" sldId="264"/>
-            <ac:picMk id="13" creationId="{618E47E8-A163-12CC-AB54-95BF75450C40}"/>
-          </ac:picMkLst>
-        </pc:picChg>
       </pc:sldChg>
     </pc:docChg>
   </pc:docChgLst>
@@ -1249,14 +824,6 @@
           <pc:docMk/>
           <pc:sldMk cId="4046351447" sldId="256"/>
         </pc:sldMkLst>
-        <pc:spChg chg="mod">
-          <ac:chgData name="Ben Jones (Ben Jones)" userId="e6e8a0f3-34fe-4d14-b7ab-3a9f1769fff2" providerId="ADAL" clId="{014A208C-71D7-40A5-9295-D811E515A970}" dt="2025-06-10T03:38:29.012" v="9" actId="20577"/>
-          <ac:spMkLst>
-            <pc:docMk/>
-            <pc:sldMk cId="4046351447" sldId="256"/>
-            <ac:spMk id="3" creationId="{2007677D-E31B-D163-E787-0648982398C7}"/>
-          </ac:spMkLst>
-        </pc:spChg>
       </pc:sldChg>
       <pc:sldChg chg="del">
         <pc:chgData name="Ben Jones (Ben Jones)" userId="e6e8a0f3-34fe-4d14-b7ab-3a9f1769fff2" providerId="ADAL" clId="{014A208C-71D7-40A5-9295-D811E515A970}" dt="2025-06-10T03:38:31.765" v="10" actId="47"/>
@@ -1315,14 +882,6 @@
           <pc:docMk/>
           <pc:sldMk cId="4046351447" sldId="256"/>
         </pc:sldMkLst>
-        <pc:spChg chg="mod">
-          <ac:chgData name="Ben Jones (Ben Jones)" userId="e6e8a0f3-34fe-4d14-b7ab-3a9f1769fff2" providerId="ADAL" clId="{B204C6DB-D499-4973-8E04-3A79F73ABFFA}" dt="2025-06-10T11:46:30.913" v="35" actId="20577"/>
-          <ac:spMkLst>
-            <pc:docMk/>
-            <pc:sldMk cId="4046351447" sldId="256"/>
-            <ac:spMk id="3" creationId="{2007677D-E31B-D163-E787-0648982398C7}"/>
-          </ac:spMkLst>
-        </pc:spChg>
       </pc:sldChg>
       <pc:sldChg chg="modSp mod">
         <pc:chgData name="Ben Jones (Ben Jones)" userId="e6e8a0f3-34fe-4d14-b7ab-3a9f1769fff2" providerId="ADAL" clId="{B204C6DB-D499-4973-8E04-3A79F73ABFFA}" dt="2025-06-10T11:41:20.629" v="10" actId="6549"/>
@@ -1345,30 +904,6 @@
           <pc:docMk/>
           <pc:sldMk cId="3539071505" sldId="261"/>
         </pc:sldMkLst>
-        <pc:spChg chg="add mod ord">
-          <ac:chgData name="Ben Jones (Ben Jones)" userId="e6e8a0f3-34fe-4d14-b7ab-3a9f1769fff2" providerId="ADAL" clId="{B204C6DB-D499-4973-8E04-3A79F73ABFFA}" dt="2025-06-10T11:51:43.168" v="159" actId="113"/>
-          <ac:spMkLst>
-            <pc:docMk/>
-            <pc:sldMk cId="3539071505" sldId="261"/>
-            <ac:spMk id="2" creationId="{4481EFF5-5670-D5D5-E8BD-822601FCA247}"/>
-          </ac:spMkLst>
-        </pc:spChg>
-        <pc:spChg chg="mod ord">
-          <ac:chgData name="Ben Jones (Ben Jones)" userId="e6e8a0f3-34fe-4d14-b7ab-3a9f1769fff2" providerId="ADAL" clId="{B204C6DB-D499-4973-8E04-3A79F73ABFFA}" dt="2025-06-10T11:48:59.577" v="114" actId="700"/>
-          <ac:spMkLst>
-            <pc:docMk/>
-            <pc:sldMk cId="3539071505" sldId="261"/>
-            <ac:spMk id="5" creationId="{D486937B-AE08-CEA9-288B-A7E12B6EEC9E}"/>
-          </ac:spMkLst>
-        </pc:spChg>
-        <pc:spChg chg="del mod">
-          <ac:chgData name="Ben Jones (Ben Jones)" userId="e6e8a0f3-34fe-4d14-b7ab-3a9f1769fff2" providerId="ADAL" clId="{B204C6DB-D499-4973-8E04-3A79F73ABFFA}" dt="2025-06-10T11:48:54.958" v="113" actId="478"/>
-          <ac:spMkLst>
-            <pc:docMk/>
-            <pc:sldMk cId="3539071505" sldId="261"/>
-            <ac:spMk id="8" creationId="{359FE974-4D1E-3967-5B90-8562E74CE499}"/>
-          </ac:spMkLst>
-        </pc:spChg>
       </pc:sldChg>
       <pc:sldChg chg="modSp mod">
         <pc:chgData name="Ben Jones (Ben Jones)" userId="e6e8a0f3-34fe-4d14-b7ab-3a9f1769fff2" providerId="ADAL" clId="{B204C6DB-D499-4973-8E04-3A79F73ABFFA}" dt="2025-06-10T12:00:53.307" v="204" actId="20577"/>
@@ -1376,22 +911,6 @@
           <pc:docMk/>
           <pc:sldMk cId="1175822862" sldId="263"/>
         </pc:sldMkLst>
-        <pc:spChg chg="mod">
-          <ac:chgData name="Ben Jones (Ben Jones)" userId="e6e8a0f3-34fe-4d14-b7ab-3a9f1769fff2" providerId="ADAL" clId="{B204C6DB-D499-4973-8E04-3A79F73ABFFA}" dt="2025-06-10T11:52:09.481" v="188" actId="20577"/>
-          <ac:spMkLst>
-            <pc:docMk/>
-            <pc:sldMk cId="1175822862" sldId="263"/>
-            <ac:spMk id="7" creationId="{56C6F239-F5E8-6417-880B-0B56CE59D207}"/>
-          </ac:spMkLst>
-        </pc:spChg>
-        <pc:spChg chg="mod">
-          <ac:chgData name="Ben Jones (Ben Jones)" userId="e6e8a0f3-34fe-4d14-b7ab-3a9f1769fff2" providerId="ADAL" clId="{B204C6DB-D499-4973-8E04-3A79F73ABFFA}" dt="2025-06-10T12:00:53.307" v="204" actId="20577"/>
-          <ac:spMkLst>
-            <pc:docMk/>
-            <pc:sldMk cId="1175822862" sldId="263"/>
-            <ac:spMk id="8" creationId="{A8D1847C-4AD3-1D2C-43B8-828394D9FF0E}"/>
-          </ac:spMkLst>
-        </pc:spChg>
       </pc:sldChg>
       <pc:sldChg chg="addSp delSp modSp mod modClrScheme chgLayout">
         <pc:chgData name="Ben Jones (Ben Jones)" userId="e6e8a0f3-34fe-4d14-b7ab-3a9f1769fff2" providerId="ADAL" clId="{B204C6DB-D499-4973-8E04-3A79F73ABFFA}" dt="2025-06-10T11:46:13.333" v="34" actId="20577"/>
@@ -1415,22 +934,6 @@
             <ac:spMk id="4" creationId="{E775B479-5750-95E9-CC66-C2F6F8180171}"/>
           </ac:spMkLst>
         </pc:spChg>
-        <pc:spChg chg="del mod ord">
-          <ac:chgData name="Ben Jones (Ben Jones)" userId="e6e8a0f3-34fe-4d14-b7ab-3a9f1769fff2" providerId="ADAL" clId="{B204C6DB-D499-4973-8E04-3A79F73ABFFA}" dt="2025-06-10T11:42:20.976" v="14" actId="478"/>
-          <ac:spMkLst>
-            <pc:docMk/>
-            <pc:sldMk cId="2546578239" sldId="265"/>
-            <ac:spMk id="5" creationId="{24677B90-A9AF-EC0B-A47C-BB671119F84D}"/>
-          </ac:spMkLst>
-        </pc:spChg>
-        <pc:picChg chg="del mod ord">
-          <ac:chgData name="Ben Jones (Ben Jones)" userId="e6e8a0f3-34fe-4d14-b7ab-3a9f1769fff2" providerId="ADAL" clId="{B204C6DB-D499-4973-8E04-3A79F73ABFFA}" dt="2025-06-10T11:42:22.229" v="15" actId="478"/>
-          <ac:picMkLst>
-            <pc:docMk/>
-            <pc:sldMk cId="2546578239" sldId="265"/>
-            <ac:picMk id="7" creationId="{DA9346F2-BD5F-D909-036A-067426C4A237}"/>
-          </ac:picMkLst>
-        </pc:picChg>
       </pc:sldChg>
       <pc:sldChg chg="addSp delSp modSp mod">
         <pc:chgData name="Ben Jones (Ben Jones)" userId="e6e8a0f3-34fe-4d14-b7ab-3a9f1769fff2" providerId="ADAL" clId="{B204C6DB-D499-4973-8E04-3A79F73ABFFA}" dt="2025-06-10T11:47:58.532" v="89" actId="113"/>
@@ -1438,28 +941,12 @@
           <pc:docMk/>
           <pc:sldMk cId="2628338777" sldId="266"/>
         </pc:sldMkLst>
-        <pc:spChg chg="add mod">
-          <ac:chgData name="Ben Jones (Ben Jones)" userId="e6e8a0f3-34fe-4d14-b7ab-3a9f1769fff2" providerId="ADAL" clId="{B204C6DB-D499-4973-8E04-3A79F73ABFFA}" dt="2025-06-10T11:47:58.532" v="89" actId="113"/>
-          <ac:spMkLst>
-            <pc:docMk/>
-            <pc:sldMk cId="2628338777" sldId="266"/>
-            <ac:spMk id="3" creationId="{D558FCB4-463D-4004-1C16-76D08CA2C42E}"/>
-          </ac:spMkLst>
-        </pc:spChg>
         <pc:spChg chg="mod">
           <ac:chgData name="Ben Jones (Ben Jones)" userId="e6e8a0f3-34fe-4d14-b7ab-3a9f1769fff2" providerId="ADAL" clId="{B204C6DB-D499-4973-8E04-3A79F73ABFFA}" dt="2025-06-10T11:46:41.021" v="51" actId="20577"/>
           <ac:spMkLst>
             <pc:docMk/>
             <pc:sldMk cId="2628338777" sldId="266"/>
             <ac:spMk id="5" creationId="{96EBD5BC-A418-B3D5-F3BE-15BADC7685D9}"/>
-          </ac:spMkLst>
-        </pc:spChg>
-        <pc:spChg chg="del mod">
-          <ac:chgData name="Ben Jones (Ben Jones)" userId="e6e8a0f3-34fe-4d14-b7ab-3a9f1769fff2" providerId="ADAL" clId="{B204C6DB-D499-4973-8E04-3A79F73ABFFA}" dt="2025-06-10T11:47:29.256" v="68" actId="478"/>
-          <ac:spMkLst>
-            <pc:docMk/>
-            <pc:sldMk cId="2628338777" sldId="266"/>
-            <ac:spMk id="6" creationId="{95A9DC49-463E-4EFF-BD3E-E4AEF9DAF757}"/>
           </ac:spMkLst>
         </pc:spChg>
       </pc:sldChg>
@@ -1469,22 +956,6 @@
           <pc:docMk/>
           <pc:sldMk cId="525501252" sldId="267"/>
         </pc:sldMkLst>
-        <pc:spChg chg="mod">
-          <ac:chgData name="Ben Jones (Ben Jones)" userId="e6e8a0f3-34fe-4d14-b7ab-3a9f1769fff2" providerId="ADAL" clId="{B204C6DB-D499-4973-8E04-3A79F73ABFFA}" dt="2025-06-10T12:01:08.694" v="207" actId="20577"/>
-          <ac:spMkLst>
-            <pc:docMk/>
-            <pc:sldMk cId="525501252" sldId="267"/>
-            <ac:spMk id="2" creationId="{4E39B84F-40E2-A933-0A0B-26AE4074B21B}"/>
-          </ac:spMkLst>
-        </pc:spChg>
-        <pc:spChg chg="mod">
-          <ac:chgData name="Ben Jones (Ben Jones)" userId="e6e8a0f3-34fe-4d14-b7ab-3a9f1769fff2" providerId="ADAL" clId="{B204C6DB-D499-4973-8E04-3A79F73ABFFA}" dt="2025-06-10T12:01:58.119" v="224" actId="113"/>
-          <ac:spMkLst>
-            <pc:docMk/>
-            <pc:sldMk cId="525501252" sldId="267"/>
-            <ac:spMk id="3" creationId="{55D2AEAE-B87B-B831-1DC0-2D5719D54B21}"/>
-          </ac:spMkLst>
-        </pc:spChg>
       </pc:sldChg>
     </pc:docChg>
   </pc:docChgLst>
@@ -1640,7 +1111,7 @@
           <a:p>
             <a:fld id="{1D30A4DD-26E1-4754-8784-A5449317D6AC}" type="datetimeFigureOut">
               <a:rPr lang="en-AU" smtClean="0"/>
-              <a:t>11/06/2025</a:t>
+              <a:t>14/06/2025</a:t>
             </a:fld>
             <a:endParaRPr lang="en-AU"/>
           </a:p>
@@ -1840,7 +1311,7 @@
           <a:p>
             <a:fld id="{1D30A4DD-26E1-4754-8784-A5449317D6AC}" type="datetimeFigureOut">
               <a:rPr lang="en-AU" smtClean="0"/>
-              <a:t>11/06/2025</a:t>
+              <a:t>14/06/2025</a:t>
             </a:fld>
             <a:endParaRPr lang="en-AU"/>
           </a:p>
@@ -2050,7 +1521,7 @@
           <a:p>
             <a:fld id="{1D30A4DD-26E1-4754-8784-A5449317D6AC}" type="datetimeFigureOut">
               <a:rPr lang="en-AU" smtClean="0"/>
-              <a:t>11/06/2025</a:t>
+              <a:t>14/06/2025</a:t>
             </a:fld>
             <a:endParaRPr lang="en-AU"/>
           </a:p>
@@ -2250,7 +1721,7 @@
           <a:p>
             <a:fld id="{1D30A4DD-26E1-4754-8784-A5449317D6AC}" type="datetimeFigureOut">
               <a:rPr lang="en-AU" smtClean="0"/>
-              <a:t>11/06/2025</a:t>
+              <a:t>14/06/2025</a:t>
             </a:fld>
             <a:endParaRPr lang="en-AU"/>
           </a:p>
@@ -2526,7 +1997,7 @@
           <a:p>
             <a:fld id="{1D30A4DD-26E1-4754-8784-A5449317D6AC}" type="datetimeFigureOut">
               <a:rPr lang="en-AU" smtClean="0"/>
-              <a:t>11/06/2025</a:t>
+              <a:t>14/06/2025</a:t>
             </a:fld>
             <a:endParaRPr lang="en-AU"/>
           </a:p>
@@ -2794,7 +2265,7 @@
           <a:p>
             <a:fld id="{1D30A4DD-26E1-4754-8784-A5449317D6AC}" type="datetimeFigureOut">
               <a:rPr lang="en-AU" smtClean="0"/>
-              <a:t>11/06/2025</a:t>
+              <a:t>14/06/2025</a:t>
             </a:fld>
             <a:endParaRPr lang="en-AU"/>
           </a:p>
@@ -3209,7 +2680,7 @@
           <a:p>
             <a:fld id="{1D30A4DD-26E1-4754-8784-A5449317D6AC}" type="datetimeFigureOut">
               <a:rPr lang="en-AU" smtClean="0"/>
-              <a:t>11/06/2025</a:t>
+              <a:t>14/06/2025</a:t>
             </a:fld>
             <a:endParaRPr lang="en-AU"/>
           </a:p>
@@ -3351,7 +2822,7 @@
           <a:p>
             <a:fld id="{1D30A4DD-26E1-4754-8784-A5449317D6AC}" type="datetimeFigureOut">
               <a:rPr lang="en-AU" smtClean="0"/>
-              <a:t>11/06/2025</a:t>
+              <a:t>14/06/2025</a:t>
             </a:fld>
             <a:endParaRPr lang="en-AU"/>
           </a:p>
@@ -3464,7 +2935,7 @@
           <a:p>
             <a:fld id="{1D30A4DD-26E1-4754-8784-A5449317D6AC}" type="datetimeFigureOut">
               <a:rPr lang="en-AU" smtClean="0"/>
-              <a:t>11/06/2025</a:t>
+              <a:t>14/06/2025</a:t>
             </a:fld>
             <a:endParaRPr lang="en-AU"/>
           </a:p>
@@ -3777,7 +3248,7 @@
           <a:p>
             <a:fld id="{1D30A4DD-26E1-4754-8784-A5449317D6AC}" type="datetimeFigureOut">
               <a:rPr lang="en-AU" smtClean="0"/>
-              <a:t>11/06/2025</a:t>
+              <a:t>14/06/2025</a:t>
             </a:fld>
             <a:endParaRPr lang="en-AU"/>
           </a:p>
@@ -4066,7 +3537,7 @@
           <a:p>
             <a:fld id="{1D30A4DD-26E1-4754-8784-A5449317D6AC}" type="datetimeFigureOut">
               <a:rPr lang="en-AU" smtClean="0"/>
-              <a:t>11/06/2025</a:t>
+              <a:t>14/06/2025</a:t>
             </a:fld>
             <a:endParaRPr lang="en-AU"/>
           </a:p>
@@ -4309,7 +3780,7 @@
           <a:p>
             <a:fld id="{1D30A4DD-26E1-4754-8784-A5449317D6AC}" type="datetimeFigureOut">
               <a:rPr lang="en-AU" smtClean="0"/>
-              <a:t>11/06/2025</a:t>
+              <a:t>14/06/2025</a:t>
             </a:fld>
             <a:endParaRPr lang="en-AU"/>
           </a:p>
@@ -4728,10 +4199,10 @@
       </p:grpSpPr>
       <p:sp>
         <p:nvSpPr>
-          <p:cNvPr id="2" name="Title 1">
-            <a:extLst>
-              <a:ext uri="{FF2B5EF4-FFF2-40B4-BE49-F238E27FC236}">
-                <a16:creationId xmlns:a16="http://schemas.microsoft.com/office/drawing/2014/main" id="{6C98E736-9C14-8B47-35EB-BD2CF5EF91B8}"/>
+          <p:cNvPr id="5" name="Title 4">
+            <a:extLst>
+              <a:ext uri="{FF2B5EF4-FFF2-40B4-BE49-F238E27FC236}">
+                <a16:creationId xmlns:a16="http://schemas.microsoft.com/office/drawing/2014/main" id="{66C141EB-F126-DDE8-5732-9C18C5659658}"/>
               </a:ext>
             </a:extLst>
           </p:cNvPr>
@@ -4747,19 +4218,16 @@
           <a:bodyPr/>
           <a:lstStyle/>
           <a:p>
-            <a:r>
-              <a:rPr lang="en-AU" dirty="0"/>
-              <a:t>Pi Pico OOP Mini Project</a:t>
-            </a:r>
+            <a:endParaRPr lang="en-AU"/>
           </a:p>
         </p:txBody>
       </p:sp>
       <p:sp>
         <p:nvSpPr>
-          <p:cNvPr id="3" name="Subtitle 2">
-            <a:extLst>
-              <a:ext uri="{FF2B5EF4-FFF2-40B4-BE49-F238E27FC236}">
-                <a16:creationId xmlns:a16="http://schemas.microsoft.com/office/drawing/2014/main" id="{2007677D-E31B-D163-E787-0648982398C7}"/>
+          <p:cNvPr id="7" name="Subtitle 6">
+            <a:extLst>
+              <a:ext uri="{FF2B5EF4-FFF2-40B4-BE49-F238E27FC236}">
+                <a16:creationId xmlns:a16="http://schemas.microsoft.com/office/drawing/2014/main" id="{B8AD1096-F3EE-C024-2CF7-E5AD8CE4C1A1}"/>
               </a:ext>
             </a:extLst>
           </p:cNvPr>
@@ -4775,1891 +4243,23 @@
           <a:bodyPr/>
           <a:lstStyle/>
           <a:p>
-            <a:r>
-              <a:rPr lang="en-AU" dirty="0"/>
-              <a:t>Ben Jones</a:t>
-            </a:r>
-          </a:p>
-          <a:p>
-            <a:r>
-              <a:rPr lang="en-AU" dirty="0"/>
-              <a:t>Tempe High School</a:t>
-            </a:r>
-          </a:p>
-          <a:p>
-            <a:r>
-              <a:rPr lang="en-AU" dirty="0"/>
-              <a:t>Lecture 3</a:t>
-            </a:r>
-          </a:p>
-        </p:txBody>
-      </p:sp>
-    </p:spTree>
-    <p:extLst>
-      <p:ext uri="{BB962C8B-B14F-4D97-AF65-F5344CB8AC3E}">
-        <p14:creationId xmlns:p14="http://schemas.microsoft.com/office/powerpoint/2010/main" val="4046351447"/>
-      </p:ext>
-    </p:extLst>
-  </p:cSld>
-  <p:clrMapOvr>
-    <a:masterClrMapping/>
-  </p:clrMapOvr>
-</p:sld>
-</file>
-
-<file path=ppt/slides/slide10.xml><?xml version="1.0" encoding="utf-8"?>
-<p:sld xmlns:a="http://schemas.openxmlformats.org/drawingml/2006/main" xmlns:r="http://schemas.openxmlformats.org/officeDocument/2006/relationships" xmlns:p="http://schemas.openxmlformats.org/presentationml/2006/main">
-  <p:cSld>
-    <p:spTree>
-      <p:nvGrpSpPr>
-        <p:cNvPr id="1" name="">
-          <a:extLst>
-            <a:ext uri="{FF2B5EF4-FFF2-40B4-BE49-F238E27FC236}">
-              <a16:creationId xmlns:a16="http://schemas.microsoft.com/office/drawing/2014/main" id="{5FF062C8-2134-9D3E-798E-07161E8D442C}"/>
-            </a:ext>
-          </a:extLst>
-        </p:cNvPr>
-        <p:cNvGrpSpPr/>
-        <p:nvPr/>
-      </p:nvGrpSpPr>
-      <p:grpSpPr>
-        <a:xfrm>
-          <a:off x="0" y="0"/>
-          <a:ext cx="0" cy="0"/>
-          <a:chOff x="0" y="0"/>
-          <a:chExt cx="0" cy="0"/>
-        </a:xfrm>
-      </p:grpSpPr>
-      <p:sp>
-        <p:nvSpPr>
-          <p:cNvPr id="2" name="Title 1">
-            <a:extLst>
-              <a:ext uri="{FF2B5EF4-FFF2-40B4-BE49-F238E27FC236}">
-                <a16:creationId xmlns:a16="http://schemas.microsoft.com/office/drawing/2014/main" id="{59C91038-6773-7B41-EF5A-366C8E9B45D0}"/>
-              </a:ext>
-            </a:extLst>
-          </p:cNvPr>
-          <p:cNvSpPr>
-            <a:spLocks noGrp="1"/>
-          </p:cNvSpPr>
-          <p:nvPr>
-            <p:ph type="title"/>
-          </p:nvPr>
-        </p:nvSpPr>
-        <p:spPr/>
-        <p:txBody>
-          <a:bodyPr/>
-          <a:lstStyle/>
-          <a:p>
-            <a:r>
-              <a:rPr lang="en-AU" dirty="0"/>
-              <a:t>State Machine , (</a:t>
-            </a:r>
-            <a:r>
-              <a:rPr lang="en-AU" dirty="0" err="1"/>
-              <a:t>cont</a:t>
-            </a:r>
-            <a:r>
-              <a:rPr lang="en-AU" dirty="0"/>
-              <a:t>)</a:t>
-            </a:r>
-          </a:p>
-        </p:txBody>
-      </p:sp>
-      <p:sp>
-        <p:nvSpPr>
-          <p:cNvPr id="3" name="Content Placeholder 2">
-            <a:extLst>
-              <a:ext uri="{FF2B5EF4-FFF2-40B4-BE49-F238E27FC236}">
-                <a16:creationId xmlns:a16="http://schemas.microsoft.com/office/drawing/2014/main" id="{7BD7914A-7779-1ED2-75EC-D85C0A40581C}"/>
-              </a:ext>
-            </a:extLst>
-          </p:cNvPr>
-          <p:cNvSpPr>
-            <a:spLocks noGrp="1"/>
-          </p:cNvSpPr>
-          <p:nvPr>
-            <p:ph idx="1"/>
-          </p:nvPr>
-        </p:nvSpPr>
-        <p:spPr/>
-        <p:txBody>
-          <a:bodyPr>
-            <a:normAutofit/>
-          </a:bodyPr>
-          <a:lstStyle/>
-          <a:p>
-            <a:pPr marL="0" indent="0">
-              <a:lnSpc>
-                <a:spcPct val="100000"/>
-              </a:lnSpc>
-              <a:spcBef>
-                <a:spcPts val="0"/>
-              </a:spcBef>
-              <a:buNone/>
-            </a:pPr>
-            <a:r>
-              <a:rPr lang="en-AU" sz="2200" dirty="0">
-                <a:latin typeface="Consolas" panose="020B0609020204030204" pitchFamily="49" charset="0"/>
-              </a:rPr>
-              <a:t>def update(self):</a:t>
-            </a:r>
-          </a:p>
-          <a:p>
-            <a:pPr marL="457200" lvl="1" indent="0">
-              <a:lnSpc>
-                <a:spcPct val="100000"/>
-              </a:lnSpc>
-              <a:spcBef>
-                <a:spcPts val="0"/>
-              </a:spcBef>
-              <a:buNone/>
-            </a:pPr>
-            <a:r>
-              <a:rPr lang="en-AU" sz="2200" dirty="0">
-                <a:latin typeface="Consolas" panose="020B0609020204030204" pitchFamily="49" charset="0"/>
-              </a:rPr>
-              <a:t>…</a:t>
-            </a:r>
-          </a:p>
-          <a:p>
-            <a:pPr marL="457200" lvl="1" indent="0">
-              <a:lnSpc>
-                <a:spcPct val="100000"/>
-              </a:lnSpc>
-              <a:spcBef>
-                <a:spcPts val="0"/>
-              </a:spcBef>
-              <a:buNone/>
-            </a:pPr>
-            <a:r>
-              <a:rPr lang="en-AU" sz="2200" dirty="0" err="1">
-                <a:latin typeface="Consolas" panose="020B0609020204030204" pitchFamily="49" charset="0"/>
-              </a:rPr>
-              <a:t>elif</a:t>
-            </a:r>
-            <a:r>
-              <a:rPr lang="en-AU" sz="2200" dirty="0">
-                <a:latin typeface="Consolas" panose="020B0609020204030204" pitchFamily="49" charset="0"/>
-              </a:rPr>
-              <a:t> </a:t>
-            </a:r>
-            <a:r>
-              <a:rPr lang="en-AU" sz="2200" dirty="0" err="1">
-                <a:latin typeface="Consolas" panose="020B0609020204030204" pitchFamily="49" charset="0"/>
-              </a:rPr>
-              <a:t>self.state</a:t>
-            </a:r>
-            <a:r>
-              <a:rPr lang="en-AU" sz="2200" dirty="0">
-                <a:latin typeface="Consolas" panose="020B0609020204030204" pitchFamily="49" charset="0"/>
-              </a:rPr>
-              <a:t> == "WALK":</a:t>
-            </a:r>
-          </a:p>
-          <a:p>
-            <a:pPr marL="457200" lvl="1" indent="0">
-              <a:lnSpc>
-                <a:spcPct val="100000"/>
-              </a:lnSpc>
-              <a:spcBef>
-                <a:spcPts val="0"/>
-              </a:spcBef>
-              <a:buNone/>
-            </a:pPr>
-            <a:r>
-              <a:rPr lang="en-AU" sz="2200" dirty="0">
-                <a:latin typeface="Consolas" panose="020B0609020204030204" pitchFamily="49" charset="0"/>
-              </a:rPr>
-              <a:t># Walk signal for 5 seconds</a:t>
-            </a:r>
-          </a:p>
-          <a:p>
-            <a:pPr marL="914400" lvl="2" indent="0">
-              <a:lnSpc>
-                <a:spcPct val="100000"/>
-              </a:lnSpc>
-              <a:spcBef>
-                <a:spcPts val="0"/>
-              </a:spcBef>
-              <a:buNone/>
-            </a:pPr>
-            <a:r>
-              <a:rPr lang="en-AU" sz="2200" dirty="0" err="1">
-                <a:latin typeface="Consolas" panose="020B0609020204030204" pitchFamily="49" charset="0"/>
-              </a:rPr>
-              <a:t>self.walk</a:t>
-            </a:r>
-            <a:r>
-              <a:rPr lang="en-AU" sz="2200" dirty="0">
-                <a:latin typeface="Consolas" panose="020B0609020204030204" pitchFamily="49" charset="0"/>
-              </a:rPr>
-              <a:t>()</a:t>
-            </a:r>
-          </a:p>
-          <a:p>
-            <a:pPr marL="914400" lvl="2" indent="0">
-              <a:lnSpc>
-                <a:spcPct val="100000"/>
-              </a:lnSpc>
-              <a:spcBef>
-                <a:spcPts val="0"/>
-              </a:spcBef>
-              <a:buNone/>
-            </a:pPr>
-            <a:r>
-              <a:rPr lang="en-AU" sz="2200" dirty="0">
-                <a:latin typeface="Consolas" panose="020B0609020204030204" pitchFamily="49" charset="0"/>
-              </a:rPr>
-              <a:t>if time() - </a:t>
-            </a:r>
-            <a:r>
-              <a:rPr lang="en-AU" sz="2200" dirty="0" err="1">
-                <a:latin typeface="Consolas" panose="020B0609020204030204" pitchFamily="49" charset="0"/>
-              </a:rPr>
-              <a:t>self.last_state_change</a:t>
-            </a:r>
-            <a:r>
-              <a:rPr lang="en-AU" sz="2200" dirty="0">
-                <a:latin typeface="Consolas" panose="020B0609020204030204" pitchFamily="49" charset="0"/>
-              </a:rPr>
-              <a:t> &gt; 5:</a:t>
-            </a:r>
-          </a:p>
-          <a:p>
-            <a:pPr marL="1371600" lvl="3" indent="0">
-              <a:lnSpc>
-                <a:spcPct val="100000"/>
-              </a:lnSpc>
-              <a:spcBef>
-                <a:spcPts val="0"/>
-              </a:spcBef>
-              <a:buNone/>
-            </a:pPr>
-            <a:r>
-              <a:rPr lang="en-AU" sz="2200" dirty="0">
-                <a:latin typeface="Consolas" panose="020B0609020204030204" pitchFamily="49" charset="0"/>
-              </a:rPr>
-              <a:t>if </a:t>
-            </a:r>
-            <a:r>
-              <a:rPr lang="en-AU" sz="2200" dirty="0" err="1">
-                <a:latin typeface="Consolas" panose="020B0609020204030204" pitchFamily="49" charset="0"/>
-              </a:rPr>
-              <a:t>self.__debug</a:t>
-            </a:r>
-            <a:r>
-              <a:rPr lang="en-AU" sz="2200" dirty="0">
-                <a:latin typeface="Consolas" panose="020B0609020204030204" pitchFamily="49" charset="0"/>
-              </a:rPr>
-              <a:t>:</a:t>
-            </a:r>
-          </a:p>
-          <a:p>
-            <a:pPr marL="1371600" lvl="3" indent="0">
-              <a:lnSpc>
-                <a:spcPct val="100000"/>
-              </a:lnSpc>
-              <a:spcBef>
-                <a:spcPts val="0"/>
-              </a:spcBef>
-              <a:buNone/>
-            </a:pPr>
-            <a:r>
-              <a:rPr lang="en-AU" sz="2200" dirty="0">
-                <a:latin typeface="Consolas" panose="020B0609020204030204" pitchFamily="49" charset="0"/>
-              </a:rPr>
-              <a:t>print("Switching to WALK WARNING")</a:t>
-            </a:r>
-          </a:p>
-          <a:p>
-            <a:pPr marL="1371600" lvl="3" indent="0">
-              <a:lnSpc>
-                <a:spcPct val="100000"/>
-              </a:lnSpc>
-              <a:spcBef>
-                <a:spcPts val="0"/>
-              </a:spcBef>
-              <a:buNone/>
-            </a:pPr>
-            <a:r>
-              <a:rPr lang="en-AU" sz="2200" dirty="0" err="1">
-                <a:latin typeface="Consolas" panose="020B0609020204030204" pitchFamily="49" charset="0"/>
-              </a:rPr>
-              <a:t>self.state</a:t>
-            </a:r>
-            <a:r>
-              <a:rPr lang="en-AU" sz="2200" dirty="0">
-                <a:latin typeface="Consolas" panose="020B0609020204030204" pitchFamily="49" charset="0"/>
-              </a:rPr>
-              <a:t> = "WALK_WARNING"</a:t>
-            </a:r>
-          </a:p>
-          <a:p>
-            <a:pPr marL="1371600" lvl="3" indent="0">
-              <a:lnSpc>
-                <a:spcPct val="100000"/>
-              </a:lnSpc>
-              <a:spcBef>
-                <a:spcPts val="0"/>
-              </a:spcBef>
-              <a:buNone/>
-            </a:pPr>
-            <a:r>
-              <a:rPr lang="en-AU" sz="2200" dirty="0" err="1">
-                <a:latin typeface="Consolas" panose="020B0609020204030204" pitchFamily="49" charset="0"/>
-              </a:rPr>
-              <a:t>self.last_state_change</a:t>
-            </a:r>
-            <a:r>
-              <a:rPr lang="en-AU" sz="2200" dirty="0">
-                <a:latin typeface="Consolas" panose="020B0609020204030204" pitchFamily="49" charset="0"/>
-              </a:rPr>
-              <a:t> = time()</a:t>
-            </a:r>
-          </a:p>
-          <a:p>
-            <a:pPr marL="1371600" lvl="3" indent="0">
-              <a:lnSpc>
-                <a:spcPct val="100000"/>
-              </a:lnSpc>
-              <a:spcBef>
-                <a:spcPts val="0"/>
-              </a:spcBef>
-              <a:buNone/>
-            </a:pPr>
-            <a:r>
-              <a:rPr lang="en-AU" sz="2200" dirty="0" err="1">
-                <a:latin typeface="Consolas" panose="020B0609020204030204" pitchFamily="49" charset="0"/>
-              </a:rPr>
-              <a:t>self.walk_warning</a:t>
-            </a:r>
-            <a:r>
-              <a:rPr lang="en-AU" sz="2200" dirty="0">
-                <a:latin typeface="Consolas" panose="020B0609020204030204" pitchFamily="49" charset="0"/>
-              </a:rPr>
-              <a:t>()</a:t>
-            </a:r>
-          </a:p>
-          <a:p>
-            <a:pPr marL="0" indent="0">
-              <a:buNone/>
-            </a:pPr>
-            <a:endParaRPr lang="en-AU" dirty="0"/>
-          </a:p>
-        </p:txBody>
-      </p:sp>
-    </p:spTree>
-    <p:extLst>
-      <p:ext uri="{BB962C8B-B14F-4D97-AF65-F5344CB8AC3E}">
-        <p14:creationId xmlns:p14="http://schemas.microsoft.com/office/powerpoint/2010/main" val="3161078323"/>
-      </p:ext>
-    </p:extLst>
-  </p:cSld>
-  <p:clrMapOvr>
-    <a:masterClrMapping/>
-  </p:clrMapOvr>
-</p:sld>
-</file>
-
-<file path=ppt/slides/slide11.xml><?xml version="1.0" encoding="utf-8"?>
-<p:sld xmlns:a="http://schemas.openxmlformats.org/drawingml/2006/main" xmlns:r="http://schemas.openxmlformats.org/officeDocument/2006/relationships" xmlns:p="http://schemas.openxmlformats.org/presentationml/2006/main">
-  <p:cSld>
-    <p:spTree>
-      <p:nvGrpSpPr>
-        <p:cNvPr id="1" name="">
-          <a:extLst>
-            <a:ext uri="{FF2B5EF4-FFF2-40B4-BE49-F238E27FC236}">
-              <a16:creationId xmlns:a16="http://schemas.microsoft.com/office/drawing/2014/main" id="{84A77B6A-FD3E-08A0-3BAA-801BEF619EDC}"/>
-            </a:ext>
-          </a:extLst>
-        </p:cNvPr>
-        <p:cNvGrpSpPr/>
-        <p:nvPr/>
-      </p:nvGrpSpPr>
-      <p:grpSpPr>
-        <a:xfrm>
-          <a:off x="0" y="0"/>
-          <a:ext cx="0" cy="0"/>
-          <a:chOff x="0" y="0"/>
-          <a:chExt cx="0" cy="0"/>
-        </a:xfrm>
-      </p:grpSpPr>
-      <p:sp>
-        <p:nvSpPr>
-          <p:cNvPr id="2" name="Title 1">
-            <a:extLst>
-              <a:ext uri="{FF2B5EF4-FFF2-40B4-BE49-F238E27FC236}">
-                <a16:creationId xmlns:a16="http://schemas.microsoft.com/office/drawing/2014/main" id="{988DDE7B-4D28-57B4-5F03-4434E4AD19A4}"/>
-              </a:ext>
-            </a:extLst>
-          </p:cNvPr>
-          <p:cNvSpPr>
-            <a:spLocks noGrp="1"/>
-          </p:cNvSpPr>
-          <p:nvPr>
-            <p:ph type="title"/>
-          </p:nvPr>
-        </p:nvSpPr>
-        <p:spPr/>
-        <p:txBody>
-          <a:bodyPr/>
-          <a:lstStyle/>
-          <a:p>
-            <a:r>
-              <a:rPr lang="en-AU" dirty="0"/>
-              <a:t>State Machine , (</a:t>
-            </a:r>
-            <a:r>
-              <a:rPr lang="en-AU" dirty="0" err="1"/>
-              <a:t>cont</a:t>
-            </a:r>
-            <a:r>
-              <a:rPr lang="en-AU" dirty="0"/>
-              <a:t>)</a:t>
-            </a:r>
-          </a:p>
-        </p:txBody>
-      </p:sp>
-      <p:sp>
-        <p:nvSpPr>
-          <p:cNvPr id="3" name="Content Placeholder 2">
-            <a:extLst>
-              <a:ext uri="{FF2B5EF4-FFF2-40B4-BE49-F238E27FC236}">
-                <a16:creationId xmlns:a16="http://schemas.microsoft.com/office/drawing/2014/main" id="{1D178B02-324F-D823-76E5-AFFB068F606D}"/>
-              </a:ext>
-            </a:extLst>
-          </p:cNvPr>
-          <p:cNvSpPr>
-            <a:spLocks noGrp="1"/>
-          </p:cNvSpPr>
-          <p:nvPr>
-            <p:ph idx="1"/>
-          </p:nvPr>
-        </p:nvSpPr>
-        <p:spPr/>
-        <p:txBody>
-          <a:bodyPr>
-            <a:normAutofit lnSpcReduction="10000"/>
-          </a:bodyPr>
-          <a:lstStyle/>
-          <a:p>
-            <a:pPr marL="0" indent="0">
-              <a:lnSpc>
-                <a:spcPct val="110000"/>
-              </a:lnSpc>
-              <a:spcBef>
-                <a:spcPts val="0"/>
-              </a:spcBef>
-              <a:buNone/>
-            </a:pPr>
-            <a:r>
-              <a:rPr lang="en-AU" sz="2200" dirty="0">
-                <a:latin typeface="Consolas" panose="020B0609020204030204" pitchFamily="49" charset="0"/>
-              </a:rPr>
-              <a:t>def update(self):</a:t>
-            </a:r>
-          </a:p>
-          <a:p>
-            <a:pPr marL="457200" lvl="1" indent="0">
-              <a:lnSpc>
-                <a:spcPct val="110000"/>
-              </a:lnSpc>
-              <a:spcBef>
-                <a:spcPts val="0"/>
-              </a:spcBef>
-              <a:buNone/>
-            </a:pPr>
-            <a:r>
-              <a:rPr lang="en-AU" sz="2200" dirty="0">
-                <a:latin typeface="Consolas" panose="020B0609020204030204" pitchFamily="49" charset="0"/>
-              </a:rPr>
-              <a:t>…</a:t>
-            </a:r>
-          </a:p>
-          <a:p>
-            <a:pPr marL="457200" lvl="1" indent="0">
-              <a:lnSpc>
-                <a:spcPct val="110000"/>
-              </a:lnSpc>
-              <a:spcBef>
-                <a:spcPts val="0"/>
-              </a:spcBef>
-              <a:buNone/>
-            </a:pPr>
-            <a:r>
-              <a:rPr lang="en-AU" sz="2200" dirty="0" err="1">
-                <a:latin typeface="Consolas" panose="020B0609020204030204" pitchFamily="49" charset="0"/>
-              </a:rPr>
-              <a:t>elif</a:t>
-            </a:r>
-            <a:r>
-              <a:rPr lang="en-AU" sz="2200" dirty="0">
-                <a:latin typeface="Consolas" panose="020B0609020204030204" pitchFamily="49" charset="0"/>
-              </a:rPr>
-              <a:t> </a:t>
-            </a:r>
-            <a:r>
-              <a:rPr lang="en-AU" sz="2200" dirty="0" err="1">
-                <a:latin typeface="Consolas" panose="020B0609020204030204" pitchFamily="49" charset="0"/>
-              </a:rPr>
-              <a:t>self.state</a:t>
-            </a:r>
-            <a:r>
-              <a:rPr lang="en-AU" sz="2200" dirty="0">
-                <a:latin typeface="Consolas" panose="020B0609020204030204" pitchFamily="49" charset="0"/>
-              </a:rPr>
-              <a:t> == "WALK_WARNING":</a:t>
-            </a:r>
-          </a:p>
-          <a:p>
-            <a:pPr marL="457200" lvl="1" indent="0">
-              <a:lnSpc>
-                <a:spcPct val="110000"/>
-              </a:lnSpc>
-              <a:spcBef>
-                <a:spcPts val="0"/>
-              </a:spcBef>
-              <a:buNone/>
-            </a:pPr>
-            <a:r>
-              <a:rPr lang="en-AU" sz="2200" dirty="0">
-                <a:latin typeface="Consolas" panose="020B0609020204030204" pitchFamily="49" charset="0"/>
-              </a:rPr>
-              <a:t># Walk signal for 5 seconds</a:t>
-            </a:r>
-          </a:p>
-          <a:p>
-            <a:pPr marL="914400" lvl="2" indent="0">
-              <a:lnSpc>
-                <a:spcPct val="110000"/>
-              </a:lnSpc>
-              <a:spcBef>
-                <a:spcPts val="0"/>
-              </a:spcBef>
-              <a:buNone/>
-            </a:pPr>
-            <a:r>
-              <a:rPr lang="en-AU" sz="2200" dirty="0" err="1">
-                <a:latin typeface="Consolas" panose="020B0609020204030204" pitchFamily="49" charset="0"/>
-              </a:rPr>
-              <a:t>self.walk_warning</a:t>
-            </a:r>
-            <a:r>
-              <a:rPr lang="en-AU" sz="2200" dirty="0">
-                <a:latin typeface="Consolas" panose="020B0609020204030204" pitchFamily="49" charset="0"/>
-              </a:rPr>
-              <a:t>()</a:t>
-            </a:r>
-          </a:p>
-          <a:p>
-            <a:pPr marL="914400" lvl="2" indent="0">
-              <a:lnSpc>
-                <a:spcPct val="110000"/>
-              </a:lnSpc>
-              <a:spcBef>
-                <a:spcPts val="0"/>
-              </a:spcBef>
-              <a:buNone/>
-            </a:pPr>
-            <a:r>
-              <a:rPr lang="en-AU" sz="2200" dirty="0">
-                <a:latin typeface="Consolas" panose="020B0609020204030204" pitchFamily="49" charset="0"/>
-              </a:rPr>
-              <a:t>if time() - </a:t>
-            </a:r>
-            <a:r>
-              <a:rPr lang="en-AU" sz="2200" dirty="0" err="1">
-                <a:latin typeface="Consolas" panose="020B0609020204030204" pitchFamily="49" charset="0"/>
-              </a:rPr>
-              <a:t>self.last_state_change</a:t>
-            </a:r>
-            <a:r>
-              <a:rPr lang="en-AU" sz="2200" dirty="0">
-                <a:latin typeface="Consolas" panose="020B0609020204030204" pitchFamily="49" charset="0"/>
-              </a:rPr>
-              <a:t> &gt; 5:</a:t>
-            </a:r>
-          </a:p>
-          <a:p>
-            <a:pPr marL="1371600" lvl="3" indent="0">
-              <a:lnSpc>
-                <a:spcPct val="110000"/>
-              </a:lnSpc>
-              <a:spcBef>
-                <a:spcPts val="0"/>
-              </a:spcBef>
-              <a:buNone/>
-            </a:pPr>
-            <a:r>
-              <a:rPr lang="en-AU" sz="2200" dirty="0">
-                <a:latin typeface="Consolas" panose="020B0609020204030204" pitchFamily="49" charset="0"/>
-              </a:rPr>
-              <a:t>if </a:t>
-            </a:r>
-            <a:r>
-              <a:rPr lang="en-AU" sz="2200" dirty="0" err="1">
-                <a:latin typeface="Consolas" panose="020B0609020204030204" pitchFamily="49" charset="0"/>
-              </a:rPr>
-              <a:t>self.__debug</a:t>
-            </a:r>
-            <a:r>
-              <a:rPr lang="en-AU" sz="2200" dirty="0">
-                <a:latin typeface="Consolas" panose="020B0609020204030204" pitchFamily="49" charset="0"/>
-              </a:rPr>
-              <a:t>:</a:t>
-            </a:r>
-          </a:p>
-          <a:p>
-            <a:pPr marL="1828800" lvl="4" indent="0">
-              <a:lnSpc>
-                <a:spcPct val="110000"/>
-              </a:lnSpc>
-              <a:spcBef>
-                <a:spcPts val="0"/>
-              </a:spcBef>
-              <a:buNone/>
-            </a:pPr>
-            <a:r>
-              <a:rPr lang="en-AU" sz="2200" dirty="0">
-                <a:latin typeface="Consolas" panose="020B0609020204030204" pitchFamily="49" charset="0"/>
-              </a:rPr>
-              <a:t>print("Returning to IDLE")</a:t>
-            </a:r>
-          </a:p>
-          <a:p>
-            <a:pPr marL="1371600" lvl="3" indent="0">
-              <a:lnSpc>
-                <a:spcPct val="110000"/>
-              </a:lnSpc>
-              <a:spcBef>
-                <a:spcPts val="0"/>
-              </a:spcBef>
-              <a:buNone/>
-            </a:pPr>
-            <a:r>
-              <a:rPr lang="en-AU" sz="2200" dirty="0" err="1">
-                <a:latin typeface="Consolas" panose="020B0609020204030204" pitchFamily="49" charset="0"/>
-              </a:rPr>
-              <a:t>self.state</a:t>
-            </a:r>
-            <a:r>
-              <a:rPr lang="en-AU" sz="2200" dirty="0">
-                <a:latin typeface="Consolas" panose="020B0609020204030204" pitchFamily="49" charset="0"/>
-              </a:rPr>
-              <a:t> = "IDLE"</a:t>
-            </a:r>
-          </a:p>
-          <a:p>
-            <a:pPr marL="1371600" lvl="3" indent="0">
-              <a:lnSpc>
-                <a:spcPct val="110000"/>
-              </a:lnSpc>
-              <a:spcBef>
-                <a:spcPts val="0"/>
-              </a:spcBef>
-              <a:buNone/>
-            </a:pPr>
-            <a:r>
-              <a:rPr lang="en-AU" sz="2200" dirty="0" err="1">
-                <a:latin typeface="Consolas" panose="020B0609020204030204" pitchFamily="49" charset="0"/>
-              </a:rPr>
-              <a:t>self.last_state_change</a:t>
-            </a:r>
-            <a:r>
-              <a:rPr lang="en-AU" sz="2200" dirty="0">
-                <a:latin typeface="Consolas" panose="020B0609020204030204" pitchFamily="49" charset="0"/>
-              </a:rPr>
-              <a:t> = time()</a:t>
-            </a:r>
-          </a:p>
-          <a:p>
-            <a:pPr marL="1371600" lvl="3" indent="0">
-              <a:lnSpc>
-                <a:spcPct val="110000"/>
-              </a:lnSpc>
-              <a:spcBef>
-                <a:spcPts val="0"/>
-              </a:spcBef>
-              <a:buNone/>
-            </a:pPr>
-            <a:r>
-              <a:rPr lang="en-AU" sz="2200" dirty="0" err="1">
-                <a:latin typeface="Consolas" panose="020B0609020204030204" pitchFamily="49" charset="0"/>
-              </a:rPr>
-              <a:t>self.walk_off</a:t>
-            </a:r>
-            <a:r>
-              <a:rPr lang="en-AU" sz="2200" dirty="0">
-                <a:latin typeface="Consolas" panose="020B0609020204030204" pitchFamily="49" charset="0"/>
-              </a:rPr>
-              <a:t>()</a:t>
-            </a:r>
-          </a:p>
-          <a:p>
-            <a:pPr marL="1371600" lvl="3" indent="0">
-              <a:lnSpc>
-                <a:spcPct val="110000"/>
-              </a:lnSpc>
-              <a:spcBef>
-                <a:spcPts val="0"/>
-              </a:spcBef>
-              <a:buNone/>
-            </a:pPr>
-            <a:r>
-              <a:rPr lang="en-AU" sz="2200" dirty="0">
-                <a:latin typeface="Consolas" panose="020B0609020204030204" pitchFamily="49" charset="0"/>
-              </a:rPr>
-              <a:t>self.__</a:t>
-            </a:r>
-            <a:r>
-              <a:rPr lang="en-AU" sz="2200" dirty="0" err="1">
-                <a:latin typeface="Consolas" panose="020B0609020204030204" pitchFamily="49" charset="0"/>
-              </a:rPr>
-              <a:t>Button.button_state</a:t>
-            </a:r>
-            <a:r>
-              <a:rPr lang="en-AU" sz="2200" dirty="0">
-                <a:latin typeface="Consolas" panose="020B0609020204030204" pitchFamily="49" charset="0"/>
-              </a:rPr>
-              <a:t> = False</a:t>
-            </a:r>
-          </a:p>
-          <a:p>
-            <a:pPr marL="0" indent="0">
-              <a:buNone/>
-            </a:pPr>
-            <a:endParaRPr lang="en-AU" dirty="0"/>
-          </a:p>
-        </p:txBody>
-      </p:sp>
-    </p:spTree>
-    <p:extLst>
-      <p:ext uri="{BB962C8B-B14F-4D97-AF65-F5344CB8AC3E}">
-        <p14:creationId xmlns:p14="http://schemas.microsoft.com/office/powerpoint/2010/main" val="3108459171"/>
-      </p:ext>
-    </p:extLst>
-  </p:cSld>
-  <p:clrMapOvr>
-    <a:masterClrMapping/>
-  </p:clrMapOvr>
-</p:sld>
-</file>
-
-<file path=ppt/slides/slide12.xml><?xml version="1.0" encoding="utf-8"?>
-<p:sld xmlns:a="http://schemas.openxmlformats.org/drawingml/2006/main" xmlns:r="http://schemas.openxmlformats.org/officeDocument/2006/relationships" xmlns:p="http://schemas.openxmlformats.org/presentationml/2006/main">
-  <p:cSld>
-    <p:spTree>
-      <p:nvGrpSpPr>
-        <p:cNvPr id="1" name="">
-          <a:extLst>
-            <a:ext uri="{FF2B5EF4-FFF2-40B4-BE49-F238E27FC236}">
-              <a16:creationId xmlns:a16="http://schemas.microsoft.com/office/drawing/2014/main" id="{6623A509-29FC-BCF5-17C2-50EA9186408A}"/>
-            </a:ext>
-          </a:extLst>
-        </p:cNvPr>
-        <p:cNvGrpSpPr/>
-        <p:nvPr/>
-      </p:nvGrpSpPr>
-      <p:grpSpPr>
-        <a:xfrm>
-          <a:off x="0" y="0"/>
-          <a:ext cx="0" cy="0"/>
-          <a:chOff x="0" y="0"/>
-          <a:chExt cx="0" cy="0"/>
-        </a:xfrm>
-      </p:grpSpPr>
-      <p:sp>
-        <p:nvSpPr>
-          <p:cNvPr id="2" name="Title 1">
-            <a:extLst>
-              <a:ext uri="{FF2B5EF4-FFF2-40B4-BE49-F238E27FC236}">
-                <a16:creationId xmlns:a16="http://schemas.microsoft.com/office/drawing/2014/main" id="{DF0F19E2-EDFF-FFD6-A278-995581CD2511}"/>
-              </a:ext>
-            </a:extLst>
-          </p:cNvPr>
-          <p:cNvSpPr>
-            <a:spLocks noGrp="1"/>
-          </p:cNvSpPr>
-          <p:nvPr>
-            <p:ph type="title"/>
-          </p:nvPr>
-        </p:nvSpPr>
-        <p:spPr/>
-        <p:txBody>
-          <a:bodyPr/>
-          <a:lstStyle/>
-          <a:p>
-            <a:r>
-              <a:rPr lang="en-AU" dirty="0"/>
-              <a:t>State Machine , (</a:t>
-            </a:r>
-            <a:r>
-              <a:rPr lang="en-AU" dirty="0" err="1"/>
-              <a:t>cont</a:t>
-            </a:r>
-            <a:r>
-              <a:rPr lang="en-AU" dirty="0"/>
-              <a:t>)</a:t>
-            </a:r>
-          </a:p>
-        </p:txBody>
-      </p:sp>
-      <p:sp>
-        <p:nvSpPr>
-          <p:cNvPr id="3" name="Content Placeholder 2">
-            <a:extLst>
-              <a:ext uri="{FF2B5EF4-FFF2-40B4-BE49-F238E27FC236}">
-                <a16:creationId xmlns:a16="http://schemas.microsoft.com/office/drawing/2014/main" id="{36C1F542-2810-58B5-768B-5901074B7D93}"/>
-              </a:ext>
-            </a:extLst>
-          </p:cNvPr>
-          <p:cNvSpPr>
-            <a:spLocks noGrp="1"/>
-          </p:cNvSpPr>
-          <p:nvPr>
-            <p:ph idx="1"/>
-          </p:nvPr>
-        </p:nvSpPr>
-        <p:spPr/>
-        <p:txBody>
-          <a:bodyPr>
-            <a:normAutofit/>
-          </a:bodyPr>
-          <a:lstStyle/>
-          <a:p>
-            <a:pPr marL="0" indent="0">
-              <a:lnSpc>
-                <a:spcPct val="100000"/>
-              </a:lnSpc>
-              <a:spcBef>
-                <a:spcPts val="0"/>
-              </a:spcBef>
-              <a:buNone/>
-            </a:pPr>
-            <a:r>
-              <a:rPr lang="en-AU" sz="2200" dirty="0">
-                <a:latin typeface="Consolas" panose="020B0609020204030204" pitchFamily="49" charset="0"/>
-              </a:rPr>
-              <a:t>def update(self):</a:t>
-            </a:r>
-          </a:p>
-          <a:p>
-            <a:pPr marL="457200" lvl="1" indent="0">
-              <a:lnSpc>
-                <a:spcPct val="100000"/>
-              </a:lnSpc>
-              <a:spcBef>
-                <a:spcPts val="0"/>
-              </a:spcBef>
-              <a:buNone/>
-            </a:pPr>
-            <a:r>
-              <a:rPr lang="en-AU" sz="2200" dirty="0">
-                <a:latin typeface="Consolas" panose="020B0609020204030204" pitchFamily="49" charset="0"/>
-              </a:rPr>
-              <a:t>…</a:t>
-            </a:r>
-          </a:p>
-          <a:p>
-            <a:pPr marL="457200" lvl="1" indent="0">
-              <a:lnSpc>
-                <a:spcPct val="100000"/>
-              </a:lnSpc>
-              <a:spcBef>
-                <a:spcPts val="0"/>
-              </a:spcBef>
-              <a:buNone/>
-            </a:pPr>
-            <a:r>
-              <a:rPr lang="en-AU" sz="2200" dirty="0">
-                <a:latin typeface="Consolas" panose="020B0609020204030204" pitchFamily="49" charset="0"/>
-              </a:rPr>
-              <a:t>else:  # error</a:t>
-            </a:r>
-          </a:p>
-          <a:p>
-            <a:pPr marL="914400" lvl="2" indent="0">
-              <a:lnSpc>
-                <a:spcPct val="100000"/>
-              </a:lnSpc>
-              <a:spcBef>
-                <a:spcPts val="0"/>
-              </a:spcBef>
-              <a:buNone/>
-            </a:pPr>
-            <a:r>
-              <a:rPr lang="en-AU" sz="2200" dirty="0">
-                <a:latin typeface="Consolas" panose="020B0609020204030204" pitchFamily="49" charset="0"/>
-              </a:rPr>
-              <a:t>self.__</a:t>
-            </a:r>
-            <a:r>
-              <a:rPr lang="en-AU" sz="2200" dirty="0" err="1">
-                <a:latin typeface="Consolas" panose="020B0609020204030204" pitchFamily="49" charset="0"/>
-              </a:rPr>
-              <a:t>Ped_Red.on</a:t>
-            </a:r>
-            <a:r>
-              <a:rPr lang="en-AU" sz="2200" dirty="0">
-                <a:latin typeface="Consolas" panose="020B0609020204030204" pitchFamily="49" charset="0"/>
-              </a:rPr>
-              <a:t>()</a:t>
-            </a:r>
-          </a:p>
-          <a:p>
-            <a:pPr marL="914400" lvl="2" indent="0">
-              <a:lnSpc>
-                <a:spcPct val="100000"/>
-              </a:lnSpc>
-              <a:spcBef>
-                <a:spcPts val="0"/>
-              </a:spcBef>
-              <a:buNone/>
-            </a:pPr>
-            <a:r>
-              <a:rPr lang="en-AU" sz="2200" dirty="0">
-                <a:latin typeface="Consolas" panose="020B0609020204030204" pitchFamily="49" charset="0"/>
-              </a:rPr>
-              <a:t>self.__</a:t>
-            </a:r>
-            <a:r>
-              <a:rPr lang="en-AU" sz="2200" dirty="0" err="1">
-                <a:latin typeface="Consolas" panose="020B0609020204030204" pitchFamily="49" charset="0"/>
-              </a:rPr>
-              <a:t>Ped_Green.off</a:t>
-            </a:r>
-            <a:r>
-              <a:rPr lang="en-AU" sz="2200" dirty="0">
-                <a:latin typeface="Consolas" panose="020B0609020204030204" pitchFamily="49" charset="0"/>
-              </a:rPr>
-              <a:t>()</a:t>
-            </a:r>
-          </a:p>
-          <a:p>
-            <a:pPr marL="914400" lvl="2" indent="0">
-              <a:lnSpc>
-                <a:spcPct val="100000"/>
-              </a:lnSpc>
-              <a:spcBef>
-                <a:spcPts val="0"/>
-              </a:spcBef>
-              <a:buNone/>
-            </a:pPr>
-            <a:r>
-              <a:rPr lang="en-AU" sz="2200" dirty="0">
-                <a:latin typeface="Consolas" panose="020B0609020204030204" pitchFamily="49" charset="0"/>
-              </a:rPr>
-              <a:t>self.__</a:t>
-            </a:r>
-            <a:r>
-              <a:rPr lang="en-AU" sz="2200" dirty="0" err="1">
-                <a:latin typeface="Consolas" panose="020B0609020204030204" pitchFamily="49" charset="0"/>
-              </a:rPr>
-              <a:t>Car_Green.off</a:t>
-            </a:r>
-            <a:r>
-              <a:rPr lang="en-AU" sz="2200" dirty="0">
-                <a:latin typeface="Consolas" panose="020B0609020204030204" pitchFamily="49" charset="0"/>
-              </a:rPr>
-              <a:t>()</a:t>
-            </a:r>
-          </a:p>
-          <a:p>
-            <a:pPr marL="914400" lvl="2" indent="0">
-              <a:lnSpc>
-                <a:spcPct val="100000"/>
-              </a:lnSpc>
-              <a:spcBef>
-                <a:spcPts val="0"/>
-              </a:spcBef>
-              <a:buNone/>
-            </a:pPr>
-            <a:r>
-              <a:rPr lang="en-AU" sz="2200" dirty="0">
-                <a:latin typeface="Consolas" panose="020B0609020204030204" pitchFamily="49" charset="0"/>
-              </a:rPr>
-              <a:t>self.__</a:t>
-            </a:r>
-            <a:r>
-              <a:rPr lang="en-AU" sz="2200" dirty="0" err="1">
-                <a:latin typeface="Consolas" panose="020B0609020204030204" pitchFamily="49" charset="0"/>
-              </a:rPr>
-              <a:t>Car_Amber.toggle</a:t>
-            </a:r>
-            <a:r>
-              <a:rPr lang="en-AU" sz="2200" dirty="0">
-                <a:latin typeface="Consolas" panose="020B0609020204030204" pitchFamily="49" charset="0"/>
-              </a:rPr>
-              <a:t>()</a:t>
-            </a:r>
-          </a:p>
-          <a:p>
-            <a:pPr marL="914400" lvl="2" indent="0">
-              <a:lnSpc>
-                <a:spcPct val="100000"/>
-              </a:lnSpc>
-              <a:spcBef>
-                <a:spcPts val="0"/>
-              </a:spcBef>
-              <a:buNone/>
-            </a:pPr>
-            <a:r>
-              <a:rPr lang="en-AU" sz="2200" dirty="0">
-                <a:latin typeface="Consolas" panose="020B0609020204030204" pitchFamily="49" charset="0"/>
-              </a:rPr>
-              <a:t>self.__</a:t>
-            </a:r>
-            <a:r>
-              <a:rPr lang="en-AU" sz="2200" dirty="0" err="1">
-                <a:latin typeface="Consolas" panose="020B0609020204030204" pitchFamily="49" charset="0"/>
-              </a:rPr>
-              <a:t>Car_Red.off</a:t>
-            </a:r>
-            <a:r>
-              <a:rPr lang="en-AU" sz="2200" dirty="0">
-                <a:latin typeface="Consolas" panose="020B0609020204030204" pitchFamily="49" charset="0"/>
-              </a:rPr>
-              <a:t>()</a:t>
-            </a:r>
-          </a:p>
-          <a:p>
-            <a:pPr marL="914400" lvl="2" indent="0">
-              <a:lnSpc>
-                <a:spcPct val="100000"/>
-              </a:lnSpc>
-              <a:spcBef>
-                <a:spcPts val="0"/>
-              </a:spcBef>
-              <a:buNone/>
-            </a:pPr>
-            <a:r>
-              <a:rPr lang="en-AU" sz="2200" dirty="0">
-                <a:latin typeface="Consolas" panose="020B0609020204030204" pitchFamily="49" charset="0"/>
-              </a:rPr>
-              <a:t>self.__</a:t>
-            </a:r>
-            <a:r>
-              <a:rPr lang="en-AU" sz="2200" dirty="0" err="1">
-                <a:latin typeface="Consolas" panose="020B0609020204030204" pitchFamily="49" charset="0"/>
-              </a:rPr>
-              <a:t>Ped_Green.off</a:t>
-            </a:r>
-            <a:r>
-              <a:rPr lang="en-AU" sz="2200" dirty="0">
-                <a:latin typeface="Consolas" panose="020B0609020204030204" pitchFamily="49" charset="0"/>
-              </a:rPr>
-              <a:t>()</a:t>
-            </a:r>
-          </a:p>
-          <a:p>
-            <a:pPr marL="914400" lvl="2" indent="0">
-              <a:lnSpc>
-                <a:spcPct val="100000"/>
-              </a:lnSpc>
-              <a:spcBef>
-                <a:spcPts val="0"/>
-              </a:spcBef>
-              <a:buNone/>
-            </a:pPr>
-            <a:r>
-              <a:rPr lang="en-AU" sz="2200" dirty="0">
-                <a:latin typeface="Consolas" panose="020B0609020204030204" pitchFamily="49" charset="0"/>
-              </a:rPr>
-              <a:t>sleep(1)</a:t>
-            </a:r>
-          </a:p>
-          <a:p>
-            <a:pPr marL="0" indent="0">
-              <a:buNone/>
-            </a:pPr>
-            <a:endParaRPr lang="en-AU" dirty="0"/>
-          </a:p>
-        </p:txBody>
-      </p:sp>
-    </p:spTree>
-    <p:extLst>
-      <p:ext uri="{BB962C8B-B14F-4D97-AF65-F5344CB8AC3E}">
-        <p14:creationId xmlns:p14="http://schemas.microsoft.com/office/powerpoint/2010/main" val="582451183"/>
-      </p:ext>
-    </p:extLst>
-  </p:cSld>
-  <p:clrMapOvr>
-    <a:masterClrMapping/>
-  </p:clrMapOvr>
-</p:sld>
-</file>
-
-<file path=ppt/slides/slide13.xml><?xml version="1.0" encoding="utf-8"?>
-<p:sld xmlns:a="http://schemas.openxmlformats.org/drawingml/2006/main" xmlns:r="http://schemas.openxmlformats.org/officeDocument/2006/relationships" xmlns:p="http://schemas.openxmlformats.org/presentationml/2006/main">
-  <p:cSld>
-    <p:spTree>
-      <p:nvGrpSpPr>
-        <p:cNvPr id="1" name="">
-          <a:extLst>
-            <a:ext uri="{FF2B5EF4-FFF2-40B4-BE49-F238E27FC236}">
-              <a16:creationId xmlns:a16="http://schemas.microsoft.com/office/drawing/2014/main" id="{7F4C7F8C-E3BB-6612-511E-05296EB56711}"/>
-            </a:ext>
-          </a:extLst>
-        </p:cNvPr>
-        <p:cNvGrpSpPr/>
-        <p:nvPr/>
-      </p:nvGrpSpPr>
-      <p:grpSpPr>
-        <a:xfrm>
-          <a:off x="0" y="0"/>
-          <a:ext cx="0" cy="0"/>
-          <a:chOff x="0" y="0"/>
-          <a:chExt cx="0" cy="0"/>
-        </a:xfrm>
-      </p:grpSpPr>
-      <p:sp>
-        <p:nvSpPr>
-          <p:cNvPr id="2" name="Title 1">
-            <a:extLst>
-              <a:ext uri="{FF2B5EF4-FFF2-40B4-BE49-F238E27FC236}">
-                <a16:creationId xmlns:a16="http://schemas.microsoft.com/office/drawing/2014/main" id="{1C3DA820-A8CC-B038-67D2-E69214BCC59F}"/>
-              </a:ext>
-            </a:extLst>
-          </p:cNvPr>
-          <p:cNvSpPr>
-            <a:spLocks noGrp="1"/>
-          </p:cNvSpPr>
-          <p:nvPr>
-            <p:ph type="title"/>
-          </p:nvPr>
-        </p:nvSpPr>
-        <p:spPr/>
-        <p:txBody>
-          <a:bodyPr/>
-          <a:lstStyle/>
-          <a:p>
-            <a:r>
-              <a:rPr lang="en-AU" dirty="0"/>
-              <a:t>Implement the class &amp; system test</a:t>
-            </a:r>
-          </a:p>
-        </p:txBody>
-      </p:sp>
-      <p:sp>
-        <p:nvSpPr>
-          <p:cNvPr id="3" name="Content Placeholder 2">
-            <a:extLst>
-              <a:ext uri="{FF2B5EF4-FFF2-40B4-BE49-F238E27FC236}">
-                <a16:creationId xmlns:a16="http://schemas.microsoft.com/office/drawing/2014/main" id="{DE529CD0-3070-A32D-EF7E-8C28C4CB42E1}"/>
-              </a:ext>
-            </a:extLst>
-          </p:cNvPr>
-          <p:cNvSpPr>
-            <a:spLocks noGrp="1"/>
-          </p:cNvSpPr>
-          <p:nvPr>
-            <p:ph idx="1"/>
-          </p:nvPr>
-        </p:nvSpPr>
-        <p:spPr/>
-        <p:txBody>
-          <a:bodyPr>
-            <a:noAutofit/>
-          </a:bodyPr>
-          <a:lstStyle/>
-          <a:p>
-            <a:pPr marL="0" indent="0">
-              <a:lnSpc>
-                <a:spcPct val="100000"/>
-              </a:lnSpc>
-              <a:spcBef>
-                <a:spcPts val="0"/>
-              </a:spcBef>
-              <a:buNone/>
-            </a:pPr>
-            <a:r>
-              <a:rPr lang="en-AU" sz="2200" dirty="0">
-                <a:latin typeface="Consolas" panose="020B0609020204030204" pitchFamily="49" charset="0"/>
-              </a:rPr>
-              <a:t>from </a:t>
-            </a:r>
-            <a:r>
-              <a:rPr lang="en-AU" sz="2200" dirty="0" err="1">
-                <a:latin typeface="Consolas" panose="020B0609020204030204" pitchFamily="49" charset="0"/>
-              </a:rPr>
-              <a:t>project.py_scripts.LL_unit_Test</a:t>
-            </a:r>
-            <a:r>
-              <a:rPr lang="en-AU" sz="2200" dirty="0">
-                <a:latin typeface="Consolas" panose="020B0609020204030204" pitchFamily="49" charset="0"/>
-              </a:rPr>
-              <a:t> import </a:t>
-            </a:r>
-            <a:r>
-              <a:rPr lang="en-AU" sz="2200" dirty="0" err="1">
-                <a:latin typeface="Consolas" panose="020B0609020204030204" pitchFamily="49" charset="0"/>
-              </a:rPr>
-              <a:t>Led_Light</a:t>
-            </a:r>
-            <a:endParaRPr lang="en-AU" sz="2200" dirty="0">
-              <a:latin typeface="Consolas" panose="020B0609020204030204" pitchFamily="49" charset="0"/>
-            </a:endParaRPr>
-          </a:p>
-          <a:p>
-            <a:pPr marL="0" indent="0">
-              <a:lnSpc>
-                <a:spcPct val="100000"/>
-              </a:lnSpc>
-              <a:spcBef>
-                <a:spcPts val="0"/>
-              </a:spcBef>
-              <a:buNone/>
-            </a:pPr>
-            <a:r>
-              <a:rPr lang="en-AU" sz="2200" dirty="0">
-                <a:latin typeface="Consolas" panose="020B0609020204030204" pitchFamily="49" charset="0"/>
-              </a:rPr>
-              <a:t>from </a:t>
-            </a:r>
-            <a:r>
-              <a:rPr lang="en-AU" sz="2200" dirty="0" err="1">
-                <a:latin typeface="Consolas" panose="020B0609020204030204" pitchFamily="49" charset="0"/>
-              </a:rPr>
-              <a:t>pedestrian_button</a:t>
-            </a:r>
-            <a:r>
-              <a:rPr lang="en-AU" sz="2200" dirty="0">
-                <a:latin typeface="Consolas" panose="020B0609020204030204" pitchFamily="49" charset="0"/>
-              </a:rPr>
-              <a:t> import </a:t>
-            </a:r>
-            <a:r>
-              <a:rPr lang="en-AU" sz="2200" dirty="0" err="1">
-                <a:latin typeface="Consolas" panose="020B0609020204030204" pitchFamily="49" charset="0"/>
-              </a:rPr>
-              <a:t>Pedestrian_Button</a:t>
-            </a:r>
-            <a:endParaRPr lang="en-AU" sz="2200" dirty="0">
-              <a:latin typeface="Consolas" panose="020B0609020204030204" pitchFamily="49" charset="0"/>
-            </a:endParaRPr>
-          </a:p>
-          <a:p>
-            <a:pPr marL="0" indent="0">
-              <a:lnSpc>
-                <a:spcPct val="100000"/>
-              </a:lnSpc>
-              <a:spcBef>
-                <a:spcPts val="0"/>
-              </a:spcBef>
-              <a:buNone/>
-            </a:pPr>
-            <a:r>
-              <a:rPr lang="en-AU" sz="2200" dirty="0">
-                <a:latin typeface="Consolas" panose="020B0609020204030204" pitchFamily="49" charset="0"/>
-              </a:rPr>
-              <a:t>from </a:t>
-            </a:r>
-            <a:r>
-              <a:rPr lang="en-AU" sz="2200" dirty="0" err="1">
-                <a:latin typeface="Consolas" panose="020B0609020204030204" pitchFamily="49" charset="0"/>
-              </a:rPr>
-              <a:t>audio_notification</a:t>
-            </a:r>
-            <a:r>
-              <a:rPr lang="en-AU" sz="2200" dirty="0">
-                <a:latin typeface="Consolas" panose="020B0609020204030204" pitchFamily="49" charset="0"/>
-              </a:rPr>
-              <a:t> import </a:t>
-            </a:r>
-            <a:r>
-              <a:rPr lang="en-AU" sz="2200" dirty="0" err="1">
-                <a:latin typeface="Consolas" panose="020B0609020204030204" pitchFamily="49" charset="0"/>
-              </a:rPr>
-              <a:t>Audio_Notification</a:t>
-            </a:r>
-            <a:endParaRPr lang="en-AU" sz="2200" dirty="0">
-              <a:latin typeface="Consolas" panose="020B0609020204030204" pitchFamily="49" charset="0"/>
-            </a:endParaRPr>
-          </a:p>
-          <a:p>
-            <a:pPr marL="0" indent="0">
-              <a:lnSpc>
-                <a:spcPct val="100000"/>
-              </a:lnSpc>
-              <a:spcBef>
-                <a:spcPts val="0"/>
-              </a:spcBef>
-              <a:buNone/>
-            </a:pPr>
-            <a:r>
-              <a:rPr lang="en-AU" sz="2200" dirty="0">
-                <a:latin typeface="Consolas" panose="020B0609020204030204" pitchFamily="49" charset="0"/>
-              </a:rPr>
-              <a:t>from controller import Controller</a:t>
-            </a:r>
-          </a:p>
-          <a:p>
-            <a:pPr marL="0" indent="0">
-              <a:lnSpc>
-                <a:spcPct val="100000"/>
-              </a:lnSpc>
-              <a:spcBef>
-                <a:spcPts val="0"/>
-              </a:spcBef>
-              <a:buNone/>
-            </a:pPr>
-            <a:r>
-              <a:rPr lang="en-AU" sz="2200" dirty="0">
-                <a:latin typeface="Consolas" panose="020B0609020204030204" pitchFamily="49" charset="0"/>
-              </a:rPr>
-              <a:t>from time import sleep, time</a:t>
-            </a:r>
-          </a:p>
-          <a:p>
-            <a:pPr marL="0" indent="0">
-              <a:lnSpc>
-                <a:spcPct val="100000"/>
-              </a:lnSpc>
-              <a:spcBef>
-                <a:spcPts val="0"/>
-              </a:spcBef>
-              <a:buNone/>
-            </a:pPr>
-            <a:br>
-              <a:rPr lang="en-AU" sz="2200" dirty="0">
-                <a:latin typeface="Consolas" panose="020B0609020204030204" pitchFamily="49" charset="0"/>
-              </a:rPr>
-            </a:br>
-            <a:r>
-              <a:rPr lang="en-AU" sz="2200" dirty="0" err="1">
-                <a:latin typeface="Consolas" panose="020B0609020204030204" pitchFamily="49" charset="0"/>
-              </a:rPr>
-              <a:t>led_pedestrian_red</a:t>
-            </a:r>
-            <a:r>
-              <a:rPr lang="en-AU" sz="2200" dirty="0">
-                <a:latin typeface="Consolas" panose="020B0609020204030204" pitchFamily="49" charset="0"/>
-              </a:rPr>
-              <a:t> = </a:t>
-            </a:r>
-            <a:r>
-              <a:rPr lang="en-AU" sz="2200" dirty="0" err="1">
-                <a:latin typeface="Consolas" panose="020B0609020204030204" pitchFamily="49" charset="0"/>
-              </a:rPr>
-              <a:t>Led_Light</a:t>
-            </a:r>
-            <a:r>
-              <a:rPr lang="en-AU" sz="2200" dirty="0">
-                <a:latin typeface="Consolas" panose="020B0609020204030204" pitchFamily="49" charset="0"/>
-              </a:rPr>
-              <a:t>(19, True, False)</a:t>
-            </a:r>
-          </a:p>
-          <a:p>
-            <a:pPr marL="0" indent="0">
-              <a:lnSpc>
-                <a:spcPct val="100000"/>
-              </a:lnSpc>
-              <a:spcBef>
-                <a:spcPts val="0"/>
-              </a:spcBef>
-              <a:buNone/>
-            </a:pPr>
-            <a:r>
-              <a:rPr lang="en-AU" sz="2200" dirty="0" err="1">
-                <a:latin typeface="Consolas" panose="020B0609020204030204" pitchFamily="49" charset="0"/>
-              </a:rPr>
-              <a:t>led_pedestrian_green</a:t>
-            </a:r>
-            <a:r>
-              <a:rPr lang="en-AU" sz="2200" dirty="0">
-                <a:latin typeface="Consolas" panose="020B0609020204030204" pitchFamily="49" charset="0"/>
-              </a:rPr>
-              <a:t> = </a:t>
-            </a:r>
-            <a:r>
-              <a:rPr lang="en-AU" sz="2200" dirty="0" err="1">
-                <a:latin typeface="Consolas" panose="020B0609020204030204" pitchFamily="49" charset="0"/>
-              </a:rPr>
-              <a:t>Led_Light</a:t>
-            </a:r>
-            <a:r>
-              <a:rPr lang="en-AU" sz="2200" dirty="0">
-                <a:latin typeface="Consolas" panose="020B0609020204030204" pitchFamily="49" charset="0"/>
-              </a:rPr>
-              <a:t>(17, False, False)</a:t>
-            </a:r>
-          </a:p>
-          <a:p>
-            <a:pPr marL="0" indent="0">
-              <a:lnSpc>
-                <a:spcPct val="100000"/>
-              </a:lnSpc>
-              <a:spcBef>
-                <a:spcPts val="0"/>
-              </a:spcBef>
-              <a:buNone/>
-            </a:pPr>
-            <a:r>
-              <a:rPr lang="en-AU" sz="2200" dirty="0" err="1">
-                <a:latin typeface="Consolas" panose="020B0609020204030204" pitchFamily="49" charset="0"/>
-              </a:rPr>
-              <a:t>led_car_red</a:t>
-            </a:r>
-            <a:r>
-              <a:rPr lang="en-AU" sz="2200" dirty="0">
-                <a:latin typeface="Consolas" panose="020B0609020204030204" pitchFamily="49" charset="0"/>
-              </a:rPr>
-              <a:t> = </a:t>
-            </a:r>
-            <a:r>
-              <a:rPr lang="en-AU" sz="2200" dirty="0" err="1">
-                <a:latin typeface="Consolas" panose="020B0609020204030204" pitchFamily="49" charset="0"/>
-              </a:rPr>
-              <a:t>Led_Light</a:t>
-            </a:r>
-            <a:r>
-              <a:rPr lang="en-AU" sz="2200" dirty="0">
-                <a:latin typeface="Consolas" panose="020B0609020204030204" pitchFamily="49" charset="0"/>
-              </a:rPr>
-              <a:t>(3, False, False)</a:t>
-            </a:r>
-          </a:p>
-          <a:p>
-            <a:pPr marL="0" indent="0">
-              <a:lnSpc>
-                <a:spcPct val="100000"/>
-              </a:lnSpc>
-              <a:spcBef>
-                <a:spcPts val="0"/>
-              </a:spcBef>
-              <a:buNone/>
-            </a:pPr>
-            <a:r>
-              <a:rPr lang="en-AU" sz="2200" dirty="0" err="1">
-                <a:latin typeface="Consolas" panose="020B0609020204030204" pitchFamily="49" charset="0"/>
-              </a:rPr>
-              <a:t>led_car_orange</a:t>
-            </a:r>
-            <a:r>
-              <a:rPr lang="en-AU" sz="2200" dirty="0">
-                <a:latin typeface="Consolas" panose="020B0609020204030204" pitchFamily="49" charset="0"/>
-              </a:rPr>
-              <a:t> = </a:t>
-            </a:r>
-            <a:r>
-              <a:rPr lang="en-AU" sz="2200" dirty="0" err="1">
-                <a:latin typeface="Consolas" panose="020B0609020204030204" pitchFamily="49" charset="0"/>
-              </a:rPr>
-              <a:t>Led_Light</a:t>
-            </a:r>
-            <a:r>
-              <a:rPr lang="en-AU" sz="2200" dirty="0">
-                <a:latin typeface="Consolas" panose="020B0609020204030204" pitchFamily="49" charset="0"/>
-              </a:rPr>
-              <a:t>(5, False, False)</a:t>
-            </a:r>
-          </a:p>
-          <a:p>
-            <a:pPr marL="0" indent="0">
-              <a:lnSpc>
-                <a:spcPct val="100000"/>
-              </a:lnSpc>
-              <a:spcBef>
-                <a:spcPts val="0"/>
-              </a:spcBef>
-              <a:buNone/>
-            </a:pPr>
-            <a:r>
-              <a:rPr lang="en-AU" sz="2200" dirty="0" err="1">
-                <a:latin typeface="Consolas" panose="020B0609020204030204" pitchFamily="49" charset="0"/>
-              </a:rPr>
-              <a:t>led_car_green</a:t>
-            </a:r>
-            <a:r>
-              <a:rPr lang="en-AU" sz="2200" dirty="0">
-                <a:latin typeface="Consolas" panose="020B0609020204030204" pitchFamily="49" charset="0"/>
-              </a:rPr>
-              <a:t> = </a:t>
-            </a:r>
-            <a:r>
-              <a:rPr lang="en-AU" sz="2200" dirty="0" err="1">
-                <a:latin typeface="Consolas" panose="020B0609020204030204" pitchFamily="49" charset="0"/>
-              </a:rPr>
-              <a:t>Led_Light</a:t>
-            </a:r>
-            <a:r>
-              <a:rPr lang="en-AU" sz="2200" dirty="0">
-                <a:latin typeface="Consolas" panose="020B0609020204030204" pitchFamily="49" charset="0"/>
-              </a:rPr>
-              <a:t>(6, False, False)</a:t>
-            </a:r>
-            <a:br>
-              <a:rPr lang="en-AU" sz="2200" dirty="0">
-                <a:latin typeface="Consolas" panose="020B0609020204030204" pitchFamily="49" charset="0"/>
-              </a:rPr>
-            </a:br>
-            <a:r>
-              <a:rPr lang="en-AU" sz="2200" dirty="0" err="1">
-                <a:latin typeface="Consolas" panose="020B0609020204030204" pitchFamily="49" charset="0"/>
-              </a:rPr>
-              <a:t>pedestrian_button</a:t>
-            </a:r>
-            <a:r>
-              <a:rPr lang="en-AU" sz="2200" dirty="0">
-                <a:latin typeface="Consolas" panose="020B0609020204030204" pitchFamily="49" charset="0"/>
-              </a:rPr>
-              <a:t> = </a:t>
-            </a:r>
-            <a:r>
-              <a:rPr lang="en-AU" sz="2200" dirty="0" err="1">
-                <a:latin typeface="Consolas" panose="020B0609020204030204" pitchFamily="49" charset="0"/>
-              </a:rPr>
-              <a:t>Pedestrian_Button</a:t>
-            </a:r>
-            <a:r>
-              <a:rPr lang="en-AU" sz="2200" dirty="0">
-                <a:latin typeface="Consolas" panose="020B0609020204030204" pitchFamily="49" charset="0"/>
-              </a:rPr>
-              <a:t>(22, False)</a:t>
-            </a:r>
-            <a:br>
-              <a:rPr lang="en-AU" sz="2200" dirty="0">
-                <a:latin typeface="Consolas" panose="020B0609020204030204" pitchFamily="49" charset="0"/>
-              </a:rPr>
-            </a:br>
-            <a:r>
-              <a:rPr lang="en-AU" sz="2200" dirty="0">
-                <a:latin typeface="Consolas" panose="020B0609020204030204" pitchFamily="49" charset="0"/>
-              </a:rPr>
-              <a:t>buzzer = </a:t>
-            </a:r>
-            <a:r>
-              <a:rPr lang="en-AU" sz="2200" dirty="0" err="1">
-                <a:latin typeface="Consolas" panose="020B0609020204030204" pitchFamily="49" charset="0"/>
-              </a:rPr>
-              <a:t>Audio_Notification</a:t>
-            </a:r>
-            <a:r>
-              <a:rPr lang="en-AU" sz="2200" dirty="0">
-                <a:latin typeface="Consolas" panose="020B0609020204030204" pitchFamily="49" charset="0"/>
-              </a:rPr>
-              <a:t>(27, False)</a:t>
-            </a:r>
-          </a:p>
-        </p:txBody>
-      </p:sp>
-    </p:spTree>
-    <p:extLst>
-      <p:ext uri="{BB962C8B-B14F-4D97-AF65-F5344CB8AC3E}">
-        <p14:creationId xmlns:p14="http://schemas.microsoft.com/office/powerpoint/2010/main" val="2681861969"/>
-      </p:ext>
-    </p:extLst>
-  </p:cSld>
-  <p:clrMapOvr>
-    <a:masterClrMapping/>
-  </p:clrMapOvr>
-</p:sld>
-</file>
-
-<file path=ppt/slides/slide14.xml><?xml version="1.0" encoding="utf-8"?>
-<p:sld xmlns:a="http://schemas.openxmlformats.org/drawingml/2006/main" xmlns:r="http://schemas.openxmlformats.org/officeDocument/2006/relationships" xmlns:p="http://schemas.openxmlformats.org/presentationml/2006/main">
-  <p:cSld>
-    <p:spTree>
-      <p:nvGrpSpPr>
-        <p:cNvPr id="1" name="">
-          <a:extLst>
-            <a:ext uri="{FF2B5EF4-FFF2-40B4-BE49-F238E27FC236}">
-              <a16:creationId xmlns:a16="http://schemas.microsoft.com/office/drawing/2014/main" id="{E465C9CE-F371-321B-45BC-DD780A460F3B}"/>
-            </a:ext>
-          </a:extLst>
-        </p:cNvPr>
-        <p:cNvGrpSpPr/>
-        <p:nvPr/>
-      </p:nvGrpSpPr>
-      <p:grpSpPr>
-        <a:xfrm>
-          <a:off x="0" y="0"/>
-          <a:ext cx="0" cy="0"/>
-          <a:chOff x="0" y="0"/>
-          <a:chExt cx="0" cy="0"/>
-        </a:xfrm>
-      </p:grpSpPr>
-      <p:sp>
-        <p:nvSpPr>
-          <p:cNvPr id="2" name="Title 1">
-            <a:extLst>
-              <a:ext uri="{FF2B5EF4-FFF2-40B4-BE49-F238E27FC236}">
-                <a16:creationId xmlns:a16="http://schemas.microsoft.com/office/drawing/2014/main" id="{8755BC55-8A49-7CF4-5066-BA010A1857A5}"/>
-              </a:ext>
-            </a:extLst>
-          </p:cNvPr>
-          <p:cNvSpPr>
-            <a:spLocks noGrp="1"/>
-          </p:cNvSpPr>
-          <p:nvPr>
-            <p:ph type="title"/>
-          </p:nvPr>
-        </p:nvSpPr>
-        <p:spPr/>
-        <p:txBody>
-          <a:bodyPr/>
-          <a:lstStyle/>
-          <a:p>
-            <a:r>
-              <a:rPr lang="en-AU" dirty="0"/>
-              <a:t>Implement the class &amp; system test, (</a:t>
-            </a:r>
-            <a:r>
-              <a:rPr lang="en-AU" dirty="0" err="1"/>
-              <a:t>cont</a:t>
-            </a:r>
-            <a:r>
-              <a:rPr lang="en-AU" dirty="0"/>
-              <a:t>)</a:t>
-            </a:r>
-          </a:p>
-        </p:txBody>
-      </p:sp>
-      <p:sp>
-        <p:nvSpPr>
-          <p:cNvPr id="3" name="Content Placeholder 2">
-            <a:extLst>
-              <a:ext uri="{FF2B5EF4-FFF2-40B4-BE49-F238E27FC236}">
-                <a16:creationId xmlns:a16="http://schemas.microsoft.com/office/drawing/2014/main" id="{2A5CDAAC-D36F-904C-1743-2BF0DB1A4B08}"/>
-              </a:ext>
-            </a:extLst>
-          </p:cNvPr>
-          <p:cNvSpPr>
-            <a:spLocks noGrp="1"/>
-          </p:cNvSpPr>
-          <p:nvPr>
-            <p:ph idx="1"/>
-          </p:nvPr>
-        </p:nvSpPr>
-        <p:spPr/>
-        <p:txBody>
-          <a:bodyPr>
-            <a:noAutofit/>
-          </a:bodyPr>
-          <a:lstStyle/>
-          <a:p>
-            <a:pPr marL="0" indent="0">
-              <a:lnSpc>
-                <a:spcPct val="100000"/>
-              </a:lnSpc>
-              <a:spcBef>
-                <a:spcPts val="0"/>
-              </a:spcBef>
-              <a:buNone/>
-            </a:pPr>
-            <a:r>
-              <a:rPr lang="en-US" sz="2200" dirty="0">
-                <a:latin typeface="Consolas" panose="020B0609020204030204" pitchFamily="49" charset="0"/>
-              </a:rPr>
-              <a:t>controller = Controller( </a:t>
-            </a:r>
-            <a:r>
-              <a:rPr lang="en-US" sz="2200" dirty="0" err="1">
-                <a:latin typeface="Consolas" panose="020B0609020204030204" pitchFamily="49" charset="0"/>
-              </a:rPr>
-              <a:t>led_pedestrian_red</a:t>
-            </a:r>
-            <a:r>
-              <a:rPr lang="en-US" sz="2200" dirty="0">
-                <a:latin typeface="Consolas" panose="020B0609020204030204" pitchFamily="49" charset="0"/>
-              </a:rPr>
-              <a:t>, </a:t>
-            </a:r>
-            <a:r>
-              <a:rPr lang="en-US" sz="2200" dirty="0" err="1">
-                <a:latin typeface="Consolas" panose="020B0609020204030204" pitchFamily="49" charset="0"/>
-              </a:rPr>
-              <a:t>led_pedestrian_green</a:t>
-            </a:r>
-            <a:r>
-              <a:rPr lang="en-US" sz="2200" dirty="0">
-                <a:latin typeface="Consolas" panose="020B0609020204030204" pitchFamily="49" charset="0"/>
-              </a:rPr>
-              <a:t>, </a:t>
-            </a:r>
-            <a:r>
-              <a:rPr lang="en-US" sz="2200" dirty="0" err="1">
-                <a:latin typeface="Consolas" panose="020B0609020204030204" pitchFamily="49" charset="0"/>
-              </a:rPr>
-              <a:t>led_car_red</a:t>
-            </a:r>
-            <a:r>
-              <a:rPr lang="en-US" sz="2200" dirty="0">
-                <a:latin typeface="Consolas" panose="020B0609020204030204" pitchFamily="49" charset="0"/>
-              </a:rPr>
-              <a:t>, </a:t>
-            </a:r>
-            <a:r>
-              <a:rPr lang="en-US" sz="2200" dirty="0" err="1">
-                <a:latin typeface="Consolas" panose="020B0609020204030204" pitchFamily="49" charset="0"/>
-              </a:rPr>
-              <a:t>led_car_orange</a:t>
-            </a:r>
-            <a:r>
-              <a:rPr lang="en-US" sz="2200" dirty="0">
-                <a:latin typeface="Consolas" panose="020B0609020204030204" pitchFamily="49" charset="0"/>
-              </a:rPr>
-              <a:t>, </a:t>
-            </a:r>
-            <a:r>
-              <a:rPr lang="en-US" sz="2200" dirty="0" err="1">
-                <a:latin typeface="Consolas" panose="020B0609020204030204" pitchFamily="49" charset="0"/>
-              </a:rPr>
-              <a:t>led_car_green</a:t>
-            </a:r>
-            <a:r>
-              <a:rPr lang="en-US" sz="2200" dirty="0">
-                <a:latin typeface="Consolas" panose="020B0609020204030204" pitchFamily="49" charset="0"/>
-              </a:rPr>
-              <a:t>, </a:t>
-            </a:r>
-            <a:r>
-              <a:rPr lang="en-US" sz="2200" dirty="0" err="1">
-                <a:latin typeface="Consolas" panose="020B0609020204030204" pitchFamily="49" charset="0"/>
-              </a:rPr>
-              <a:t>pedestrian_button</a:t>
-            </a:r>
-            <a:r>
-              <a:rPr lang="en-US" sz="2200" dirty="0">
-                <a:latin typeface="Consolas" panose="020B0609020204030204" pitchFamily="49" charset="0"/>
-              </a:rPr>
-              <a:t>, buzzer, True )</a:t>
-            </a:r>
-          </a:p>
-          <a:p>
-            <a:pPr marL="0" indent="0">
-              <a:lnSpc>
-                <a:spcPct val="100000"/>
-              </a:lnSpc>
-              <a:spcBef>
-                <a:spcPts val="0"/>
-              </a:spcBef>
-              <a:buNone/>
-            </a:pPr>
-            <a:endParaRPr lang="en-US" sz="2200" dirty="0">
-              <a:latin typeface="Consolas" panose="020B0609020204030204" pitchFamily="49" charset="0"/>
-            </a:endParaRPr>
-          </a:p>
-          <a:p>
-            <a:pPr marL="0" indent="0">
-              <a:lnSpc>
-                <a:spcPct val="100000"/>
-              </a:lnSpc>
-              <a:spcBef>
-                <a:spcPts val="0"/>
-              </a:spcBef>
-              <a:buNone/>
-            </a:pPr>
-            <a:r>
-              <a:rPr lang="en-US" sz="2200" dirty="0">
-                <a:latin typeface="Consolas" panose="020B0609020204030204" pitchFamily="49" charset="0"/>
-              </a:rPr>
-              <a:t>while True:</a:t>
-            </a:r>
-          </a:p>
-          <a:p>
-            <a:pPr marL="0" indent="0">
-              <a:lnSpc>
-                <a:spcPct val="100000"/>
-              </a:lnSpc>
-              <a:spcBef>
-                <a:spcPts val="0"/>
-              </a:spcBef>
-              <a:buNone/>
-            </a:pPr>
-            <a:r>
-              <a:rPr lang="en-US" sz="2200" dirty="0">
-                <a:latin typeface="Consolas" panose="020B0609020204030204" pitchFamily="49" charset="0"/>
-              </a:rPr>
-              <a:t>    </a:t>
-            </a:r>
-            <a:r>
-              <a:rPr lang="en-US" sz="2200" dirty="0" err="1">
-                <a:latin typeface="Consolas" panose="020B0609020204030204" pitchFamily="49" charset="0"/>
-              </a:rPr>
-              <a:t>controller.update</a:t>
-            </a:r>
-            <a:r>
-              <a:rPr lang="en-US" sz="2200" dirty="0">
-                <a:latin typeface="Consolas" panose="020B0609020204030204" pitchFamily="49" charset="0"/>
-              </a:rPr>
-              <a:t>()</a:t>
-            </a:r>
-          </a:p>
-          <a:p>
-            <a:pPr marL="0" indent="0">
-              <a:lnSpc>
-                <a:spcPct val="100000"/>
-              </a:lnSpc>
-              <a:spcBef>
-                <a:spcPts val="0"/>
-              </a:spcBef>
-              <a:buNone/>
-            </a:pPr>
-            <a:r>
-              <a:rPr lang="en-US" sz="2200" dirty="0">
-                <a:latin typeface="Consolas" panose="020B0609020204030204" pitchFamily="49" charset="0"/>
-              </a:rPr>
-              <a:t>    sleep(0.1)</a:t>
-            </a:r>
-          </a:p>
-        </p:txBody>
-      </p:sp>
-    </p:spTree>
-    <p:extLst>
-      <p:ext uri="{BB962C8B-B14F-4D97-AF65-F5344CB8AC3E}">
-        <p14:creationId xmlns:p14="http://schemas.microsoft.com/office/powerpoint/2010/main" val="3429084832"/>
-      </p:ext>
-    </p:extLst>
-  </p:cSld>
-  <p:clrMapOvr>
-    <a:masterClrMapping/>
-  </p:clrMapOvr>
-</p:sld>
-</file>
-
-<file path=ppt/slides/slide2.xml><?xml version="1.0" encoding="utf-8"?>
-<p:sld xmlns:a="http://schemas.openxmlformats.org/drawingml/2006/main" xmlns:r="http://schemas.openxmlformats.org/officeDocument/2006/relationships" xmlns:p="http://schemas.openxmlformats.org/presentationml/2006/main">
-  <p:cSld>
-    <p:bg>
-      <p:bgPr>
-        <a:solidFill>
-          <a:schemeClr val="bg1"/>
-        </a:solidFill>
-        <a:effectLst/>
-      </p:bgPr>
-    </p:bg>
-    <p:spTree>
-      <p:nvGrpSpPr>
-        <p:cNvPr id="1" name=""/>
-        <p:cNvGrpSpPr/>
-        <p:nvPr/>
-      </p:nvGrpSpPr>
-      <p:grpSpPr>
-        <a:xfrm>
-          <a:off x="0" y="0"/>
-          <a:ext cx="0" cy="0"/>
-          <a:chOff x="0" y="0"/>
-          <a:chExt cx="0" cy="0"/>
-        </a:xfrm>
-      </p:grpSpPr>
+            <a:endParaRPr lang="en-AU"/>
+          </a:p>
+        </p:txBody>
+      </p:sp>
       <p:sp useBgFill="1">
         <p:nvSpPr>
-          <p:cNvPr id="13" name="Rectangle 12">
-            <a:extLst>
-              <a:ext uri="{FF2B5EF4-FFF2-40B4-BE49-F238E27FC236}">
-                <a16:creationId xmlns:a16="http://schemas.microsoft.com/office/drawing/2014/main" id="{04812C46-200A-4DEB-A05E-3ED6C68C2387}"/>
+          <p:cNvPr id="8" name="Rectangle 7">
+            <a:extLst>
+              <a:ext uri="{FF2B5EF4-FFF2-40B4-BE49-F238E27FC236}">
+                <a16:creationId xmlns:a16="http://schemas.microsoft.com/office/drawing/2014/main" id="{A7384E35-3350-E775-D54C-196E5E557B05}"/>
               </a:ext>
               <a:ext uri="{C183D7F6-B498-43B3-948B-1728B52AA6E4}">
                 <adec:decorative xmlns:adec="http://schemas.microsoft.com/office/drawing/2017/decorative" val="1"/>
               </a:ext>
             </a:extLst>
           </p:cNvPr>
-          <p:cNvSpPr>
-            <a:spLocks noGrp="1" noRot="1" noChangeAspect="1" noMove="1" noResize="1" noEditPoints="1" noAdjustHandles="1" noChangeArrowheads="1" noChangeShapeType="1" noTextEdit="1"/>
-          </p:cNvSpPr>
+          <p:cNvSpPr/>
           <p:nvPr>
             <p:extLst>
               <p:ext uri="{386F3935-93C4-4BCD-93E2-E3B085C9AB24}">
@@ -6707,19 +4307,17 @@
       </p:sp>
       <p:pic>
         <p:nvPicPr>
-          <p:cNvPr id="8" name="Content Placeholder 7">
-            <a:extLst>
-              <a:ext uri="{FF2B5EF4-FFF2-40B4-BE49-F238E27FC236}">
-                <a16:creationId xmlns:a16="http://schemas.microsoft.com/office/drawing/2014/main" id="{7C125055-2520-F51B-B3B9-45BDBCD01110}"/>
+          <p:cNvPr id="9" name="Content Placeholder 7">
+            <a:extLst>
+              <a:ext uri="{FF2B5EF4-FFF2-40B4-BE49-F238E27FC236}">
+                <a16:creationId xmlns:a16="http://schemas.microsoft.com/office/drawing/2014/main" id="{59E150E3-5AB3-F964-440A-F66585354AAA}"/>
               </a:ext>
             </a:extLst>
           </p:cNvPr>
           <p:cNvPicPr>
-            <a:picLocks noGrp="1" noChangeAspect="1"/>
+            <a:picLocks/>
           </p:cNvPicPr>
-          <p:nvPr>
-            <p:ph idx="1"/>
-          </p:nvPr>
+          <p:nvPr/>
         </p:nvPicPr>
         <p:blipFill>
           <a:blip r:embed="rId2"/>
@@ -6740,19 +4338,17 @@
       </p:pic>
       <p:sp>
         <p:nvSpPr>
-          <p:cNvPr id="15" name="Rectangle 14">
-            <a:extLst>
-              <a:ext uri="{FF2B5EF4-FFF2-40B4-BE49-F238E27FC236}">
-                <a16:creationId xmlns:a16="http://schemas.microsoft.com/office/drawing/2014/main" id="{D1EA859B-E555-4109-94F3-6700E046E008}"/>
+          <p:cNvPr id="10" name="Rectangle 9">
+            <a:extLst>
+              <a:ext uri="{FF2B5EF4-FFF2-40B4-BE49-F238E27FC236}">
+                <a16:creationId xmlns:a16="http://schemas.microsoft.com/office/drawing/2014/main" id="{9E06C29B-C825-E71B-693A-503E0BB1E5BD}"/>
               </a:ext>
               <a:ext uri="{C183D7F6-B498-43B3-948B-1728B52AA6E4}">
                 <adec:decorative xmlns:adec="http://schemas.microsoft.com/office/drawing/2017/decorative" val="1"/>
               </a:ext>
             </a:extLst>
           </p:cNvPr>
-          <p:cNvSpPr>
-            <a:spLocks noGrp="1" noRot="1" noChangeAspect="1" noMove="1" noResize="1" noEditPoints="1" noAdjustHandles="1" noChangeArrowheads="1" noChangeShapeType="1" noTextEdit="1"/>
-          </p:cNvSpPr>
+          <p:cNvSpPr/>
           <p:nvPr>
             <p:extLst>
               <p:ext uri="{386F3935-93C4-4BCD-93E2-E3B085C9AB24}">
@@ -6826,6 +4422,2750 @@
       </p:sp>
       <p:sp>
         <p:nvSpPr>
+          <p:cNvPr id="11" name="Title 1">
+            <a:extLst>
+              <a:ext uri="{FF2B5EF4-FFF2-40B4-BE49-F238E27FC236}">
+                <a16:creationId xmlns:a16="http://schemas.microsoft.com/office/drawing/2014/main" id="{0334BC93-825A-52D9-8391-99C98C0B5255}"/>
+              </a:ext>
+            </a:extLst>
+          </p:cNvPr>
+          <p:cNvSpPr txBox="1">
+            <a:spLocks/>
+          </p:cNvSpPr>
+          <p:nvPr/>
+        </p:nvSpPr>
+        <p:spPr>
+          <a:xfrm>
+            <a:off x="1524000" y="1122363"/>
+            <a:ext cx="9144000" cy="2387600"/>
+          </a:xfrm>
+          <a:prstGeom prst="rect">
+            <a:avLst/>
+          </a:prstGeom>
+        </p:spPr>
+        <p:txBody>
+          <a:bodyPr vert="horz" lIns="91440" tIns="45720" rIns="91440" bIns="45720" rtlCol="0" anchor="b">
+            <a:normAutofit/>
+          </a:bodyPr>
+          <a:lstStyle>
+            <a:lvl1pPr algn="l" defTabSz="914400" rtl="0" eaLnBrk="1" latinLnBrk="0" hangingPunct="1">
+              <a:lnSpc>
+                <a:spcPct val="90000"/>
+              </a:lnSpc>
+              <a:spcBef>
+                <a:spcPct val="0"/>
+              </a:spcBef>
+              <a:buNone/>
+              <a:defRPr sz="3200" kern="1200">
+                <a:solidFill>
+                  <a:schemeClr val="tx1"/>
+                </a:solidFill>
+                <a:latin typeface="+mj-lt"/>
+                <a:ea typeface="+mj-ea"/>
+                <a:cs typeface="+mj-cs"/>
+              </a:defRPr>
+            </a:lvl1pPr>
+          </a:lstStyle>
+          <a:p>
+            <a:r>
+              <a:rPr lang="en-AU" sz="6000" b="1" dirty="0">
+                <a:solidFill>
+                  <a:srgbClr val="C00000"/>
+                </a:solidFill>
+              </a:rPr>
+              <a:t>Pi Pico OOP Mini Project</a:t>
+            </a:r>
+          </a:p>
+        </p:txBody>
+      </p:sp>
+      <p:sp>
+        <p:nvSpPr>
+          <p:cNvPr id="12" name="Subtitle 2">
+            <a:extLst>
+              <a:ext uri="{FF2B5EF4-FFF2-40B4-BE49-F238E27FC236}">
+                <a16:creationId xmlns:a16="http://schemas.microsoft.com/office/drawing/2014/main" id="{8BE294C9-D70C-91BC-7392-98B70923B201}"/>
+              </a:ext>
+            </a:extLst>
+          </p:cNvPr>
+          <p:cNvSpPr txBox="1">
+            <a:spLocks/>
+          </p:cNvSpPr>
+          <p:nvPr/>
+        </p:nvSpPr>
+        <p:spPr>
+          <a:xfrm>
+            <a:off x="1524000" y="3602038"/>
+            <a:ext cx="9144000" cy="1655762"/>
+          </a:xfrm>
+          <a:prstGeom prst="rect">
+            <a:avLst/>
+          </a:prstGeom>
+        </p:spPr>
+        <p:txBody>
+          <a:bodyPr vert="horz" lIns="91440" tIns="45720" rIns="91440" bIns="45720" rtlCol="0">
+            <a:normAutofit lnSpcReduction="10000"/>
+          </a:bodyPr>
+          <a:lstStyle>
+            <a:lvl1pPr marL="228600" indent="-228600" algn="l" defTabSz="914400" rtl="0" eaLnBrk="1" latinLnBrk="0" hangingPunct="1">
+              <a:lnSpc>
+                <a:spcPct val="90000"/>
+              </a:lnSpc>
+              <a:spcBef>
+                <a:spcPts val="1000"/>
+              </a:spcBef>
+              <a:buFont typeface="Arial" panose="020B0604020202020204" pitchFamily="34" charset="0"/>
+              <a:buChar char="•"/>
+              <a:defRPr sz="3200" kern="1200">
+                <a:solidFill>
+                  <a:schemeClr val="tx1"/>
+                </a:solidFill>
+                <a:latin typeface="+mn-lt"/>
+                <a:ea typeface="+mn-ea"/>
+                <a:cs typeface="+mn-cs"/>
+              </a:defRPr>
+            </a:lvl1pPr>
+            <a:lvl2pPr marL="685800" indent="-228600" algn="l" defTabSz="914400" rtl="0" eaLnBrk="1" latinLnBrk="0" hangingPunct="1">
+              <a:lnSpc>
+                <a:spcPct val="90000"/>
+              </a:lnSpc>
+              <a:spcBef>
+                <a:spcPts val="500"/>
+              </a:spcBef>
+              <a:buFont typeface="Arial" panose="020B0604020202020204" pitchFamily="34" charset="0"/>
+              <a:buChar char="•"/>
+              <a:defRPr sz="2800" kern="1200">
+                <a:solidFill>
+                  <a:schemeClr val="tx1"/>
+                </a:solidFill>
+                <a:latin typeface="+mn-lt"/>
+                <a:ea typeface="+mn-ea"/>
+                <a:cs typeface="+mn-cs"/>
+              </a:defRPr>
+            </a:lvl2pPr>
+            <a:lvl3pPr marL="1143000" indent="-228600" algn="l" defTabSz="914400" rtl="0" eaLnBrk="1" latinLnBrk="0" hangingPunct="1">
+              <a:lnSpc>
+                <a:spcPct val="90000"/>
+              </a:lnSpc>
+              <a:spcBef>
+                <a:spcPts val="500"/>
+              </a:spcBef>
+              <a:buFont typeface="Arial" panose="020B0604020202020204" pitchFamily="34" charset="0"/>
+              <a:buChar char="•"/>
+              <a:defRPr sz="2400" kern="1200">
+                <a:solidFill>
+                  <a:schemeClr val="tx1"/>
+                </a:solidFill>
+                <a:latin typeface="+mn-lt"/>
+                <a:ea typeface="+mn-ea"/>
+                <a:cs typeface="+mn-cs"/>
+              </a:defRPr>
+            </a:lvl3pPr>
+            <a:lvl4pPr marL="1600200" indent="-228600" algn="l" defTabSz="914400" rtl="0" eaLnBrk="1" latinLnBrk="0" hangingPunct="1">
+              <a:lnSpc>
+                <a:spcPct val="90000"/>
+              </a:lnSpc>
+              <a:spcBef>
+                <a:spcPts val="500"/>
+              </a:spcBef>
+              <a:buFont typeface="Arial" panose="020B0604020202020204" pitchFamily="34" charset="0"/>
+              <a:buChar char="•"/>
+              <a:defRPr sz="2000" kern="1200">
+                <a:solidFill>
+                  <a:schemeClr val="tx1"/>
+                </a:solidFill>
+                <a:latin typeface="+mn-lt"/>
+                <a:ea typeface="+mn-ea"/>
+                <a:cs typeface="+mn-cs"/>
+              </a:defRPr>
+            </a:lvl4pPr>
+            <a:lvl5pPr marL="2057400" indent="-228600" algn="l" defTabSz="914400" rtl="0" eaLnBrk="1" latinLnBrk="0" hangingPunct="1">
+              <a:lnSpc>
+                <a:spcPct val="90000"/>
+              </a:lnSpc>
+              <a:spcBef>
+                <a:spcPts val="500"/>
+              </a:spcBef>
+              <a:buFont typeface="Arial" panose="020B0604020202020204" pitchFamily="34" charset="0"/>
+              <a:buChar char="•"/>
+              <a:defRPr sz="2000" kern="1200">
+                <a:solidFill>
+                  <a:schemeClr val="tx1"/>
+                </a:solidFill>
+                <a:latin typeface="+mn-lt"/>
+                <a:ea typeface="+mn-ea"/>
+                <a:cs typeface="+mn-cs"/>
+              </a:defRPr>
+            </a:lvl5pPr>
+            <a:lvl6pPr marL="2514600" indent="-228600" algn="l" defTabSz="914400" rtl="0" eaLnBrk="1" latinLnBrk="0" hangingPunct="1">
+              <a:lnSpc>
+                <a:spcPct val="90000"/>
+              </a:lnSpc>
+              <a:spcBef>
+                <a:spcPts val="500"/>
+              </a:spcBef>
+              <a:buFont typeface="Arial" panose="020B0604020202020204" pitchFamily="34" charset="0"/>
+              <a:buChar char="•"/>
+              <a:defRPr sz="2000" kern="1200">
+                <a:solidFill>
+                  <a:schemeClr val="tx1"/>
+                </a:solidFill>
+                <a:latin typeface="+mn-lt"/>
+                <a:ea typeface="+mn-ea"/>
+                <a:cs typeface="+mn-cs"/>
+              </a:defRPr>
+            </a:lvl6pPr>
+            <a:lvl7pPr marL="2971800" indent="-228600" algn="l" defTabSz="914400" rtl="0" eaLnBrk="1" latinLnBrk="0" hangingPunct="1">
+              <a:lnSpc>
+                <a:spcPct val="90000"/>
+              </a:lnSpc>
+              <a:spcBef>
+                <a:spcPts val="500"/>
+              </a:spcBef>
+              <a:buFont typeface="Arial" panose="020B0604020202020204" pitchFamily="34" charset="0"/>
+              <a:buChar char="•"/>
+              <a:defRPr sz="2000" kern="1200">
+                <a:solidFill>
+                  <a:schemeClr val="tx1"/>
+                </a:solidFill>
+                <a:latin typeface="+mn-lt"/>
+                <a:ea typeface="+mn-ea"/>
+                <a:cs typeface="+mn-cs"/>
+              </a:defRPr>
+            </a:lvl7pPr>
+            <a:lvl8pPr marL="3429000" indent="-228600" algn="l" defTabSz="914400" rtl="0" eaLnBrk="1" latinLnBrk="0" hangingPunct="1">
+              <a:lnSpc>
+                <a:spcPct val="90000"/>
+              </a:lnSpc>
+              <a:spcBef>
+                <a:spcPts val="500"/>
+              </a:spcBef>
+              <a:buFont typeface="Arial" panose="020B0604020202020204" pitchFamily="34" charset="0"/>
+              <a:buChar char="•"/>
+              <a:defRPr sz="2000" kern="1200">
+                <a:solidFill>
+                  <a:schemeClr val="tx1"/>
+                </a:solidFill>
+                <a:latin typeface="+mn-lt"/>
+                <a:ea typeface="+mn-ea"/>
+                <a:cs typeface="+mn-cs"/>
+              </a:defRPr>
+            </a:lvl8pPr>
+            <a:lvl9pPr marL="3886200" indent="-228600" algn="l" defTabSz="914400" rtl="0" eaLnBrk="1" latinLnBrk="0" hangingPunct="1">
+              <a:lnSpc>
+                <a:spcPct val="90000"/>
+              </a:lnSpc>
+              <a:spcBef>
+                <a:spcPts val="500"/>
+              </a:spcBef>
+              <a:buFont typeface="Arial" panose="020B0604020202020204" pitchFamily="34" charset="0"/>
+              <a:buChar char="•"/>
+              <a:defRPr sz="2000" kern="1200">
+                <a:solidFill>
+                  <a:schemeClr val="tx1"/>
+                </a:solidFill>
+                <a:latin typeface="+mn-lt"/>
+                <a:ea typeface="+mn-ea"/>
+                <a:cs typeface="+mn-cs"/>
+              </a:defRPr>
+            </a:lvl9pPr>
+          </a:lstStyle>
+          <a:p>
+            <a:r>
+              <a:rPr lang="en-AU" b="1" dirty="0"/>
+              <a:t>Ben Jones</a:t>
+            </a:r>
+          </a:p>
+          <a:p>
+            <a:r>
+              <a:rPr lang="en-AU" b="1" dirty="0"/>
+              <a:t>Tempe High School</a:t>
+            </a:r>
+          </a:p>
+          <a:p>
+            <a:r>
+              <a:rPr lang="en-AU" b="1"/>
+              <a:t>Lecture 7</a:t>
+            </a:r>
+            <a:endParaRPr lang="en-AU" b="1" dirty="0"/>
+          </a:p>
+        </p:txBody>
+      </p:sp>
+      <p:pic>
+        <p:nvPicPr>
+          <p:cNvPr id="13" name="Picture 12" descr="A red and black logo&#10;&#10;AI-generated content may be incorrect.">
+            <a:extLst>
+              <a:ext uri="{FF2B5EF4-FFF2-40B4-BE49-F238E27FC236}">
+                <a16:creationId xmlns:a16="http://schemas.microsoft.com/office/drawing/2014/main" id="{93191C5E-8B7A-5EE6-50B0-A6F6981F521F}"/>
+              </a:ext>
+            </a:extLst>
+          </p:cNvPr>
+          <p:cNvPicPr>
+            <a:picLocks noChangeAspect="1"/>
+          </p:cNvPicPr>
+          <p:nvPr/>
+        </p:nvPicPr>
+        <p:blipFill>
+          <a:blip r:embed="rId3">
+            <a:extLst>
+              <a:ext uri="{28A0092B-C50C-407E-A947-70E740481C1C}">
+                <a14:useLocalDpi xmlns:a14="http://schemas.microsoft.com/office/drawing/2010/main" val="0"/>
+              </a:ext>
+            </a:extLst>
+          </a:blip>
+          <a:stretch>
+            <a:fillRect/>
+          </a:stretch>
+        </p:blipFill>
+        <p:spPr>
+          <a:xfrm>
+            <a:off x="9995723" y="0"/>
+            <a:ext cx="2196277" cy="2387600"/>
+          </a:xfrm>
+          <a:prstGeom prst="rect">
+            <a:avLst/>
+          </a:prstGeom>
+        </p:spPr>
+      </p:pic>
+    </p:spTree>
+    <p:extLst>
+      <p:ext uri="{BB962C8B-B14F-4D97-AF65-F5344CB8AC3E}">
+        <p14:creationId xmlns:p14="http://schemas.microsoft.com/office/powerpoint/2010/main" val="4046351447"/>
+      </p:ext>
+    </p:extLst>
+  </p:cSld>
+  <p:clrMapOvr>
+    <a:masterClrMapping/>
+  </p:clrMapOvr>
+</p:sld>
+</file>
+
+<file path=ppt/slides/slide10.xml><?xml version="1.0" encoding="utf-8"?>
+<p:sld xmlns:a="http://schemas.openxmlformats.org/drawingml/2006/main" xmlns:r="http://schemas.openxmlformats.org/officeDocument/2006/relationships" xmlns:p="http://schemas.openxmlformats.org/presentationml/2006/main">
+  <p:cSld>
+    <p:spTree>
+      <p:nvGrpSpPr>
+        <p:cNvPr id="1" name="">
+          <a:extLst>
+            <a:ext uri="{FF2B5EF4-FFF2-40B4-BE49-F238E27FC236}">
+              <a16:creationId xmlns:a16="http://schemas.microsoft.com/office/drawing/2014/main" id="{5FF062C8-2134-9D3E-798E-07161E8D442C}"/>
+            </a:ext>
+          </a:extLst>
+        </p:cNvPr>
+        <p:cNvGrpSpPr/>
+        <p:nvPr/>
+      </p:nvGrpSpPr>
+      <p:grpSpPr>
+        <a:xfrm>
+          <a:off x="0" y="0"/>
+          <a:ext cx="0" cy="0"/>
+          <a:chOff x="0" y="0"/>
+          <a:chExt cx="0" cy="0"/>
+        </a:xfrm>
+      </p:grpSpPr>
+      <p:sp>
+        <p:nvSpPr>
+          <p:cNvPr id="2" name="Title 1">
+            <a:extLst>
+              <a:ext uri="{FF2B5EF4-FFF2-40B4-BE49-F238E27FC236}">
+                <a16:creationId xmlns:a16="http://schemas.microsoft.com/office/drawing/2014/main" id="{59C91038-6773-7B41-EF5A-366C8E9B45D0}"/>
+              </a:ext>
+            </a:extLst>
+          </p:cNvPr>
+          <p:cNvSpPr>
+            <a:spLocks noGrp="1"/>
+          </p:cNvSpPr>
+          <p:nvPr>
+            <p:ph type="title"/>
+          </p:nvPr>
+        </p:nvSpPr>
+        <p:spPr/>
+        <p:txBody>
+          <a:bodyPr/>
+          <a:lstStyle/>
+          <a:p>
+            <a:r>
+              <a:rPr lang="en-AU" dirty="0"/>
+              <a:t>State Machine , (</a:t>
+            </a:r>
+            <a:r>
+              <a:rPr lang="en-AU" dirty="0" err="1"/>
+              <a:t>cont</a:t>
+            </a:r>
+            <a:r>
+              <a:rPr lang="en-AU" dirty="0"/>
+              <a:t>)</a:t>
+            </a:r>
+          </a:p>
+        </p:txBody>
+      </p:sp>
+      <p:sp>
+        <p:nvSpPr>
+          <p:cNvPr id="3" name="Content Placeholder 2">
+            <a:extLst>
+              <a:ext uri="{FF2B5EF4-FFF2-40B4-BE49-F238E27FC236}">
+                <a16:creationId xmlns:a16="http://schemas.microsoft.com/office/drawing/2014/main" id="{7BD7914A-7779-1ED2-75EC-D85C0A40581C}"/>
+              </a:ext>
+            </a:extLst>
+          </p:cNvPr>
+          <p:cNvSpPr>
+            <a:spLocks noGrp="1"/>
+          </p:cNvSpPr>
+          <p:nvPr>
+            <p:ph idx="1"/>
+          </p:nvPr>
+        </p:nvSpPr>
+        <p:spPr/>
+        <p:txBody>
+          <a:bodyPr>
+            <a:normAutofit/>
+          </a:bodyPr>
+          <a:lstStyle/>
+          <a:p>
+            <a:pPr marL="0" indent="0">
+              <a:lnSpc>
+                <a:spcPct val="100000"/>
+              </a:lnSpc>
+              <a:spcBef>
+                <a:spcPts val="0"/>
+              </a:spcBef>
+              <a:buNone/>
+            </a:pPr>
+            <a:r>
+              <a:rPr lang="en-AU" sz="2200" dirty="0">
+                <a:latin typeface="Consolas" panose="020B0609020204030204" pitchFamily="49" charset="0"/>
+              </a:rPr>
+              <a:t>def update(self):</a:t>
+            </a:r>
+          </a:p>
+          <a:p>
+            <a:pPr marL="457200" lvl="1" indent="0">
+              <a:lnSpc>
+                <a:spcPct val="100000"/>
+              </a:lnSpc>
+              <a:spcBef>
+                <a:spcPts val="0"/>
+              </a:spcBef>
+              <a:buNone/>
+            </a:pPr>
+            <a:r>
+              <a:rPr lang="en-AU" sz="2200" dirty="0">
+                <a:latin typeface="Consolas" panose="020B0609020204030204" pitchFamily="49" charset="0"/>
+              </a:rPr>
+              <a:t>…</a:t>
+            </a:r>
+          </a:p>
+          <a:p>
+            <a:pPr marL="457200" lvl="1" indent="0">
+              <a:lnSpc>
+                <a:spcPct val="100000"/>
+              </a:lnSpc>
+              <a:spcBef>
+                <a:spcPts val="0"/>
+              </a:spcBef>
+              <a:buNone/>
+            </a:pPr>
+            <a:r>
+              <a:rPr lang="en-AU" sz="2200" dirty="0" err="1">
+                <a:latin typeface="Consolas" panose="020B0609020204030204" pitchFamily="49" charset="0"/>
+              </a:rPr>
+              <a:t>elif</a:t>
+            </a:r>
+            <a:r>
+              <a:rPr lang="en-AU" sz="2200" dirty="0">
+                <a:latin typeface="Consolas" panose="020B0609020204030204" pitchFamily="49" charset="0"/>
+              </a:rPr>
+              <a:t> </a:t>
+            </a:r>
+            <a:r>
+              <a:rPr lang="en-AU" sz="2200" dirty="0" err="1">
+                <a:latin typeface="Consolas" panose="020B0609020204030204" pitchFamily="49" charset="0"/>
+              </a:rPr>
+              <a:t>self.state</a:t>
+            </a:r>
+            <a:r>
+              <a:rPr lang="en-AU" sz="2200" dirty="0">
+                <a:latin typeface="Consolas" panose="020B0609020204030204" pitchFamily="49" charset="0"/>
+              </a:rPr>
+              <a:t> == "WALK":</a:t>
+            </a:r>
+          </a:p>
+          <a:p>
+            <a:pPr marL="457200" lvl="1" indent="0">
+              <a:lnSpc>
+                <a:spcPct val="100000"/>
+              </a:lnSpc>
+              <a:spcBef>
+                <a:spcPts val="0"/>
+              </a:spcBef>
+              <a:buNone/>
+            </a:pPr>
+            <a:r>
+              <a:rPr lang="en-AU" sz="2200" dirty="0">
+                <a:latin typeface="Consolas" panose="020B0609020204030204" pitchFamily="49" charset="0"/>
+              </a:rPr>
+              <a:t># Walk signal for 5 seconds</a:t>
+            </a:r>
+          </a:p>
+          <a:p>
+            <a:pPr marL="914400" lvl="2" indent="0">
+              <a:lnSpc>
+                <a:spcPct val="100000"/>
+              </a:lnSpc>
+              <a:spcBef>
+                <a:spcPts val="0"/>
+              </a:spcBef>
+              <a:buNone/>
+            </a:pPr>
+            <a:r>
+              <a:rPr lang="en-AU" sz="2200" dirty="0" err="1">
+                <a:latin typeface="Consolas" panose="020B0609020204030204" pitchFamily="49" charset="0"/>
+              </a:rPr>
+              <a:t>self.walk</a:t>
+            </a:r>
+            <a:r>
+              <a:rPr lang="en-AU" sz="2200" dirty="0">
+                <a:latin typeface="Consolas" panose="020B0609020204030204" pitchFamily="49" charset="0"/>
+              </a:rPr>
+              <a:t>()</a:t>
+            </a:r>
+          </a:p>
+          <a:p>
+            <a:pPr marL="914400" lvl="2" indent="0">
+              <a:lnSpc>
+                <a:spcPct val="100000"/>
+              </a:lnSpc>
+              <a:spcBef>
+                <a:spcPts val="0"/>
+              </a:spcBef>
+              <a:buNone/>
+            </a:pPr>
+            <a:r>
+              <a:rPr lang="en-AU" sz="2200" dirty="0">
+                <a:latin typeface="Consolas" panose="020B0609020204030204" pitchFamily="49" charset="0"/>
+              </a:rPr>
+              <a:t>if time() - </a:t>
+            </a:r>
+            <a:r>
+              <a:rPr lang="en-AU" sz="2200" dirty="0" err="1">
+                <a:latin typeface="Consolas" panose="020B0609020204030204" pitchFamily="49" charset="0"/>
+              </a:rPr>
+              <a:t>self.last_state_change</a:t>
+            </a:r>
+            <a:r>
+              <a:rPr lang="en-AU" sz="2200" dirty="0">
+                <a:latin typeface="Consolas" panose="020B0609020204030204" pitchFamily="49" charset="0"/>
+              </a:rPr>
+              <a:t> &gt; 5:</a:t>
+            </a:r>
+          </a:p>
+          <a:p>
+            <a:pPr marL="1371600" lvl="3" indent="0">
+              <a:lnSpc>
+                <a:spcPct val="100000"/>
+              </a:lnSpc>
+              <a:spcBef>
+                <a:spcPts val="0"/>
+              </a:spcBef>
+              <a:buNone/>
+            </a:pPr>
+            <a:r>
+              <a:rPr lang="en-AU" sz="2200" dirty="0">
+                <a:latin typeface="Consolas" panose="020B0609020204030204" pitchFamily="49" charset="0"/>
+              </a:rPr>
+              <a:t>if </a:t>
+            </a:r>
+            <a:r>
+              <a:rPr lang="en-AU" sz="2200" dirty="0" err="1">
+                <a:latin typeface="Consolas" panose="020B0609020204030204" pitchFamily="49" charset="0"/>
+              </a:rPr>
+              <a:t>self.__debug</a:t>
+            </a:r>
+            <a:r>
+              <a:rPr lang="en-AU" sz="2200" dirty="0">
+                <a:latin typeface="Consolas" panose="020B0609020204030204" pitchFamily="49" charset="0"/>
+              </a:rPr>
+              <a:t>:</a:t>
+            </a:r>
+          </a:p>
+          <a:p>
+            <a:pPr marL="1371600" lvl="3" indent="0">
+              <a:lnSpc>
+                <a:spcPct val="100000"/>
+              </a:lnSpc>
+              <a:spcBef>
+                <a:spcPts val="0"/>
+              </a:spcBef>
+              <a:buNone/>
+            </a:pPr>
+            <a:r>
+              <a:rPr lang="en-AU" sz="2200" dirty="0">
+                <a:latin typeface="Consolas" panose="020B0609020204030204" pitchFamily="49" charset="0"/>
+              </a:rPr>
+              <a:t>print("Switching to WALK WARNING")</a:t>
+            </a:r>
+          </a:p>
+          <a:p>
+            <a:pPr marL="1371600" lvl="3" indent="0">
+              <a:lnSpc>
+                <a:spcPct val="100000"/>
+              </a:lnSpc>
+              <a:spcBef>
+                <a:spcPts val="0"/>
+              </a:spcBef>
+              <a:buNone/>
+            </a:pPr>
+            <a:r>
+              <a:rPr lang="en-AU" sz="2200" dirty="0" err="1">
+                <a:latin typeface="Consolas" panose="020B0609020204030204" pitchFamily="49" charset="0"/>
+              </a:rPr>
+              <a:t>self.state</a:t>
+            </a:r>
+            <a:r>
+              <a:rPr lang="en-AU" sz="2200" dirty="0">
+                <a:latin typeface="Consolas" panose="020B0609020204030204" pitchFamily="49" charset="0"/>
+              </a:rPr>
+              <a:t> = "WALK_WARNING"</a:t>
+            </a:r>
+          </a:p>
+          <a:p>
+            <a:pPr marL="1371600" lvl="3" indent="0">
+              <a:lnSpc>
+                <a:spcPct val="100000"/>
+              </a:lnSpc>
+              <a:spcBef>
+                <a:spcPts val="0"/>
+              </a:spcBef>
+              <a:buNone/>
+            </a:pPr>
+            <a:r>
+              <a:rPr lang="en-AU" sz="2200" dirty="0" err="1">
+                <a:latin typeface="Consolas" panose="020B0609020204030204" pitchFamily="49" charset="0"/>
+              </a:rPr>
+              <a:t>self.last_state_change</a:t>
+            </a:r>
+            <a:r>
+              <a:rPr lang="en-AU" sz="2200" dirty="0">
+                <a:latin typeface="Consolas" panose="020B0609020204030204" pitchFamily="49" charset="0"/>
+              </a:rPr>
+              <a:t> = time()</a:t>
+            </a:r>
+          </a:p>
+          <a:p>
+            <a:pPr marL="1371600" lvl="3" indent="0">
+              <a:lnSpc>
+                <a:spcPct val="100000"/>
+              </a:lnSpc>
+              <a:spcBef>
+                <a:spcPts val="0"/>
+              </a:spcBef>
+              <a:buNone/>
+            </a:pPr>
+            <a:r>
+              <a:rPr lang="en-AU" sz="2200" dirty="0" err="1">
+                <a:latin typeface="Consolas" panose="020B0609020204030204" pitchFamily="49" charset="0"/>
+              </a:rPr>
+              <a:t>self.walk_warning</a:t>
+            </a:r>
+            <a:r>
+              <a:rPr lang="en-AU" sz="2200" dirty="0">
+                <a:latin typeface="Consolas" panose="020B0609020204030204" pitchFamily="49" charset="0"/>
+              </a:rPr>
+              <a:t>()</a:t>
+            </a:r>
+          </a:p>
+          <a:p>
+            <a:pPr marL="0" indent="0">
+              <a:buNone/>
+            </a:pPr>
+            <a:endParaRPr lang="en-AU" dirty="0"/>
+          </a:p>
+        </p:txBody>
+      </p:sp>
+      <p:pic>
+        <p:nvPicPr>
+          <p:cNvPr id="4" name="Picture 2" descr="388,500+ Pause Symbol Stock Photos, Pictures &amp; Royalty-Free ...">
+            <a:extLst>
+              <a:ext uri="{FF2B5EF4-FFF2-40B4-BE49-F238E27FC236}">
+                <a16:creationId xmlns:a16="http://schemas.microsoft.com/office/drawing/2014/main" id="{C1E9AE87-D853-8BC6-7A76-886F2D396608}"/>
+              </a:ext>
+            </a:extLst>
+          </p:cNvPr>
+          <p:cNvPicPr>
+            <a:picLocks noChangeAspect="1" noChangeArrowheads="1"/>
+          </p:cNvPicPr>
+          <p:nvPr/>
+        </p:nvPicPr>
+        <p:blipFill>
+          <a:blip r:embed="rId2">
+            <a:extLst>
+              <a:ext uri="{BEBA8EAE-BF5A-486C-A8C5-ECC9F3942E4B}">
+                <a14:imgProps xmlns:a14="http://schemas.microsoft.com/office/drawing/2010/main">
+                  <a14:imgLayer r:embed="rId3">
+                    <a14:imgEffect>
+                      <a14:backgroundRemoval t="10000" b="90000" l="10000" r="90000">
+                        <a14:foregroundMark x1="42857" y1="51875" x2="42857" y2="51875"/>
+                        <a14:foregroundMark x1="58929" y1="49375" x2="58929" y2="49375"/>
+                      </a14:backgroundRemoval>
+                    </a14:imgEffect>
+                  </a14:imgLayer>
+                </a14:imgProps>
+              </a:ext>
+              <a:ext uri="{28A0092B-C50C-407E-A947-70E740481C1C}">
+                <a14:useLocalDpi xmlns:a14="http://schemas.microsoft.com/office/drawing/2010/main" val="0"/>
+              </a:ext>
+            </a:extLst>
+          </a:blip>
+          <a:srcRect/>
+          <a:stretch>
+            <a:fillRect/>
+          </a:stretch>
+        </p:blipFill>
+        <p:spPr bwMode="auto">
+          <a:xfrm>
+            <a:off x="11218172" y="0"/>
+            <a:ext cx="973828" cy="927455"/>
+          </a:xfrm>
+          <a:prstGeom prst="rect">
+            <a:avLst/>
+          </a:prstGeom>
+          <a:noFill/>
+          <a:extLst>
+            <a:ext uri="{909E8E84-426E-40DD-AFC4-6F175D3DCCD1}">
+              <a14:hiddenFill xmlns:a14="http://schemas.microsoft.com/office/drawing/2010/main">
+                <a:solidFill>
+                  <a:srgbClr val="FFFFFF"/>
+                </a:solidFill>
+              </a14:hiddenFill>
+            </a:ext>
+          </a:extLst>
+        </p:spPr>
+      </p:pic>
+    </p:spTree>
+    <p:extLst>
+      <p:ext uri="{BB962C8B-B14F-4D97-AF65-F5344CB8AC3E}">
+        <p14:creationId xmlns:p14="http://schemas.microsoft.com/office/powerpoint/2010/main" val="3161078323"/>
+      </p:ext>
+    </p:extLst>
+  </p:cSld>
+  <p:clrMapOvr>
+    <a:masterClrMapping/>
+  </p:clrMapOvr>
+  <p:timing>
+    <p:tnLst>
+      <p:par>
+        <p:cTn id="1" dur="indefinite" restart="never" nodeType="tmRoot">
+          <p:childTnLst>
+            <p:seq concurrent="1" nextAc="seek">
+              <p:cTn id="2" dur="indefinite" nodeType="mainSeq">
+                <p:childTnLst>
+                  <p:par>
+                    <p:cTn id="3" fill="hold">
+                      <p:stCondLst>
+                        <p:cond delay="indefinite"/>
+                        <p:cond evt="onBegin" delay="0">
+                          <p:tn val="2"/>
+                        </p:cond>
+                      </p:stCondLst>
+                      <p:childTnLst>
+                        <p:par>
+                          <p:cTn id="4" fill="hold">
+                            <p:stCondLst>
+                              <p:cond delay="0"/>
+                            </p:stCondLst>
+                            <p:childTnLst>
+                              <p:par>
+                                <p:cTn id="5" presetID="26" presetClass="emph" presetSubtype="0" repeatCount="10000" fill="hold" nodeType="withEffect">
+                                  <p:stCondLst>
+                                    <p:cond delay="0"/>
+                                  </p:stCondLst>
+                                  <p:childTnLst>
+                                    <p:animEffect transition="out" filter="fade">
+                                      <p:cBhvr>
+                                        <p:cTn id="6" dur="500" tmFilter="0, 0; .2, .5; .8, .5; 1, 0"/>
+                                        <p:tgtEl>
+                                          <p:spTgt spid="4"/>
+                                        </p:tgtEl>
+                                      </p:cBhvr>
+                                    </p:animEffect>
+                                    <p:animScale>
+                                      <p:cBhvr>
+                                        <p:cTn id="7" dur="250" autoRev="1" fill="hold"/>
+                                        <p:tgtEl>
+                                          <p:spTgt spid="4"/>
+                                        </p:tgtEl>
+                                      </p:cBhvr>
+                                      <p:by x="105000" y="105000"/>
+                                    </p:animScale>
+                                  </p:childTnLst>
+                                </p:cTn>
+                              </p:par>
+                            </p:childTnLst>
+                          </p:cTn>
+                        </p:par>
+                      </p:childTnLst>
+                    </p:cTn>
+                  </p:par>
+                </p:childTnLst>
+              </p:cTn>
+              <p:prevCondLst>
+                <p:cond evt="onPrev" delay="0">
+                  <p:tgtEl>
+                    <p:sldTgt/>
+                  </p:tgtEl>
+                </p:cond>
+              </p:prevCondLst>
+              <p:nextCondLst>
+                <p:cond evt="onNext" delay="0">
+                  <p:tgtEl>
+                    <p:sldTgt/>
+                  </p:tgtEl>
+                </p:cond>
+              </p:nextCondLst>
+            </p:seq>
+          </p:childTnLst>
+        </p:cTn>
+      </p:par>
+    </p:tnLst>
+  </p:timing>
+</p:sld>
+</file>
+
+<file path=ppt/slides/slide11.xml><?xml version="1.0" encoding="utf-8"?>
+<p:sld xmlns:a="http://schemas.openxmlformats.org/drawingml/2006/main" xmlns:r="http://schemas.openxmlformats.org/officeDocument/2006/relationships" xmlns:p="http://schemas.openxmlformats.org/presentationml/2006/main">
+  <p:cSld>
+    <p:spTree>
+      <p:nvGrpSpPr>
+        <p:cNvPr id="1" name="">
+          <a:extLst>
+            <a:ext uri="{FF2B5EF4-FFF2-40B4-BE49-F238E27FC236}">
+              <a16:creationId xmlns:a16="http://schemas.microsoft.com/office/drawing/2014/main" id="{84A77B6A-FD3E-08A0-3BAA-801BEF619EDC}"/>
+            </a:ext>
+          </a:extLst>
+        </p:cNvPr>
+        <p:cNvGrpSpPr/>
+        <p:nvPr/>
+      </p:nvGrpSpPr>
+      <p:grpSpPr>
+        <a:xfrm>
+          <a:off x="0" y="0"/>
+          <a:ext cx="0" cy="0"/>
+          <a:chOff x="0" y="0"/>
+          <a:chExt cx="0" cy="0"/>
+        </a:xfrm>
+      </p:grpSpPr>
+      <p:sp>
+        <p:nvSpPr>
+          <p:cNvPr id="2" name="Title 1">
+            <a:extLst>
+              <a:ext uri="{FF2B5EF4-FFF2-40B4-BE49-F238E27FC236}">
+                <a16:creationId xmlns:a16="http://schemas.microsoft.com/office/drawing/2014/main" id="{988DDE7B-4D28-57B4-5F03-4434E4AD19A4}"/>
+              </a:ext>
+            </a:extLst>
+          </p:cNvPr>
+          <p:cNvSpPr>
+            <a:spLocks noGrp="1"/>
+          </p:cNvSpPr>
+          <p:nvPr>
+            <p:ph type="title"/>
+          </p:nvPr>
+        </p:nvSpPr>
+        <p:spPr/>
+        <p:txBody>
+          <a:bodyPr/>
+          <a:lstStyle/>
+          <a:p>
+            <a:r>
+              <a:rPr lang="en-AU" dirty="0"/>
+              <a:t>State Machine , (</a:t>
+            </a:r>
+            <a:r>
+              <a:rPr lang="en-AU" dirty="0" err="1"/>
+              <a:t>cont</a:t>
+            </a:r>
+            <a:r>
+              <a:rPr lang="en-AU" dirty="0"/>
+              <a:t>)</a:t>
+            </a:r>
+          </a:p>
+        </p:txBody>
+      </p:sp>
+      <p:sp>
+        <p:nvSpPr>
+          <p:cNvPr id="3" name="Content Placeholder 2">
+            <a:extLst>
+              <a:ext uri="{FF2B5EF4-FFF2-40B4-BE49-F238E27FC236}">
+                <a16:creationId xmlns:a16="http://schemas.microsoft.com/office/drawing/2014/main" id="{1D178B02-324F-D823-76E5-AFFB068F606D}"/>
+              </a:ext>
+            </a:extLst>
+          </p:cNvPr>
+          <p:cNvSpPr>
+            <a:spLocks noGrp="1"/>
+          </p:cNvSpPr>
+          <p:nvPr>
+            <p:ph idx="1"/>
+          </p:nvPr>
+        </p:nvSpPr>
+        <p:spPr/>
+        <p:txBody>
+          <a:bodyPr>
+            <a:normAutofit lnSpcReduction="10000"/>
+          </a:bodyPr>
+          <a:lstStyle/>
+          <a:p>
+            <a:pPr marL="0" indent="0">
+              <a:lnSpc>
+                <a:spcPct val="110000"/>
+              </a:lnSpc>
+              <a:spcBef>
+                <a:spcPts val="0"/>
+              </a:spcBef>
+              <a:buNone/>
+            </a:pPr>
+            <a:r>
+              <a:rPr lang="en-AU" sz="2200" dirty="0">
+                <a:latin typeface="Consolas" panose="020B0609020204030204" pitchFamily="49" charset="0"/>
+              </a:rPr>
+              <a:t>def update(self):</a:t>
+            </a:r>
+          </a:p>
+          <a:p>
+            <a:pPr marL="457200" lvl="1" indent="0">
+              <a:lnSpc>
+                <a:spcPct val="110000"/>
+              </a:lnSpc>
+              <a:spcBef>
+                <a:spcPts val="0"/>
+              </a:spcBef>
+              <a:buNone/>
+            </a:pPr>
+            <a:r>
+              <a:rPr lang="en-AU" sz="2200" dirty="0">
+                <a:latin typeface="Consolas" panose="020B0609020204030204" pitchFamily="49" charset="0"/>
+              </a:rPr>
+              <a:t>…</a:t>
+            </a:r>
+          </a:p>
+          <a:p>
+            <a:pPr marL="457200" lvl="1" indent="0">
+              <a:lnSpc>
+                <a:spcPct val="110000"/>
+              </a:lnSpc>
+              <a:spcBef>
+                <a:spcPts val="0"/>
+              </a:spcBef>
+              <a:buNone/>
+            </a:pPr>
+            <a:r>
+              <a:rPr lang="en-AU" sz="2200" dirty="0" err="1">
+                <a:latin typeface="Consolas" panose="020B0609020204030204" pitchFamily="49" charset="0"/>
+              </a:rPr>
+              <a:t>elif</a:t>
+            </a:r>
+            <a:r>
+              <a:rPr lang="en-AU" sz="2200" dirty="0">
+                <a:latin typeface="Consolas" panose="020B0609020204030204" pitchFamily="49" charset="0"/>
+              </a:rPr>
+              <a:t> </a:t>
+            </a:r>
+            <a:r>
+              <a:rPr lang="en-AU" sz="2200" dirty="0" err="1">
+                <a:latin typeface="Consolas" panose="020B0609020204030204" pitchFamily="49" charset="0"/>
+              </a:rPr>
+              <a:t>self.state</a:t>
+            </a:r>
+            <a:r>
+              <a:rPr lang="en-AU" sz="2200" dirty="0">
+                <a:latin typeface="Consolas" panose="020B0609020204030204" pitchFamily="49" charset="0"/>
+              </a:rPr>
+              <a:t> == "WALK_WARNING":</a:t>
+            </a:r>
+          </a:p>
+          <a:p>
+            <a:pPr marL="457200" lvl="1" indent="0">
+              <a:lnSpc>
+                <a:spcPct val="110000"/>
+              </a:lnSpc>
+              <a:spcBef>
+                <a:spcPts val="0"/>
+              </a:spcBef>
+              <a:buNone/>
+            </a:pPr>
+            <a:r>
+              <a:rPr lang="en-AU" sz="2200" dirty="0">
+                <a:latin typeface="Consolas" panose="020B0609020204030204" pitchFamily="49" charset="0"/>
+              </a:rPr>
+              <a:t># Walk signal for 5 seconds</a:t>
+            </a:r>
+          </a:p>
+          <a:p>
+            <a:pPr marL="914400" lvl="2" indent="0">
+              <a:lnSpc>
+                <a:spcPct val="110000"/>
+              </a:lnSpc>
+              <a:spcBef>
+                <a:spcPts val="0"/>
+              </a:spcBef>
+              <a:buNone/>
+            </a:pPr>
+            <a:r>
+              <a:rPr lang="en-AU" sz="2200" dirty="0" err="1">
+                <a:latin typeface="Consolas" panose="020B0609020204030204" pitchFamily="49" charset="0"/>
+              </a:rPr>
+              <a:t>self.walk_warning</a:t>
+            </a:r>
+            <a:r>
+              <a:rPr lang="en-AU" sz="2200" dirty="0">
+                <a:latin typeface="Consolas" panose="020B0609020204030204" pitchFamily="49" charset="0"/>
+              </a:rPr>
+              <a:t>()</a:t>
+            </a:r>
+          </a:p>
+          <a:p>
+            <a:pPr marL="914400" lvl="2" indent="0">
+              <a:lnSpc>
+                <a:spcPct val="110000"/>
+              </a:lnSpc>
+              <a:spcBef>
+                <a:spcPts val="0"/>
+              </a:spcBef>
+              <a:buNone/>
+            </a:pPr>
+            <a:r>
+              <a:rPr lang="en-AU" sz="2200" dirty="0">
+                <a:latin typeface="Consolas" panose="020B0609020204030204" pitchFamily="49" charset="0"/>
+              </a:rPr>
+              <a:t>if time() - </a:t>
+            </a:r>
+            <a:r>
+              <a:rPr lang="en-AU" sz="2200" dirty="0" err="1">
+                <a:latin typeface="Consolas" panose="020B0609020204030204" pitchFamily="49" charset="0"/>
+              </a:rPr>
+              <a:t>self.last_state_change</a:t>
+            </a:r>
+            <a:r>
+              <a:rPr lang="en-AU" sz="2200" dirty="0">
+                <a:latin typeface="Consolas" panose="020B0609020204030204" pitchFamily="49" charset="0"/>
+              </a:rPr>
+              <a:t> &gt; 5:</a:t>
+            </a:r>
+          </a:p>
+          <a:p>
+            <a:pPr marL="1371600" lvl="3" indent="0">
+              <a:lnSpc>
+                <a:spcPct val="110000"/>
+              </a:lnSpc>
+              <a:spcBef>
+                <a:spcPts val="0"/>
+              </a:spcBef>
+              <a:buNone/>
+            </a:pPr>
+            <a:r>
+              <a:rPr lang="en-AU" sz="2200" dirty="0">
+                <a:latin typeface="Consolas" panose="020B0609020204030204" pitchFamily="49" charset="0"/>
+              </a:rPr>
+              <a:t>if </a:t>
+            </a:r>
+            <a:r>
+              <a:rPr lang="en-AU" sz="2200" dirty="0" err="1">
+                <a:latin typeface="Consolas" panose="020B0609020204030204" pitchFamily="49" charset="0"/>
+              </a:rPr>
+              <a:t>self.__debug</a:t>
+            </a:r>
+            <a:r>
+              <a:rPr lang="en-AU" sz="2200" dirty="0">
+                <a:latin typeface="Consolas" panose="020B0609020204030204" pitchFamily="49" charset="0"/>
+              </a:rPr>
+              <a:t>:</a:t>
+            </a:r>
+          </a:p>
+          <a:p>
+            <a:pPr marL="1828800" lvl="4" indent="0">
+              <a:lnSpc>
+                <a:spcPct val="110000"/>
+              </a:lnSpc>
+              <a:spcBef>
+                <a:spcPts val="0"/>
+              </a:spcBef>
+              <a:buNone/>
+            </a:pPr>
+            <a:r>
+              <a:rPr lang="en-AU" sz="2200" dirty="0">
+                <a:latin typeface="Consolas" panose="020B0609020204030204" pitchFamily="49" charset="0"/>
+              </a:rPr>
+              <a:t>print("Returning to IDLE")</a:t>
+            </a:r>
+          </a:p>
+          <a:p>
+            <a:pPr marL="1371600" lvl="3" indent="0">
+              <a:lnSpc>
+                <a:spcPct val="110000"/>
+              </a:lnSpc>
+              <a:spcBef>
+                <a:spcPts val="0"/>
+              </a:spcBef>
+              <a:buNone/>
+            </a:pPr>
+            <a:r>
+              <a:rPr lang="en-AU" sz="2200" dirty="0" err="1">
+                <a:latin typeface="Consolas" panose="020B0609020204030204" pitchFamily="49" charset="0"/>
+              </a:rPr>
+              <a:t>self.state</a:t>
+            </a:r>
+            <a:r>
+              <a:rPr lang="en-AU" sz="2200" dirty="0">
+                <a:latin typeface="Consolas" panose="020B0609020204030204" pitchFamily="49" charset="0"/>
+              </a:rPr>
+              <a:t> = "IDLE"</a:t>
+            </a:r>
+          </a:p>
+          <a:p>
+            <a:pPr marL="1371600" lvl="3" indent="0">
+              <a:lnSpc>
+                <a:spcPct val="110000"/>
+              </a:lnSpc>
+              <a:spcBef>
+                <a:spcPts val="0"/>
+              </a:spcBef>
+              <a:buNone/>
+            </a:pPr>
+            <a:r>
+              <a:rPr lang="en-AU" sz="2200" dirty="0" err="1">
+                <a:latin typeface="Consolas" panose="020B0609020204030204" pitchFamily="49" charset="0"/>
+              </a:rPr>
+              <a:t>self.last_state_change</a:t>
+            </a:r>
+            <a:r>
+              <a:rPr lang="en-AU" sz="2200" dirty="0">
+                <a:latin typeface="Consolas" panose="020B0609020204030204" pitchFamily="49" charset="0"/>
+              </a:rPr>
+              <a:t> = time()</a:t>
+            </a:r>
+          </a:p>
+          <a:p>
+            <a:pPr marL="1371600" lvl="3" indent="0">
+              <a:lnSpc>
+                <a:spcPct val="110000"/>
+              </a:lnSpc>
+              <a:spcBef>
+                <a:spcPts val="0"/>
+              </a:spcBef>
+              <a:buNone/>
+            </a:pPr>
+            <a:r>
+              <a:rPr lang="en-AU" sz="2200" dirty="0" err="1">
+                <a:latin typeface="Consolas" panose="020B0609020204030204" pitchFamily="49" charset="0"/>
+              </a:rPr>
+              <a:t>self.walk_off</a:t>
+            </a:r>
+            <a:r>
+              <a:rPr lang="en-AU" sz="2200" dirty="0">
+                <a:latin typeface="Consolas" panose="020B0609020204030204" pitchFamily="49" charset="0"/>
+              </a:rPr>
+              <a:t>()</a:t>
+            </a:r>
+          </a:p>
+          <a:p>
+            <a:pPr marL="1371600" lvl="3" indent="0">
+              <a:lnSpc>
+                <a:spcPct val="110000"/>
+              </a:lnSpc>
+              <a:spcBef>
+                <a:spcPts val="0"/>
+              </a:spcBef>
+              <a:buNone/>
+            </a:pPr>
+            <a:r>
+              <a:rPr lang="en-AU" sz="2200" dirty="0">
+                <a:latin typeface="Consolas" panose="020B0609020204030204" pitchFamily="49" charset="0"/>
+              </a:rPr>
+              <a:t>self.__</a:t>
+            </a:r>
+            <a:r>
+              <a:rPr lang="en-AU" sz="2200" dirty="0" err="1">
+                <a:latin typeface="Consolas" panose="020B0609020204030204" pitchFamily="49" charset="0"/>
+              </a:rPr>
+              <a:t>Button.button_state</a:t>
+            </a:r>
+            <a:r>
+              <a:rPr lang="en-AU" sz="2200" dirty="0">
+                <a:latin typeface="Consolas" panose="020B0609020204030204" pitchFamily="49" charset="0"/>
+              </a:rPr>
+              <a:t> = False</a:t>
+            </a:r>
+          </a:p>
+          <a:p>
+            <a:pPr marL="0" indent="0">
+              <a:buNone/>
+            </a:pPr>
+            <a:endParaRPr lang="en-AU" dirty="0"/>
+          </a:p>
+        </p:txBody>
+      </p:sp>
+      <p:pic>
+        <p:nvPicPr>
+          <p:cNvPr id="4" name="Picture 2" descr="388,500+ Pause Symbol Stock Photos, Pictures &amp; Royalty-Free ...">
+            <a:extLst>
+              <a:ext uri="{FF2B5EF4-FFF2-40B4-BE49-F238E27FC236}">
+                <a16:creationId xmlns:a16="http://schemas.microsoft.com/office/drawing/2014/main" id="{68FB994D-AF23-E68A-5613-5215232D0BC7}"/>
+              </a:ext>
+            </a:extLst>
+          </p:cNvPr>
+          <p:cNvPicPr>
+            <a:picLocks noChangeAspect="1" noChangeArrowheads="1"/>
+          </p:cNvPicPr>
+          <p:nvPr/>
+        </p:nvPicPr>
+        <p:blipFill>
+          <a:blip r:embed="rId2">
+            <a:extLst>
+              <a:ext uri="{BEBA8EAE-BF5A-486C-A8C5-ECC9F3942E4B}">
+                <a14:imgProps xmlns:a14="http://schemas.microsoft.com/office/drawing/2010/main">
+                  <a14:imgLayer r:embed="rId3">
+                    <a14:imgEffect>
+                      <a14:backgroundRemoval t="10000" b="90000" l="10000" r="90000">
+                        <a14:foregroundMark x1="42857" y1="51875" x2="42857" y2="51875"/>
+                        <a14:foregroundMark x1="58929" y1="49375" x2="58929" y2="49375"/>
+                      </a14:backgroundRemoval>
+                    </a14:imgEffect>
+                  </a14:imgLayer>
+                </a14:imgProps>
+              </a:ext>
+              <a:ext uri="{28A0092B-C50C-407E-A947-70E740481C1C}">
+                <a14:useLocalDpi xmlns:a14="http://schemas.microsoft.com/office/drawing/2010/main" val="0"/>
+              </a:ext>
+            </a:extLst>
+          </a:blip>
+          <a:srcRect/>
+          <a:stretch>
+            <a:fillRect/>
+          </a:stretch>
+        </p:blipFill>
+        <p:spPr bwMode="auto">
+          <a:xfrm>
+            <a:off x="11218172" y="0"/>
+            <a:ext cx="973828" cy="927455"/>
+          </a:xfrm>
+          <a:prstGeom prst="rect">
+            <a:avLst/>
+          </a:prstGeom>
+          <a:noFill/>
+          <a:extLst>
+            <a:ext uri="{909E8E84-426E-40DD-AFC4-6F175D3DCCD1}">
+              <a14:hiddenFill xmlns:a14="http://schemas.microsoft.com/office/drawing/2010/main">
+                <a:solidFill>
+                  <a:srgbClr val="FFFFFF"/>
+                </a:solidFill>
+              </a14:hiddenFill>
+            </a:ext>
+          </a:extLst>
+        </p:spPr>
+      </p:pic>
+    </p:spTree>
+    <p:extLst>
+      <p:ext uri="{BB962C8B-B14F-4D97-AF65-F5344CB8AC3E}">
+        <p14:creationId xmlns:p14="http://schemas.microsoft.com/office/powerpoint/2010/main" val="3108459171"/>
+      </p:ext>
+    </p:extLst>
+  </p:cSld>
+  <p:clrMapOvr>
+    <a:masterClrMapping/>
+  </p:clrMapOvr>
+  <p:timing>
+    <p:tnLst>
+      <p:par>
+        <p:cTn id="1" dur="indefinite" restart="never" nodeType="tmRoot">
+          <p:childTnLst>
+            <p:seq concurrent="1" nextAc="seek">
+              <p:cTn id="2" dur="indefinite" nodeType="mainSeq">
+                <p:childTnLst>
+                  <p:par>
+                    <p:cTn id="3" fill="hold">
+                      <p:stCondLst>
+                        <p:cond delay="indefinite"/>
+                        <p:cond evt="onBegin" delay="0">
+                          <p:tn val="2"/>
+                        </p:cond>
+                      </p:stCondLst>
+                      <p:childTnLst>
+                        <p:par>
+                          <p:cTn id="4" fill="hold">
+                            <p:stCondLst>
+                              <p:cond delay="0"/>
+                            </p:stCondLst>
+                            <p:childTnLst>
+                              <p:par>
+                                <p:cTn id="5" presetID="26" presetClass="emph" presetSubtype="0" repeatCount="10000" fill="hold" nodeType="withEffect">
+                                  <p:stCondLst>
+                                    <p:cond delay="0"/>
+                                  </p:stCondLst>
+                                  <p:childTnLst>
+                                    <p:animEffect transition="out" filter="fade">
+                                      <p:cBhvr>
+                                        <p:cTn id="6" dur="500" tmFilter="0, 0; .2, .5; .8, .5; 1, 0"/>
+                                        <p:tgtEl>
+                                          <p:spTgt spid="4"/>
+                                        </p:tgtEl>
+                                      </p:cBhvr>
+                                    </p:animEffect>
+                                    <p:animScale>
+                                      <p:cBhvr>
+                                        <p:cTn id="7" dur="250" autoRev="1" fill="hold"/>
+                                        <p:tgtEl>
+                                          <p:spTgt spid="4"/>
+                                        </p:tgtEl>
+                                      </p:cBhvr>
+                                      <p:by x="105000" y="105000"/>
+                                    </p:animScale>
+                                  </p:childTnLst>
+                                </p:cTn>
+                              </p:par>
+                            </p:childTnLst>
+                          </p:cTn>
+                        </p:par>
+                      </p:childTnLst>
+                    </p:cTn>
+                  </p:par>
+                </p:childTnLst>
+              </p:cTn>
+              <p:prevCondLst>
+                <p:cond evt="onPrev" delay="0">
+                  <p:tgtEl>
+                    <p:sldTgt/>
+                  </p:tgtEl>
+                </p:cond>
+              </p:prevCondLst>
+              <p:nextCondLst>
+                <p:cond evt="onNext" delay="0">
+                  <p:tgtEl>
+                    <p:sldTgt/>
+                  </p:tgtEl>
+                </p:cond>
+              </p:nextCondLst>
+            </p:seq>
+          </p:childTnLst>
+        </p:cTn>
+      </p:par>
+    </p:tnLst>
+  </p:timing>
+</p:sld>
+</file>
+
+<file path=ppt/slides/slide12.xml><?xml version="1.0" encoding="utf-8"?>
+<p:sld xmlns:a="http://schemas.openxmlformats.org/drawingml/2006/main" xmlns:r="http://schemas.openxmlformats.org/officeDocument/2006/relationships" xmlns:p="http://schemas.openxmlformats.org/presentationml/2006/main">
+  <p:cSld>
+    <p:spTree>
+      <p:nvGrpSpPr>
+        <p:cNvPr id="1" name="">
+          <a:extLst>
+            <a:ext uri="{FF2B5EF4-FFF2-40B4-BE49-F238E27FC236}">
+              <a16:creationId xmlns:a16="http://schemas.microsoft.com/office/drawing/2014/main" id="{6623A509-29FC-BCF5-17C2-50EA9186408A}"/>
+            </a:ext>
+          </a:extLst>
+        </p:cNvPr>
+        <p:cNvGrpSpPr/>
+        <p:nvPr/>
+      </p:nvGrpSpPr>
+      <p:grpSpPr>
+        <a:xfrm>
+          <a:off x="0" y="0"/>
+          <a:ext cx="0" cy="0"/>
+          <a:chOff x="0" y="0"/>
+          <a:chExt cx="0" cy="0"/>
+        </a:xfrm>
+      </p:grpSpPr>
+      <p:sp>
+        <p:nvSpPr>
+          <p:cNvPr id="2" name="Title 1">
+            <a:extLst>
+              <a:ext uri="{FF2B5EF4-FFF2-40B4-BE49-F238E27FC236}">
+                <a16:creationId xmlns:a16="http://schemas.microsoft.com/office/drawing/2014/main" id="{DF0F19E2-EDFF-FFD6-A278-995581CD2511}"/>
+              </a:ext>
+            </a:extLst>
+          </p:cNvPr>
+          <p:cNvSpPr>
+            <a:spLocks noGrp="1"/>
+          </p:cNvSpPr>
+          <p:nvPr>
+            <p:ph type="title"/>
+          </p:nvPr>
+        </p:nvSpPr>
+        <p:spPr/>
+        <p:txBody>
+          <a:bodyPr/>
+          <a:lstStyle/>
+          <a:p>
+            <a:r>
+              <a:rPr lang="en-AU" dirty="0"/>
+              <a:t>State Machine , (</a:t>
+            </a:r>
+            <a:r>
+              <a:rPr lang="en-AU" dirty="0" err="1"/>
+              <a:t>cont</a:t>
+            </a:r>
+            <a:r>
+              <a:rPr lang="en-AU" dirty="0"/>
+              <a:t>)</a:t>
+            </a:r>
+          </a:p>
+        </p:txBody>
+      </p:sp>
+      <p:sp>
+        <p:nvSpPr>
+          <p:cNvPr id="3" name="Content Placeholder 2">
+            <a:extLst>
+              <a:ext uri="{FF2B5EF4-FFF2-40B4-BE49-F238E27FC236}">
+                <a16:creationId xmlns:a16="http://schemas.microsoft.com/office/drawing/2014/main" id="{36C1F542-2810-58B5-768B-5901074B7D93}"/>
+              </a:ext>
+            </a:extLst>
+          </p:cNvPr>
+          <p:cNvSpPr>
+            <a:spLocks noGrp="1"/>
+          </p:cNvSpPr>
+          <p:nvPr>
+            <p:ph idx="1"/>
+          </p:nvPr>
+        </p:nvSpPr>
+        <p:spPr/>
+        <p:txBody>
+          <a:bodyPr>
+            <a:normAutofit/>
+          </a:bodyPr>
+          <a:lstStyle/>
+          <a:p>
+            <a:pPr marL="0" indent="0">
+              <a:lnSpc>
+                <a:spcPct val="100000"/>
+              </a:lnSpc>
+              <a:spcBef>
+                <a:spcPts val="0"/>
+              </a:spcBef>
+              <a:buNone/>
+            </a:pPr>
+            <a:r>
+              <a:rPr lang="en-AU" sz="2200" dirty="0">
+                <a:latin typeface="Consolas" panose="020B0609020204030204" pitchFamily="49" charset="0"/>
+              </a:rPr>
+              <a:t>def update(self):</a:t>
+            </a:r>
+          </a:p>
+          <a:p>
+            <a:pPr marL="457200" lvl="1" indent="0">
+              <a:lnSpc>
+                <a:spcPct val="100000"/>
+              </a:lnSpc>
+              <a:spcBef>
+                <a:spcPts val="0"/>
+              </a:spcBef>
+              <a:buNone/>
+            </a:pPr>
+            <a:r>
+              <a:rPr lang="en-AU" sz="2200" dirty="0">
+                <a:latin typeface="Consolas" panose="020B0609020204030204" pitchFamily="49" charset="0"/>
+              </a:rPr>
+              <a:t>…</a:t>
+            </a:r>
+          </a:p>
+          <a:p>
+            <a:pPr marL="457200" lvl="1" indent="0">
+              <a:lnSpc>
+                <a:spcPct val="100000"/>
+              </a:lnSpc>
+              <a:spcBef>
+                <a:spcPts val="0"/>
+              </a:spcBef>
+              <a:buNone/>
+            </a:pPr>
+            <a:r>
+              <a:rPr lang="en-AU" sz="2200" dirty="0">
+                <a:latin typeface="Consolas" panose="020B0609020204030204" pitchFamily="49" charset="0"/>
+              </a:rPr>
+              <a:t>else:  # error</a:t>
+            </a:r>
+          </a:p>
+          <a:p>
+            <a:pPr marL="914400" lvl="2" indent="0">
+              <a:lnSpc>
+                <a:spcPct val="100000"/>
+              </a:lnSpc>
+              <a:spcBef>
+                <a:spcPts val="0"/>
+              </a:spcBef>
+              <a:buNone/>
+            </a:pPr>
+            <a:r>
+              <a:rPr lang="en-AU" sz="2200" dirty="0">
+                <a:latin typeface="Consolas" panose="020B0609020204030204" pitchFamily="49" charset="0"/>
+              </a:rPr>
+              <a:t>self.__</a:t>
+            </a:r>
+            <a:r>
+              <a:rPr lang="en-AU" sz="2200" dirty="0" err="1">
+                <a:latin typeface="Consolas" panose="020B0609020204030204" pitchFamily="49" charset="0"/>
+              </a:rPr>
+              <a:t>Ped_Red.on</a:t>
+            </a:r>
+            <a:r>
+              <a:rPr lang="en-AU" sz="2200" dirty="0">
+                <a:latin typeface="Consolas" panose="020B0609020204030204" pitchFamily="49" charset="0"/>
+              </a:rPr>
+              <a:t>()</a:t>
+            </a:r>
+          </a:p>
+          <a:p>
+            <a:pPr marL="914400" lvl="2" indent="0">
+              <a:lnSpc>
+                <a:spcPct val="100000"/>
+              </a:lnSpc>
+              <a:spcBef>
+                <a:spcPts val="0"/>
+              </a:spcBef>
+              <a:buNone/>
+            </a:pPr>
+            <a:r>
+              <a:rPr lang="en-AU" sz="2200" dirty="0">
+                <a:latin typeface="Consolas" panose="020B0609020204030204" pitchFamily="49" charset="0"/>
+              </a:rPr>
+              <a:t>self.__</a:t>
+            </a:r>
+            <a:r>
+              <a:rPr lang="en-AU" sz="2200" dirty="0" err="1">
+                <a:latin typeface="Consolas" panose="020B0609020204030204" pitchFamily="49" charset="0"/>
+              </a:rPr>
+              <a:t>Ped_Green.off</a:t>
+            </a:r>
+            <a:r>
+              <a:rPr lang="en-AU" sz="2200" dirty="0">
+                <a:latin typeface="Consolas" panose="020B0609020204030204" pitchFamily="49" charset="0"/>
+              </a:rPr>
+              <a:t>()</a:t>
+            </a:r>
+          </a:p>
+          <a:p>
+            <a:pPr marL="914400" lvl="2" indent="0">
+              <a:lnSpc>
+                <a:spcPct val="100000"/>
+              </a:lnSpc>
+              <a:spcBef>
+                <a:spcPts val="0"/>
+              </a:spcBef>
+              <a:buNone/>
+            </a:pPr>
+            <a:r>
+              <a:rPr lang="en-AU" sz="2200" dirty="0">
+                <a:latin typeface="Consolas" panose="020B0609020204030204" pitchFamily="49" charset="0"/>
+              </a:rPr>
+              <a:t>self.__</a:t>
+            </a:r>
+            <a:r>
+              <a:rPr lang="en-AU" sz="2200" dirty="0" err="1">
+                <a:latin typeface="Consolas" panose="020B0609020204030204" pitchFamily="49" charset="0"/>
+              </a:rPr>
+              <a:t>Car_Green.off</a:t>
+            </a:r>
+            <a:r>
+              <a:rPr lang="en-AU" sz="2200" dirty="0">
+                <a:latin typeface="Consolas" panose="020B0609020204030204" pitchFamily="49" charset="0"/>
+              </a:rPr>
+              <a:t>()</a:t>
+            </a:r>
+          </a:p>
+          <a:p>
+            <a:pPr marL="914400" lvl="2" indent="0">
+              <a:lnSpc>
+                <a:spcPct val="100000"/>
+              </a:lnSpc>
+              <a:spcBef>
+                <a:spcPts val="0"/>
+              </a:spcBef>
+              <a:buNone/>
+            </a:pPr>
+            <a:r>
+              <a:rPr lang="en-AU" sz="2200" dirty="0">
+                <a:latin typeface="Consolas" panose="020B0609020204030204" pitchFamily="49" charset="0"/>
+              </a:rPr>
+              <a:t>self.__</a:t>
+            </a:r>
+            <a:r>
+              <a:rPr lang="en-AU" sz="2200" dirty="0" err="1">
+                <a:latin typeface="Consolas" panose="020B0609020204030204" pitchFamily="49" charset="0"/>
+              </a:rPr>
+              <a:t>Car_Amber.toggle</a:t>
+            </a:r>
+            <a:r>
+              <a:rPr lang="en-AU" sz="2200" dirty="0">
+                <a:latin typeface="Consolas" panose="020B0609020204030204" pitchFamily="49" charset="0"/>
+              </a:rPr>
+              <a:t>()</a:t>
+            </a:r>
+          </a:p>
+          <a:p>
+            <a:pPr marL="914400" lvl="2" indent="0">
+              <a:lnSpc>
+                <a:spcPct val="100000"/>
+              </a:lnSpc>
+              <a:spcBef>
+                <a:spcPts val="0"/>
+              </a:spcBef>
+              <a:buNone/>
+            </a:pPr>
+            <a:r>
+              <a:rPr lang="en-AU" sz="2200" dirty="0">
+                <a:latin typeface="Consolas" panose="020B0609020204030204" pitchFamily="49" charset="0"/>
+              </a:rPr>
+              <a:t>self.__</a:t>
+            </a:r>
+            <a:r>
+              <a:rPr lang="en-AU" sz="2200" dirty="0" err="1">
+                <a:latin typeface="Consolas" panose="020B0609020204030204" pitchFamily="49" charset="0"/>
+              </a:rPr>
+              <a:t>Car_Red.off</a:t>
+            </a:r>
+            <a:r>
+              <a:rPr lang="en-AU" sz="2200" dirty="0">
+                <a:latin typeface="Consolas" panose="020B0609020204030204" pitchFamily="49" charset="0"/>
+              </a:rPr>
+              <a:t>()</a:t>
+            </a:r>
+          </a:p>
+          <a:p>
+            <a:pPr marL="914400" lvl="2" indent="0">
+              <a:lnSpc>
+                <a:spcPct val="100000"/>
+              </a:lnSpc>
+              <a:spcBef>
+                <a:spcPts val="0"/>
+              </a:spcBef>
+              <a:buNone/>
+            </a:pPr>
+            <a:r>
+              <a:rPr lang="en-AU" sz="2200" dirty="0">
+                <a:latin typeface="Consolas" panose="020B0609020204030204" pitchFamily="49" charset="0"/>
+              </a:rPr>
+              <a:t>self.__</a:t>
+            </a:r>
+            <a:r>
+              <a:rPr lang="en-AU" sz="2200" dirty="0" err="1">
+                <a:latin typeface="Consolas" panose="020B0609020204030204" pitchFamily="49" charset="0"/>
+              </a:rPr>
+              <a:t>Ped_Green.off</a:t>
+            </a:r>
+            <a:r>
+              <a:rPr lang="en-AU" sz="2200" dirty="0">
+                <a:latin typeface="Consolas" panose="020B0609020204030204" pitchFamily="49" charset="0"/>
+              </a:rPr>
+              <a:t>()</a:t>
+            </a:r>
+          </a:p>
+          <a:p>
+            <a:pPr marL="914400" lvl="2" indent="0">
+              <a:lnSpc>
+                <a:spcPct val="100000"/>
+              </a:lnSpc>
+              <a:spcBef>
+                <a:spcPts val="0"/>
+              </a:spcBef>
+              <a:buNone/>
+            </a:pPr>
+            <a:r>
+              <a:rPr lang="en-AU" sz="2200" dirty="0">
+                <a:latin typeface="Consolas" panose="020B0609020204030204" pitchFamily="49" charset="0"/>
+              </a:rPr>
+              <a:t>sleep(1)</a:t>
+            </a:r>
+          </a:p>
+          <a:p>
+            <a:pPr marL="0" indent="0">
+              <a:buNone/>
+            </a:pPr>
+            <a:endParaRPr lang="en-AU" dirty="0"/>
+          </a:p>
+        </p:txBody>
+      </p:sp>
+      <p:pic>
+        <p:nvPicPr>
+          <p:cNvPr id="4" name="Picture 2" descr="388,500+ Pause Symbol Stock Photos, Pictures &amp; Royalty-Free ...">
+            <a:extLst>
+              <a:ext uri="{FF2B5EF4-FFF2-40B4-BE49-F238E27FC236}">
+                <a16:creationId xmlns:a16="http://schemas.microsoft.com/office/drawing/2014/main" id="{B9223BB9-9D97-CAB8-8F9D-55C9B409B26F}"/>
+              </a:ext>
+            </a:extLst>
+          </p:cNvPr>
+          <p:cNvPicPr>
+            <a:picLocks noChangeAspect="1" noChangeArrowheads="1"/>
+          </p:cNvPicPr>
+          <p:nvPr/>
+        </p:nvPicPr>
+        <p:blipFill>
+          <a:blip r:embed="rId2">
+            <a:extLst>
+              <a:ext uri="{BEBA8EAE-BF5A-486C-A8C5-ECC9F3942E4B}">
+                <a14:imgProps xmlns:a14="http://schemas.microsoft.com/office/drawing/2010/main">
+                  <a14:imgLayer r:embed="rId3">
+                    <a14:imgEffect>
+                      <a14:backgroundRemoval t="10000" b="90000" l="10000" r="90000">
+                        <a14:foregroundMark x1="42857" y1="51875" x2="42857" y2="51875"/>
+                        <a14:foregroundMark x1="58929" y1="49375" x2="58929" y2="49375"/>
+                      </a14:backgroundRemoval>
+                    </a14:imgEffect>
+                  </a14:imgLayer>
+                </a14:imgProps>
+              </a:ext>
+              <a:ext uri="{28A0092B-C50C-407E-A947-70E740481C1C}">
+                <a14:useLocalDpi xmlns:a14="http://schemas.microsoft.com/office/drawing/2010/main" val="0"/>
+              </a:ext>
+            </a:extLst>
+          </a:blip>
+          <a:srcRect/>
+          <a:stretch>
+            <a:fillRect/>
+          </a:stretch>
+        </p:blipFill>
+        <p:spPr bwMode="auto">
+          <a:xfrm>
+            <a:off x="11218172" y="0"/>
+            <a:ext cx="973828" cy="927455"/>
+          </a:xfrm>
+          <a:prstGeom prst="rect">
+            <a:avLst/>
+          </a:prstGeom>
+          <a:noFill/>
+          <a:extLst>
+            <a:ext uri="{909E8E84-426E-40DD-AFC4-6F175D3DCCD1}">
+              <a14:hiddenFill xmlns:a14="http://schemas.microsoft.com/office/drawing/2010/main">
+                <a:solidFill>
+                  <a:srgbClr val="FFFFFF"/>
+                </a:solidFill>
+              </a14:hiddenFill>
+            </a:ext>
+          </a:extLst>
+        </p:spPr>
+      </p:pic>
+    </p:spTree>
+    <p:extLst>
+      <p:ext uri="{BB962C8B-B14F-4D97-AF65-F5344CB8AC3E}">
+        <p14:creationId xmlns:p14="http://schemas.microsoft.com/office/powerpoint/2010/main" val="582451183"/>
+      </p:ext>
+    </p:extLst>
+  </p:cSld>
+  <p:clrMapOvr>
+    <a:masterClrMapping/>
+  </p:clrMapOvr>
+  <p:timing>
+    <p:tnLst>
+      <p:par>
+        <p:cTn id="1" dur="indefinite" restart="never" nodeType="tmRoot">
+          <p:childTnLst>
+            <p:seq concurrent="1" nextAc="seek">
+              <p:cTn id="2" dur="indefinite" nodeType="mainSeq">
+                <p:childTnLst>
+                  <p:par>
+                    <p:cTn id="3" fill="hold">
+                      <p:stCondLst>
+                        <p:cond delay="indefinite"/>
+                        <p:cond evt="onBegin" delay="0">
+                          <p:tn val="2"/>
+                        </p:cond>
+                      </p:stCondLst>
+                      <p:childTnLst>
+                        <p:par>
+                          <p:cTn id="4" fill="hold">
+                            <p:stCondLst>
+                              <p:cond delay="0"/>
+                            </p:stCondLst>
+                            <p:childTnLst>
+                              <p:par>
+                                <p:cTn id="5" presetID="26" presetClass="emph" presetSubtype="0" repeatCount="10000" fill="hold" nodeType="withEffect">
+                                  <p:stCondLst>
+                                    <p:cond delay="0"/>
+                                  </p:stCondLst>
+                                  <p:childTnLst>
+                                    <p:animEffect transition="out" filter="fade">
+                                      <p:cBhvr>
+                                        <p:cTn id="6" dur="500" tmFilter="0, 0; .2, .5; .8, .5; 1, 0"/>
+                                        <p:tgtEl>
+                                          <p:spTgt spid="4"/>
+                                        </p:tgtEl>
+                                      </p:cBhvr>
+                                    </p:animEffect>
+                                    <p:animScale>
+                                      <p:cBhvr>
+                                        <p:cTn id="7" dur="250" autoRev="1" fill="hold"/>
+                                        <p:tgtEl>
+                                          <p:spTgt spid="4"/>
+                                        </p:tgtEl>
+                                      </p:cBhvr>
+                                      <p:by x="105000" y="105000"/>
+                                    </p:animScale>
+                                  </p:childTnLst>
+                                </p:cTn>
+                              </p:par>
+                            </p:childTnLst>
+                          </p:cTn>
+                        </p:par>
+                      </p:childTnLst>
+                    </p:cTn>
+                  </p:par>
+                </p:childTnLst>
+              </p:cTn>
+              <p:prevCondLst>
+                <p:cond evt="onPrev" delay="0">
+                  <p:tgtEl>
+                    <p:sldTgt/>
+                  </p:tgtEl>
+                </p:cond>
+              </p:prevCondLst>
+              <p:nextCondLst>
+                <p:cond evt="onNext" delay="0">
+                  <p:tgtEl>
+                    <p:sldTgt/>
+                  </p:tgtEl>
+                </p:cond>
+              </p:nextCondLst>
+            </p:seq>
+          </p:childTnLst>
+        </p:cTn>
+      </p:par>
+    </p:tnLst>
+  </p:timing>
+</p:sld>
+</file>
+
+<file path=ppt/slides/slide13.xml><?xml version="1.0" encoding="utf-8"?>
+<p:sld xmlns:a="http://schemas.openxmlformats.org/drawingml/2006/main" xmlns:r="http://schemas.openxmlformats.org/officeDocument/2006/relationships" xmlns:p="http://schemas.openxmlformats.org/presentationml/2006/main">
+  <p:cSld>
+    <p:spTree>
+      <p:nvGrpSpPr>
+        <p:cNvPr id="1" name="">
+          <a:extLst>
+            <a:ext uri="{FF2B5EF4-FFF2-40B4-BE49-F238E27FC236}">
+              <a16:creationId xmlns:a16="http://schemas.microsoft.com/office/drawing/2014/main" id="{7F4C7F8C-E3BB-6612-511E-05296EB56711}"/>
+            </a:ext>
+          </a:extLst>
+        </p:cNvPr>
+        <p:cNvGrpSpPr/>
+        <p:nvPr/>
+      </p:nvGrpSpPr>
+      <p:grpSpPr>
+        <a:xfrm>
+          <a:off x="0" y="0"/>
+          <a:ext cx="0" cy="0"/>
+          <a:chOff x="0" y="0"/>
+          <a:chExt cx="0" cy="0"/>
+        </a:xfrm>
+      </p:grpSpPr>
+      <p:sp>
+        <p:nvSpPr>
+          <p:cNvPr id="2" name="Title 1">
+            <a:extLst>
+              <a:ext uri="{FF2B5EF4-FFF2-40B4-BE49-F238E27FC236}">
+                <a16:creationId xmlns:a16="http://schemas.microsoft.com/office/drawing/2014/main" id="{1C3DA820-A8CC-B038-67D2-E69214BCC59F}"/>
+              </a:ext>
+            </a:extLst>
+          </p:cNvPr>
+          <p:cNvSpPr>
+            <a:spLocks noGrp="1"/>
+          </p:cNvSpPr>
+          <p:nvPr>
+            <p:ph type="title"/>
+          </p:nvPr>
+        </p:nvSpPr>
+        <p:spPr/>
+        <p:txBody>
+          <a:bodyPr/>
+          <a:lstStyle/>
+          <a:p>
+            <a:r>
+              <a:rPr lang="en-AU" dirty="0"/>
+              <a:t>Implement the Class &amp; system test</a:t>
+            </a:r>
+          </a:p>
+        </p:txBody>
+      </p:sp>
+      <p:sp>
+        <p:nvSpPr>
+          <p:cNvPr id="3" name="Content Placeholder 2">
+            <a:extLst>
+              <a:ext uri="{FF2B5EF4-FFF2-40B4-BE49-F238E27FC236}">
+                <a16:creationId xmlns:a16="http://schemas.microsoft.com/office/drawing/2014/main" id="{DE529CD0-3070-A32D-EF7E-8C28C4CB42E1}"/>
+              </a:ext>
+            </a:extLst>
+          </p:cNvPr>
+          <p:cNvSpPr>
+            <a:spLocks noGrp="1"/>
+          </p:cNvSpPr>
+          <p:nvPr>
+            <p:ph idx="1"/>
+          </p:nvPr>
+        </p:nvSpPr>
+        <p:spPr/>
+        <p:txBody>
+          <a:bodyPr>
+            <a:noAutofit/>
+          </a:bodyPr>
+          <a:lstStyle/>
+          <a:p>
+            <a:pPr marL="0" indent="0">
+              <a:lnSpc>
+                <a:spcPct val="100000"/>
+              </a:lnSpc>
+              <a:spcBef>
+                <a:spcPts val="0"/>
+              </a:spcBef>
+              <a:buNone/>
+            </a:pPr>
+            <a:r>
+              <a:rPr lang="en-AU" sz="2200" dirty="0">
+                <a:latin typeface="Consolas" panose="020B0609020204030204" pitchFamily="49" charset="0"/>
+              </a:rPr>
+              <a:t>from </a:t>
+            </a:r>
+            <a:r>
+              <a:rPr lang="en-AU" sz="2200" dirty="0" err="1">
+                <a:latin typeface="Consolas" panose="020B0609020204030204" pitchFamily="49" charset="0"/>
+              </a:rPr>
+              <a:t>project.py_scripts.LL_unit_Test</a:t>
+            </a:r>
+            <a:r>
+              <a:rPr lang="en-AU" sz="2200" dirty="0">
+                <a:latin typeface="Consolas" panose="020B0609020204030204" pitchFamily="49" charset="0"/>
+              </a:rPr>
+              <a:t> import </a:t>
+            </a:r>
+            <a:r>
+              <a:rPr lang="en-AU" sz="2200" dirty="0" err="1">
+                <a:latin typeface="Consolas" panose="020B0609020204030204" pitchFamily="49" charset="0"/>
+              </a:rPr>
+              <a:t>Led_Light</a:t>
+            </a:r>
+            <a:endParaRPr lang="en-AU" sz="2200" dirty="0">
+              <a:latin typeface="Consolas" panose="020B0609020204030204" pitchFamily="49" charset="0"/>
+            </a:endParaRPr>
+          </a:p>
+          <a:p>
+            <a:pPr marL="0" indent="0">
+              <a:lnSpc>
+                <a:spcPct val="100000"/>
+              </a:lnSpc>
+              <a:spcBef>
+                <a:spcPts val="0"/>
+              </a:spcBef>
+              <a:buNone/>
+            </a:pPr>
+            <a:r>
+              <a:rPr lang="en-AU" sz="2200" dirty="0">
+                <a:latin typeface="Consolas" panose="020B0609020204030204" pitchFamily="49" charset="0"/>
+              </a:rPr>
+              <a:t>from </a:t>
+            </a:r>
+            <a:r>
+              <a:rPr lang="en-AU" sz="2200" dirty="0" err="1">
+                <a:latin typeface="Consolas" panose="020B0609020204030204" pitchFamily="49" charset="0"/>
+              </a:rPr>
+              <a:t>pedestrian_button</a:t>
+            </a:r>
+            <a:r>
+              <a:rPr lang="en-AU" sz="2200" dirty="0">
+                <a:latin typeface="Consolas" panose="020B0609020204030204" pitchFamily="49" charset="0"/>
+              </a:rPr>
+              <a:t> import </a:t>
+            </a:r>
+            <a:r>
+              <a:rPr lang="en-AU" sz="2200" dirty="0" err="1">
+                <a:latin typeface="Consolas" panose="020B0609020204030204" pitchFamily="49" charset="0"/>
+              </a:rPr>
+              <a:t>Pedestrian_Button</a:t>
+            </a:r>
+            <a:endParaRPr lang="en-AU" sz="2200" dirty="0">
+              <a:latin typeface="Consolas" panose="020B0609020204030204" pitchFamily="49" charset="0"/>
+            </a:endParaRPr>
+          </a:p>
+          <a:p>
+            <a:pPr marL="0" indent="0">
+              <a:lnSpc>
+                <a:spcPct val="100000"/>
+              </a:lnSpc>
+              <a:spcBef>
+                <a:spcPts val="0"/>
+              </a:spcBef>
+              <a:buNone/>
+            </a:pPr>
+            <a:r>
+              <a:rPr lang="en-AU" sz="2200" dirty="0">
+                <a:latin typeface="Consolas" panose="020B0609020204030204" pitchFamily="49" charset="0"/>
+              </a:rPr>
+              <a:t>from </a:t>
+            </a:r>
+            <a:r>
+              <a:rPr lang="en-AU" sz="2200" dirty="0" err="1">
+                <a:latin typeface="Consolas" panose="020B0609020204030204" pitchFamily="49" charset="0"/>
+              </a:rPr>
+              <a:t>audio_notification</a:t>
+            </a:r>
+            <a:r>
+              <a:rPr lang="en-AU" sz="2200" dirty="0">
+                <a:latin typeface="Consolas" panose="020B0609020204030204" pitchFamily="49" charset="0"/>
+              </a:rPr>
+              <a:t> import </a:t>
+            </a:r>
+            <a:r>
+              <a:rPr lang="en-AU" sz="2200" dirty="0" err="1">
+                <a:latin typeface="Consolas" panose="020B0609020204030204" pitchFamily="49" charset="0"/>
+              </a:rPr>
+              <a:t>Audio_Notification</a:t>
+            </a:r>
+            <a:endParaRPr lang="en-AU" sz="2200" dirty="0">
+              <a:latin typeface="Consolas" panose="020B0609020204030204" pitchFamily="49" charset="0"/>
+            </a:endParaRPr>
+          </a:p>
+          <a:p>
+            <a:pPr marL="0" indent="0">
+              <a:lnSpc>
+                <a:spcPct val="100000"/>
+              </a:lnSpc>
+              <a:spcBef>
+                <a:spcPts val="0"/>
+              </a:spcBef>
+              <a:buNone/>
+            </a:pPr>
+            <a:r>
+              <a:rPr lang="en-AU" sz="2200" dirty="0">
+                <a:latin typeface="Consolas" panose="020B0609020204030204" pitchFamily="49" charset="0"/>
+              </a:rPr>
+              <a:t>from controller import Controller</a:t>
+            </a:r>
+          </a:p>
+          <a:p>
+            <a:pPr marL="0" indent="0">
+              <a:lnSpc>
+                <a:spcPct val="100000"/>
+              </a:lnSpc>
+              <a:spcBef>
+                <a:spcPts val="0"/>
+              </a:spcBef>
+              <a:buNone/>
+            </a:pPr>
+            <a:r>
+              <a:rPr lang="en-AU" sz="2200" dirty="0">
+                <a:latin typeface="Consolas" panose="020B0609020204030204" pitchFamily="49" charset="0"/>
+              </a:rPr>
+              <a:t>from time import sleep, time</a:t>
+            </a:r>
+          </a:p>
+          <a:p>
+            <a:pPr marL="0" indent="0">
+              <a:lnSpc>
+                <a:spcPct val="100000"/>
+              </a:lnSpc>
+              <a:spcBef>
+                <a:spcPts val="0"/>
+              </a:spcBef>
+              <a:buNone/>
+            </a:pPr>
+            <a:br>
+              <a:rPr lang="en-AU" sz="2200" dirty="0">
+                <a:latin typeface="Consolas" panose="020B0609020204030204" pitchFamily="49" charset="0"/>
+              </a:rPr>
+            </a:br>
+            <a:r>
+              <a:rPr lang="en-AU" sz="2200" dirty="0" err="1">
+                <a:latin typeface="Consolas" panose="020B0609020204030204" pitchFamily="49" charset="0"/>
+              </a:rPr>
+              <a:t>led_pedestrian_red</a:t>
+            </a:r>
+            <a:r>
+              <a:rPr lang="en-AU" sz="2200" dirty="0">
+                <a:latin typeface="Consolas" panose="020B0609020204030204" pitchFamily="49" charset="0"/>
+              </a:rPr>
+              <a:t> = </a:t>
+            </a:r>
+            <a:r>
+              <a:rPr lang="en-AU" sz="2200" dirty="0" err="1">
+                <a:latin typeface="Consolas" panose="020B0609020204030204" pitchFamily="49" charset="0"/>
+              </a:rPr>
+              <a:t>Led_Light</a:t>
+            </a:r>
+            <a:r>
+              <a:rPr lang="en-AU" sz="2200" dirty="0">
+                <a:latin typeface="Consolas" panose="020B0609020204030204" pitchFamily="49" charset="0"/>
+              </a:rPr>
+              <a:t>(19, True, False)</a:t>
+            </a:r>
+          </a:p>
+          <a:p>
+            <a:pPr marL="0" indent="0">
+              <a:lnSpc>
+                <a:spcPct val="100000"/>
+              </a:lnSpc>
+              <a:spcBef>
+                <a:spcPts val="0"/>
+              </a:spcBef>
+              <a:buNone/>
+            </a:pPr>
+            <a:r>
+              <a:rPr lang="en-AU" sz="2200" dirty="0" err="1">
+                <a:latin typeface="Consolas" panose="020B0609020204030204" pitchFamily="49" charset="0"/>
+              </a:rPr>
+              <a:t>led_pedestrian_green</a:t>
+            </a:r>
+            <a:r>
+              <a:rPr lang="en-AU" sz="2200" dirty="0">
+                <a:latin typeface="Consolas" panose="020B0609020204030204" pitchFamily="49" charset="0"/>
+              </a:rPr>
+              <a:t> = </a:t>
+            </a:r>
+            <a:r>
+              <a:rPr lang="en-AU" sz="2200" dirty="0" err="1">
+                <a:latin typeface="Consolas" panose="020B0609020204030204" pitchFamily="49" charset="0"/>
+              </a:rPr>
+              <a:t>Led_Light</a:t>
+            </a:r>
+            <a:r>
+              <a:rPr lang="en-AU" sz="2200" dirty="0">
+                <a:latin typeface="Consolas" panose="020B0609020204030204" pitchFamily="49" charset="0"/>
+              </a:rPr>
+              <a:t>(17, False, False)</a:t>
+            </a:r>
+          </a:p>
+          <a:p>
+            <a:pPr marL="0" indent="0">
+              <a:lnSpc>
+                <a:spcPct val="100000"/>
+              </a:lnSpc>
+              <a:spcBef>
+                <a:spcPts val="0"/>
+              </a:spcBef>
+              <a:buNone/>
+            </a:pPr>
+            <a:r>
+              <a:rPr lang="en-AU" sz="2200" dirty="0" err="1">
+                <a:latin typeface="Consolas" panose="020B0609020204030204" pitchFamily="49" charset="0"/>
+              </a:rPr>
+              <a:t>led_car_red</a:t>
+            </a:r>
+            <a:r>
+              <a:rPr lang="en-AU" sz="2200" dirty="0">
+                <a:latin typeface="Consolas" panose="020B0609020204030204" pitchFamily="49" charset="0"/>
+              </a:rPr>
+              <a:t> = </a:t>
+            </a:r>
+            <a:r>
+              <a:rPr lang="en-AU" sz="2200" dirty="0" err="1">
+                <a:latin typeface="Consolas" panose="020B0609020204030204" pitchFamily="49" charset="0"/>
+              </a:rPr>
+              <a:t>Led_Light</a:t>
+            </a:r>
+            <a:r>
+              <a:rPr lang="en-AU" sz="2200" dirty="0">
+                <a:latin typeface="Consolas" panose="020B0609020204030204" pitchFamily="49" charset="0"/>
+              </a:rPr>
+              <a:t>(3, False, False)</a:t>
+            </a:r>
+          </a:p>
+          <a:p>
+            <a:pPr marL="0" indent="0">
+              <a:lnSpc>
+                <a:spcPct val="100000"/>
+              </a:lnSpc>
+              <a:spcBef>
+                <a:spcPts val="0"/>
+              </a:spcBef>
+              <a:buNone/>
+            </a:pPr>
+            <a:r>
+              <a:rPr lang="en-AU" sz="2200" dirty="0" err="1">
+                <a:latin typeface="Consolas" panose="020B0609020204030204" pitchFamily="49" charset="0"/>
+              </a:rPr>
+              <a:t>led_car_orange</a:t>
+            </a:r>
+            <a:r>
+              <a:rPr lang="en-AU" sz="2200" dirty="0">
+                <a:latin typeface="Consolas" panose="020B0609020204030204" pitchFamily="49" charset="0"/>
+              </a:rPr>
+              <a:t> = </a:t>
+            </a:r>
+            <a:r>
+              <a:rPr lang="en-AU" sz="2200" dirty="0" err="1">
+                <a:latin typeface="Consolas" panose="020B0609020204030204" pitchFamily="49" charset="0"/>
+              </a:rPr>
+              <a:t>Led_Light</a:t>
+            </a:r>
+            <a:r>
+              <a:rPr lang="en-AU" sz="2200" dirty="0">
+                <a:latin typeface="Consolas" panose="020B0609020204030204" pitchFamily="49" charset="0"/>
+              </a:rPr>
+              <a:t>(5, False, False)</a:t>
+            </a:r>
+          </a:p>
+          <a:p>
+            <a:pPr marL="0" indent="0">
+              <a:lnSpc>
+                <a:spcPct val="100000"/>
+              </a:lnSpc>
+              <a:spcBef>
+                <a:spcPts val="0"/>
+              </a:spcBef>
+              <a:buNone/>
+            </a:pPr>
+            <a:r>
+              <a:rPr lang="en-AU" sz="2200" dirty="0" err="1">
+                <a:latin typeface="Consolas" panose="020B0609020204030204" pitchFamily="49" charset="0"/>
+              </a:rPr>
+              <a:t>led_car_green</a:t>
+            </a:r>
+            <a:r>
+              <a:rPr lang="en-AU" sz="2200" dirty="0">
+                <a:latin typeface="Consolas" panose="020B0609020204030204" pitchFamily="49" charset="0"/>
+              </a:rPr>
+              <a:t> = </a:t>
+            </a:r>
+            <a:r>
+              <a:rPr lang="en-AU" sz="2200" dirty="0" err="1">
+                <a:latin typeface="Consolas" panose="020B0609020204030204" pitchFamily="49" charset="0"/>
+              </a:rPr>
+              <a:t>Led_Light</a:t>
+            </a:r>
+            <a:r>
+              <a:rPr lang="en-AU" sz="2200" dirty="0">
+                <a:latin typeface="Consolas" panose="020B0609020204030204" pitchFamily="49" charset="0"/>
+              </a:rPr>
+              <a:t>(6, False, False)</a:t>
+            </a:r>
+            <a:br>
+              <a:rPr lang="en-AU" sz="2200" dirty="0">
+                <a:latin typeface="Consolas" panose="020B0609020204030204" pitchFamily="49" charset="0"/>
+              </a:rPr>
+            </a:br>
+            <a:r>
+              <a:rPr lang="en-AU" sz="2200" dirty="0" err="1">
+                <a:latin typeface="Consolas" panose="020B0609020204030204" pitchFamily="49" charset="0"/>
+              </a:rPr>
+              <a:t>pedestrian_button</a:t>
+            </a:r>
+            <a:r>
+              <a:rPr lang="en-AU" sz="2200" dirty="0">
+                <a:latin typeface="Consolas" panose="020B0609020204030204" pitchFamily="49" charset="0"/>
+              </a:rPr>
+              <a:t> = </a:t>
+            </a:r>
+            <a:r>
+              <a:rPr lang="en-AU" sz="2200" dirty="0" err="1">
+                <a:latin typeface="Consolas" panose="020B0609020204030204" pitchFamily="49" charset="0"/>
+              </a:rPr>
+              <a:t>Pedestrian_Button</a:t>
+            </a:r>
+            <a:r>
+              <a:rPr lang="en-AU" sz="2200" dirty="0">
+                <a:latin typeface="Consolas" panose="020B0609020204030204" pitchFamily="49" charset="0"/>
+              </a:rPr>
+              <a:t>(22, False)</a:t>
+            </a:r>
+            <a:br>
+              <a:rPr lang="en-AU" sz="2200" dirty="0">
+                <a:latin typeface="Consolas" panose="020B0609020204030204" pitchFamily="49" charset="0"/>
+              </a:rPr>
+            </a:br>
+            <a:r>
+              <a:rPr lang="en-AU" sz="2200" dirty="0">
+                <a:latin typeface="Consolas" panose="020B0609020204030204" pitchFamily="49" charset="0"/>
+              </a:rPr>
+              <a:t>buzzer = </a:t>
+            </a:r>
+            <a:r>
+              <a:rPr lang="en-AU" sz="2200" dirty="0" err="1">
+                <a:latin typeface="Consolas" panose="020B0609020204030204" pitchFamily="49" charset="0"/>
+              </a:rPr>
+              <a:t>Audio_Notification</a:t>
+            </a:r>
+            <a:r>
+              <a:rPr lang="en-AU" sz="2200" dirty="0">
+                <a:latin typeface="Consolas" panose="020B0609020204030204" pitchFamily="49" charset="0"/>
+              </a:rPr>
+              <a:t>(27, False)</a:t>
+            </a:r>
+          </a:p>
+        </p:txBody>
+      </p:sp>
+    </p:spTree>
+    <p:extLst>
+      <p:ext uri="{BB962C8B-B14F-4D97-AF65-F5344CB8AC3E}">
+        <p14:creationId xmlns:p14="http://schemas.microsoft.com/office/powerpoint/2010/main" val="2681861969"/>
+      </p:ext>
+    </p:extLst>
+  </p:cSld>
+  <p:clrMapOvr>
+    <a:masterClrMapping/>
+  </p:clrMapOvr>
+</p:sld>
+</file>
+
+<file path=ppt/slides/slide14.xml><?xml version="1.0" encoding="utf-8"?>
+<p:sld xmlns:a="http://schemas.openxmlformats.org/drawingml/2006/main" xmlns:r="http://schemas.openxmlformats.org/officeDocument/2006/relationships" xmlns:p="http://schemas.openxmlformats.org/presentationml/2006/main">
+  <p:cSld>
+    <p:spTree>
+      <p:nvGrpSpPr>
+        <p:cNvPr id="1" name="">
+          <a:extLst>
+            <a:ext uri="{FF2B5EF4-FFF2-40B4-BE49-F238E27FC236}">
+              <a16:creationId xmlns:a16="http://schemas.microsoft.com/office/drawing/2014/main" id="{E465C9CE-F371-321B-45BC-DD780A460F3B}"/>
+            </a:ext>
+          </a:extLst>
+        </p:cNvPr>
+        <p:cNvGrpSpPr/>
+        <p:nvPr/>
+      </p:nvGrpSpPr>
+      <p:grpSpPr>
+        <a:xfrm>
+          <a:off x="0" y="0"/>
+          <a:ext cx="0" cy="0"/>
+          <a:chOff x="0" y="0"/>
+          <a:chExt cx="0" cy="0"/>
+        </a:xfrm>
+      </p:grpSpPr>
+      <p:sp>
+        <p:nvSpPr>
+          <p:cNvPr id="2" name="Title 1">
+            <a:extLst>
+              <a:ext uri="{FF2B5EF4-FFF2-40B4-BE49-F238E27FC236}">
+                <a16:creationId xmlns:a16="http://schemas.microsoft.com/office/drawing/2014/main" id="{8755BC55-8A49-7CF4-5066-BA010A1857A5}"/>
+              </a:ext>
+            </a:extLst>
+          </p:cNvPr>
+          <p:cNvSpPr>
+            <a:spLocks noGrp="1"/>
+          </p:cNvSpPr>
+          <p:nvPr>
+            <p:ph type="title"/>
+          </p:nvPr>
+        </p:nvSpPr>
+        <p:spPr/>
+        <p:txBody>
+          <a:bodyPr/>
+          <a:lstStyle/>
+          <a:p>
+            <a:r>
+              <a:rPr lang="en-AU" dirty="0"/>
+              <a:t>Implement the Class &amp; system test, (</a:t>
+            </a:r>
+            <a:r>
+              <a:rPr lang="en-AU" dirty="0" err="1"/>
+              <a:t>cont</a:t>
+            </a:r>
+            <a:r>
+              <a:rPr lang="en-AU" dirty="0"/>
+              <a:t>)</a:t>
+            </a:r>
+          </a:p>
+        </p:txBody>
+      </p:sp>
+      <p:sp>
+        <p:nvSpPr>
+          <p:cNvPr id="3" name="Content Placeholder 2">
+            <a:extLst>
+              <a:ext uri="{FF2B5EF4-FFF2-40B4-BE49-F238E27FC236}">
+                <a16:creationId xmlns:a16="http://schemas.microsoft.com/office/drawing/2014/main" id="{2A5CDAAC-D36F-904C-1743-2BF0DB1A4B08}"/>
+              </a:ext>
+            </a:extLst>
+          </p:cNvPr>
+          <p:cNvSpPr>
+            <a:spLocks noGrp="1"/>
+          </p:cNvSpPr>
+          <p:nvPr>
+            <p:ph idx="1"/>
+          </p:nvPr>
+        </p:nvSpPr>
+        <p:spPr/>
+        <p:txBody>
+          <a:bodyPr>
+            <a:noAutofit/>
+          </a:bodyPr>
+          <a:lstStyle/>
+          <a:p>
+            <a:pPr marL="0" indent="0">
+              <a:lnSpc>
+                <a:spcPct val="100000"/>
+              </a:lnSpc>
+              <a:spcBef>
+                <a:spcPts val="0"/>
+              </a:spcBef>
+              <a:buNone/>
+            </a:pPr>
+            <a:r>
+              <a:rPr lang="en-US" sz="2200" dirty="0">
+                <a:latin typeface="Consolas" panose="020B0609020204030204" pitchFamily="49" charset="0"/>
+              </a:rPr>
+              <a:t>controller = Controller( </a:t>
+            </a:r>
+            <a:r>
+              <a:rPr lang="en-US" sz="2200" dirty="0" err="1">
+                <a:latin typeface="Consolas" panose="020B0609020204030204" pitchFamily="49" charset="0"/>
+              </a:rPr>
+              <a:t>led_pedestrian_red</a:t>
+            </a:r>
+            <a:r>
+              <a:rPr lang="en-US" sz="2200" dirty="0">
+                <a:latin typeface="Consolas" panose="020B0609020204030204" pitchFamily="49" charset="0"/>
+              </a:rPr>
+              <a:t>, </a:t>
+            </a:r>
+            <a:r>
+              <a:rPr lang="en-US" sz="2200" dirty="0" err="1">
+                <a:latin typeface="Consolas" panose="020B0609020204030204" pitchFamily="49" charset="0"/>
+              </a:rPr>
+              <a:t>led_pedestrian_green</a:t>
+            </a:r>
+            <a:r>
+              <a:rPr lang="en-US" sz="2200" dirty="0">
+                <a:latin typeface="Consolas" panose="020B0609020204030204" pitchFamily="49" charset="0"/>
+              </a:rPr>
+              <a:t>, </a:t>
+            </a:r>
+            <a:r>
+              <a:rPr lang="en-US" sz="2200" dirty="0" err="1">
+                <a:latin typeface="Consolas" panose="020B0609020204030204" pitchFamily="49" charset="0"/>
+              </a:rPr>
+              <a:t>led_car_red</a:t>
+            </a:r>
+            <a:r>
+              <a:rPr lang="en-US" sz="2200" dirty="0">
+                <a:latin typeface="Consolas" panose="020B0609020204030204" pitchFamily="49" charset="0"/>
+              </a:rPr>
+              <a:t>, </a:t>
+            </a:r>
+            <a:r>
+              <a:rPr lang="en-US" sz="2200" dirty="0" err="1">
+                <a:latin typeface="Consolas" panose="020B0609020204030204" pitchFamily="49" charset="0"/>
+              </a:rPr>
+              <a:t>led_car_orange</a:t>
+            </a:r>
+            <a:r>
+              <a:rPr lang="en-US" sz="2200" dirty="0">
+                <a:latin typeface="Consolas" panose="020B0609020204030204" pitchFamily="49" charset="0"/>
+              </a:rPr>
+              <a:t>, </a:t>
+            </a:r>
+            <a:r>
+              <a:rPr lang="en-US" sz="2200" dirty="0" err="1">
+                <a:latin typeface="Consolas" panose="020B0609020204030204" pitchFamily="49" charset="0"/>
+              </a:rPr>
+              <a:t>led_car_green</a:t>
+            </a:r>
+            <a:r>
+              <a:rPr lang="en-US" sz="2200" dirty="0">
+                <a:latin typeface="Consolas" panose="020B0609020204030204" pitchFamily="49" charset="0"/>
+              </a:rPr>
+              <a:t>, </a:t>
+            </a:r>
+            <a:r>
+              <a:rPr lang="en-US" sz="2200" dirty="0" err="1">
+                <a:latin typeface="Consolas" panose="020B0609020204030204" pitchFamily="49" charset="0"/>
+              </a:rPr>
+              <a:t>pedestrian_button</a:t>
+            </a:r>
+            <a:r>
+              <a:rPr lang="en-US" sz="2200" dirty="0">
+                <a:latin typeface="Consolas" panose="020B0609020204030204" pitchFamily="49" charset="0"/>
+              </a:rPr>
+              <a:t>, buzzer, True )</a:t>
+            </a:r>
+          </a:p>
+          <a:p>
+            <a:pPr marL="0" indent="0">
+              <a:lnSpc>
+                <a:spcPct val="100000"/>
+              </a:lnSpc>
+              <a:spcBef>
+                <a:spcPts val="0"/>
+              </a:spcBef>
+              <a:buNone/>
+            </a:pPr>
+            <a:endParaRPr lang="en-US" sz="2200" dirty="0">
+              <a:latin typeface="Consolas" panose="020B0609020204030204" pitchFamily="49" charset="0"/>
+            </a:endParaRPr>
+          </a:p>
+          <a:p>
+            <a:pPr marL="0" indent="0">
+              <a:lnSpc>
+                <a:spcPct val="100000"/>
+              </a:lnSpc>
+              <a:spcBef>
+                <a:spcPts val="0"/>
+              </a:spcBef>
+              <a:buNone/>
+            </a:pPr>
+            <a:r>
+              <a:rPr lang="en-US" sz="2200" dirty="0">
+                <a:latin typeface="Consolas" panose="020B0609020204030204" pitchFamily="49" charset="0"/>
+              </a:rPr>
+              <a:t>while True:</a:t>
+            </a:r>
+          </a:p>
+          <a:p>
+            <a:pPr marL="0" indent="0">
+              <a:lnSpc>
+                <a:spcPct val="100000"/>
+              </a:lnSpc>
+              <a:spcBef>
+                <a:spcPts val="0"/>
+              </a:spcBef>
+              <a:buNone/>
+            </a:pPr>
+            <a:r>
+              <a:rPr lang="en-US" sz="2200" dirty="0">
+                <a:latin typeface="Consolas" panose="020B0609020204030204" pitchFamily="49" charset="0"/>
+              </a:rPr>
+              <a:t>    </a:t>
+            </a:r>
+            <a:r>
+              <a:rPr lang="en-US" sz="2200" dirty="0" err="1">
+                <a:latin typeface="Consolas" panose="020B0609020204030204" pitchFamily="49" charset="0"/>
+              </a:rPr>
+              <a:t>controller.update</a:t>
+            </a:r>
+            <a:r>
+              <a:rPr lang="en-US" sz="2200" dirty="0">
+                <a:latin typeface="Consolas" panose="020B0609020204030204" pitchFamily="49" charset="0"/>
+              </a:rPr>
+              <a:t>()</a:t>
+            </a:r>
+          </a:p>
+          <a:p>
+            <a:pPr marL="0" indent="0">
+              <a:lnSpc>
+                <a:spcPct val="100000"/>
+              </a:lnSpc>
+              <a:spcBef>
+                <a:spcPts val="0"/>
+              </a:spcBef>
+              <a:buNone/>
+            </a:pPr>
+            <a:r>
+              <a:rPr lang="en-US" sz="2200" dirty="0">
+                <a:latin typeface="Consolas" panose="020B0609020204030204" pitchFamily="49" charset="0"/>
+              </a:rPr>
+              <a:t>    sleep(0.1)</a:t>
+            </a:r>
+          </a:p>
+        </p:txBody>
+      </p:sp>
+    </p:spTree>
+    <p:extLst>
+      <p:ext uri="{BB962C8B-B14F-4D97-AF65-F5344CB8AC3E}">
+        <p14:creationId xmlns:p14="http://schemas.microsoft.com/office/powerpoint/2010/main" val="3429084832"/>
+      </p:ext>
+    </p:extLst>
+  </p:cSld>
+  <p:clrMapOvr>
+    <a:masterClrMapping/>
+  </p:clrMapOvr>
+</p:sld>
+</file>
+
+<file path=ppt/slides/slide2.xml><?xml version="1.0" encoding="utf-8"?>
+<p:sld xmlns:a="http://schemas.openxmlformats.org/drawingml/2006/main" xmlns:r="http://schemas.openxmlformats.org/officeDocument/2006/relationships" xmlns:p="http://schemas.openxmlformats.org/presentationml/2006/main">
+  <p:cSld>
+    <p:bg>
+      <p:bgPr>
+        <a:solidFill>
+          <a:schemeClr val="bg1"/>
+        </a:solidFill>
+        <a:effectLst/>
+      </p:bgPr>
+    </p:bg>
+    <p:spTree>
+      <p:nvGrpSpPr>
+        <p:cNvPr id="1" name=""/>
+        <p:cNvGrpSpPr/>
+        <p:nvPr/>
+      </p:nvGrpSpPr>
+      <p:grpSpPr>
+        <a:xfrm>
+          <a:off x="0" y="0"/>
+          <a:ext cx="0" cy="0"/>
+          <a:chOff x="0" y="0"/>
+          <a:chExt cx="0" cy="0"/>
+        </a:xfrm>
+      </p:grpSpPr>
+      <p:sp useBgFill="1">
+        <p:nvSpPr>
+          <p:cNvPr id="13" name="Rectangle 12">
+            <a:extLst>
+              <a:ext uri="{FF2B5EF4-FFF2-40B4-BE49-F238E27FC236}">
+                <a16:creationId xmlns:a16="http://schemas.microsoft.com/office/drawing/2014/main" id="{04812C46-200A-4DEB-A05E-3ED6C68C2387}"/>
+              </a:ext>
+              <a:ext uri="{C183D7F6-B498-43B3-948B-1728B52AA6E4}">
+                <adec:decorative xmlns:adec="http://schemas.microsoft.com/office/drawing/2017/decorative" val="1"/>
+              </a:ext>
+            </a:extLst>
+          </p:cNvPr>
+          <p:cNvSpPr>
+            <a:spLocks noGrp="1" noRot="1" noChangeAspect="1" noMove="1" noResize="1" noEditPoints="1" noAdjustHandles="1" noChangeArrowheads="1" noChangeShapeType="1" noTextEdit="1"/>
+          </p:cNvSpPr>
+          <p:nvPr>
+            <p:extLst>
+              <p:ext uri="{386F3935-93C4-4BCD-93E2-E3B085C9AB24}">
+                <p16:designElem xmlns:p16="http://schemas.microsoft.com/office/powerpoint/2015/main" val="1"/>
+              </p:ext>
+            </p:extLst>
+          </p:nvPr>
+        </p:nvSpPr>
+        <p:spPr>
+          <a:xfrm>
+            <a:off x="3049" y="0"/>
+            <a:ext cx="12188952" cy="6858000"/>
+          </a:xfrm>
+          <a:prstGeom prst="rect">
+            <a:avLst/>
+          </a:prstGeom>
+          <a:ln>
+            <a:noFill/>
+          </a:ln>
+        </p:spPr>
+        <p:style>
+          <a:lnRef idx="2">
+            <a:schemeClr val="accent1">
+              <a:shade val="50000"/>
+            </a:schemeClr>
+          </a:lnRef>
+          <a:fillRef idx="1">
+            <a:schemeClr val="accent1"/>
+          </a:fillRef>
+          <a:effectRef idx="0">
+            <a:schemeClr val="accent1"/>
+          </a:effectRef>
+          <a:fontRef idx="minor">
+            <a:schemeClr val="lt1"/>
+          </a:fontRef>
+        </p:style>
+        <p:txBody>
+          <a:bodyPr rtlCol="0" anchor="ctr"/>
+          <a:lstStyle/>
+          <a:p>
+            <a:pPr algn="ctr"/>
+            <a:endParaRPr lang="en-US"/>
+          </a:p>
+        </p:txBody>
+      </p:sp>
+      <p:pic>
+        <p:nvPicPr>
+          <p:cNvPr id="8" name="Content Placeholder 7">
+            <a:extLst>
+              <a:ext uri="{FF2B5EF4-FFF2-40B4-BE49-F238E27FC236}">
+                <a16:creationId xmlns:a16="http://schemas.microsoft.com/office/drawing/2014/main" id="{7C125055-2520-F51B-B3B9-45BDBCD01110}"/>
+              </a:ext>
+            </a:extLst>
+          </p:cNvPr>
+          <p:cNvPicPr>
+            <a:picLocks noGrp="1" noChangeAspect="1"/>
+          </p:cNvPicPr>
+          <p:nvPr>
+            <p:ph idx="1"/>
+          </p:nvPr>
+        </p:nvPicPr>
+        <p:blipFill>
+          <a:blip r:embed="rId2"/>
+          <a:srcRect l="9571" r="25922" b="-1"/>
+          <a:stretch>
+            <a:fillRect/>
+          </a:stretch>
+        </p:blipFill>
+        <p:spPr>
+          <a:xfrm>
+            <a:off x="2522356" y="10"/>
+            <a:ext cx="9669642" cy="6857990"/>
+          </a:xfrm>
+          <a:prstGeom prst="rect">
+            <a:avLst/>
+          </a:prstGeom>
+        </p:spPr>
+      </p:pic>
+      <p:sp>
+        <p:nvSpPr>
+          <p:cNvPr id="15" name="Rectangle 14">
+            <a:extLst>
+              <a:ext uri="{FF2B5EF4-FFF2-40B4-BE49-F238E27FC236}">
+                <a16:creationId xmlns:a16="http://schemas.microsoft.com/office/drawing/2014/main" id="{D1EA859B-E555-4109-94F3-6700E046E008}"/>
+              </a:ext>
+              <a:ext uri="{C183D7F6-B498-43B3-948B-1728B52AA6E4}">
+                <adec:decorative xmlns:adec="http://schemas.microsoft.com/office/drawing/2017/decorative" val="1"/>
+              </a:ext>
+            </a:extLst>
+          </p:cNvPr>
+          <p:cNvSpPr>
+            <a:spLocks noGrp="1" noRot="1" noChangeAspect="1" noMove="1" noResize="1" noEditPoints="1" noAdjustHandles="1" noChangeArrowheads="1" noChangeShapeType="1" noTextEdit="1"/>
+          </p:cNvSpPr>
+          <p:nvPr>
+            <p:extLst>
+              <p:ext uri="{386F3935-93C4-4BCD-93E2-E3B085C9AB24}">
+                <p16:designElem xmlns:p16="http://schemas.microsoft.com/office/powerpoint/2015/main" val="1"/>
+              </p:ext>
+            </p:extLst>
+          </p:nvPr>
+        </p:nvSpPr>
+        <p:spPr>
+          <a:xfrm>
+            <a:off x="-1" y="0"/>
+            <a:ext cx="7390263" cy="6858000"/>
+          </a:xfrm>
+          <a:prstGeom prst="rect">
+            <a:avLst/>
+          </a:prstGeom>
+          <a:gradFill>
+            <a:gsLst>
+              <a:gs pos="48000">
+                <a:schemeClr val="bg1"/>
+              </a:gs>
+              <a:gs pos="35000">
+                <a:schemeClr val="bg1">
+                  <a:alpha val="77000"/>
+                </a:schemeClr>
+              </a:gs>
+              <a:gs pos="19000">
+                <a:schemeClr val="bg1">
+                  <a:alpha val="38000"/>
+                </a:schemeClr>
+              </a:gs>
+              <a:gs pos="0">
+                <a:schemeClr val="bg1">
+                  <a:alpha val="0"/>
+                </a:schemeClr>
+              </a:gs>
+              <a:gs pos="100000">
+                <a:schemeClr val="bg1"/>
+              </a:gs>
+            </a:gsLst>
+            <a:lin ang="10800000" scaled="0"/>
+          </a:gradFill>
+          <a:ln>
+            <a:noFill/>
+          </a:ln>
+        </p:spPr>
+        <p:style>
+          <a:lnRef idx="2">
+            <a:schemeClr val="accent1">
+              <a:shade val="50000"/>
+            </a:schemeClr>
+          </a:lnRef>
+          <a:fillRef idx="1">
+            <a:schemeClr val="accent1"/>
+          </a:fillRef>
+          <a:effectRef idx="0">
+            <a:schemeClr val="accent1"/>
+          </a:effectRef>
+          <a:fontRef idx="minor">
+            <a:schemeClr val="lt1"/>
+          </a:fontRef>
+        </p:style>
+        <p:txBody>
+          <a:bodyPr rtlCol="0" anchor="ctr"/>
+          <a:lstStyle/>
+          <a:p>
+            <a:pPr algn="ctr"/>
+            <a:endParaRPr lang="en-US" dirty="0"/>
+          </a:p>
+        </p:txBody>
+      </p:sp>
+      <p:sp>
+        <p:nvSpPr>
           <p:cNvPr id="4" name="Title 3">
             <a:extLst>
               <a:ext uri="{FF2B5EF4-FFF2-40B4-BE49-F238E27FC236}">
@@ -7601,7 +7941,7 @@
                 <a:ea typeface="Cascadia Mono SemiLight" panose="020B0609020000020004" pitchFamily="49" charset="0"/>
                 <a:cs typeface="Cascadia Mono SemiLight" panose="020B0609020000020004" pitchFamily="49" charset="0"/>
               </a:rPr>
-              <a:t>class Controller:</a:t>
+              <a:t>Class Controller:</a:t>
             </a:r>
           </a:p>
           <a:p>
@@ -7833,6 +8173,65 @@
           </a:p>
         </p:txBody>
       </p:sp>
+      <p:pic>
+        <p:nvPicPr>
+          <p:cNvPr id="4" name="Picture 2" descr="388,500+ Pause Symbol Stock Photos, Pictures &amp; Royalty-Free ...">
+            <a:extLst>
+              <a:ext uri="{FF2B5EF4-FFF2-40B4-BE49-F238E27FC236}">
+                <a16:creationId xmlns:a16="http://schemas.microsoft.com/office/drawing/2014/main" id="{BA665B37-CD8C-DE1F-DAB8-ECE86970775C}"/>
+              </a:ext>
+            </a:extLst>
+          </p:cNvPr>
+          <p:cNvPicPr>
+            <a:picLocks noChangeAspect="1" noChangeArrowheads="1"/>
+          </p:cNvPicPr>
+          <p:nvPr/>
+        </p:nvPicPr>
+        <p:blipFill>
+          <a:blip r:embed="rId2">
+            <a:extLst>
+              <a:ext uri="{BEBA8EAE-BF5A-486C-A8C5-ECC9F3942E4B}">
+                <a14:imgProps xmlns:a14="http://schemas.microsoft.com/office/drawing/2010/main">
+                  <a14:imgLayer r:embed="rId3">
+                    <a14:imgEffect>
+                      <a14:backgroundRemoval t="10000" b="90000" l="10000" r="90000">
+                        <a14:foregroundMark x1="42857" y1="51875" x2="42857" y2="51875"/>
+                        <a14:foregroundMark x1="58929" y1="49375" x2="58929" y2="49375"/>
+                      </a14:backgroundRemoval>
+                    </a14:imgEffect>
+                  </a14:imgLayer>
+                </a14:imgProps>
+              </a:ext>
+              <a:ext uri="{28A0092B-C50C-407E-A947-70E740481C1C}">
+                <a14:useLocalDpi xmlns:a14="http://schemas.microsoft.com/office/drawing/2010/main" val="0"/>
+              </a:ext>
+            </a:extLst>
+          </a:blip>
+          <a:srcRect/>
+          <a:stretch>
+            <a:fillRect/>
+          </a:stretch>
+        </p:blipFill>
+        <p:spPr bwMode="auto">
+          <a:xfrm>
+            <a:off x="11218172" y="0"/>
+            <a:ext cx="973828" cy="927455"/>
+          </a:xfrm>
+          <a:prstGeom prst="rect">
+            <a:avLst/>
+          </a:prstGeom>
+          <a:noFill/>
+          <a:extLst>
+            <a:ext uri="{909E8E84-426E-40DD-AFC4-6F175D3DCCD1}">
+              <a14:hiddenFill xmlns:a14="http://schemas.microsoft.com/office/drawing/2010/main">
+                <a:solidFill>
+                  <a:srgbClr val="FFFFFF"/>
+                </a:solidFill>
+              </a14:hiddenFill>
+            </a:ext>
+          </a:extLst>
+        </p:spPr>
+      </p:pic>
     </p:spTree>
     <p:extLst>
       <p:ext uri="{BB962C8B-B14F-4D97-AF65-F5344CB8AC3E}">
@@ -7843,6 +8242,83 @@
   <p:clrMapOvr>
     <a:masterClrMapping/>
   </p:clrMapOvr>
+  <p:timing>
+    <p:tnLst>
+      <p:par>
+        <p:cTn id="1" dur="indefinite" restart="never" nodeType="tmRoot">
+          <p:childTnLst>
+            <p:seq concurrent="1" nextAc="seek">
+              <p:cTn id="2" dur="indefinite" nodeType="mainSeq">
+                <p:childTnLst>
+                  <p:par>
+                    <p:cTn id="3" fill="hold">
+                      <p:stCondLst>
+                        <p:cond delay="indefinite"/>
+                        <p:cond evt="onBegin" delay="0">
+                          <p:tn val="2"/>
+                        </p:cond>
+                      </p:stCondLst>
+                      <p:childTnLst>
+                        <p:par>
+                          <p:cTn id="4" fill="hold">
+                            <p:stCondLst>
+                              <p:cond delay="0"/>
+                            </p:stCondLst>
+                            <p:childTnLst>
+                              <p:par>
+                                <p:cTn id="5" presetID="26" presetClass="emph" presetSubtype="0" repeatCount="10000" fill="hold" nodeType="withEffect">
+                                  <p:stCondLst>
+                                    <p:cond delay="0"/>
+                                  </p:stCondLst>
+                                  <p:childTnLst>
+                                    <p:animEffect transition="out" filter="fade">
+                                      <p:cBhvr>
+                                        <p:cTn id="6" dur="500" tmFilter="0, 0; .2, .5; .8, .5; 1, 0"/>
+                                        <p:tgtEl>
+                                          <p:spTgt spid="4"/>
+                                        </p:tgtEl>
+                                      </p:cBhvr>
+                                    </p:animEffect>
+                                    <p:animScale>
+                                      <p:cBhvr>
+                                        <p:cTn id="7" dur="250" autoRev="1" fill="hold"/>
+                                        <p:tgtEl>
+                                          <p:spTgt spid="4"/>
+                                        </p:tgtEl>
+                                      </p:cBhvr>
+                                      <p:by x="105000" y="105000"/>
+                                    </p:animScale>
+                                  </p:childTnLst>
+                                </p:cTn>
+                              </p:par>
+                            </p:childTnLst>
+                          </p:cTn>
+                        </p:par>
+                      </p:childTnLst>
+                    </p:cTn>
+                  </p:par>
+                </p:childTnLst>
+              </p:cTn>
+              <p:prevCondLst>
+                <p:cond evt="onPrev" delay="0">
+                  <p:tgtEl>
+                    <p:sldTgt/>
+                  </p:tgtEl>
+                </p:cond>
+              </p:prevCondLst>
+              <p:nextCondLst>
+                <p:cond evt="onNext" delay="0">
+                  <p:tgtEl>
+                    <p:sldTgt/>
+                  </p:tgtEl>
+                </p:cond>
+              </p:nextCondLst>
+            </p:seq>
+          </p:childTnLst>
+        </p:cTn>
+      </p:par>
+    </p:tnLst>
+  </p:timing>
 </p:sld>
 </file>
 
@@ -8165,6 +8641,65 @@
           </a:p>
         </p:txBody>
       </p:sp>
+      <p:pic>
+        <p:nvPicPr>
+          <p:cNvPr id="4" name="Picture 2" descr="388,500+ Pause Symbol Stock Photos, Pictures &amp; Royalty-Free ...">
+            <a:extLst>
+              <a:ext uri="{FF2B5EF4-FFF2-40B4-BE49-F238E27FC236}">
+                <a16:creationId xmlns:a16="http://schemas.microsoft.com/office/drawing/2014/main" id="{BD7EC64D-2AE7-46C3-5992-080B5C610E83}"/>
+              </a:ext>
+            </a:extLst>
+          </p:cNvPr>
+          <p:cNvPicPr>
+            <a:picLocks noChangeAspect="1" noChangeArrowheads="1"/>
+          </p:cNvPicPr>
+          <p:nvPr/>
+        </p:nvPicPr>
+        <p:blipFill>
+          <a:blip r:embed="rId2">
+            <a:extLst>
+              <a:ext uri="{BEBA8EAE-BF5A-486C-A8C5-ECC9F3942E4B}">
+                <a14:imgProps xmlns:a14="http://schemas.microsoft.com/office/drawing/2010/main">
+                  <a14:imgLayer r:embed="rId3">
+                    <a14:imgEffect>
+                      <a14:backgroundRemoval t="10000" b="90000" l="10000" r="90000">
+                        <a14:foregroundMark x1="42857" y1="51875" x2="42857" y2="51875"/>
+                        <a14:foregroundMark x1="58929" y1="49375" x2="58929" y2="49375"/>
+                      </a14:backgroundRemoval>
+                    </a14:imgEffect>
+                  </a14:imgLayer>
+                </a14:imgProps>
+              </a:ext>
+              <a:ext uri="{28A0092B-C50C-407E-A947-70E740481C1C}">
+                <a14:useLocalDpi xmlns:a14="http://schemas.microsoft.com/office/drawing/2010/main" val="0"/>
+              </a:ext>
+            </a:extLst>
+          </a:blip>
+          <a:srcRect/>
+          <a:stretch>
+            <a:fillRect/>
+          </a:stretch>
+        </p:blipFill>
+        <p:spPr bwMode="auto">
+          <a:xfrm>
+            <a:off x="11218172" y="0"/>
+            <a:ext cx="973828" cy="927455"/>
+          </a:xfrm>
+          <a:prstGeom prst="rect">
+            <a:avLst/>
+          </a:prstGeom>
+          <a:noFill/>
+          <a:extLst>
+            <a:ext uri="{909E8E84-426E-40DD-AFC4-6F175D3DCCD1}">
+              <a14:hiddenFill xmlns:a14="http://schemas.microsoft.com/office/drawing/2010/main">
+                <a:solidFill>
+                  <a:srgbClr val="FFFFFF"/>
+                </a:solidFill>
+              </a14:hiddenFill>
+            </a:ext>
+          </a:extLst>
+        </p:spPr>
+      </p:pic>
     </p:spTree>
     <p:extLst>
       <p:ext uri="{BB962C8B-B14F-4D97-AF65-F5344CB8AC3E}">
@@ -8175,6 +8710,83 @@
   <p:clrMapOvr>
     <a:masterClrMapping/>
   </p:clrMapOvr>
+  <p:timing>
+    <p:tnLst>
+      <p:par>
+        <p:cTn id="1" dur="indefinite" restart="never" nodeType="tmRoot">
+          <p:childTnLst>
+            <p:seq concurrent="1" nextAc="seek">
+              <p:cTn id="2" dur="indefinite" nodeType="mainSeq">
+                <p:childTnLst>
+                  <p:par>
+                    <p:cTn id="3" fill="hold">
+                      <p:stCondLst>
+                        <p:cond delay="indefinite"/>
+                        <p:cond evt="onBegin" delay="0">
+                          <p:tn val="2"/>
+                        </p:cond>
+                      </p:stCondLst>
+                      <p:childTnLst>
+                        <p:par>
+                          <p:cTn id="4" fill="hold">
+                            <p:stCondLst>
+                              <p:cond delay="0"/>
+                            </p:stCondLst>
+                            <p:childTnLst>
+                              <p:par>
+                                <p:cTn id="5" presetID="26" presetClass="emph" presetSubtype="0" repeatCount="10000" fill="hold" nodeType="withEffect">
+                                  <p:stCondLst>
+                                    <p:cond delay="0"/>
+                                  </p:stCondLst>
+                                  <p:childTnLst>
+                                    <p:animEffect transition="out" filter="fade">
+                                      <p:cBhvr>
+                                        <p:cTn id="6" dur="500" tmFilter="0, 0; .2, .5; .8, .5; 1, 0"/>
+                                        <p:tgtEl>
+                                          <p:spTgt spid="4"/>
+                                        </p:tgtEl>
+                                      </p:cBhvr>
+                                    </p:animEffect>
+                                    <p:animScale>
+                                      <p:cBhvr>
+                                        <p:cTn id="7" dur="250" autoRev="1" fill="hold"/>
+                                        <p:tgtEl>
+                                          <p:spTgt spid="4"/>
+                                        </p:tgtEl>
+                                      </p:cBhvr>
+                                      <p:by x="105000" y="105000"/>
+                                    </p:animScale>
+                                  </p:childTnLst>
+                                </p:cTn>
+                              </p:par>
+                            </p:childTnLst>
+                          </p:cTn>
+                        </p:par>
+                      </p:childTnLst>
+                    </p:cTn>
+                  </p:par>
+                </p:childTnLst>
+              </p:cTn>
+              <p:prevCondLst>
+                <p:cond evt="onPrev" delay="0">
+                  <p:tgtEl>
+                    <p:sldTgt/>
+                  </p:tgtEl>
+                </p:cond>
+              </p:prevCondLst>
+              <p:nextCondLst>
+                <p:cond evt="onNext" delay="0">
+                  <p:tgtEl>
+                    <p:sldTgt/>
+                  </p:tgtEl>
+                </p:cond>
+              </p:nextCondLst>
+            </p:seq>
+          </p:childTnLst>
+        </p:cTn>
+      </p:par>
+    </p:tnLst>
+  </p:timing>
 </p:sld>
 </file>
 
@@ -8468,6 +9080,65 @@
           </a:p>
         </p:txBody>
       </p:sp>
+      <p:pic>
+        <p:nvPicPr>
+          <p:cNvPr id="4" name="Picture 2" descr="388,500+ Pause Symbol Stock Photos, Pictures &amp; Royalty-Free ...">
+            <a:extLst>
+              <a:ext uri="{FF2B5EF4-FFF2-40B4-BE49-F238E27FC236}">
+                <a16:creationId xmlns:a16="http://schemas.microsoft.com/office/drawing/2014/main" id="{50B5C821-28FC-722D-1E07-ACF154C03FF4}"/>
+              </a:ext>
+            </a:extLst>
+          </p:cNvPr>
+          <p:cNvPicPr>
+            <a:picLocks noChangeAspect="1" noChangeArrowheads="1"/>
+          </p:cNvPicPr>
+          <p:nvPr/>
+        </p:nvPicPr>
+        <p:blipFill>
+          <a:blip r:embed="rId2">
+            <a:extLst>
+              <a:ext uri="{BEBA8EAE-BF5A-486C-A8C5-ECC9F3942E4B}">
+                <a14:imgProps xmlns:a14="http://schemas.microsoft.com/office/drawing/2010/main">
+                  <a14:imgLayer r:embed="rId3">
+                    <a14:imgEffect>
+                      <a14:backgroundRemoval t="10000" b="90000" l="10000" r="90000">
+                        <a14:foregroundMark x1="42857" y1="51875" x2="42857" y2="51875"/>
+                        <a14:foregroundMark x1="58929" y1="49375" x2="58929" y2="49375"/>
+                      </a14:backgroundRemoval>
+                    </a14:imgEffect>
+                  </a14:imgLayer>
+                </a14:imgProps>
+              </a:ext>
+              <a:ext uri="{28A0092B-C50C-407E-A947-70E740481C1C}">
+                <a14:useLocalDpi xmlns:a14="http://schemas.microsoft.com/office/drawing/2010/main" val="0"/>
+              </a:ext>
+            </a:extLst>
+          </a:blip>
+          <a:srcRect/>
+          <a:stretch>
+            <a:fillRect/>
+          </a:stretch>
+        </p:blipFill>
+        <p:spPr bwMode="auto">
+          <a:xfrm>
+            <a:off x="11218172" y="0"/>
+            <a:ext cx="973828" cy="927455"/>
+          </a:xfrm>
+          <a:prstGeom prst="rect">
+            <a:avLst/>
+          </a:prstGeom>
+          <a:noFill/>
+          <a:extLst>
+            <a:ext uri="{909E8E84-426E-40DD-AFC4-6F175D3DCCD1}">
+              <a14:hiddenFill xmlns:a14="http://schemas.microsoft.com/office/drawing/2010/main">
+                <a:solidFill>
+                  <a:srgbClr val="FFFFFF"/>
+                </a:solidFill>
+              </a14:hiddenFill>
+            </a:ext>
+          </a:extLst>
+        </p:spPr>
+      </p:pic>
     </p:spTree>
     <p:extLst>
       <p:ext uri="{BB962C8B-B14F-4D97-AF65-F5344CB8AC3E}">
@@ -8478,6 +9149,83 @@
   <p:clrMapOvr>
     <a:masterClrMapping/>
   </p:clrMapOvr>
+  <p:timing>
+    <p:tnLst>
+      <p:par>
+        <p:cTn id="1" dur="indefinite" restart="never" nodeType="tmRoot">
+          <p:childTnLst>
+            <p:seq concurrent="1" nextAc="seek">
+              <p:cTn id="2" dur="indefinite" nodeType="mainSeq">
+                <p:childTnLst>
+                  <p:par>
+                    <p:cTn id="3" fill="hold">
+                      <p:stCondLst>
+                        <p:cond delay="indefinite"/>
+                        <p:cond evt="onBegin" delay="0">
+                          <p:tn val="2"/>
+                        </p:cond>
+                      </p:stCondLst>
+                      <p:childTnLst>
+                        <p:par>
+                          <p:cTn id="4" fill="hold">
+                            <p:stCondLst>
+                              <p:cond delay="0"/>
+                            </p:stCondLst>
+                            <p:childTnLst>
+                              <p:par>
+                                <p:cTn id="5" presetID="26" presetClass="emph" presetSubtype="0" repeatCount="10000" fill="hold" nodeType="withEffect">
+                                  <p:stCondLst>
+                                    <p:cond delay="0"/>
+                                  </p:stCondLst>
+                                  <p:childTnLst>
+                                    <p:animEffect transition="out" filter="fade">
+                                      <p:cBhvr>
+                                        <p:cTn id="6" dur="500" tmFilter="0, 0; .2, .5; .8, .5; 1, 0"/>
+                                        <p:tgtEl>
+                                          <p:spTgt spid="4"/>
+                                        </p:tgtEl>
+                                      </p:cBhvr>
+                                    </p:animEffect>
+                                    <p:animScale>
+                                      <p:cBhvr>
+                                        <p:cTn id="7" dur="250" autoRev="1" fill="hold"/>
+                                        <p:tgtEl>
+                                          <p:spTgt spid="4"/>
+                                        </p:tgtEl>
+                                      </p:cBhvr>
+                                      <p:by x="105000" y="105000"/>
+                                    </p:animScale>
+                                  </p:childTnLst>
+                                </p:cTn>
+                              </p:par>
+                            </p:childTnLst>
+                          </p:cTn>
+                        </p:par>
+                      </p:childTnLst>
+                    </p:cTn>
+                  </p:par>
+                </p:childTnLst>
+              </p:cTn>
+              <p:prevCondLst>
+                <p:cond evt="onPrev" delay="0">
+                  <p:tgtEl>
+                    <p:sldTgt/>
+                  </p:tgtEl>
+                </p:cond>
+              </p:prevCondLst>
+              <p:nextCondLst>
+                <p:cond evt="onNext" delay="0">
+                  <p:tgtEl>
+                    <p:sldTgt/>
+                  </p:tgtEl>
+                </p:cond>
+              </p:nextCondLst>
+            </p:seq>
+          </p:childTnLst>
+        </p:cTn>
+      </p:par>
+    </p:tnLst>
+  </p:timing>
 </p:sld>
 </file>
 
